--- a/受控文档/02-其他任务/[PRD-15]UML概述.pptx
+++ b/受控文档/02-其他任务/[PRD-15]UML概述.pptx
@@ -20,7 +20,7 @@
     <p:sldId id="286" r:id="rId11"/>
     <p:sldId id="287" r:id="rId12"/>
     <p:sldId id="288" r:id="rId13"/>
-    <p:sldId id="289" r:id="rId14"/>
+    <p:sldId id="327" r:id="rId14"/>
     <p:sldId id="290" r:id="rId15"/>
     <p:sldId id="291" r:id="rId16"/>
     <p:sldId id="292" r:id="rId17"/>
@@ -66,44 +66,55 @@
   <p:notesSz cx="6858000" cy="9144000"/>
   <p:embeddedFontLst>
     <p:embeddedFont>
-      <p:font typeface="Verdana" pitchFamily="34" charset="0"/>
+      <p:font typeface="等线" panose="02010600030101010101" pitchFamily="2" charset="-122"/>
       <p:regular r:id="rId56"/>
       <p:bold r:id="rId57"/>
-      <p:italic r:id="rId58"/>
-      <p:boldItalic r:id="rId59"/>
     </p:embeddedFont>
     <p:embeddedFont>
-      <p:font typeface="黑体" pitchFamily="49" charset="-122"/>
+      <p:font typeface="Calibri Light" panose="020F0302020204030204" pitchFamily="34" charset="0"/>
+      <p:regular r:id="rId58"/>
+      <p:italic r:id="rId59"/>
+    </p:embeddedFont>
+    <p:embeddedFont>
+      <p:font typeface="黑体" panose="02010609060101010101" pitchFamily="49" charset="-122"/>
       <p:regular r:id="rId60"/>
     </p:embeddedFont>
     <p:embeddedFont>
-      <p:font typeface="等线" pitchFamily="2" charset="-122"/>
+      <p:font typeface="等线 Light" panose="02010600030101010101" pitchFamily="2" charset="-122"/>
       <p:regular r:id="rId61"/>
-      <p:bold r:id="rId62"/>
     </p:embeddedFont>
     <p:embeddedFont>
-      <p:font typeface="方正姚体" pitchFamily="2" charset="-122"/>
-      <p:regular r:id="rId63"/>
+      <p:font typeface="Verdana" panose="020B0604030504040204" pitchFamily="34" charset="0"/>
+      <p:regular r:id="rId62"/>
+      <p:bold r:id="rId63"/>
+      <p:italic r:id="rId64"/>
+      <p:boldItalic r:id="rId65"/>
     </p:embeddedFont>
     <p:embeddedFont>
-      <p:font typeface="Calibri" pitchFamily="34" charset="0"/>
-      <p:regular r:id="rId64"/>
-      <p:bold r:id="rId65"/>
-      <p:italic r:id="rId66"/>
-      <p:boldItalic r:id="rId67"/>
+      <p:font typeface="方正姚体" panose="02010601030101010101" pitchFamily="2" charset="-122"/>
+      <p:regular r:id="rId66"/>
     </p:embeddedFont>
     <p:embeddedFont>
-      <p:font typeface="等线 Light" pitchFamily="2" charset="-122"/>
-      <p:regular r:id="rId68"/>
+      <p:font typeface="ＭＳ Ｐゴシック" panose="020B0600070205080204" pitchFamily="34" charset="-128"/>
+      <p:regular r:id="rId67"/>
     </p:embeddedFont>
     <p:embeddedFont>
-      <p:font typeface="ＭＳ Ｐゴシック" pitchFamily="34" charset="-128"/>
-      <p:regular r:id="rId69"/>
+      <p:font typeface="Calibri" panose="020F0502020204030204" pitchFamily="34" charset="0"/>
+      <p:regular r:id="rId68"/>
+      <p:bold r:id="rId69"/>
+      <p:italic r:id="rId70"/>
+      <p:boldItalic r:id="rId71"/>
     </p:embeddedFont>
     <p:embeddedFont>
-      <p:font typeface="Calibri Light" pitchFamily="34" charset="0"/>
-      <p:regular r:id="rId70"/>
-      <p:italic r:id="rId71"/>
+      <p:font typeface="Verdana" panose="020B0604030504040204" pitchFamily="34" charset="0"/>
+      <p:regular r:id="rId62"/>
+      <p:bold r:id="rId63"/>
+      <p:italic r:id="rId64"/>
+      <p:boldItalic r:id="rId65"/>
+    </p:embeddedFont>
+    <p:embeddedFont>
+      <p:font typeface="黑体" panose="02010609060101010101" pitchFamily="49" charset="-122"/>
+      <p:regular r:id="rId60"/>
     </p:embeddedFont>
   </p:embeddedFontLst>
   <p:defaultTextStyle>
@@ -203,7 +214,7 @@
   </p:defaultTextStyle>
   <p:extLst>
     <p:ext uri="{EFAFB233-063F-42B5-8137-9DF3F51BA10A}">
-      <p15:sldGuideLst xmlns:p15="http://schemas.microsoft.com/office/powerpoint/2012/main" xmlns="">
+      <p15:sldGuideLst xmlns:p15="http://schemas.microsoft.com/office/powerpoint/2012/main">
         <p15:guide id="1" orient="horz" pos="2137" userDrawn="1">
           <p15:clr>
             <a:srgbClr val="A4A3A4"/>
@@ -302,7 +313,7 @@
           <a:p>
             <a:fld id="{A109EA2A-4C48-4C61-B30A-DAB1A3E93B21}" type="datetimeFigureOut">
               <a:rPr lang="zh-CN" altLang="en-US" smtClean="0"/>
-              <a:t>2018/10/14</a:t>
+              <a:t>2018/10/18</a:t>
             </a:fld>
             <a:endParaRPr lang="zh-CN" altLang="en-US"/>
           </a:p>
@@ -778,77 +789,332 @@
           <a:lstStyle/>
           <a:p>
             <a:r>
-              <a:rPr kumimoji="1" lang="zh-CN" altLang="en-US" dirty="0"/>
-              <a:t>接口之间也可以有与类之间关系类似的继承关系和依赖关系，但是接口和类之间还存在一种实现</a:t>
-            </a:r>
-            <a:r>
-              <a:rPr kumimoji="1" lang="en-US" altLang="zh-CN" dirty="0"/>
+              <a:rPr lang="zh-CN" altLang="en-US" sz="1200" b="0" i="0" u="none" strike="noStrike" kern="1200" dirty="0">
+                <a:solidFill>
+                  <a:schemeClr val="tx1"/>
+                </a:solidFill>
+                <a:effectLst/>
+                <a:latin typeface="+mn-lt"/>
+                <a:ea typeface="+mn-ea"/>
+                <a:cs typeface="+mn-cs"/>
+              </a:rPr>
+              <a:t>多重性关联关系又称为重数性</a:t>
+            </a:r>
+            <a:r>
+              <a:rPr lang="en-US" altLang="zh-CN" sz="1200" b="0" i="0" u="none" strike="noStrike" kern="1200" dirty="0">
+                <a:solidFill>
+                  <a:schemeClr val="tx1"/>
+                </a:solidFill>
+                <a:effectLst/>
+                <a:latin typeface="+mn-lt"/>
+                <a:ea typeface="+mn-ea"/>
+                <a:cs typeface="+mn-cs"/>
+              </a:rPr>
               <a:t>(</a:t>
             </a:r>
             <a:r>
-              <a:rPr kumimoji="1" lang="en" altLang="zh-CN" dirty="0"/>
-              <a:t>Realization)</a:t>
-            </a:r>
-            <a:r>
-              <a:rPr kumimoji="1" lang="zh-CN" altLang="en-US" dirty="0"/>
-              <a:t>关系，在这种关系中，类实现了接口，类中的操作实现了接口中所声明的操作。在</a:t>
-            </a:r>
-            <a:r>
-              <a:rPr kumimoji="1" lang="en" altLang="zh-CN" dirty="0"/>
+              <a:rPr lang="en" altLang="zh-CN" sz="1200" b="0" i="0" u="none" strike="noStrike" kern="1200" dirty="0">
+                <a:solidFill>
+                  <a:schemeClr val="tx1"/>
+                </a:solidFill>
+                <a:effectLst/>
+                <a:latin typeface="+mn-lt"/>
+                <a:ea typeface="+mn-ea"/>
+                <a:cs typeface="+mn-cs"/>
+              </a:rPr>
+              <a:t>Multiplicity)</a:t>
+            </a:r>
+            <a:r>
+              <a:rPr lang="zh-CN" altLang="en-US" sz="1200" b="0" i="0" u="none" strike="noStrike" kern="1200" dirty="0">
+                <a:solidFill>
+                  <a:schemeClr val="tx1"/>
+                </a:solidFill>
+                <a:effectLst/>
+                <a:latin typeface="+mn-lt"/>
+                <a:ea typeface="+mn-ea"/>
+                <a:cs typeface="+mn-cs"/>
+              </a:rPr>
+              <a:t>关联关系，表示两个关联对象在数量上的对应关系。</a:t>
+            </a:r>
+            <a:endParaRPr lang="en-US" altLang="zh-CN" sz="1200" b="0" i="0" u="none" strike="noStrike" kern="1200" dirty="0">
+              <a:solidFill>
+                <a:schemeClr val="tx1"/>
+              </a:solidFill>
+              <a:effectLst/>
+              <a:latin typeface="+mn-lt"/>
+              <a:ea typeface="+mn-ea"/>
+              <a:cs typeface="+mn-cs"/>
+            </a:endParaRPr>
+          </a:p>
+          <a:p>
+            <a:r>
+              <a:rPr lang="zh-CN" altLang="en-US" sz="1200" b="0" i="0" u="none" strike="noStrike" kern="1200" dirty="0">
+                <a:solidFill>
+                  <a:schemeClr val="tx1"/>
+                </a:solidFill>
+                <a:effectLst/>
+                <a:latin typeface="+mn-lt"/>
+                <a:ea typeface="+mn-ea"/>
+                <a:cs typeface="+mn-cs"/>
+              </a:rPr>
+              <a:t>在</a:t>
+            </a:r>
+            <a:r>
+              <a:rPr lang="en" altLang="zh-CN" sz="1200" b="0" i="0" u="none" strike="noStrike" kern="1200" dirty="0">
+                <a:solidFill>
+                  <a:schemeClr val="tx1"/>
+                </a:solidFill>
+                <a:effectLst/>
+                <a:latin typeface="+mn-lt"/>
+                <a:ea typeface="+mn-ea"/>
+                <a:cs typeface="+mn-cs"/>
+              </a:rPr>
               <a:t>UML</a:t>
             </a:r>
             <a:r>
-              <a:rPr kumimoji="1" lang="zh-CN" altLang="en-US" dirty="0"/>
-              <a:t>中，类与接口之间的实现关系用带空心三角形的虚线来表示。例如：定义了一个交通工具接口</a:t>
-            </a:r>
-            <a:r>
-              <a:rPr kumimoji="1" lang="en" altLang="zh-CN" dirty="0"/>
-              <a:t>Vehicle</a:t>
-            </a:r>
-            <a:r>
-              <a:rPr kumimoji="1" lang="zh-CN" altLang="en" dirty="0"/>
+              <a:rPr lang="zh-CN" altLang="en-US" sz="1200" b="0" i="0" u="none" strike="noStrike" kern="1200" dirty="0">
+                <a:solidFill>
+                  <a:schemeClr val="tx1"/>
+                </a:solidFill>
+                <a:effectLst/>
+                <a:latin typeface="+mn-lt"/>
+                <a:ea typeface="+mn-ea"/>
+                <a:cs typeface="+mn-cs"/>
+              </a:rPr>
+              <a:t>中，对象之间的多重性可以直接在关联直线上用一个数字或一个数字范围表示。</a:t>
+            </a:r>
+          </a:p>
+          <a:p>
+            <a:r>
+              <a:rPr lang="zh-CN" altLang="en-US" sz="1200" b="0" i="0" u="none" strike="noStrike" kern="1200" dirty="0">
+                <a:solidFill>
+                  <a:schemeClr val="tx1"/>
+                </a:solidFill>
+                <a:effectLst/>
+                <a:latin typeface="+mn-lt"/>
+                <a:ea typeface="+mn-ea"/>
+                <a:cs typeface="+mn-cs"/>
+              </a:rPr>
+              <a:t>对象之间可以存在多种多重性关联关系，常见的多重性表示方式如表所示：</a:t>
+            </a:r>
+          </a:p>
+          <a:p>
+            <a:r>
+              <a:rPr lang="zh-CN" altLang="en-US" sz="1200" b="0" i="0" u="none" strike="noStrike" kern="1200" dirty="0">
+                <a:solidFill>
+                  <a:schemeClr val="tx1"/>
+                </a:solidFill>
+                <a:effectLst/>
+                <a:latin typeface="+mn-lt"/>
+                <a:ea typeface="+mn-ea"/>
+                <a:cs typeface="+mn-cs"/>
+              </a:rPr>
+              <a:t>例如：一个界面</a:t>
+            </a:r>
+            <a:r>
+              <a:rPr lang="en-US" altLang="zh-CN" sz="1200" b="0" i="0" u="none" strike="noStrike" kern="1200" dirty="0">
+                <a:solidFill>
+                  <a:schemeClr val="tx1"/>
+                </a:solidFill>
+                <a:effectLst/>
+                <a:latin typeface="+mn-lt"/>
+                <a:ea typeface="+mn-ea"/>
+                <a:cs typeface="+mn-cs"/>
+              </a:rPr>
+              <a:t>(</a:t>
+            </a:r>
+            <a:r>
+              <a:rPr lang="en" altLang="zh-CN" sz="1200" b="0" i="0" u="none" strike="noStrike" kern="1200" dirty="0">
+                <a:solidFill>
+                  <a:schemeClr val="tx1"/>
+                </a:solidFill>
+                <a:effectLst/>
+                <a:latin typeface="+mn-lt"/>
+                <a:ea typeface="+mn-ea"/>
+                <a:cs typeface="+mn-cs"/>
+              </a:rPr>
+              <a:t>Form)</a:t>
+            </a:r>
+            <a:r>
+              <a:rPr lang="zh-CN" altLang="en-US" sz="1200" b="0" i="0" u="none" strike="noStrike" kern="1200" dirty="0">
+                <a:solidFill>
+                  <a:schemeClr val="tx1"/>
+                </a:solidFill>
+                <a:effectLst/>
+                <a:latin typeface="+mn-lt"/>
+                <a:ea typeface="+mn-ea"/>
+                <a:cs typeface="+mn-cs"/>
+              </a:rPr>
+              <a:t>可以拥有零个或多个按钮</a:t>
+            </a:r>
+            <a:r>
+              <a:rPr lang="en-US" altLang="zh-CN" sz="1200" b="0" i="0" u="none" strike="noStrike" kern="1200" dirty="0">
+                <a:solidFill>
+                  <a:schemeClr val="tx1"/>
+                </a:solidFill>
+                <a:effectLst/>
+                <a:latin typeface="+mn-lt"/>
+                <a:ea typeface="+mn-ea"/>
+                <a:cs typeface="+mn-cs"/>
+              </a:rPr>
+              <a:t>(</a:t>
+            </a:r>
+            <a:r>
+              <a:rPr lang="en" altLang="zh-CN" sz="1200" b="0" i="0" u="none" strike="noStrike" kern="1200" dirty="0">
+                <a:solidFill>
+                  <a:schemeClr val="tx1"/>
+                </a:solidFill>
+                <a:effectLst/>
+                <a:latin typeface="+mn-lt"/>
+                <a:ea typeface="+mn-ea"/>
+                <a:cs typeface="+mn-cs"/>
+              </a:rPr>
+              <a:t>Button)</a:t>
+            </a:r>
+            <a:r>
+              <a:rPr lang="zh-CN" altLang="en" sz="1200" b="0" i="0" u="none" strike="noStrike" kern="1200" dirty="0">
+                <a:solidFill>
+                  <a:schemeClr val="tx1"/>
+                </a:solidFill>
+                <a:effectLst/>
+                <a:latin typeface="+mn-lt"/>
+                <a:ea typeface="+mn-ea"/>
+                <a:cs typeface="+mn-cs"/>
+              </a:rPr>
               <a:t>，</a:t>
             </a:r>
             <a:r>
-              <a:rPr kumimoji="1" lang="zh-CN" altLang="en-US" dirty="0"/>
-              <a:t>包含一个抽象操作</a:t>
-            </a:r>
-            <a:r>
-              <a:rPr kumimoji="1" lang="en" altLang="zh-CN" dirty="0"/>
-              <a:t>move()</a:t>
-            </a:r>
-            <a:r>
-              <a:rPr kumimoji="1" lang="zh-CN" altLang="en" dirty="0"/>
-              <a:t>，</a:t>
-            </a:r>
-            <a:r>
-              <a:rPr kumimoji="1" lang="zh-CN" altLang="en-US" dirty="0"/>
-              <a:t>在类</a:t>
-            </a:r>
-            <a:r>
-              <a:rPr kumimoji="1" lang="en" altLang="zh-CN" dirty="0"/>
-              <a:t>Ship</a:t>
-            </a:r>
-            <a:r>
-              <a:rPr kumimoji="1" lang="zh-CN" altLang="en-US" dirty="0"/>
-              <a:t>和类</a:t>
-            </a:r>
-            <a:r>
-              <a:rPr kumimoji="1" lang="en" altLang="zh-CN" dirty="0"/>
-              <a:t>Car</a:t>
-            </a:r>
-            <a:r>
-              <a:rPr kumimoji="1" lang="zh-CN" altLang="en-US" dirty="0"/>
-              <a:t>中都实现了该</a:t>
-            </a:r>
-            <a:r>
-              <a:rPr kumimoji="1" lang="en" altLang="zh-CN" dirty="0"/>
-              <a:t>move()</a:t>
-            </a:r>
-            <a:r>
-              <a:rPr kumimoji="1" lang="zh-CN" altLang="en-US" dirty="0"/>
-              <a:t>操作，不过具体的实现细节将会不一样</a:t>
-            </a:r>
+              <a:rPr lang="zh-CN" altLang="en-US" sz="1200" b="0" i="0" u="none" strike="noStrike" kern="1200" dirty="0">
+                <a:solidFill>
+                  <a:schemeClr val="tx1"/>
+                </a:solidFill>
+                <a:effectLst/>
+                <a:latin typeface="+mn-lt"/>
+                <a:ea typeface="+mn-ea"/>
+                <a:cs typeface="+mn-cs"/>
+              </a:rPr>
+              <a:t>但是一个按钮只能属于一个界面，</a:t>
+            </a:r>
+            <a:endParaRPr lang="en-US" altLang="zh-CN" sz="1200" b="0" i="0" u="none" strike="noStrike" kern="1200" dirty="0">
+              <a:solidFill>
+                <a:schemeClr val="tx1"/>
+              </a:solidFill>
+              <a:effectLst/>
+              <a:latin typeface="+mn-lt"/>
+              <a:ea typeface="+mn-ea"/>
+              <a:cs typeface="+mn-cs"/>
+            </a:endParaRPr>
+          </a:p>
+          <a:p>
+            <a:r>
+              <a:rPr lang="zh-CN" altLang="en-US" sz="1200" b="0" i="0" u="none" strike="noStrike" kern="1200" dirty="0">
+                <a:solidFill>
+                  <a:schemeClr val="tx1"/>
+                </a:solidFill>
+                <a:effectLst/>
+                <a:latin typeface="+mn-lt"/>
+                <a:ea typeface="+mn-ea"/>
+                <a:cs typeface="+mn-cs"/>
+              </a:rPr>
+              <a:t>因此，一个</a:t>
+            </a:r>
+            <a:r>
+              <a:rPr lang="en" altLang="zh-CN" sz="1200" b="0" i="0" u="none" strike="noStrike" kern="1200" dirty="0">
+                <a:solidFill>
+                  <a:schemeClr val="tx1"/>
+                </a:solidFill>
+                <a:effectLst/>
+                <a:latin typeface="+mn-lt"/>
+                <a:ea typeface="+mn-ea"/>
+                <a:cs typeface="+mn-cs"/>
+              </a:rPr>
+              <a:t>Form</a:t>
+            </a:r>
+            <a:r>
+              <a:rPr lang="zh-CN" altLang="en-US" sz="1200" b="0" i="0" u="none" strike="noStrike" kern="1200" dirty="0">
+                <a:solidFill>
+                  <a:schemeClr val="tx1"/>
+                </a:solidFill>
+                <a:effectLst/>
+                <a:latin typeface="+mn-lt"/>
+                <a:ea typeface="+mn-ea"/>
+                <a:cs typeface="+mn-cs"/>
+              </a:rPr>
+              <a:t>类的对象可以与零个或多个</a:t>
+            </a:r>
+            <a:r>
+              <a:rPr lang="en" altLang="zh-CN" sz="1200" b="0" i="0" u="none" strike="noStrike" kern="1200" dirty="0">
+                <a:solidFill>
+                  <a:schemeClr val="tx1"/>
+                </a:solidFill>
+                <a:effectLst/>
+                <a:latin typeface="+mn-lt"/>
+                <a:ea typeface="+mn-ea"/>
+                <a:cs typeface="+mn-cs"/>
+              </a:rPr>
+              <a:t>Button</a:t>
+            </a:r>
+            <a:r>
+              <a:rPr lang="zh-CN" altLang="en-US" sz="1200" b="0" i="0" u="none" strike="noStrike" kern="1200" dirty="0">
+                <a:solidFill>
+                  <a:schemeClr val="tx1"/>
+                </a:solidFill>
+                <a:effectLst/>
+                <a:latin typeface="+mn-lt"/>
+                <a:ea typeface="+mn-ea"/>
+                <a:cs typeface="+mn-cs"/>
+              </a:rPr>
+              <a:t>类的对象相关联，但一个</a:t>
+            </a:r>
+            <a:r>
+              <a:rPr lang="en" altLang="zh-CN" sz="1200" b="0" i="0" u="none" strike="noStrike" kern="1200" dirty="0">
+                <a:solidFill>
+                  <a:schemeClr val="tx1"/>
+                </a:solidFill>
+                <a:effectLst/>
+                <a:latin typeface="+mn-lt"/>
+                <a:ea typeface="+mn-ea"/>
+                <a:cs typeface="+mn-cs"/>
+              </a:rPr>
+              <a:t>Button</a:t>
+            </a:r>
+            <a:r>
+              <a:rPr lang="zh-CN" altLang="en-US" sz="1200" b="0" i="0" u="none" strike="noStrike" kern="1200" dirty="0">
+                <a:solidFill>
+                  <a:schemeClr val="tx1"/>
+                </a:solidFill>
+                <a:effectLst/>
+                <a:latin typeface="+mn-lt"/>
+                <a:ea typeface="+mn-ea"/>
+                <a:cs typeface="+mn-cs"/>
+              </a:rPr>
+              <a:t>类的对象只能与一个</a:t>
+            </a:r>
+            <a:r>
+              <a:rPr lang="en" altLang="zh-CN" sz="1200" b="0" i="0" u="none" strike="noStrike" kern="1200" dirty="0">
+                <a:solidFill>
+                  <a:schemeClr val="tx1"/>
+                </a:solidFill>
+                <a:effectLst/>
+                <a:latin typeface="+mn-lt"/>
+                <a:ea typeface="+mn-ea"/>
+                <a:cs typeface="+mn-cs"/>
+              </a:rPr>
+              <a:t>Form</a:t>
+            </a:r>
+            <a:r>
+              <a:rPr lang="zh-CN" altLang="en-US" sz="1200" b="0" i="0" u="none" strike="noStrike" kern="1200" dirty="0">
+                <a:solidFill>
+                  <a:schemeClr val="tx1"/>
+                </a:solidFill>
+                <a:effectLst/>
+                <a:latin typeface="+mn-lt"/>
+                <a:ea typeface="+mn-ea"/>
+                <a:cs typeface="+mn-cs"/>
+              </a:rPr>
+              <a:t>类的对象关联，如图所示</a:t>
+            </a:r>
+            <a:endParaRPr kumimoji="1" lang="zh-CN" altLang="en-US" dirty="0"/>
           </a:p>
         </p:txBody>
       </p:sp>
@@ -869,7 +1135,7 @@
           <a:p>
             <a:fld id="{74B31000-9408-426B-B873-D4C066E48AF8}" type="slidenum">
               <a:rPr lang="zh-CN" altLang="en-US" smtClean="0"/>
-              <a:t>34</a:t>
+              <a:t>31</a:t>
             </a:fld>
             <a:endParaRPr lang="zh-CN" altLang="en-US"/>
           </a:p>
@@ -878,7 +1144,7 @@
     </p:spTree>
     <p:extLst>
       <p:ext uri="{BB962C8B-B14F-4D97-AF65-F5344CB8AC3E}">
-        <p14:creationId xmlns:p14="http://schemas.microsoft.com/office/powerpoint/2010/main" val="409802879"/>
+        <p14:creationId xmlns:p14="http://schemas.microsoft.com/office/powerpoint/2010/main" val="4006479335"/>
       </p:ext>
     </p:extLst>
   </p:cSld>
@@ -1147,7 +1413,7 @@
           <a:p>
             <a:fld id="{74B31000-9408-426B-B873-D4C066E48AF8}" type="slidenum">
               <a:rPr lang="zh-CN" altLang="en-US" smtClean="0"/>
-              <a:t>50</a:t>
+              <a:t>32</a:t>
             </a:fld>
             <a:endParaRPr lang="zh-CN" altLang="en-US"/>
           </a:p>
@@ -1212,19 +1478,144 @@
           <a:p>
             <a:r>
               <a:rPr kumimoji="1" lang="zh-CN" altLang="en-US" dirty="0"/>
-              <a:t>可以简单的理解，就是一个类</a:t>
+              <a:t>泛化</a:t>
+            </a:r>
+            <a:r>
+              <a:rPr kumimoji="1" lang="en-US" altLang="zh-CN" dirty="0"/>
+              <a:t>(</a:t>
             </a:r>
             <a:r>
               <a:rPr kumimoji="1" lang="en" altLang="zh-CN" dirty="0"/>
-              <a:t>A</a:t>
+              <a:t>Generalization)</a:t>
             </a:r>
             <a:r>
               <a:rPr kumimoji="1" lang="zh-CN" altLang="en-US" dirty="0"/>
-              <a:t>使用到了另一个类</a:t>
+              <a:t>关系也就是继承关系，用于描述父类与子类之间的关系，父类又称作基类或超类，子类又称作派生类。</a:t>
+            </a:r>
+            <a:endParaRPr kumimoji="1" lang="en-US" altLang="zh-CN" dirty="0"/>
+          </a:p>
+          <a:p>
+            <a:r>
+              <a:rPr kumimoji="1" lang="zh-CN" altLang="en-US" dirty="0"/>
+              <a:t>在</a:t>
             </a:r>
             <a:r>
               <a:rPr kumimoji="1" lang="en" altLang="zh-CN" dirty="0"/>
-              <a:t>B</a:t>
+              <a:t>UML</a:t>
+            </a:r>
+            <a:r>
+              <a:rPr kumimoji="1" lang="zh-CN" altLang="en-US" dirty="0"/>
+              <a:t>中，泛化关系用带空心三角形的直线来表示。在代码实现时，我们使用面向对象的继承机制来实现泛化关系，</a:t>
+            </a:r>
+            <a:endParaRPr kumimoji="1" lang="en-US" altLang="zh-CN" dirty="0"/>
+          </a:p>
+          <a:p>
+            <a:r>
+              <a:rPr kumimoji="1" lang="zh-CN" altLang="en-US" dirty="0"/>
+              <a:t>如在</a:t>
+            </a:r>
+            <a:r>
+              <a:rPr kumimoji="1" lang="en" altLang="zh-CN" dirty="0"/>
+              <a:t>Java</a:t>
+            </a:r>
+            <a:r>
+              <a:rPr kumimoji="1" lang="zh-CN" altLang="en-US" dirty="0"/>
+              <a:t>语言中使用</a:t>
+            </a:r>
+            <a:r>
+              <a:rPr kumimoji="1" lang="en" altLang="zh-CN" dirty="0"/>
+              <a:t>extends</a:t>
+            </a:r>
+            <a:r>
+              <a:rPr kumimoji="1" lang="zh-CN" altLang="en-US" dirty="0"/>
+              <a:t>关键字、在</a:t>
+            </a:r>
+            <a:r>
+              <a:rPr kumimoji="1" lang="en" altLang="zh-CN" dirty="0"/>
+              <a:t>C++/C#</a:t>
+            </a:r>
+            <a:r>
+              <a:rPr kumimoji="1" lang="zh-CN" altLang="en-US" dirty="0"/>
+              <a:t>中使用冒号“：”来实现。例如：</a:t>
+            </a:r>
+            <a:r>
+              <a:rPr kumimoji="1" lang="en" altLang="zh-CN" dirty="0"/>
+              <a:t>Student</a:t>
+            </a:r>
+            <a:r>
+              <a:rPr kumimoji="1" lang="zh-CN" altLang="en-US" dirty="0"/>
+              <a:t>类和</a:t>
+            </a:r>
+            <a:r>
+              <a:rPr kumimoji="1" lang="en" altLang="zh-CN" dirty="0"/>
+              <a:t>Teacher</a:t>
+            </a:r>
+            <a:r>
+              <a:rPr kumimoji="1" lang="zh-CN" altLang="en-US" dirty="0"/>
+              <a:t>类都是</a:t>
+            </a:r>
+            <a:r>
+              <a:rPr kumimoji="1" lang="en" altLang="zh-CN" dirty="0"/>
+              <a:t>Person</a:t>
+            </a:r>
+            <a:r>
+              <a:rPr kumimoji="1" lang="zh-CN" altLang="en-US" dirty="0"/>
+              <a:t>类的子类，</a:t>
+            </a:r>
+            <a:endParaRPr kumimoji="1" lang="en-US" altLang="zh-CN" dirty="0"/>
+          </a:p>
+          <a:p>
+            <a:r>
+              <a:rPr kumimoji="1" lang="en" altLang="zh-CN" dirty="0"/>
+              <a:t>Student</a:t>
+            </a:r>
+            <a:r>
+              <a:rPr kumimoji="1" lang="zh-CN" altLang="en-US" dirty="0"/>
+              <a:t>类和</a:t>
+            </a:r>
+            <a:r>
+              <a:rPr kumimoji="1" lang="en" altLang="zh-CN" dirty="0"/>
+              <a:t>Teacher</a:t>
+            </a:r>
+            <a:r>
+              <a:rPr kumimoji="1" lang="zh-CN" altLang="en-US" dirty="0"/>
+              <a:t>类继承了</a:t>
+            </a:r>
+            <a:r>
+              <a:rPr kumimoji="1" lang="en" altLang="zh-CN" dirty="0"/>
+              <a:t>Person</a:t>
+            </a:r>
+            <a:r>
+              <a:rPr kumimoji="1" lang="zh-CN" altLang="en-US" dirty="0"/>
+              <a:t>类的属性和方法，</a:t>
+            </a:r>
+            <a:r>
+              <a:rPr kumimoji="1" lang="en" altLang="zh-CN" dirty="0"/>
+              <a:t>Person</a:t>
+            </a:r>
+            <a:r>
+              <a:rPr kumimoji="1" lang="zh-CN" altLang="en-US" dirty="0"/>
+              <a:t>类的属性包含姓名</a:t>
+            </a:r>
+            <a:r>
+              <a:rPr kumimoji="1" lang="en-US" altLang="zh-CN" dirty="0"/>
+              <a:t>(</a:t>
+            </a:r>
+            <a:r>
+              <a:rPr kumimoji="1" lang="en" altLang="zh-CN" dirty="0"/>
+              <a:t>name)</a:t>
+            </a:r>
+            <a:r>
+              <a:rPr kumimoji="1" lang="zh-CN" altLang="en-US" dirty="0"/>
+              <a:t>和年龄</a:t>
+            </a:r>
+            <a:r>
+              <a:rPr kumimoji="1" lang="en-US" altLang="zh-CN" dirty="0"/>
+              <a:t>(</a:t>
+            </a:r>
+            <a:r>
+              <a:rPr kumimoji="1" lang="en" altLang="zh-CN" dirty="0"/>
+              <a:t>age)</a:t>
             </a:r>
             <a:r>
               <a:rPr kumimoji="1" lang="zh-CN" altLang="en" dirty="0"/>
@@ -1232,127 +1623,86 @@
             </a:r>
             <a:r>
               <a:rPr kumimoji="1" lang="zh-CN" altLang="en-US" dirty="0"/>
-              <a:t>而这种使用关系是具有偶然性的、临时性的、非常弱的，但是</a:t>
+              <a:t>每一个</a:t>
             </a:r>
             <a:r>
               <a:rPr kumimoji="1" lang="en" altLang="zh-CN" dirty="0"/>
-              <a:t>B</a:t>
+              <a:t>Student</a:t>
             </a:r>
             <a:r>
               <a:rPr kumimoji="1" lang="zh-CN" altLang="en-US" dirty="0"/>
-              <a:t>类的变化会影响到</a:t>
+              <a:t>和</a:t>
             </a:r>
             <a:r>
               <a:rPr kumimoji="1" lang="en" altLang="zh-CN" dirty="0"/>
-              <a:t>A</a:t>
+              <a:t>Teacher</a:t>
+            </a:r>
+            <a:r>
+              <a:rPr kumimoji="1" lang="zh-CN" altLang="en-US" dirty="0"/>
+              <a:t>也都具有这两个属性，</a:t>
+            </a:r>
+            <a:endParaRPr kumimoji="1" lang="en-US" altLang="zh-CN" dirty="0"/>
+          </a:p>
+          <a:p>
+            <a:r>
+              <a:rPr kumimoji="1" lang="zh-CN" altLang="en-US" dirty="0"/>
+              <a:t>另外</a:t>
+            </a:r>
+            <a:r>
+              <a:rPr kumimoji="1" lang="en" altLang="zh-CN" dirty="0"/>
+              <a:t>Student</a:t>
+            </a:r>
+            <a:r>
+              <a:rPr kumimoji="1" lang="zh-CN" altLang="en-US" dirty="0"/>
+              <a:t>类增加了属性学号</a:t>
+            </a:r>
+            <a:r>
+              <a:rPr kumimoji="1" lang="en-US" altLang="zh-CN" dirty="0"/>
+              <a:t>(</a:t>
+            </a:r>
+            <a:r>
+              <a:rPr kumimoji="1" lang="en" altLang="zh-CN" dirty="0" err="1"/>
+              <a:t>studentNo</a:t>
+            </a:r>
+            <a:r>
+              <a:rPr kumimoji="1" lang="en" altLang="zh-CN" dirty="0"/>
+              <a:t>)</a:t>
             </a:r>
             <a:r>
               <a:rPr kumimoji="1" lang="zh-CN" altLang="en" dirty="0"/>
-              <a:t>；</a:t>
+              <a:t>，</a:t>
+            </a:r>
+            <a:r>
+              <a:rPr kumimoji="1" lang="en" altLang="zh-CN" dirty="0"/>
+              <a:t>Teacher</a:t>
             </a:r>
             <a:r>
               <a:rPr kumimoji="1" lang="zh-CN" altLang="en-US" dirty="0"/>
-              <a:t>比如某人要过河，需要借用一条船，</a:t>
-            </a:r>
-            <a:endParaRPr kumimoji="1" lang="en-US" altLang="zh-CN" dirty="0"/>
-          </a:p>
-          <a:p>
+              <a:t>类增加了属性教师编号</a:t>
+            </a:r>
+            <a:r>
+              <a:rPr kumimoji="1" lang="en-US" altLang="zh-CN" dirty="0"/>
+              <a:t>(</a:t>
+            </a:r>
+            <a:r>
+              <a:rPr kumimoji="1" lang="en" altLang="zh-CN" dirty="0" err="1"/>
+              <a:t>teacherNo</a:t>
+            </a:r>
+            <a:r>
+              <a:rPr kumimoji="1" lang="en" altLang="zh-CN" dirty="0"/>
+              <a:t>)</a:t>
+            </a:r>
+            <a:r>
+              <a:rPr kumimoji="1" lang="zh-CN" altLang="en" dirty="0"/>
+              <a:t>，</a:t>
+            </a:r>
+            <a:r>
+              <a:rPr kumimoji="1" lang="en" altLang="zh-CN" dirty="0"/>
+              <a:t>Person</a:t>
+            </a:r>
             <a:r>
               <a:rPr kumimoji="1" lang="zh-CN" altLang="en-US" dirty="0"/>
-              <a:t>此时人与船之间的关系就是依赖；表现在代码层面，为类</a:t>
-            </a:r>
-            <a:r>
-              <a:rPr kumimoji="1" lang="en" altLang="zh-CN" dirty="0"/>
-              <a:t>B</a:t>
-            </a:r>
-            <a:r>
-              <a:rPr kumimoji="1" lang="zh-CN" altLang="en-US" dirty="0"/>
-              <a:t>作为参数被类</a:t>
-            </a:r>
-            <a:r>
-              <a:rPr kumimoji="1" lang="en" altLang="zh-CN" dirty="0"/>
-              <a:t>A</a:t>
-            </a:r>
-            <a:r>
-              <a:rPr kumimoji="1" lang="zh-CN" altLang="en-US" dirty="0"/>
-              <a:t>在某个</a:t>
-            </a:r>
-            <a:r>
-              <a:rPr kumimoji="1" lang="en" altLang="zh-CN" dirty="0"/>
-              <a:t>method</a:t>
-            </a:r>
-            <a:r>
-              <a:rPr kumimoji="1" lang="zh-CN" altLang="en-US" dirty="0"/>
-              <a:t>方法中使用；</a:t>
-            </a:r>
-          </a:p>
-          <a:p>
-            <a:r>
-              <a:rPr kumimoji="1" lang="zh-CN" altLang="en-US" dirty="0"/>
-              <a:t>在</a:t>
-            </a:r>
-            <a:r>
-              <a:rPr kumimoji="1" lang="en" altLang="zh-CN" dirty="0"/>
-              <a:t>UML</a:t>
-            </a:r>
-            <a:r>
-              <a:rPr kumimoji="1" lang="zh-CN" altLang="en-US" dirty="0"/>
-              <a:t>中，依赖关系用带箭头的虚线表示，由依赖的一方指向被依赖的一方。例如：驾驶员开车，</a:t>
-            </a:r>
-            <a:endParaRPr kumimoji="1" lang="en-US" altLang="zh-CN" dirty="0"/>
-          </a:p>
-          <a:p>
-            <a:r>
-              <a:rPr kumimoji="1" lang="zh-CN" altLang="en-US" dirty="0"/>
-              <a:t>在</a:t>
-            </a:r>
-            <a:r>
-              <a:rPr kumimoji="1" lang="en" altLang="zh-CN" dirty="0"/>
-              <a:t>Driver</a:t>
-            </a:r>
-            <a:r>
-              <a:rPr kumimoji="1" lang="zh-CN" altLang="en-US" dirty="0"/>
-              <a:t>类的</a:t>
-            </a:r>
-            <a:r>
-              <a:rPr kumimoji="1" lang="en" altLang="zh-CN" dirty="0"/>
-              <a:t>drive()</a:t>
-            </a:r>
-            <a:r>
-              <a:rPr kumimoji="1" lang="zh-CN" altLang="en-US" dirty="0"/>
-              <a:t>方法中将</a:t>
-            </a:r>
-            <a:r>
-              <a:rPr kumimoji="1" lang="en" altLang="zh-CN" dirty="0"/>
-              <a:t>Car</a:t>
-            </a:r>
-            <a:r>
-              <a:rPr kumimoji="1" lang="zh-CN" altLang="en-US" dirty="0"/>
-              <a:t>类型的对象</a:t>
-            </a:r>
-            <a:r>
-              <a:rPr kumimoji="1" lang="en" altLang="zh-CN" dirty="0"/>
-              <a:t>car</a:t>
-            </a:r>
-            <a:r>
-              <a:rPr kumimoji="1" lang="zh-CN" altLang="en-US" dirty="0"/>
-              <a:t>作为一个参数传递，以便在</a:t>
-            </a:r>
-            <a:r>
-              <a:rPr kumimoji="1" lang="en" altLang="zh-CN" dirty="0"/>
-              <a:t>drive()</a:t>
-            </a:r>
-            <a:r>
-              <a:rPr kumimoji="1" lang="zh-CN" altLang="en-US" dirty="0"/>
-              <a:t>方法中能够调用</a:t>
-            </a:r>
-            <a:r>
-              <a:rPr kumimoji="1" lang="en" altLang="zh-CN" dirty="0"/>
-              <a:t>car</a:t>
-            </a:r>
-            <a:r>
-              <a:rPr kumimoji="1" lang="zh-CN" altLang="en-US" dirty="0"/>
-              <a:t>的</a:t>
+              <a:t>类的方法包括行走</a:t>
             </a:r>
             <a:r>
               <a:rPr kumimoji="1" lang="en" altLang="zh-CN" dirty="0"/>
@@ -1360,51 +1710,70 @@
             </a:r>
             <a:r>
               <a:rPr kumimoji="1" lang="zh-CN" altLang="en-US" dirty="0"/>
-              <a:t>方法，且驾驶员的</a:t>
+              <a:t>和说话</a:t>
             </a:r>
             <a:r>
               <a:rPr kumimoji="1" lang="en" altLang="zh-CN" dirty="0"/>
-              <a:t>drive()</a:t>
-            </a:r>
-            <a:r>
-              <a:rPr kumimoji="1" lang="zh-CN" altLang="en-US" dirty="0"/>
-              <a:t>方法依赖车的</a:t>
-            </a:r>
-            <a:r>
-              <a:rPr kumimoji="1" lang="en" altLang="zh-CN" dirty="0"/>
-              <a:t>move()</a:t>
-            </a:r>
-            <a:r>
-              <a:rPr kumimoji="1" lang="zh-CN" altLang="en-US" dirty="0"/>
-              <a:t>方法，</a:t>
-            </a:r>
-            <a:endParaRPr kumimoji="1" lang="en-US" altLang="zh-CN" dirty="0"/>
-          </a:p>
-          <a:p>
-            <a:r>
-              <a:rPr kumimoji="1" lang="zh-CN" altLang="en-US" dirty="0"/>
-              <a:t>因此类</a:t>
-            </a:r>
-            <a:r>
-              <a:rPr kumimoji="1" lang="en" altLang="zh-CN" dirty="0"/>
-              <a:t>Driver</a:t>
-            </a:r>
-            <a:r>
-              <a:rPr kumimoji="1" lang="zh-CN" altLang="en-US" dirty="0"/>
-              <a:t>依赖类</a:t>
-            </a:r>
-            <a:r>
-              <a:rPr kumimoji="1" lang="en" altLang="zh-CN" dirty="0"/>
-              <a:t>Car</a:t>
+              <a:t>say()</a:t>
             </a:r>
             <a:r>
               <a:rPr kumimoji="1" lang="zh-CN" altLang="en" dirty="0"/>
               <a:t>，</a:t>
             </a:r>
+            <a:endParaRPr kumimoji="1" lang="en-US" altLang="zh-CN" dirty="0"/>
+          </a:p>
+          <a:p>
+            <a:r>
+              <a:rPr kumimoji="1" lang="en" altLang="zh-CN" dirty="0"/>
+              <a:t>Student</a:t>
+            </a:r>
             <a:r>
               <a:rPr kumimoji="1" lang="zh-CN" altLang="en-US" dirty="0"/>
-              <a:t>如图所示：</a:t>
-            </a:r>
+              <a:t>类和</a:t>
+            </a:r>
+            <a:r>
+              <a:rPr kumimoji="1" lang="en" altLang="zh-CN" dirty="0"/>
+              <a:t>Teacher</a:t>
+            </a:r>
+            <a:r>
+              <a:rPr kumimoji="1" lang="zh-CN" altLang="en-US" dirty="0"/>
+              <a:t>类继承了这两个方法，而且</a:t>
+            </a:r>
+            <a:r>
+              <a:rPr kumimoji="1" lang="en" altLang="zh-CN" dirty="0"/>
+              <a:t>Student</a:t>
+            </a:r>
+            <a:r>
+              <a:rPr kumimoji="1" lang="zh-CN" altLang="en-US" dirty="0"/>
+              <a:t>类还新增方法</a:t>
+            </a:r>
+            <a:r>
+              <a:rPr kumimoji="1" lang="en" altLang="zh-CN" dirty="0"/>
+              <a:t>study()</a:t>
+            </a:r>
+            <a:r>
+              <a:rPr kumimoji="1" lang="zh-CN" altLang="en" dirty="0"/>
+              <a:t>，</a:t>
+            </a:r>
+            <a:r>
+              <a:rPr kumimoji="1" lang="en" altLang="zh-CN" dirty="0"/>
+              <a:t>Teacher</a:t>
+            </a:r>
+            <a:r>
+              <a:rPr kumimoji="1" lang="zh-CN" altLang="en-US" dirty="0"/>
+              <a:t>类还新增方法</a:t>
+            </a:r>
+            <a:r>
+              <a:rPr kumimoji="1" lang="en" altLang="zh-CN" dirty="0"/>
+              <a:t>teach()</a:t>
+            </a:r>
+            <a:r>
+              <a:rPr kumimoji="1" lang="zh-CN" altLang="en" dirty="0"/>
+              <a:t>。</a:t>
+            </a:r>
+          </a:p>
+          <a:p>
+            <a:endParaRPr kumimoji="1" lang="zh-CN" altLang="en" dirty="0"/>
           </a:p>
         </p:txBody>
       </p:sp>
@@ -1425,7 +1794,7 @@
           <a:p>
             <a:fld id="{74B31000-9408-426B-B873-D4C066E48AF8}" type="slidenum">
               <a:rPr lang="zh-CN" altLang="en-US" smtClean="0"/>
-              <a:t>51</a:t>
+              <a:t>33</a:t>
             </a:fld>
             <a:endParaRPr lang="zh-CN" altLang="en-US"/>
           </a:p>
@@ -1434,7 +1803,7 @@
     </p:spTree>
     <p:extLst>
       <p:ext uri="{BB962C8B-B14F-4D97-AF65-F5344CB8AC3E}">
-        <p14:creationId xmlns:p14="http://schemas.microsoft.com/office/powerpoint/2010/main" val="1745095293"/>
+        <p14:creationId xmlns:p14="http://schemas.microsoft.com/office/powerpoint/2010/main" val="1928677957"/>
       </p:ext>
     </p:extLst>
   </p:cSld>
@@ -1490,19 +1859,31 @@
           <a:p>
             <a:r>
               <a:rPr kumimoji="1" lang="zh-CN" altLang="en-US" dirty="0"/>
-              <a:t>可以简单的理解，就是一个类</a:t>
+              <a:t>接口之间也可以有与类之间关系类似的继承关系和依赖关系，但是接口和类之间还存在一种实现</a:t>
+            </a:r>
+            <a:r>
+              <a:rPr kumimoji="1" lang="en-US" altLang="zh-CN" dirty="0"/>
+              <a:t>(</a:t>
             </a:r>
             <a:r>
               <a:rPr kumimoji="1" lang="en" altLang="zh-CN" dirty="0"/>
-              <a:t>A</a:t>
+              <a:t>Realization)</a:t>
             </a:r>
             <a:r>
               <a:rPr kumimoji="1" lang="zh-CN" altLang="en-US" dirty="0"/>
-              <a:t>使用到了另一个类</a:t>
+              <a:t>关系，在这种关系中，类实现了接口，类中的操作实现了接口中所声明的操作。在</a:t>
             </a:r>
             <a:r>
               <a:rPr kumimoji="1" lang="en" altLang="zh-CN" dirty="0"/>
-              <a:t>B</a:t>
+              <a:t>UML</a:t>
+            </a:r>
+            <a:r>
+              <a:rPr kumimoji="1" lang="zh-CN" altLang="en-US" dirty="0"/>
+              <a:t>中，类与接口之间的实现关系用带空心三角形的虚线来表示。例如：定义了一个交通工具接口</a:t>
+            </a:r>
+            <a:r>
+              <a:rPr kumimoji="1" lang="en" altLang="zh-CN" dirty="0"/>
+              <a:t>Vehicle</a:t>
             </a:r>
             <a:r>
               <a:rPr kumimoji="1" lang="zh-CN" altLang="en" dirty="0"/>
@@ -1510,95 +1891,27 @@
             </a:r>
             <a:r>
               <a:rPr kumimoji="1" lang="zh-CN" altLang="en-US" dirty="0"/>
-              <a:t>而这种使用关系是具有偶然性的、临时性的、非常弱的，但是</a:t>
+              <a:t>包含一个抽象操作</a:t>
             </a:r>
             <a:r>
               <a:rPr kumimoji="1" lang="en" altLang="zh-CN" dirty="0"/>
-              <a:t>B</a:t>
+              <a:t>move()</a:t>
+            </a:r>
+            <a:r>
+              <a:rPr kumimoji="1" lang="zh-CN" altLang="en" dirty="0"/>
+              <a:t>，</a:t>
             </a:r>
             <a:r>
               <a:rPr kumimoji="1" lang="zh-CN" altLang="en-US" dirty="0"/>
-              <a:t>类的变化会影响到</a:t>
+              <a:t>在类</a:t>
             </a:r>
             <a:r>
               <a:rPr kumimoji="1" lang="en" altLang="zh-CN" dirty="0"/>
-              <a:t>A</a:t>
-            </a:r>
-            <a:r>
-              <a:rPr kumimoji="1" lang="zh-CN" altLang="en" dirty="0"/>
-              <a:t>；</a:t>
+              <a:t>Ship</a:t>
             </a:r>
             <a:r>
               <a:rPr kumimoji="1" lang="zh-CN" altLang="en-US" dirty="0"/>
-              <a:t>比如某人要过河，需要借用一条船，</a:t>
-            </a:r>
-            <a:endParaRPr kumimoji="1" lang="en-US" altLang="zh-CN" dirty="0"/>
-          </a:p>
-          <a:p>
-            <a:r>
-              <a:rPr kumimoji="1" lang="zh-CN" altLang="en-US" dirty="0"/>
-              <a:t>此时人与船之间的关系就是依赖；表现在代码层面，为类</a:t>
-            </a:r>
-            <a:r>
-              <a:rPr kumimoji="1" lang="en" altLang="zh-CN" dirty="0"/>
-              <a:t>B</a:t>
-            </a:r>
-            <a:r>
-              <a:rPr kumimoji="1" lang="zh-CN" altLang="en-US" dirty="0"/>
-              <a:t>作为参数被类</a:t>
-            </a:r>
-            <a:r>
-              <a:rPr kumimoji="1" lang="en" altLang="zh-CN" dirty="0"/>
-              <a:t>A</a:t>
-            </a:r>
-            <a:r>
-              <a:rPr kumimoji="1" lang="zh-CN" altLang="en-US" dirty="0"/>
-              <a:t>在某个</a:t>
-            </a:r>
-            <a:r>
-              <a:rPr kumimoji="1" lang="en" altLang="zh-CN" dirty="0"/>
-              <a:t>method</a:t>
-            </a:r>
-            <a:r>
-              <a:rPr kumimoji="1" lang="zh-CN" altLang="en-US" dirty="0"/>
-              <a:t>方法中使用；</a:t>
-            </a:r>
-          </a:p>
-          <a:p>
-            <a:r>
-              <a:rPr kumimoji="1" lang="zh-CN" altLang="en-US" dirty="0"/>
-              <a:t>在</a:t>
-            </a:r>
-            <a:r>
-              <a:rPr kumimoji="1" lang="en" altLang="zh-CN" dirty="0"/>
-              <a:t>UML</a:t>
-            </a:r>
-            <a:r>
-              <a:rPr kumimoji="1" lang="zh-CN" altLang="en-US" dirty="0"/>
-              <a:t>中，依赖关系用带箭头的虚线表示，由依赖的一方指向被依赖的一方。例如：驾驶员开车，</a:t>
-            </a:r>
-            <a:endParaRPr kumimoji="1" lang="en-US" altLang="zh-CN" dirty="0"/>
-          </a:p>
-          <a:p>
-            <a:r>
-              <a:rPr kumimoji="1" lang="zh-CN" altLang="en-US" dirty="0"/>
-              <a:t>在</a:t>
-            </a:r>
-            <a:r>
-              <a:rPr kumimoji="1" lang="en" altLang="zh-CN" dirty="0"/>
-              <a:t>Driver</a:t>
-            </a:r>
-            <a:r>
-              <a:rPr kumimoji="1" lang="zh-CN" altLang="en-US" dirty="0"/>
-              <a:t>类的</a:t>
-            </a:r>
-            <a:r>
-              <a:rPr kumimoji="1" lang="en" altLang="zh-CN" dirty="0"/>
-              <a:t>drive()</a:t>
-            </a:r>
-            <a:r>
-              <a:rPr kumimoji="1" lang="zh-CN" altLang="en-US" dirty="0"/>
-              <a:t>方法中将</a:t>
+              <a:t>和类</a:t>
             </a:r>
             <a:r>
               <a:rPr kumimoji="1" lang="en" altLang="zh-CN" dirty="0"/>
@@ -1606,31 +1919,7 @@
             </a:r>
             <a:r>
               <a:rPr kumimoji="1" lang="zh-CN" altLang="en-US" dirty="0"/>
-              <a:t>类型的对象</a:t>
-            </a:r>
-            <a:r>
-              <a:rPr kumimoji="1" lang="en" altLang="zh-CN" dirty="0"/>
-              <a:t>car</a:t>
-            </a:r>
-            <a:r>
-              <a:rPr kumimoji="1" lang="zh-CN" altLang="en-US" dirty="0"/>
-              <a:t>作为一个参数传递，以便在</a:t>
-            </a:r>
-            <a:r>
-              <a:rPr kumimoji="1" lang="en" altLang="zh-CN" dirty="0"/>
-              <a:t>drive()</a:t>
-            </a:r>
-            <a:r>
-              <a:rPr kumimoji="1" lang="zh-CN" altLang="en-US" dirty="0"/>
-              <a:t>方法中能够调用</a:t>
-            </a:r>
-            <a:r>
-              <a:rPr kumimoji="1" lang="en" altLang="zh-CN" dirty="0"/>
-              <a:t>car</a:t>
-            </a:r>
-            <a:r>
-              <a:rPr kumimoji="1" lang="zh-CN" altLang="en-US" dirty="0"/>
-              <a:t>的</a:t>
+              <a:t>中都实现了该</a:t>
             </a:r>
             <a:r>
               <a:rPr kumimoji="1" lang="en" altLang="zh-CN" dirty="0"/>
@@ -1638,51 +1927,260 @@
             </a:r>
             <a:r>
               <a:rPr kumimoji="1" lang="zh-CN" altLang="en-US" dirty="0"/>
-              <a:t>方法，且驾驶员的</a:t>
-            </a:r>
-            <a:r>
-              <a:rPr kumimoji="1" lang="en" altLang="zh-CN" dirty="0"/>
-              <a:t>drive()</a:t>
-            </a:r>
-            <a:r>
-              <a:rPr kumimoji="1" lang="zh-CN" altLang="en-US" dirty="0"/>
-              <a:t>方法依赖车的</a:t>
-            </a:r>
-            <a:r>
-              <a:rPr kumimoji="1" lang="en" altLang="zh-CN" dirty="0"/>
-              <a:t>move()</a:t>
-            </a:r>
-            <a:r>
-              <a:rPr kumimoji="1" lang="zh-CN" altLang="en-US" dirty="0"/>
-              <a:t>方法，</a:t>
-            </a:r>
-            <a:endParaRPr kumimoji="1" lang="en-US" altLang="zh-CN" dirty="0"/>
-          </a:p>
-          <a:p>
-            <a:r>
-              <a:rPr kumimoji="1" lang="zh-CN" altLang="en-US" dirty="0"/>
-              <a:t>因此类</a:t>
-            </a:r>
-            <a:r>
-              <a:rPr kumimoji="1" lang="en" altLang="zh-CN" dirty="0"/>
-              <a:t>Driver</a:t>
-            </a:r>
-            <a:r>
-              <a:rPr kumimoji="1" lang="zh-CN" altLang="en-US" dirty="0"/>
-              <a:t>依赖类</a:t>
-            </a:r>
-            <a:r>
-              <a:rPr kumimoji="1" lang="en" altLang="zh-CN" dirty="0"/>
-              <a:t>Car</a:t>
-            </a:r>
-            <a:r>
-              <a:rPr kumimoji="1" lang="zh-CN" altLang="en" dirty="0"/>
-              <a:t>，</a:t>
-            </a:r>
-            <a:r>
-              <a:rPr kumimoji="1" lang="zh-CN" altLang="en-US" dirty="0"/>
-              <a:t>如图所示：</a:t>
-            </a:r>
+              <a:t>操作，不过具体的实现细节将会不一样</a:t>
+            </a:r>
+          </a:p>
+        </p:txBody>
+      </p:sp>
+      <p:sp>
+        <p:nvSpPr>
+          <p:cNvPr id="4" name="灯片编号占位符 3"/>
+          <p:cNvSpPr>
+            <a:spLocks noGrp="1"/>
+          </p:cNvSpPr>
+          <p:nvPr>
+            <p:ph type="sldNum" sz="quarter" idx="5"/>
+          </p:nvPr>
+        </p:nvSpPr>
+        <p:spPr/>
+        <p:txBody>
+          <a:bodyPr/>
+          <a:lstStyle/>
+          <a:p>
+            <a:fld id="{74B31000-9408-426B-B873-D4C066E48AF8}" type="slidenum">
+              <a:rPr lang="zh-CN" altLang="en-US" smtClean="0"/>
+              <a:t>34</a:t>
+            </a:fld>
+            <a:endParaRPr lang="zh-CN" altLang="en-US"/>
+          </a:p>
+        </p:txBody>
+      </p:sp>
+    </p:spTree>
+    <p:extLst>
+      <p:ext uri="{BB962C8B-B14F-4D97-AF65-F5344CB8AC3E}">
+        <p14:creationId xmlns:p14="http://schemas.microsoft.com/office/powerpoint/2010/main" val="409802879"/>
+      </p:ext>
+    </p:extLst>
+  </p:cSld>
+  <p:clrMapOvr>
+    <a:masterClrMapping/>
+  </p:clrMapOvr>
+</p:notes>
+</file>
+
+<file path=ppt/notesSlides/notesSlide14.xml><?xml version="1.0" encoding="utf-8"?>
+<p:notes xmlns:a="http://schemas.openxmlformats.org/drawingml/2006/main" xmlns:r="http://schemas.openxmlformats.org/officeDocument/2006/relationships" xmlns:p="http://schemas.openxmlformats.org/presentationml/2006/main">
+  <p:cSld>
+    <p:spTree>
+      <p:nvGrpSpPr>
+        <p:cNvPr id="1" name=""/>
+        <p:cNvGrpSpPr/>
+        <p:nvPr/>
+      </p:nvGrpSpPr>
+      <p:grpSpPr>
+        <a:xfrm>
+          <a:off x="0" y="0"/>
+          <a:ext cx="0" cy="0"/>
+          <a:chOff x="0" y="0"/>
+          <a:chExt cx="0" cy="0"/>
+        </a:xfrm>
+      </p:grpSpPr>
+      <p:sp>
+        <p:nvSpPr>
+          <p:cNvPr id="2" name="幻灯片图像占位符 1"/>
+          <p:cNvSpPr>
+            <a:spLocks noGrp="1" noRot="1" noChangeAspect="1"/>
+          </p:cNvSpPr>
+          <p:nvPr>
+            <p:ph type="sldImg"/>
+          </p:nvPr>
+        </p:nvSpPr>
+        <p:spPr/>
+      </p:sp>
+      <p:sp>
+        <p:nvSpPr>
+          <p:cNvPr id="3" name="备注占位符 2"/>
+          <p:cNvSpPr>
+            <a:spLocks noGrp="1"/>
+          </p:cNvSpPr>
+          <p:nvPr>
+            <p:ph type="body" idx="1"/>
+          </p:nvPr>
+        </p:nvSpPr>
+        <p:spPr/>
+        <p:txBody>
+          <a:bodyPr/>
+          <a:lstStyle/>
+          <a:p>
+            <a:endParaRPr kumimoji="1" lang="zh-CN" altLang="en-US" dirty="0"/>
+          </a:p>
+        </p:txBody>
+      </p:sp>
+      <p:sp>
+        <p:nvSpPr>
+          <p:cNvPr id="4" name="灯片编号占位符 3"/>
+          <p:cNvSpPr>
+            <a:spLocks noGrp="1"/>
+          </p:cNvSpPr>
+          <p:nvPr>
+            <p:ph type="sldNum" sz="quarter" idx="5"/>
+          </p:nvPr>
+        </p:nvSpPr>
+        <p:spPr/>
+        <p:txBody>
+          <a:bodyPr/>
+          <a:lstStyle/>
+          <a:p>
+            <a:fld id="{74B31000-9408-426B-B873-D4C066E48AF8}" type="slidenum">
+              <a:rPr lang="zh-CN" altLang="en-US" smtClean="0"/>
+              <a:t>50</a:t>
+            </a:fld>
+            <a:endParaRPr lang="zh-CN" altLang="en-US"/>
+          </a:p>
+        </p:txBody>
+      </p:sp>
+    </p:spTree>
+    <p:extLst>
+      <p:ext uri="{BB962C8B-B14F-4D97-AF65-F5344CB8AC3E}">
+        <p14:creationId xmlns:p14="http://schemas.microsoft.com/office/powerpoint/2010/main" val="1745095293"/>
+      </p:ext>
+    </p:extLst>
+  </p:cSld>
+  <p:clrMapOvr>
+    <a:masterClrMapping/>
+  </p:clrMapOvr>
+</p:notes>
+</file>
+
+<file path=ppt/notesSlides/notesSlide15.xml><?xml version="1.0" encoding="utf-8"?>
+<p:notes xmlns:a="http://schemas.openxmlformats.org/drawingml/2006/main" xmlns:r="http://schemas.openxmlformats.org/officeDocument/2006/relationships" xmlns:p="http://schemas.openxmlformats.org/presentationml/2006/main">
+  <p:cSld>
+    <p:spTree>
+      <p:nvGrpSpPr>
+        <p:cNvPr id="1" name=""/>
+        <p:cNvGrpSpPr/>
+        <p:nvPr/>
+      </p:nvGrpSpPr>
+      <p:grpSpPr>
+        <a:xfrm>
+          <a:off x="0" y="0"/>
+          <a:ext cx="0" cy="0"/>
+          <a:chOff x="0" y="0"/>
+          <a:chExt cx="0" cy="0"/>
+        </a:xfrm>
+      </p:grpSpPr>
+      <p:sp>
+        <p:nvSpPr>
+          <p:cNvPr id="2" name="幻灯片图像占位符 1"/>
+          <p:cNvSpPr>
+            <a:spLocks noGrp="1" noRot="1" noChangeAspect="1"/>
+          </p:cNvSpPr>
+          <p:nvPr>
+            <p:ph type="sldImg"/>
+          </p:nvPr>
+        </p:nvSpPr>
+        <p:spPr/>
+      </p:sp>
+      <p:sp>
+        <p:nvSpPr>
+          <p:cNvPr id="3" name="备注占位符 2"/>
+          <p:cNvSpPr>
+            <a:spLocks noGrp="1"/>
+          </p:cNvSpPr>
+          <p:nvPr>
+            <p:ph type="body" idx="1"/>
+          </p:nvPr>
+        </p:nvSpPr>
+        <p:spPr/>
+        <p:txBody>
+          <a:bodyPr/>
+          <a:lstStyle/>
+          <a:p>
+            <a:endParaRPr kumimoji="1" lang="zh-CN" altLang="en-US" dirty="0"/>
+          </a:p>
+        </p:txBody>
+      </p:sp>
+      <p:sp>
+        <p:nvSpPr>
+          <p:cNvPr id="4" name="灯片编号占位符 3"/>
+          <p:cNvSpPr>
+            <a:spLocks noGrp="1"/>
+          </p:cNvSpPr>
+          <p:nvPr>
+            <p:ph type="sldNum" sz="quarter" idx="5"/>
+          </p:nvPr>
+        </p:nvSpPr>
+        <p:spPr/>
+        <p:txBody>
+          <a:bodyPr/>
+          <a:lstStyle/>
+          <a:p>
+            <a:fld id="{74B31000-9408-426B-B873-D4C066E48AF8}" type="slidenum">
+              <a:rPr lang="zh-CN" altLang="en-US" smtClean="0"/>
+              <a:t>51</a:t>
+            </a:fld>
+            <a:endParaRPr lang="zh-CN" altLang="en-US"/>
+          </a:p>
+        </p:txBody>
+      </p:sp>
+    </p:spTree>
+    <p:extLst>
+      <p:ext uri="{BB962C8B-B14F-4D97-AF65-F5344CB8AC3E}">
+        <p14:creationId xmlns:p14="http://schemas.microsoft.com/office/powerpoint/2010/main" val="1745095293"/>
+      </p:ext>
+    </p:extLst>
+  </p:cSld>
+  <p:clrMapOvr>
+    <a:masterClrMapping/>
+  </p:clrMapOvr>
+</p:notes>
+</file>
+
+<file path=ppt/notesSlides/notesSlide16.xml><?xml version="1.0" encoding="utf-8"?>
+<p:notes xmlns:a="http://schemas.openxmlformats.org/drawingml/2006/main" xmlns:r="http://schemas.openxmlformats.org/officeDocument/2006/relationships" xmlns:p="http://schemas.openxmlformats.org/presentationml/2006/main">
+  <p:cSld>
+    <p:spTree>
+      <p:nvGrpSpPr>
+        <p:cNvPr id="1" name=""/>
+        <p:cNvGrpSpPr/>
+        <p:nvPr/>
+      </p:nvGrpSpPr>
+      <p:grpSpPr>
+        <a:xfrm>
+          <a:off x="0" y="0"/>
+          <a:ext cx="0" cy="0"/>
+          <a:chOff x="0" y="0"/>
+          <a:chExt cx="0" cy="0"/>
+        </a:xfrm>
+      </p:grpSpPr>
+      <p:sp>
+        <p:nvSpPr>
+          <p:cNvPr id="2" name="幻灯片图像占位符 1"/>
+          <p:cNvSpPr>
+            <a:spLocks noGrp="1" noRot="1" noChangeAspect="1"/>
+          </p:cNvSpPr>
+          <p:nvPr>
+            <p:ph type="sldImg"/>
+          </p:nvPr>
+        </p:nvSpPr>
+        <p:spPr/>
+      </p:sp>
+      <p:sp>
+        <p:nvSpPr>
+          <p:cNvPr id="3" name="备注占位符 2"/>
+          <p:cNvSpPr>
+            <a:spLocks noGrp="1"/>
+          </p:cNvSpPr>
+          <p:nvPr>
+            <p:ph type="body" idx="1"/>
+          </p:nvPr>
+        </p:nvSpPr>
+        <p:spPr/>
+        <p:txBody>
+          <a:bodyPr/>
+          <a:lstStyle/>
+          <a:p>
+            <a:endParaRPr kumimoji="1" lang="zh-CN" altLang="en-US" dirty="0"/>
           </a:p>
         </p:txBody>
       </p:sp>
@@ -1767,14 +2265,31 @@
           <a:lstStyle/>
           <a:p>
             <a:r>
-              <a:rPr kumimoji="1" lang="zh-CN" altLang="en-US" dirty="0"/>
-              <a:t>（先把最上面大致说一下）</a:t>
-            </a:r>
-            <a:endParaRPr kumimoji="1" lang="en-US" altLang="zh-CN" dirty="0"/>
-          </a:p>
-          <a:p>
-            <a:r>
-              <a:rPr lang="zh-CN" altLang="en-US" sz="1200" b="0" i="0" u="none" strike="noStrike" kern="1200" dirty="0">
+              <a:rPr kumimoji="1" lang="en-US" altLang="zh-CN" dirty="0" smtClean="0"/>
+              <a:t>OOA</a:t>
+            </a:r>
+            <a:r>
+              <a:rPr kumimoji="1" lang="zh-CN" altLang="en-US" dirty="0" smtClean="0"/>
+              <a:t>：</a:t>
+            </a:r>
+            <a:r>
+              <a:rPr kumimoji="1" lang="en-US" altLang="zh-CN" dirty="0" smtClean="0"/>
+              <a:t>object-oriented analysis   </a:t>
+            </a:r>
+            <a:r>
+              <a:rPr lang="en" altLang="zh-CN" dirty="0" smtClean="0"/>
+              <a:t>OOD</a:t>
+            </a:r>
+            <a:r>
+              <a:rPr lang="zh-CN" altLang="en-US" dirty="0" smtClean="0"/>
+              <a:t>：</a:t>
+            </a:r>
+            <a:r>
+              <a:rPr kumimoji="1" lang="en-US" altLang="zh-CN" dirty="0" smtClean="0"/>
+              <a:t>object-oriented </a:t>
+            </a:r>
+            <a:r>
+              <a:rPr lang="en-US" altLang="zh-CN" sz="1200" b="0" i="0" kern="1200" dirty="0" smtClean="0">
                 <a:solidFill>
                   <a:schemeClr val="tx1"/>
                 </a:solidFill>
@@ -1783,10 +2298,18 @@
                 <a:ea typeface="+mn-ea"/>
                 <a:cs typeface="+mn-cs"/>
               </a:rPr>
-              <a:t>面向对象软件工程的概念由</a:t>
-            </a:r>
-            <a:r>
-              <a:rPr lang="en" altLang="zh-CN" sz="1200" b="0" i="0" u="none" strike="noStrike" kern="1200" dirty="0" err="1">
+              <a:t>Design   </a:t>
+            </a:r>
+            <a:r>
+              <a:rPr lang="en" altLang="zh-CN" dirty="0" smtClean="0"/>
+              <a:t>OOP</a:t>
+            </a:r>
+            <a:r>
+              <a:rPr lang="zh-CN" altLang="en-US" dirty="0" smtClean="0"/>
+              <a:t>：</a:t>
+            </a:r>
+            <a:r>
+              <a:rPr lang="en-US" altLang="zh-CN" sz="1200" b="0" i="0" kern="1200" dirty="0" smtClean="0">
                 <a:solidFill>
                   <a:schemeClr val="tx1"/>
                 </a:solidFill>
@@ -1795,10 +2318,13 @@
                 <a:ea typeface="+mn-ea"/>
                 <a:cs typeface="+mn-cs"/>
               </a:rPr>
-              <a:t>Booch</a:t>
-            </a:r>
-            <a:r>
-              <a:rPr lang="zh-CN" altLang="en-US" sz="1200" b="0" i="0" u="none" strike="noStrike" kern="1200" dirty="0">
+              <a:t>Object Oriented Programming</a:t>
+            </a:r>
+            <a:endParaRPr kumimoji="1" lang="en-US" altLang="zh-CN" dirty="0" smtClean="0"/>
+          </a:p>
+          <a:p>
+            <a:r>
+              <a:rPr lang="en" altLang="zh-CN" sz="1200" b="0" i="0" u="none" strike="noStrike" kern="1200" dirty="0" smtClean="0">
                 <a:solidFill>
                   <a:schemeClr val="tx1"/>
                 </a:solidFill>
@@ -1807,10 +2333,10 @@
                 <a:ea typeface="+mn-ea"/>
                 <a:cs typeface="+mn-cs"/>
               </a:rPr>
-              <a:t>提出，</a:t>
-            </a:r>
-            <a:r>
-              <a:rPr lang="en" altLang="zh-CN" sz="1200" b="0" i="0" u="none" strike="noStrike" kern="1200" dirty="0" err="1">
+              <a:t>OMG</a:t>
+            </a:r>
+            <a:r>
+              <a:rPr lang="zh-CN" altLang="en-US" sz="1200" b="0" i="0" u="none" strike="noStrike" kern="1200" dirty="0" smtClean="0">
                 <a:solidFill>
                   <a:schemeClr val="tx1"/>
                 </a:solidFill>
@@ -1819,10 +2345,10 @@
                 <a:ea typeface="+mn-ea"/>
                 <a:cs typeface="+mn-cs"/>
               </a:rPr>
-              <a:t>Booch</a:t>
-            </a:r>
-            <a:r>
-              <a:rPr lang="zh-CN" altLang="en-US" sz="1200" b="0" i="0" u="none" strike="noStrike" kern="1200" dirty="0">
+              <a:t>：</a:t>
+            </a:r>
+            <a:r>
+              <a:rPr lang="en" altLang="zh-CN" sz="1200" b="0" i="0" u="none" strike="noStrike" kern="1200" dirty="0" smtClean="0">
                 <a:solidFill>
                   <a:schemeClr val="tx1"/>
                 </a:solidFill>
@@ -1831,10 +2357,10 @@
                 <a:ea typeface="+mn-ea"/>
                 <a:cs typeface="+mn-cs"/>
               </a:rPr>
-              <a:t>也是面向对象方法最早的倡导者之一。</a:t>
-            </a:r>
-            <a:r>
-              <a:rPr lang="en" altLang="zh-CN" sz="1200" b="0" i="0" u="none" strike="noStrike" kern="1200" dirty="0" err="1">
+              <a:t>Object Management Group  </a:t>
+            </a:r>
+            <a:r>
+              <a:rPr lang="en-US" altLang="zh-CN" sz="1200" b="0" i="0" u="none" strike="noStrike" kern="1200" dirty="0" smtClean="0">
                 <a:solidFill>
                   <a:schemeClr val="tx1"/>
                 </a:solidFill>
@@ -1843,10 +2369,10 @@
                 <a:ea typeface="+mn-ea"/>
                 <a:cs typeface="+mn-cs"/>
               </a:rPr>
-              <a:t>Booch</a:t>
-            </a:r>
-            <a:r>
-              <a:rPr lang="en" altLang="zh-CN" sz="1200" b="0" i="0" u="none" strike="noStrike" kern="1200" dirty="0">
+              <a:t>OMT</a:t>
+            </a:r>
+            <a:r>
+              <a:rPr lang="zh-CN" altLang="en-US" sz="1200" b="0" i="0" u="none" strike="noStrike" kern="1200" dirty="0" smtClean="0">
                 <a:solidFill>
                   <a:schemeClr val="tx1"/>
                 </a:solidFill>
@@ -1855,10 +2381,10 @@
                 <a:ea typeface="+mn-ea"/>
                 <a:cs typeface="+mn-cs"/>
               </a:rPr>
-              <a:t> 1993</a:t>
-            </a:r>
-            <a:r>
-              <a:rPr lang="zh-CN" altLang="en-US" sz="1200" b="0" i="0" u="none" strike="noStrike" kern="1200" dirty="0">
+              <a:t>：</a:t>
+            </a:r>
+            <a:r>
+              <a:rPr lang="en-US" altLang="zh-CN" sz="1200" b="0" i="0" kern="1200" dirty="0" smtClean="0">
                 <a:solidFill>
                   <a:schemeClr val="tx1"/>
                 </a:solidFill>
@@ -1867,17 +2393,10 @@
                 <a:ea typeface="+mn-ea"/>
                 <a:cs typeface="+mn-cs"/>
               </a:rPr>
-              <a:t>表示法比较适用于系统的设计和构造。 </a:t>
-            </a:r>
-            <a:r>
-              <a:rPr lang="zh-CN" altLang="en-US" dirty="0"/>
-              <a:t/>
-            </a:r>
-            <a:br>
-              <a:rPr lang="zh-CN" altLang="en-US" dirty="0"/>
-            </a:br>
-            <a:r>
-              <a:rPr lang="en" altLang="zh-CN" sz="1200" b="0" i="0" u="none" strike="noStrike" kern="1200" dirty="0">
+              <a:t>Object Modeling Technique   </a:t>
+            </a:r>
+            <a:r>
+              <a:rPr lang="en" altLang="zh-CN" sz="1200" b="0" i="0" u="none" strike="noStrike" kern="1200" dirty="0" smtClean="0">
                 <a:solidFill>
                   <a:schemeClr val="tx1"/>
                 </a:solidFill>
@@ -1886,10 +2405,10 @@
                 <a:ea typeface="+mn-ea"/>
                 <a:cs typeface="+mn-cs"/>
               </a:rPr>
-              <a:t>Rumbaugh</a:t>
-            </a:r>
-            <a:r>
-              <a:rPr lang="zh-CN" altLang="en-US" sz="1200" b="0" i="0" u="none" strike="noStrike" kern="1200" dirty="0">
+              <a:t>OOSE</a:t>
+            </a:r>
+            <a:r>
+              <a:rPr lang="zh-CN" altLang="en-US" sz="1200" b="0" i="0" u="none" strike="noStrike" kern="1200" dirty="0" smtClean="0">
                 <a:solidFill>
                   <a:schemeClr val="tx1"/>
                 </a:solidFill>
@@ -1898,10 +2417,10 @@
                 <a:ea typeface="+mn-ea"/>
                 <a:cs typeface="+mn-cs"/>
               </a:rPr>
-              <a:t>等人提出了面向对象的建模技术（</a:t>
-            </a:r>
-            <a:r>
-              <a:rPr lang="en" altLang="zh-CN" sz="1200" b="0" i="0" u="none" strike="noStrike" kern="1200" dirty="0">
+              <a:t>：</a:t>
+            </a:r>
+            <a:r>
+              <a:rPr lang="en-US" altLang="zh-CN" sz="1200" b="0" i="0" kern="1200" dirty="0" smtClean="0">
                 <a:solidFill>
                   <a:schemeClr val="tx1"/>
                 </a:solidFill>
@@ -1910,10 +2429,10 @@
                 <a:ea typeface="+mn-ea"/>
                 <a:cs typeface="+mn-cs"/>
               </a:rPr>
-              <a:t>OMT</a:t>
-            </a:r>
-            <a:r>
-              <a:rPr lang="zh-CN" altLang="en" sz="1200" b="0" i="0" u="none" strike="noStrike" kern="1200" dirty="0">
+              <a:t>Object-oriented software engineering</a:t>
+            </a:r>
+            <a:r>
+              <a:rPr lang="zh-CN" altLang="en-US" sz="1200" b="0" i="0" kern="1200" dirty="0" smtClean="0">
                 <a:solidFill>
                   <a:schemeClr val="tx1"/>
                 </a:solidFill>
@@ -1922,10 +2441,31 @@
                 <a:ea typeface="+mn-ea"/>
                 <a:cs typeface="+mn-cs"/>
               </a:rPr>
+              <a:t>（面向对象的软件工程）</a:t>
+            </a:r>
+            <a:endParaRPr kumimoji="1" lang="en-US" altLang="zh-CN" dirty="0" smtClean="0"/>
+          </a:p>
+          <a:p>
+            <a:r>
+              <a:rPr kumimoji="1" lang="zh-CN" altLang="en-US" dirty="0" smtClean="0"/>
+              <a:t>（</a:t>
+            </a:r>
+            <a:r>
+              <a:rPr kumimoji="1" lang="zh-CN" altLang="en-US" dirty="0"/>
+              <a:t>先把最上面大致说一下</a:t>
+            </a:r>
+            <a:r>
+              <a:rPr kumimoji="1" lang="zh-CN" altLang="en-US" dirty="0" smtClean="0"/>
               <a:t>）</a:t>
             </a:r>
-            <a:r>
-              <a:rPr lang="zh-CN" altLang="en-US" sz="1200" b="0" i="0" u="none" strike="noStrike" kern="1200" dirty="0">
+            <a:endParaRPr kumimoji="1" lang="en-US" altLang="zh-CN" dirty="0" smtClean="0"/>
+          </a:p>
+          <a:p>
+            <a:endParaRPr kumimoji="1" lang="en-US" altLang="zh-CN" dirty="0"/>
+          </a:p>
+          <a:p>
+            <a:r>
+              <a:rPr lang="zh-CN" altLang="en-US" sz="1200" b="1" i="0" u="none" strike="noStrike" kern="1200" dirty="0">
                 <a:solidFill>
                   <a:schemeClr val="tx1"/>
                 </a:solidFill>
@@ -1934,7 +2474,194 @@
                 <a:ea typeface="+mn-ea"/>
                 <a:cs typeface="+mn-cs"/>
               </a:rPr>
-              <a:t>方法，采用面向对象的概念，并引入各种独立于语言的表示符。用对象模型、动态模型、功能模型和用例模型共同完成对整个系统的建模，所定义的概念和符号可用于软件开发的全过程，软件开发人员不必在不同阶段进行概念和符号的转换。</a:t>
+              <a:t>面向对象软件工程的概念由</a:t>
+            </a:r>
+            <a:r>
+              <a:rPr lang="en" altLang="zh-CN" sz="1200" b="1" i="0" u="none" strike="noStrike" kern="1200" dirty="0" err="1">
+                <a:solidFill>
+                  <a:schemeClr val="tx1"/>
+                </a:solidFill>
+                <a:effectLst/>
+                <a:latin typeface="+mn-lt"/>
+                <a:ea typeface="+mn-ea"/>
+                <a:cs typeface="+mn-cs"/>
+              </a:rPr>
+              <a:t>Booch</a:t>
+            </a:r>
+            <a:r>
+              <a:rPr lang="zh-CN" altLang="en-US" sz="1200" b="1" i="0" u="none" strike="noStrike" kern="1200" dirty="0">
+                <a:solidFill>
+                  <a:schemeClr val="tx1"/>
+                </a:solidFill>
+                <a:effectLst/>
+                <a:latin typeface="+mn-lt"/>
+                <a:ea typeface="+mn-ea"/>
+                <a:cs typeface="+mn-cs"/>
+              </a:rPr>
+              <a:t>提出，</a:t>
+            </a:r>
+            <a:r>
+              <a:rPr lang="en" altLang="zh-CN" sz="1200" b="1" i="0" u="none" strike="noStrike" kern="1200" dirty="0" err="1">
+                <a:solidFill>
+                  <a:schemeClr val="tx1"/>
+                </a:solidFill>
+                <a:effectLst/>
+                <a:latin typeface="+mn-lt"/>
+                <a:ea typeface="+mn-ea"/>
+                <a:cs typeface="+mn-cs"/>
+              </a:rPr>
+              <a:t>Booch</a:t>
+            </a:r>
+            <a:r>
+              <a:rPr lang="zh-CN" altLang="en-US" sz="1200" b="1" i="0" u="none" strike="noStrike" kern="1200" dirty="0">
+                <a:solidFill>
+                  <a:schemeClr val="tx1"/>
+                </a:solidFill>
+                <a:effectLst/>
+                <a:latin typeface="+mn-lt"/>
+                <a:ea typeface="+mn-ea"/>
+                <a:cs typeface="+mn-cs"/>
+              </a:rPr>
+              <a:t>也是面向对象方法最早的倡导者之一</a:t>
+            </a:r>
+            <a:r>
+              <a:rPr lang="zh-CN" altLang="en-US" sz="1200" b="0" i="0" u="none" strike="noStrike" kern="1200" dirty="0">
+                <a:solidFill>
+                  <a:schemeClr val="tx1"/>
+                </a:solidFill>
+                <a:effectLst/>
+                <a:latin typeface="+mn-lt"/>
+                <a:ea typeface="+mn-ea"/>
+                <a:cs typeface="+mn-cs"/>
+              </a:rPr>
+              <a:t>。</a:t>
+            </a:r>
+            <a:r>
+              <a:rPr lang="en" altLang="zh-CN" sz="1200" b="0" i="0" u="none" strike="noStrike" kern="1200" dirty="0" err="1">
+                <a:solidFill>
+                  <a:schemeClr val="tx1"/>
+                </a:solidFill>
+                <a:effectLst/>
+                <a:latin typeface="+mn-lt"/>
+                <a:ea typeface="+mn-ea"/>
+                <a:cs typeface="+mn-cs"/>
+              </a:rPr>
+              <a:t>Booch</a:t>
+            </a:r>
+            <a:r>
+              <a:rPr lang="en" altLang="zh-CN" sz="1200" b="0" i="0" u="none" strike="noStrike" kern="1200" dirty="0">
+                <a:solidFill>
+                  <a:schemeClr val="tx1"/>
+                </a:solidFill>
+                <a:effectLst/>
+                <a:latin typeface="+mn-lt"/>
+                <a:ea typeface="+mn-ea"/>
+                <a:cs typeface="+mn-cs"/>
+              </a:rPr>
+              <a:t> 1993</a:t>
+            </a:r>
+            <a:r>
+              <a:rPr lang="zh-CN" altLang="en-US" sz="1200" b="0" i="0" u="none" strike="noStrike" kern="1200" dirty="0">
+                <a:solidFill>
+                  <a:schemeClr val="tx1"/>
+                </a:solidFill>
+                <a:effectLst/>
+                <a:latin typeface="+mn-lt"/>
+                <a:ea typeface="+mn-ea"/>
+                <a:cs typeface="+mn-cs"/>
+              </a:rPr>
+              <a:t>表示法比较适用于系统的设计和构造。 </a:t>
+            </a:r>
+            <a:r>
+              <a:rPr lang="zh-CN" altLang="en-US" dirty="0"/>
+              <a:t/>
+            </a:r>
+            <a:br>
+              <a:rPr lang="zh-CN" altLang="en-US" dirty="0"/>
+            </a:br>
+            <a:r>
+              <a:rPr lang="en" altLang="zh-CN" sz="1200" b="0" i="0" u="none" strike="noStrike" kern="1200" dirty="0">
+                <a:solidFill>
+                  <a:schemeClr val="tx1"/>
+                </a:solidFill>
+                <a:effectLst/>
+                <a:latin typeface="+mn-lt"/>
+                <a:ea typeface="+mn-ea"/>
+                <a:cs typeface="+mn-cs"/>
+              </a:rPr>
+              <a:t>Rumbaugh</a:t>
+            </a:r>
+            <a:r>
+              <a:rPr lang="zh-CN" altLang="en-US" sz="1200" b="0" i="0" u="none" strike="noStrike" kern="1200" dirty="0">
+                <a:solidFill>
+                  <a:schemeClr val="tx1"/>
+                </a:solidFill>
+                <a:effectLst/>
+                <a:latin typeface="+mn-lt"/>
+                <a:ea typeface="+mn-ea"/>
+                <a:cs typeface="+mn-cs"/>
+              </a:rPr>
+              <a:t>等人提出了</a:t>
+            </a:r>
+            <a:r>
+              <a:rPr lang="zh-CN" altLang="en-US" sz="1200" b="1" i="0" u="none" strike="noStrike" kern="1200" dirty="0">
+                <a:solidFill>
+                  <a:schemeClr val="tx1"/>
+                </a:solidFill>
+                <a:effectLst/>
+                <a:latin typeface="+mn-lt"/>
+                <a:ea typeface="+mn-ea"/>
+                <a:cs typeface="+mn-cs"/>
+              </a:rPr>
+              <a:t>面向对象的建模技术（</a:t>
+            </a:r>
+            <a:r>
+              <a:rPr lang="en" altLang="zh-CN" sz="1200" b="1" i="0" u="none" strike="noStrike" kern="1200" dirty="0">
+                <a:solidFill>
+                  <a:schemeClr val="tx1"/>
+                </a:solidFill>
+                <a:effectLst/>
+                <a:latin typeface="+mn-lt"/>
+                <a:ea typeface="+mn-ea"/>
+                <a:cs typeface="+mn-cs"/>
+              </a:rPr>
+              <a:t>OMT</a:t>
+            </a:r>
+            <a:r>
+              <a:rPr lang="zh-CN" altLang="en" sz="1200" b="1" i="0" u="none" strike="noStrike" kern="1200" dirty="0">
+                <a:solidFill>
+                  <a:schemeClr val="tx1"/>
+                </a:solidFill>
+                <a:effectLst/>
+                <a:latin typeface="+mn-lt"/>
+                <a:ea typeface="+mn-ea"/>
+                <a:cs typeface="+mn-cs"/>
+              </a:rPr>
+              <a:t>）</a:t>
+            </a:r>
+            <a:r>
+              <a:rPr lang="zh-CN" altLang="en-US" sz="1200" b="1" i="0" u="none" strike="noStrike" kern="1200" dirty="0">
+                <a:solidFill>
+                  <a:schemeClr val="tx1"/>
+                </a:solidFill>
+                <a:effectLst/>
+                <a:latin typeface="+mn-lt"/>
+                <a:ea typeface="+mn-ea"/>
+                <a:cs typeface="+mn-cs"/>
+              </a:rPr>
+              <a:t>方法</a:t>
+            </a:r>
+            <a:r>
+              <a:rPr lang="zh-CN" altLang="en-US" sz="1200" b="0" i="0" u="none" strike="noStrike" kern="1200" dirty="0">
+                <a:solidFill>
+                  <a:schemeClr val="tx1"/>
+                </a:solidFill>
+                <a:effectLst/>
+                <a:latin typeface="+mn-lt"/>
+                <a:ea typeface="+mn-ea"/>
+                <a:cs typeface="+mn-cs"/>
+              </a:rPr>
+              <a:t>，采用面向对象的概念，并引入各种独立于语言的表示符。用对象模型、动态模型、功能模型和用例模型共同完成对整个系统的建模，所定义的概念和符号可用于软件开发的全过程，软件开发人员不必在不同阶段进行概念和符号的转换。</a:t>
             </a:r>
             <a:r>
               <a:rPr lang="en" altLang="zh-CN" sz="1200" b="0" i="0" u="none" strike="noStrike" kern="1200" dirty="0">
@@ -3188,17 +3915,24 @@
           <a:lstStyle/>
           <a:p>
             <a:r>
-              <a:rPr kumimoji="1" lang="zh-CN" altLang="en-US" dirty="0"/>
-              <a:t>照</a:t>
-            </a:r>
-            <a:r>
-              <a:rPr kumimoji="1" lang="en-US" altLang="zh-CN" dirty="0"/>
-              <a:t>ppt</a:t>
-            </a:r>
-            <a:r>
-              <a:rPr kumimoji="1" lang="zh-CN" altLang="en-US" dirty="0"/>
-              <a:t>讲即可</a:t>
-            </a:r>
+              <a:rPr lang="zh-CN" altLang="en-US" dirty="0" smtClean="0"/>
+              <a:t>高效易用：围绕网站，上手简单展开</a:t>
+            </a:r>
+            <a:endParaRPr lang="en-US" altLang="zh-CN" dirty="0" smtClean="0"/>
+          </a:p>
+          <a:p>
+            <a:r>
+              <a:rPr lang="zh-CN" altLang="en-US" dirty="0" smtClean="0"/>
+              <a:t>团队协作：可以在网站里组建一个小组，做好的一些图可以进行共享修改等</a:t>
+            </a:r>
+            <a:endParaRPr lang="en-US" altLang="zh-CN" dirty="0" smtClean="0"/>
+          </a:p>
+          <a:p>
+            <a:r>
+              <a:rPr lang="zh-CN" altLang="en-US" dirty="0" smtClean="0"/>
+              <a:t>海量图库：他还有很多的</a:t>
+            </a:r>
+            <a:endParaRPr lang="zh-CN" altLang="en-US" dirty="0"/>
           </a:p>
         </p:txBody>
       </p:sp>
@@ -3209,7 +3943,7 @@
             <a:spLocks noGrp="1"/>
           </p:cNvSpPr>
           <p:nvPr>
-            <p:ph type="sldNum" sz="quarter" idx="5"/>
+            <p:ph type="sldNum" sz="quarter" idx="10"/>
           </p:nvPr>
         </p:nvSpPr>
         <p:spPr/>
@@ -3217,18 +3951,18 @@
           <a:bodyPr/>
           <a:lstStyle/>
           <a:p>
-            <a:fld id="{D03F297A-3586-2847-B61B-EC71B10EF806}" type="slidenum">
-              <a:rPr kumimoji="1" lang="zh-CN" altLang="en-US" smtClean="0"/>
-              <a:t>29</a:t>
+            <a:fld id="{74B31000-9408-426B-B873-D4C066E48AF8}" type="slidenum">
+              <a:rPr lang="zh-CN" altLang="en-US" smtClean="0"/>
+              <a:t>13</a:t>
             </a:fld>
-            <a:endParaRPr kumimoji="1" lang="zh-CN" altLang="en-US"/>
+            <a:endParaRPr lang="zh-CN" altLang="en-US"/>
           </a:p>
         </p:txBody>
       </p:sp>
     </p:spTree>
     <p:extLst>
       <p:ext uri="{BB962C8B-B14F-4D97-AF65-F5344CB8AC3E}">
-        <p14:creationId xmlns:p14="http://schemas.microsoft.com/office/powerpoint/2010/main" val="919721940"/>
+        <p14:creationId xmlns:p14="http://schemas.microsoft.com/office/powerpoint/2010/main" val="880102895"/>
       </p:ext>
     </p:extLst>
   </p:cSld>
@@ -3283,394 +4017,28 @@
           <a:lstStyle/>
           <a:p>
             <a:r>
-              <a:rPr lang="zh-CN" altLang="en-US" sz="1200" b="0" i="0" u="none" strike="noStrike" kern="1200" dirty="0">
-                <a:solidFill>
-                  <a:schemeClr val="tx1"/>
-                </a:solidFill>
-                <a:effectLst/>
-                <a:latin typeface="+mn-lt"/>
-                <a:ea typeface="+mn-ea"/>
-                <a:cs typeface="+mn-cs"/>
-              </a:rPr>
-              <a:t>在</a:t>
-            </a:r>
-            <a:r>
-              <a:rPr lang="en" altLang="zh-CN" sz="1200" b="0" i="0" u="none" strike="noStrike" kern="1200" dirty="0">
-                <a:solidFill>
-                  <a:schemeClr val="tx1"/>
-                </a:solidFill>
-                <a:effectLst/>
-                <a:latin typeface="+mn-lt"/>
-                <a:ea typeface="+mn-ea"/>
-                <a:cs typeface="+mn-cs"/>
-              </a:rPr>
-              <a:t>UML</a:t>
-            </a:r>
-            <a:r>
-              <a:rPr lang="zh-CN" altLang="en-US" sz="1200" b="0" i="0" u="none" strike="noStrike" kern="1200" dirty="0">
-                <a:solidFill>
-                  <a:schemeClr val="tx1"/>
-                </a:solidFill>
-                <a:effectLst/>
-                <a:latin typeface="+mn-lt"/>
-                <a:ea typeface="+mn-ea"/>
-                <a:cs typeface="+mn-cs"/>
-              </a:rPr>
-              <a:t>中，关联关系通常又包含如下几种形式：</a:t>
-            </a:r>
-          </a:p>
-          <a:p>
-            <a:r>
-              <a:rPr lang="en-US" altLang="zh-CN" sz="1200" b="1" i="0" u="none" strike="noStrike" kern="1200" dirty="0">
-                <a:solidFill>
-                  <a:schemeClr val="tx1"/>
-                </a:solidFill>
-                <a:effectLst/>
-                <a:latin typeface="+mn-lt"/>
-                <a:ea typeface="+mn-ea"/>
-                <a:cs typeface="+mn-cs"/>
-              </a:rPr>
-              <a:t>(1) </a:t>
-            </a:r>
-            <a:r>
-              <a:rPr lang="zh-CN" altLang="en-US" sz="1200" b="1" i="0" u="none" strike="noStrike" kern="1200" dirty="0">
-                <a:solidFill>
-                  <a:schemeClr val="tx1"/>
-                </a:solidFill>
-                <a:effectLst/>
-                <a:latin typeface="+mn-lt"/>
-                <a:ea typeface="+mn-ea"/>
-                <a:cs typeface="+mn-cs"/>
-              </a:rPr>
-              <a:t>双向关联</a:t>
-            </a:r>
-            <a:endParaRPr lang="zh-CN" altLang="en-US" sz="1200" b="0" i="0" u="none" strike="noStrike" kern="1200" dirty="0">
-              <a:solidFill>
-                <a:schemeClr val="tx1"/>
-              </a:solidFill>
-              <a:effectLst/>
-              <a:latin typeface="+mn-lt"/>
-              <a:ea typeface="+mn-ea"/>
-              <a:cs typeface="+mn-cs"/>
-            </a:endParaRPr>
-          </a:p>
-          <a:p>
-            <a:r>
-              <a:rPr lang="zh-CN" altLang="en-US" sz="1200" b="0" i="0" u="none" strike="noStrike" kern="1200" dirty="0">
-                <a:solidFill>
-                  <a:schemeClr val="tx1"/>
-                </a:solidFill>
-                <a:effectLst/>
-                <a:latin typeface="+mn-lt"/>
-                <a:ea typeface="+mn-ea"/>
-                <a:cs typeface="+mn-cs"/>
-              </a:rPr>
-              <a:t>默认情况下，关联是双向的。例如：顾客</a:t>
-            </a:r>
-            <a:r>
-              <a:rPr lang="en-US" altLang="zh-CN" sz="1200" b="0" i="0" u="none" strike="noStrike" kern="1200" dirty="0">
-                <a:solidFill>
-                  <a:schemeClr val="tx1"/>
-                </a:solidFill>
-                <a:effectLst/>
-                <a:latin typeface="+mn-lt"/>
-                <a:ea typeface="+mn-ea"/>
-                <a:cs typeface="+mn-cs"/>
-              </a:rPr>
-              <a:t>(</a:t>
-            </a:r>
-            <a:r>
-              <a:rPr lang="en" altLang="zh-CN" sz="1200" b="0" i="0" u="none" strike="noStrike" kern="1200" dirty="0">
-                <a:solidFill>
-                  <a:schemeClr val="tx1"/>
-                </a:solidFill>
-                <a:effectLst/>
-                <a:latin typeface="+mn-lt"/>
-                <a:ea typeface="+mn-ea"/>
-                <a:cs typeface="+mn-cs"/>
-              </a:rPr>
-              <a:t>Customer)</a:t>
-            </a:r>
-            <a:r>
-              <a:rPr lang="zh-CN" altLang="en-US" sz="1200" b="0" i="0" u="none" strike="noStrike" kern="1200" dirty="0">
-                <a:solidFill>
-                  <a:schemeClr val="tx1"/>
-                </a:solidFill>
-                <a:effectLst/>
-                <a:latin typeface="+mn-lt"/>
-                <a:ea typeface="+mn-ea"/>
-                <a:cs typeface="+mn-cs"/>
-              </a:rPr>
-              <a:t>购买商品</a:t>
-            </a:r>
-            <a:r>
-              <a:rPr lang="en-US" altLang="zh-CN" sz="1200" b="0" i="0" u="none" strike="noStrike" kern="1200" dirty="0">
-                <a:solidFill>
-                  <a:schemeClr val="tx1"/>
-                </a:solidFill>
-                <a:effectLst/>
-                <a:latin typeface="+mn-lt"/>
-                <a:ea typeface="+mn-ea"/>
-                <a:cs typeface="+mn-cs"/>
-              </a:rPr>
-              <a:t>(</a:t>
-            </a:r>
-            <a:r>
-              <a:rPr lang="en" altLang="zh-CN" sz="1200" b="0" i="0" u="none" strike="noStrike" kern="1200" dirty="0">
-                <a:solidFill>
-                  <a:schemeClr val="tx1"/>
-                </a:solidFill>
-                <a:effectLst/>
-                <a:latin typeface="+mn-lt"/>
-                <a:ea typeface="+mn-ea"/>
-                <a:cs typeface="+mn-cs"/>
-              </a:rPr>
-              <a:t>Product)</a:t>
-            </a:r>
-            <a:r>
-              <a:rPr lang="zh-CN" altLang="en-US" sz="1200" b="0" i="0" u="none" strike="noStrike" kern="1200" dirty="0">
-                <a:solidFill>
-                  <a:schemeClr val="tx1"/>
-                </a:solidFill>
-                <a:effectLst/>
-                <a:latin typeface="+mn-lt"/>
-                <a:ea typeface="+mn-ea"/>
-                <a:cs typeface="+mn-cs"/>
-              </a:rPr>
-              <a:t>并拥有商品，反之，卖出的商品总有某个顾客与之相关联。因此，</a:t>
-            </a:r>
-            <a:r>
-              <a:rPr lang="en" altLang="zh-CN" sz="1200" b="0" i="0" u="none" strike="noStrike" kern="1200" dirty="0">
-                <a:solidFill>
-                  <a:schemeClr val="tx1"/>
-                </a:solidFill>
-                <a:effectLst/>
-                <a:latin typeface="+mn-lt"/>
-                <a:ea typeface="+mn-ea"/>
-                <a:cs typeface="+mn-cs"/>
-              </a:rPr>
-              <a:t>Customer</a:t>
-            </a:r>
-            <a:r>
-              <a:rPr lang="zh-CN" altLang="en-US" sz="1200" b="0" i="0" u="none" strike="noStrike" kern="1200" dirty="0">
-                <a:solidFill>
-                  <a:schemeClr val="tx1"/>
-                </a:solidFill>
-                <a:effectLst/>
-                <a:latin typeface="+mn-lt"/>
-                <a:ea typeface="+mn-ea"/>
-                <a:cs typeface="+mn-cs"/>
-              </a:rPr>
-              <a:t>类和</a:t>
-            </a:r>
-            <a:r>
-              <a:rPr lang="en" altLang="zh-CN" sz="1200" b="0" i="0" u="none" strike="noStrike" kern="1200" dirty="0">
-                <a:solidFill>
-                  <a:schemeClr val="tx1"/>
-                </a:solidFill>
-                <a:effectLst/>
-                <a:latin typeface="+mn-lt"/>
-                <a:ea typeface="+mn-ea"/>
-                <a:cs typeface="+mn-cs"/>
-              </a:rPr>
-              <a:t>Product</a:t>
-            </a:r>
-            <a:r>
-              <a:rPr lang="zh-CN" altLang="en-US" sz="1200" b="0" i="0" u="none" strike="noStrike" kern="1200" dirty="0">
-                <a:solidFill>
-                  <a:schemeClr val="tx1"/>
-                </a:solidFill>
-                <a:effectLst/>
-                <a:latin typeface="+mn-lt"/>
-                <a:ea typeface="+mn-ea"/>
-                <a:cs typeface="+mn-cs"/>
-              </a:rPr>
-              <a:t>类之间具有双向关联关系，如图所示：</a:t>
-            </a:r>
-          </a:p>
-          <a:p>
-            <a:r>
-              <a:rPr lang="en-US" altLang="zh-CN" sz="1200" b="1" i="0" u="none" strike="noStrike" kern="1200" dirty="0">
-                <a:solidFill>
-                  <a:schemeClr val="tx1"/>
-                </a:solidFill>
-                <a:effectLst/>
-                <a:latin typeface="+mn-lt"/>
-                <a:ea typeface="+mn-ea"/>
-                <a:cs typeface="+mn-cs"/>
-              </a:rPr>
-              <a:t>(2) </a:t>
-            </a:r>
-            <a:r>
-              <a:rPr lang="zh-CN" altLang="en-US" sz="1200" b="1" i="0" u="none" strike="noStrike" kern="1200" dirty="0">
-                <a:solidFill>
-                  <a:schemeClr val="tx1"/>
-                </a:solidFill>
-                <a:effectLst/>
-                <a:latin typeface="+mn-lt"/>
-                <a:ea typeface="+mn-ea"/>
-                <a:cs typeface="+mn-cs"/>
-              </a:rPr>
-              <a:t>单向关联</a:t>
-            </a:r>
-            <a:endParaRPr lang="zh-CN" altLang="en-US" sz="1200" b="0" i="0" u="none" strike="noStrike" kern="1200" dirty="0">
-              <a:solidFill>
-                <a:schemeClr val="tx1"/>
-              </a:solidFill>
-              <a:effectLst/>
-              <a:latin typeface="+mn-lt"/>
-              <a:ea typeface="+mn-ea"/>
-              <a:cs typeface="+mn-cs"/>
-            </a:endParaRPr>
-          </a:p>
-          <a:p>
-            <a:r>
-              <a:rPr lang="zh-CN" altLang="en-US" sz="1200" b="0" i="0" u="none" strike="noStrike" kern="1200" dirty="0">
-                <a:solidFill>
-                  <a:schemeClr val="tx1"/>
-                </a:solidFill>
-                <a:effectLst/>
-                <a:latin typeface="+mn-lt"/>
-                <a:ea typeface="+mn-ea"/>
-                <a:cs typeface="+mn-cs"/>
-              </a:rPr>
-              <a:t>类的关联关系也可以是单向的，单向关联用带箭头的实线表示。例如：顾客</a:t>
-            </a:r>
-            <a:r>
-              <a:rPr lang="en-US" altLang="zh-CN" sz="1200" b="0" i="0" u="none" strike="noStrike" kern="1200" dirty="0">
-                <a:solidFill>
-                  <a:schemeClr val="tx1"/>
-                </a:solidFill>
-                <a:effectLst/>
-                <a:latin typeface="+mn-lt"/>
-                <a:ea typeface="+mn-ea"/>
-                <a:cs typeface="+mn-cs"/>
-              </a:rPr>
-              <a:t>(</a:t>
-            </a:r>
-            <a:r>
-              <a:rPr lang="en" altLang="zh-CN" sz="1200" b="0" i="0" u="none" strike="noStrike" kern="1200" dirty="0">
-                <a:solidFill>
-                  <a:schemeClr val="tx1"/>
-                </a:solidFill>
-                <a:effectLst/>
-                <a:latin typeface="+mn-lt"/>
-                <a:ea typeface="+mn-ea"/>
-                <a:cs typeface="+mn-cs"/>
-              </a:rPr>
-              <a:t>Customer)</a:t>
-            </a:r>
-            <a:r>
-              <a:rPr lang="zh-CN" altLang="en-US" sz="1200" b="0" i="0" u="none" strike="noStrike" kern="1200" dirty="0">
-                <a:solidFill>
-                  <a:schemeClr val="tx1"/>
-                </a:solidFill>
-                <a:effectLst/>
-                <a:latin typeface="+mn-lt"/>
-                <a:ea typeface="+mn-ea"/>
-                <a:cs typeface="+mn-cs"/>
-              </a:rPr>
-              <a:t>拥有地址</a:t>
-            </a:r>
-            <a:r>
-              <a:rPr lang="en-US" altLang="zh-CN" sz="1200" b="0" i="0" u="none" strike="noStrike" kern="1200" dirty="0">
-                <a:solidFill>
-                  <a:schemeClr val="tx1"/>
-                </a:solidFill>
-                <a:effectLst/>
-                <a:latin typeface="+mn-lt"/>
-                <a:ea typeface="+mn-ea"/>
-                <a:cs typeface="+mn-cs"/>
-              </a:rPr>
-              <a:t>(</a:t>
-            </a:r>
-            <a:r>
-              <a:rPr lang="en" altLang="zh-CN" sz="1200" b="0" i="0" u="none" strike="noStrike" kern="1200" dirty="0">
-                <a:solidFill>
-                  <a:schemeClr val="tx1"/>
-                </a:solidFill>
-                <a:effectLst/>
-                <a:latin typeface="+mn-lt"/>
-                <a:ea typeface="+mn-ea"/>
-                <a:cs typeface="+mn-cs"/>
-              </a:rPr>
-              <a:t>Address)</a:t>
-            </a:r>
-            <a:r>
-              <a:rPr lang="zh-CN" altLang="en" sz="1200" b="0" i="0" u="none" strike="noStrike" kern="1200" dirty="0">
-                <a:solidFill>
-                  <a:schemeClr val="tx1"/>
-                </a:solidFill>
-                <a:effectLst/>
-                <a:latin typeface="+mn-lt"/>
-                <a:ea typeface="+mn-ea"/>
-                <a:cs typeface="+mn-cs"/>
-              </a:rPr>
-              <a:t>，</a:t>
-            </a:r>
-            <a:r>
-              <a:rPr lang="zh-CN" altLang="en-US" sz="1200" b="0" i="0" u="none" strike="noStrike" kern="1200" dirty="0">
-                <a:solidFill>
-                  <a:schemeClr val="tx1"/>
-                </a:solidFill>
-                <a:effectLst/>
-                <a:latin typeface="+mn-lt"/>
-                <a:ea typeface="+mn-ea"/>
-                <a:cs typeface="+mn-cs"/>
-              </a:rPr>
-              <a:t>则</a:t>
-            </a:r>
-            <a:r>
-              <a:rPr lang="en" altLang="zh-CN" sz="1200" b="0" i="0" u="none" strike="noStrike" kern="1200" dirty="0">
-                <a:solidFill>
-                  <a:schemeClr val="tx1"/>
-                </a:solidFill>
-                <a:effectLst/>
-                <a:latin typeface="+mn-lt"/>
-                <a:ea typeface="+mn-ea"/>
-                <a:cs typeface="+mn-cs"/>
-              </a:rPr>
-              <a:t>Customer</a:t>
-            </a:r>
-            <a:r>
-              <a:rPr lang="zh-CN" altLang="en-US" sz="1200" b="0" i="0" u="none" strike="noStrike" kern="1200" dirty="0">
-                <a:solidFill>
-                  <a:schemeClr val="tx1"/>
-                </a:solidFill>
-                <a:effectLst/>
-                <a:latin typeface="+mn-lt"/>
-                <a:ea typeface="+mn-ea"/>
-                <a:cs typeface="+mn-cs"/>
-              </a:rPr>
-              <a:t>类与</a:t>
-            </a:r>
-            <a:r>
-              <a:rPr lang="en" altLang="zh-CN" sz="1200" b="0" i="0" u="none" strike="noStrike" kern="1200" dirty="0">
-                <a:solidFill>
-                  <a:schemeClr val="tx1"/>
-                </a:solidFill>
-                <a:effectLst/>
-                <a:latin typeface="+mn-lt"/>
-                <a:ea typeface="+mn-ea"/>
-                <a:cs typeface="+mn-cs"/>
-              </a:rPr>
-              <a:t>Address</a:t>
-            </a:r>
-            <a:r>
-              <a:rPr lang="zh-CN" altLang="en-US" sz="1200" b="0" i="0" u="none" strike="noStrike" kern="1200" dirty="0">
-                <a:solidFill>
-                  <a:schemeClr val="tx1"/>
-                </a:solidFill>
-                <a:effectLst/>
-                <a:latin typeface="+mn-lt"/>
-                <a:ea typeface="+mn-ea"/>
-                <a:cs typeface="+mn-cs"/>
-              </a:rPr>
-              <a:t>类具有单向关联关系，如图所示：</a:t>
-            </a:r>
-          </a:p>
-          <a:p>
-            <a:endParaRPr kumimoji="1" lang="zh-CN" altLang="en-US" dirty="0"/>
+              <a:rPr lang="zh-CN" altLang="en-US" dirty="0" smtClean="0"/>
+              <a:t>逻辑视图       实现视图</a:t>
+            </a:r>
+            <a:endParaRPr lang="en-US" altLang="zh-CN" dirty="0" smtClean="0"/>
+          </a:p>
+          <a:p>
+            <a:r>
+              <a:rPr lang="en-US" altLang="zh-CN" dirty="0" smtClean="0"/>
+              <a:t>              </a:t>
+            </a:r>
+            <a:r>
+              <a:rPr lang="zh-CN" altLang="en-US" dirty="0" smtClean="0"/>
+              <a:t>场景</a:t>
+            </a:r>
+            <a:endParaRPr lang="en-US" altLang="zh-CN" dirty="0" smtClean="0"/>
+          </a:p>
+          <a:p>
+            <a:r>
+              <a:rPr lang="zh-CN" altLang="en-US" dirty="0" smtClean="0"/>
+              <a:t>过程视图       部署视图</a:t>
+            </a:r>
+            <a:endParaRPr lang="zh-CN" altLang="en-US" dirty="0"/>
           </a:p>
         </p:txBody>
       </p:sp>
@@ -3681,7 +4049,7 @@
             <a:spLocks noGrp="1"/>
           </p:cNvSpPr>
           <p:nvPr>
-            <p:ph type="sldNum" sz="quarter" idx="5"/>
+            <p:ph type="sldNum" sz="quarter" idx="10"/>
           </p:nvPr>
         </p:nvSpPr>
         <p:spPr/>
@@ -3691,7 +4059,7 @@
           <a:p>
             <a:fld id="{74B31000-9408-426B-B873-D4C066E48AF8}" type="slidenum">
               <a:rPr lang="zh-CN" altLang="en-US" smtClean="0"/>
-              <a:t>30</a:t>
+              <a:t>23</a:t>
             </a:fld>
             <a:endParaRPr lang="zh-CN" altLang="en-US"/>
           </a:p>
@@ -3700,7 +4068,7 @@
     </p:spTree>
     <p:extLst>
       <p:ext uri="{BB962C8B-B14F-4D97-AF65-F5344CB8AC3E}">
-        <p14:creationId xmlns:p14="http://schemas.microsoft.com/office/powerpoint/2010/main" val="2176516787"/>
+        <p14:creationId xmlns:p14="http://schemas.microsoft.com/office/powerpoint/2010/main" val="2934906911"/>
       </p:ext>
     </p:extLst>
   </p:cSld>
@@ -3754,333 +4122,7 @@
           <a:bodyPr/>
           <a:lstStyle/>
           <a:p>
-            <a:r>
-              <a:rPr lang="zh-CN" altLang="en-US" sz="1200" b="0" i="0" u="none" strike="noStrike" kern="1200" dirty="0">
-                <a:solidFill>
-                  <a:schemeClr val="tx1"/>
-                </a:solidFill>
-                <a:effectLst/>
-                <a:latin typeface="+mn-lt"/>
-                <a:ea typeface="+mn-ea"/>
-                <a:cs typeface="+mn-cs"/>
-              </a:rPr>
-              <a:t>多重性关联关系又称为重数性</a:t>
-            </a:r>
-            <a:r>
-              <a:rPr lang="en-US" altLang="zh-CN" sz="1200" b="0" i="0" u="none" strike="noStrike" kern="1200" dirty="0">
-                <a:solidFill>
-                  <a:schemeClr val="tx1"/>
-                </a:solidFill>
-                <a:effectLst/>
-                <a:latin typeface="+mn-lt"/>
-                <a:ea typeface="+mn-ea"/>
-                <a:cs typeface="+mn-cs"/>
-              </a:rPr>
-              <a:t>(</a:t>
-            </a:r>
-            <a:r>
-              <a:rPr lang="en" altLang="zh-CN" sz="1200" b="0" i="0" u="none" strike="noStrike" kern="1200" dirty="0">
-                <a:solidFill>
-                  <a:schemeClr val="tx1"/>
-                </a:solidFill>
-                <a:effectLst/>
-                <a:latin typeface="+mn-lt"/>
-                <a:ea typeface="+mn-ea"/>
-                <a:cs typeface="+mn-cs"/>
-              </a:rPr>
-              <a:t>Multiplicity)</a:t>
-            </a:r>
-            <a:r>
-              <a:rPr lang="zh-CN" altLang="en-US" sz="1200" b="0" i="0" u="none" strike="noStrike" kern="1200" dirty="0">
-                <a:solidFill>
-                  <a:schemeClr val="tx1"/>
-                </a:solidFill>
-                <a:effectLst/>
-                <a:latin typeface="+mn-lt"/>
-                <a:ea typeface="+mn-ea"/>
-                <a:cs typeface="+mn-cs"/>
-              </a:rPr>
-              <a:t>关联关系，表示两个关联对象在数量上的对应关系。</a:t>
-            </a:r>
-            <a:endParaRPr lang="en-US" altLang="zh-CN" sz="1200" b="0" i="0" u="none" strike="noStrike" kern="1200" dirty="0">
-              <a:solidFill>
-                <a:schemeClr val="tx1"/>
-              </a:solidFill>
-              <a:effectLst/>
-              <a:latin typeface="+mn-lt"/>
-              <a:ea typeface="+mn-ea"/>
-              <a:cs typeface="+mn-cs"/>
-            </a:endParaRPr>
-          </a:p>
-          <a:p>
-            <a:r>
-              <a:rPr lang="zh-CN" altLang="en-US" sz="1200" b="0" i="0" u="none" strike="noStrike" kern="1200" dirty="0">
-                <a:solidFill>
-                  <a:schemeClr val="tx1"/>
-                </a:solidFill>
-                <a:effectLst/>
-                <a:latin typeface="+mn-lt"/>
-                <a:ea typeface="+mn-ea"/>
-                <a:cs typeface="+mn-cs"/>
-              </a:rPr>
-              <a:t>在</a:t>
-            </a:r>
-            <a:r>
-              <a:rPr lang="en" altLang="zh-CN" sz="1200" b="0" i="0" u="none" strike="noStrike" kern="1200" dirty="0">
-                <a:solidFill>
-                  <a:schemeClr val="tx1"/>
-                </a:solidFill>
-                <a:effectLst/>
-                <a:latin typeface="+mn-lt"/>
-                <a:ea typeface="+mn-ea"/>
-                <a:cs typeface="+mn-cs"/>
-              </a:rPr>
-              <a:t>UML</a:t>
-            </a:r>
-            <a:r>
-              <a:rPr lang="zh-CN" altLang="en-US" sz="1200" b="0" i="0" u="none" strike="noStrike" kern="1200" dirty="0">
-                <a:solidFill>
-                  <a:schemeClr val="tx1"/>
-                </a:solidFill>
-                <a:effectLst/>
-                <a:latin typeface="+mn-lt"/>
-                <a:ea typeface="+mn-ea"/>
-                <a:cs typeface="+mn-cs"/>
-              </a:rPr>
-              <a:t>中，对象之间的多重性可以直接在关联直线上用一个数字或一个数字范围表示。</a:t>
-            </a:r>
-          </a:p>
-          <a:p>
-            <a:r>
-              <a:rPr lang="zh-CN" altLang="en-US" sz="1200" b="0" i="0" u="none" strike="noStrike" kern="1200" dirty="0">
-                <a:solidFill>
-                  <a:schemeClr val="tx1"/>
-                </a:solidFill>
-                <a:effectLst/>
-                <a:latin typeface="+mn-lt"/>
-                <a:ea typeface="+mn-ea"/>
-                <a:cs typeface="+mn-cs"/>
-              </a:rPr>
-              <a:t>对象之间可以存在多种多重性关联关系，常见的多重性表示方式如表所示：</a:t>
-            </a:r>
-          </a:p>
-          <a:p>
-            <a:r>
-              <a:rPr lang="zh-CN" altLang="en-US" sz="1200" b="0" i="0" u="none" strike="noStrike" kern="1200" dirty="0">
-                <a:solidFill>
-                  <a:schemeClr val="tx1"/>
-                </a:solidFill>
-                <a:effectLst/>
-                <a:latin typeface="+mn-lt"/>
-                <a:ea typeface="+mn-ea"/>
-                <a:cs typeface="+mn-cs"/>
-              </a:rPr>
-              <a:t>例如：一个界面</a:t>
-            </a:r>
-            <a:r>
-              <a:rPr lang="en-US" altLang="zh-CN" sz="1200" b="0" i="0" u="none" strike="noStrike" kern="1200" dirty="0">
-                <a:solidFill>
-                  <a:schemeClr val="tx1"/>
-                </a:solidFill>
-                <a:effectLst/>
-                <a:latin typeface="+mn-lt"/>
-                <a:ea typeface="+mn-ea"/>
-                <a:cs typeface="+mn-cs"/>
-              </a:rPr>
-              <a:t>(</a:t>
-            </a:r>
-            <a:r>
-              <a:rPr lang="en" altLang="zh-CN" sz="1200" b="0" i="0" u="none" strike="noStrike" kern="1200" dirty="0">
-                <a:solidFill>
-                  <a:schemeClr val="tx1"/>
-                </a:solidFill>
-                <a:effectLst/>
-                <a:latin typeface="+mn-lt"/>
-                <a:ea typeface="+mn-ea"/>
-                <a:cs typeface="+mn-cs"/>
-              </a:rPr>
-              <a:t>Form)</a:t>
-            </a:r>
-            <a:r>
-              <a:rPr lang="zh-CN" altLang="en-US" sz="1200" b="0" i="0" u="none" strike="noStrike" kern="1200" dirty="0">
-                <a:solidFill>
-                  <a:schemeClr val="tx1"/>
-                </a:solidFill>
-                <a:effectLst/>
-                <a:latin typeface="+mn-lt"/>
-                <a:ea typeface="+mn-ea"/>
-                <a:cs typeface="+mn-cs"/>
-              </a:rPr>
-              <a:t>可以拥有零个或多个按钮</a:t>
-            </a:r>
-            <a:r>
-              <a:rPr lang="en-US" altLang="zh-CN" sz="1200" b="0" i="0" u="none" strike="noStrike" kern="1200" dirty="0">
-                <a:solidFill>
-                  <a:schemeClr val="tx1"/>
-                </a:solidFill>
-                <a:effectLst/>
-                <a:latin typeface="+mn-lt"/>
-                <a:ea typeface="+mn-ea"/>
-                <a:cs typeface="+mn-cs"/>
-              </a:rPr>
-              <a:t>(</a:t>
-            </a:r>
-            <a:r>
-              <a:rPr lang="en" altLang="zh-CN" sz="1200" b="0" i="0" u="none" strike="noStrike" kern="1200" dirty="0">
-                <a:solidFill>
-                  <a:schemeClr val="tx1"/>
-                </a:solidFill>
-                <a:effectLst/>
-                <a:latin typeface="+mn-lt"/>
-                <a:ea typeface="+mn-ea"/>
-                <a:cs typeface="+mn-cs"/>
-              </a:rPr>
-              <a:t>Button)</a:t>
-            </a:r>
-            <a:r>
-              <a:rPr lang="zh-CN" altLang="en" sz="1200" b="0" i="0" u="none" strike="noStrike" kern="1200" dirty="0">
-                <a:solidFill>
-                  <a:schemeClr val="tx1"/>
-                </a:solidFill>
-                <a:effectLst/>
-                <a:latin typeface="+mn-lt"/>
-                <a:ea typeface="+mn-ea"/>
-                <a:cs typeface="+mn-cs"/>
-              </a:rPr>
-              <a:t>，</a:t>
-            </a:r>
-            <a:r>
-              <a:rPr lang="zh-CN" altLang="en-US" sz="1200" b="0" i="0" u="none" strike="noStrike" kern="1200" dirty="0">
-                <a:solidFill>
-                  <a:schemeClr val="tx1"/>
-                </a:solidFill>
-                <a:effectLst/>
-                <a:latin typeface="+mn-lt"/>
-                <a:ea typeface="+mn-ea"/>
-                <a:cs typeface="+mn-cs"/>
-              </a:rPr>
-              <a:t>但是一个按钮只能属于一个界面，</a:t>
-            </a:r>
-            <a:endParaRPr lang="en-US" altLang="zh-CN" sz="1200" b="0" i="0" u="none" strike="noStrike" kern="1200" dirty="0">
-              <a:solidFill>
-                <a:schemeClr val="tx1"/>
-              </a:solidFill>
-              <a:effectLst/>
-              <a:latin typeface="+mn-lt"/>
-              <a:ea typeface="+mn-ea"/>
-              <a:cs typeface="+mn-cs"/>
-            </a:endParaRPr>
-          </a:p>
-          <a:p>
-            <a:r>
-              <a:rPr lang="zh-CN" altLang="en-US" sz="1200" b="0" i="0" u="none" strike="noStrike" kern="1200" dirty="0">
-                <a:solidFill>
-                  <a:schemeClr val="tx1"/>
-                </a:solidFill>
-                <a:effectLst/>
-                <a:latin typeface="+mn-lt"/>
-                <a:ea typeface="+mn-ea"/>
-                <a:cs typeface="+mn-cs"/>
-              </a:rPr>
-              <a:t>因此，一个</a:t>
-            </a:r>
-            <a:r>
-              <a:rPr lang="en" altLang="zh-CN" sz="1200" b="0" i="0" u="none" strike="noStrike" kern="1200" dirty="0">
-                <a:solidFill>
-                  <a:schemeClr val="tx1"/>
-                </a:solidFill>
-                <a:effectLst/>
-                <a:latin typeface="+mn-lt"/>
-                <a:ea typeface="+mn-ea"/>
-                <a:cs typeface="+mn-cs"/>
-              </a:rPr>
-              <a:t>Form</a:t>
-            </a:r>
-            <a:r>
-              <a:rPr lang="zh-CN" altLang="en-US" sz="1200" b="0" i="0" u="none" strike="noStrike" kern="1200" dirty="0">
-                <a:solidFill>
-                  <a:schemeClr val="tx1"/>
-                </a:solidFill>
-                <a:effectLst/>
-                <a:latin typeface="+mn-lt"/>
-                <a:ea typeface="+mn-ea"/>
-                <a:cs typeface="+mn-cs"/>
-              </a:rPr>
-              <a:t>类的对象可以与零个或多个</a:t>
-            </a:r>
-            <a:r>
-              <a:rPr lang="en" altLang="zh-CN" sz="1200" b="0" i="0" u="none" strike="noStrike" kern="1200" dirty="0">
-                <a:solidFill>
-                  <a:schemeClr val="tx1"/>
-                </a:solidFill>
-                <a:effectLst/>
-                <a:latin typeface="+mn-lt"/>
-                <a:ea typeface="+mn-ea"/>
-                <a:cs typeface="+mn-cs"/>
-              </a:rPr>
-              <a:t>Button</a:t>
-            </a:r>
-            <a:r>
-              <a:rPr lang="zh-CN" altLang="en-US" sz="1200" b="0" i="0" u="none" strike="noStrike" kern="1200" dirty="0">
-                <a:solidFill>
-                  <a:schemeClr val="tx1"/>
-                </a:solidFill>
-                <a:effectLst/>
-                <a:latin typeface="+mn-lt"/>
-                <a:ea typeface="+mn-ea"/>
-                <a:cs typeface="+mn-cs"/>
-              </a:rPr>
-              <a:t>类的对象相关联，但一个</a:t>
-            </a:r>
-            <a:r>
-              <a:rPr lang="en" altLang="zh-CN" sz="1200" b="0" i="0" u="none" strike="noStrike" kern="1200" dirty="0">
-                <a:solidFill>
-                  <a:schemeClr val="tx1"/>
-                </a:solidFill>
-                <a:effectLst/>
-                <a:latin typeface="+mn-lt"/>
-                <a:ea typeface="+mn-ea"/>
-                <a:cs typeface="+mn-cs"/>
-              </a:rPr>
-              <a:t>Button</a:t>
-            </a:r>
-            <a:r>
-              <a:rPr lang="zh-CN" altLang="en-US" sz="1200" b="0" i="0" u="none" strike="noStrike" kern="1200" dirty="0">
-                <a:solidFill>
-                  <a:schemeClr val="tx1"/>
-                </a:solidFill>
-                <a:effectLst/>
-                <a:latin typeface="+mn-lt"/>
-                <a:ea typeface="+mn-ea"/>
-                <a:cs typeface="+mn-cs"/>
-              </a:rPr>
-              <a:t>类的对象只能与一个</a:t>
-            </a:r>
-            <a:r>
-              <a:rPr lang="en" altLang="zh-CN" sz="1200" b="0" i="0" u="none" strike="noStrike" kern="1200" dirty="0">
-                <a:solidFill>
-                  <a:schemeClr val="tx1"/>
-                </a:solidFill>
-                <a:effectLst/>
-                <a:latin typeface="+mn-lt"/>
-                <a:ea typeface="+mn-ea"/>
-                <a:cs typeface="+mn-cs"/>
-              </a:rPr>
-              <a:t>Form</a:t>
-            </a:r>
-            <a:r>
-              <a:rPr lang="zh-CN" altLang="en-US" sz="1200" b="0" i="0" u="none" strike="noStrike" kern="1200" dirty="0">
-                <a:solidFill>
-                  <a:schemeClr val="tx1"/>
-                </a:solidFill>
-                <a:effectLst/>
-                <a:latin typeface="+mn-lt"/>
-                <a:ea typeface="+mn-ea"/>
-                <a:cs typeface="+mn-cs"/>
-              </a:rPr>
-              <a:t>类的对象关联，如图所示</a:t>
-            </a:r>
-            <a:endParaRPr kumimoji="1" lang="zh-CN" altLang="en-US" dirty="0"/>
+            <a:endParaRPr lang="zh-CN" altLang="en-US" dirty="0"/>
           </a:p>
         </p:txBody>
       </p:sp>
@@ -4091,7 +4133,7 @@
             <a:spLocks noGrp="1"/>
           </p:cNvSpPr>
           <p:nvPr>
-            <p:ph type="sldNum" sz="quarter" idx="5"/>
+            <p:ph type="sldNum" sz="quarter" idx="10"/>
           </p:nvPr>
         </p:nvSpPr>
         <p:spPr/>
@@ -4101,7 +4143,7 @@
           <a:p>
             <a:fld id="{74B31000-9408-426B-B873-D4C066E48AF8}" type="slidenum">
               <a:rPr lang="zh-CN" altLang="en-US" smtClean="0"/>
-              <a:t>31</a:t>
+              <a:t>24</a:t>
             </a:fld>
             <a:endParaRPr lang="zh-CN" altLang="en-US"/>
           </a:p>
@@ -4110,7 +4152,7 @@
     </p:spTree>
     <p:extLst>
       <p:ext uri="{BB962C8B-B14F-4D97-AF65-F5344CB8AC3E}">
-        <p14:creationId xmlns:p14="http://schemas.microsoft.com/office/powerpoint/2010/main" val="4006479335"/>
+        <p14:creationId xmlns:p14="http://schemas.microsoft.com/office/powerpoint/2010/main" val="1382167400"/>
       </p:ext>
     </p:extLst>
   </p:cSld>
@@ -4166,198 +4208,15 @@
           <a:p>
             <a:r>
               <a:rPr kumimoji="1" lang="zh-CN" altLang="en-US" dirty="0"/>
-              <a:t>可以简单的理解，就是一个类</a:t>
-            </a:r>
-            <a:r>
-              <a:rPr kumimoji="1" lang="en" altLang="zh-CN" dirty="0"/>
-              <a:t>A</a:t>
+              <a:t>照</a:t>
+            </a:r>
+            <a:r>
+              <a:rPr kumimoji="1" lang="en-US" altLang="zh-CN" dirty="0"/>
+              <a:t>ppt</a:t>
             </a:r>
             <a:r>
               <a:rPr kumimoji="1" lang="zh-CN" altLang="en-US" dirty="0"/>
-              <a:t>使用到了另一个类</a:t>
-            </a:r>
-            <a:r>
-              <a:rPr kumimoji="1" lang="en" altLang="zh-CN" dirty="0"/>
-              <a:t>B</a:t>
-            </a:r>
-            <a:r>
-              <a:rPr kumimoji="1" lang="zh-CN" altLang="en" dirty="0"/>
-              <a:t>，</a:t>
-            </a:r>
-            <a:r>
-              <a:rPr kumimoji="1" lang="zh-CN" altLang="en-US" dirty="0"/>
-              <a:t>而这种使用关系是具有偶然性的、临时性的、非常弱的，但是</a:t>
-            </a:r>
-            <a:r>
-              <a:rPr kumimoji="1" lang="en" altLang="zh-CN" dirty="0"/>
-              <a:t>B</a:t>
-            </a:r>
-            <a:r>
-              <a:rPr kumimoji="1" lang="zh-CN" altLang="en-US" dirty="0"/>
-              <a:t>类的变化会影响到</a:t>
-            </a:r>
-            <a:r>
-              <a:rPr kumimoji="1" lang="en" altLang="zh-CN" dirty="0"/>
-              <a:t>A</a:t>
-            </a:r>
-            <a:r>
-              <a:rPr kumimoji="1" lang="zh-CN" altLang="en" dirty="0"/>
-              <a:t>；</a:t>
-            </a:r>
-            <a:r>
-              <a:rPr kumimoji="1" lang="zh-CN" altLang="en-US" dirty="0"/>
-              <a:t>比如某人要过河，需要借用一条船，</a:t>
-            </a:r>
-            <a:endParaRPr kumimoji="1" lang="en-US" altLang="zh-CN" dirty="0"/>
-          </a:p>
-          <a:p>
-            <a:r>
-              <a:rPr kumimoji="1" lang="zh-CN" altLang="en-US" dirty="0"/>
-              <a:t>此时人与船之间的关系就是依赖；表现在代码层面，为类</a:t>
-            </a:r>
-            <a:r>
-              <a:rPr kumimoji="1" lang="en" altLang="zh-CN" dirty="0"/>
-              <a:t>B</a:t>
-            </a:r>
-            <a:r>
-              <a:rPr kumimoji="1" lang="zh-CN" altLang="en-US" dirty="0"/>
-              <a:t>作为参数被类</a:t>
-            </a:r>
-            <a:r>
-              <a:rPr kumimoji="1" lang="en" altLang="zh-CN" dirty="0"/>
-              <a:t>A</a:t>
-            </a:r>
-            <a:r>
-              <a:rPr kumimoji="1" lang="zh-CN" altLang="en-US" dirty="0"/>
-              <a:t>在某个</a:t>
-            </a:r>
-            <a:r>
-              <a:rPr kumimoji="1" lang="en" altLang="zh-CN" dirty="0"/>
-              <a:t>method</a:t>
-            </a:r>
-            <a:r>
-              <a:rPr kumimoji="1" lang="zh-CN" altLang="en-US" dirty="0"/>
-              <a:t>方法中使用；</a:t>
-            </a:r>
-          </a:p>
-          <a:p>
-            <a:r>
-              <a:rPr kumimoji="1" lang="zh-CN" altLang="en-US" dirty="0"/>
-              <a:t>在</a:t>
-            </a:r>
-            <a:r>
-              <a:rPr kumimoji="1" lang="en" altLang="zh-CN" dirty="0"/>
-              <a:t>UML</a:t>
-            </a:r>
-            <a:r>
-              <a:rPr kumimoji="1" lang="zh-CN" altLang="en-US" dirty="0"/>
-              <a:t>中，依赖关系用带箭头的虚线表示，由依赖的一方指向被依赖的一方。例如：驾驶员开车，</a:t>
-            </a:r>
-            <a:endParaRPr kumimoji="1" lang="en-US" altLang="zh-CN" dirty="0"/>
-          </a:p>
-          <a:p>
-            <a:r>
-              <a:rPr kumimoji="1" lang="zh-CN" altLang="en-US" dirty="0"/>
-              <a:t>在</a:t>
-            </a:r>
-            <a:r>
-              <a:rPr kumimoji="1" lang="en" altLang="zh-CN" dirty="0"/>
-              <a:t>Driver</a:t>
-            </a:r>
-            <a:r>
-              <a:rPr kumimoji="1" lang="zh-CN" altLang="en-US" dirty="0"/>
-              <a:t>类的</a:t>
-            </a:r>
-            <a:r>
-              <a:rPr kumimoji="1" lang="en" altLang="zh-CN" dirty="0"/>
-              <a:t>drive()</a:t>
-            </a:r>
-            <a:r>
-              <a:rPr kumimoji="1" lang="zh-CN" altLang="en-US" dirty="0"/>
-              <a:t>方法中将</a:t>
-            </a:r>
-            <a:r>
-              <a:rPr kumimoji="1" lang="en" altLang="zh-CN" dirty="0"/>
-              <a:t>Car</a:t>
-            </a:r>
-            <a:r>
-              <a:rPr kumimoji="1" lang="zh-CN" altLang="en-US" dirty="0"/>
-              <a:t>类型的对象</a:t>
-            </a:r>
-            <a:r>
-              <a:rPr kumimoji="1" lang="en" altLang="zh-CN" dirty="0"/>
-              <a:t>car</a:t>
-            </a:r>
-            <a:r>
-              <a:rPr kumimoji="1" lang="zh-CN" altLang="en-US" dirty="0"/>
-              <a:t>作为一个参数传递，以便在</a:t>
-            </a:r>
-            <a:r>
-              <a:rPr kumimoji="1" lang="en" altLang="zh-CN" dirty="0"/>
-              <a:t>drive()</a:t>
-            </a:r>
-            <a:r>
-              <a:rPr kumimoji="1" lang="zh-CN" altLang="en-US" dirty="0"/>
-              <a:t>方法中能够调用</a:t>
-            </a:r>
-            <a:r>
-              <a:rPr kumimoji="1" lang="en" altLang="zh-CN" dirty="0"/>
-              <a:t>car</a:t>
-            </a:r>
-            <a:r>
-              <a:rPr kumimoji="1" lang="zh-CN" altLang="en-US" dirty="0"/>
-              <a:t>的</a:t>
-            </a:r>
-            <a:r>
-              <a:rPr kumimoji="1" lang="en" altLang="zh-CN" dirty="0"/>
-              <a:t>move()</a:t>
-            </a:r>
-            <a:r>
-              <a:rPr kumimoji="1" lang="zh-CN" altLang="en-US" dirty="0"/>
-              <a:t>方法，且驾驶员的</a:t>
-            </a:r>
-            <a:r>
-              <a:rPr kumimoji="1" lang="en" altLang="zh-CN" dirty="0"/>
-              <a:t>drive()</a:t>
-            </a:r>
-            <a:r>
-              <a:rPr kumimoji="1" lang="zh-CN" altLang="en-US" dirty="0"/>
-              <a:t>方法依赖车的</a:t>
-            </a:r>
-            <a:r>
-              <a:rPr kumimoji="1" lang="en" altLang="zh-CN" dirty="0"/>
-              <a:t>move()</a:t>
-            </a:r>
-            <a:r>
-              <a:rPr kumimoji="1" lang="zh-CN" altLang="en-US" dirty="0"/>
-              <a:t>方法，</a:t>
-            </a:r>
-            <a:endParaRPr kumimoji="1" lang="en-US" altLang="zh-CN" dirty="0"/>
-          </a:p>
-          <a:p>
-            <a:r>
-              <a:rPr kumimoji="1" lang="zh-CN" altLang="en-US" dirty="0"/>
-              <a:t>因此类</a:t>
-            </a:r>
-            <a:r>
-              <a:rPr kumimoji="1" lang="en" altLang="zh-CN" dirty="0"/>
-              <a:t>Driver</a:t>
-            </a:r>
-            <a:r>
-              <a:rPr kumimoji="1" lang="zh-CN" altLang="en-US" dirty="0"/>
-              <a:t>依赖类</a:t>
-            </a:r>
-            <a:r>
-              <a:rPr kumimoji="1" lang="en" altLang="zh-CN" dirty="0"/>
-              <a:t>Car</a:t>
-            </a:r>
-            <a:r>
-              <a:rPr kumimoji="1" lang="zh-CN" altLang="en" dirty="0"/>
-              <a:t>，</a:t>
-            </a:r>
-            <a:r>
-              <a:rPr kumimoji="1" lang="zh-CN" altLang="en-US" dirty="0"/>
-              <a:t>如图所示：</a:t>
+              <a:t>讲即可</a:t>
             </a:r>
           </a:p>
         </p:txBody>
@@ -4377,18 +4236,18 @@
           <a:bodyPr/>
           <a:lstStyle/>
           <a:p>
-            <a:fld id="{74B31000-9408-426B-B873-D4C066E48AF8}" type="slidenum">
-              <a:rPr lang="zh-CN" altLang="en-US" smtClean="0"/>
-              <a:t>32</a:t>
+            <a:fld id="{D03F297A-3586-2847-B61B-EC71B10EF806}" type="slidenum">
+              <a:rPr kumimoji="1" lang="zh-CN" altLang="en-US" smtClean="0"/>
+              <a:t>29</a:t>
             </a:fld>
-            <a:endParaRPr lang="zh-CN" altLang="en-US"/>
+            <a:endParaRPr kumimoji="1" lang="zh-CN" altLang="en-US"/>
           </a:p>
         </p:txBody>
       </p:sp>
     </p:spTree>
     <p:extLst>
       <p:ext uri="{BB962C8B-B14F-4D97-AF65-F5344CB8AC3E}">
-        <p14:creationId xmlns:p14="http://schemas.microsoft.com/office/powerpoint/2010/main" val="1745095293"/>
+        <p14:creationId xmlns:p14="http://schemas.microsoft.com/office/powerpoint/2010/main" val="919721940"/>
       </p:ext>
     </p:extLst>
   </p:cSld>
@@ -4443,303 +4302,394 @@
           <a:lstStyle/>
           <a:p>
             <a:r>
-              <a:rPr kumimoji="1" lang="zh-CN" altLang="en-US" dirty="0"/>
-              <a:t>泛化</a:t>
-            </a:r>
-            <a:r>
-              <a:rPr kumimoji="1" lang="en-US" altLang="zh-CN" dirty="0"/>
+              <a:rPr lang="zh-CN" altLang="en-US" sz="1200" b="0" i="0" u="none" strike="noStrike" kern="1200" dirty="0">
+                <a:solidFill>
+                  <a:schemeClr val="tx1"/>
+                </a:solidFill>
+                <a:effectLst/>
+                <a:latin typeface="+mn-lt"/>
+                <a:ea typeface="+mn-ea"/>
+                <a:cs typeface="+mn-cs"/>
+              </a:rPr>
+              <a:t>在</a:t>
+            </a:r>
+            <a:r>
+              <a:rPr lang="en" altLang="zh-CN" sz="1200" b="0" i="0" u="none" strike="noStrike" kern="1200" dirty="0">
+                <a:solidFill>
+                  <a:schemeClr val="tx1"/>
+                </a:solidFill>
+                <a:effectLst/>
+                <a:latin typeface="+mn-lt"/>
+                <a:ea typeface="+mn-ea"/>
+                <a:cs typeface="+mn-cs"/>
+              </a:rPr>
+              <a:t>UML</a:t>
+            </a:r>
+            <a:r>
+              <a:rPr lang="zh-CN" altLang="en-US" sz="1200" b="0" i="0" u="none" strike="noStrike" kern="1200" dirty="0">
+                <a:solidFill>
+                  <a:schemeClr val="tx1"/>
+                </a:solidFill>
+                <a:effectLst/>
+                <a:latin typeface="+mn-lt"/>
+                <a:ea typeface="+mn-ea"/>
+                <a:cs typeface="+mn-cs"/>
+              </a:rPr>
+              <a:t>中，关联关系通常又包含如下几种形式：</a:t>
+            </a:r>
+          </a:p>
+          <a:p>
+            <a:r>
+              <a:rPr lang="en-US" altLang="zh-CN" sz="1200" b="1" i="0" u="none" strike="noStrike" kern="1200" dirty="0">
+                <a:solidFill>
+                  <a:schemeClr val="tx1"/>
+                </a:solidFill>
+                <a:effectLst/>
+                <a:latin typeface="+mn-lt"/>
+                <a:ea typeface="+mn-ea"/>
+                <a:cs typeface="+mn-cs"/>
+              </a:rPr>
+              <a:t>(1) </a:t>
+            </a:r>
+            <a:r>
+              <a:rPr lang="zh-CN" altLang="en-US" sz="1200" b="1" i="0" u="none" strike="noStrike" kern="1200" dirty="0">
+                <a:solidFill>
+                  <a:schemeClr val="tx1"/>
+                </a:solidFill>
+                <a:effectLst/>
+                <a:latin typeface="+mn-lt"/>
+                <a:ea typeface="+mn-ea"/>
+                <a:cs typeface="+mn-cs"/>
+              </a:rPr>
+              <a:t>双向关联</a:t>
+            </a:r>
+            <a:endParaRPr lang="zh-CN" altLang="en-US" sz="1200" b="0" i="0" u="none" strike="noStrike" kern="1200" dirty="0">
+              <a:solidFill>
+                <a:schemeClr val="tx1"/>
+              </a:solidFill>
+              <a:effectLst/>
+              <a:latin typeface="+mn-lt"/>
+              <a:ea typeface="+mn-ea"/>
+              <a:cs typeface="+mn-cs"/>
+            </a:endParaRPr>
+          </a:p>
+          <a:p>
+            <a:r>
+              <a:rPr lang="zh-CN" altLang="en-US" sz="1200" b="0" i="0" u="none" strike="noStrike" kern="1200" dirty="0">
+                <a:solidFill>
+                  <a:schemeClr val="tx1"/>
+                </a:solidFill>
+                <a:effectLst/>
+                <a:latin typeface="+mn-lt"/>
+                <a:ea typeface="+mn-ea"/>
+                <a:cs typeface="+mn-cs"/>
+              </a:rPr>
+              <a:t>默认情况下，关联是双向的。例如：顾客</a:t>
+            </a:r>
+            <a:r>
+              <a:rPr lang="en-US" altLang="zh-CN" sz="1200" b="0" i="0" u="none" strike="noStrike" kern="1200" dirty="0">
+                <a:solidFill>
+                  <a:schemeClr val="tx1"/>
+                </a:solidFill>
+                <a:effectLst/>
+                <a:latin typeface="+mn-lt"/>
+                <a:ea typeface="+mn-ea"/>
+                <a:cs typeface="+mn-cs"/>
+              </a:rPr>
               <a:t>(</a:t>
             </a:r>
             <a:r>
-              <a:rPr kumimoji="1" lang="en" altLang="zh-CN" dirty="0"/>
-              <a:t>Generalization)</a:t>
-            </a:r>
-            <a:r>
-              <a:rPr kumimoji="1" lang="zh-CN" altLang="en-US" dirty="0"/>
-              <a:t>关系也就是继承关系，用于描述父类与子类之间的关系，父类又称作基类或超类，子类又称作派生类。</a:t>
-            </a:r>
-            <a:endParaRPr kumimoji="1" lang="en-US" altLang="zh-CN" dirty="0"/>
-          </a:p>
-          <a:p>
-            <a:r>
-              <a:rPr kumimoji="1" lang="zh-CN" altLang="en-US" dirty="0"/>
-              <a:t>在</a:t>
-            </a:r>
-            <a:r>
-              <a:rPr kumimoji="1" lang="en" altLang="zh-CN" dirty="0"/>
-              <a:t>UML</a:t>
-            </a:r>
-            <a:r>
-              <a:rPr kumimoji="1" lang="zh-CN" altLang="en-US" dirty="0"/>
-              <a:t>中，泛化关系用带空心三角形的直线来表示。在代码实现时，我们使用面向对象的继承机制来实现泛化关系，</a:t>
-            </a:r>
-            <a:endParaRPr kumimoji="1" lang="en-US" altLang="zh-CN" dirty="0"/>
-          </a:p>
-          <a:p>
-            <a:r>
-              <a:rPr kumimoji="1" lang="zh-CN" altLang="en-US" dirty="0"/>
-              <a:t>如在</a:t>
-            </a:r>
-            <a:r>
-              <a:rPr kumimoji="1" lang="en" altLang="zh-CN" dirty="0"/>
-              <a:t>Java</a:t>
-            </a:r>
-            <a:r>
-              <a:rPr kumimoji="1" lang="zh-CN" altLang="en-US" dirty="0"/>
-              <a:t>语言中使用</a:t>
-            </a:r>
-            <a:r>
-              <a:rPr kumimoji="1" lang="en" altLang="zh-CN" dirty="0"/>
-              <a:t>extends</a:t>
-            </a:r>
-            <a:r>
-              <a:rPr kumimoji="1" lang="zh-CN" altLang="en-US" dirty="0"/>
-              <a:t>关键字、在</a:t>
-            </a:r>
-            <a:r>
-              <a:rPr kumimoji="1" lang="en" altLang="zh-CN" dirty="0"/>
-              <a:t>C++/C#</a:t>
-            </a:r>
-            <a:r>
-              <a:rPr kumimoji="1" lang="zh-CN" altLang="en-US" dirty="0"/>
-              <a:t>中使用冒号“：”来实现。例如：</a:t>
-            </a:r>
-            <a:r>
-              <a:rPr kumimoji="1" lang="en" altLang="zh-CN" dirty="0"/>
-              <a:t>Student</a:t>
-            </a:r>
-            <a:r>
-              <a:rPr kumimoji="1" lang="zh-CN" altLang="en-US" dirty="0"/>
+              <a:rPr lang="en" altLang="zh-CN" sz="1200" b="0" i="0" u="none" strike="noStrike" kern="1200" dirty="0">
+                <a:solidFill>
+                  <a:schemeClr val="tx1"/>
+                </a:solidFill>
+                <a:effectLst/>
+                <a:latin typeface="+mn-lt"/>
+                <a:ea typeface="+mn-ea"/>
+                <a:cs typeface="+mn-cs"/>
+              </a:rPr>
+              <a:t>Customer)</a:t>
+            </a:r>
+            <a:r>
+              <a:rPr lang="zh-CN" altLang="en-US" sz="1200" b="0" i="0" u="none" strike="noStrike" kern="1200" dirty="0">
+                <a:solidFill>
+                  <a:schemeClr val="tx1"/>
+                </a:solidFill>
+                <a:effectLst/>
+                <a:latin typeface="+mn-lt"/>
+                <a:ea typeface="+mn-ea"/>
+                <a:cs typeface="+mn-cs"/>
+              </a:rPr>
+              <a:t>购买商品</a:t>
+            </a:r>
+            <a:r>
+              <a:rPr lang="en-US" altLang="zh-CN" sz="1200" b="0" i="0" u="none" strike="noStrike" kern="1200" dirty="0">
+                <a:solidFill>
+                  <a:schemeClr val="tx1"/>
+                </a:solidFill>
+                <a:effectLst/>
+                <a:latin typeface="+mn-lt"/>
+                <a:ea typeface="+mn-ea"/>
+                <a:cs typeface="+mn-cs"/>
+              </a:rPr>
+              <a:t>(</a:t>
+            </a:r>
+            <a:r>
+              <a:rPr lang="en" altLang="zh-CN" sz="1200" b="0" i="0" u="none" strike="noStrike" kern="1200" dirty="0">
+                <a:solidFill>
+                  <a:schemeClr val="tx1"/>
+                </a:solidFill>
+                <a:effectLst/>
+                <a:latin typeface="+mn-lt"/>
+                <a:ea typeface="+mn-ea"/>
+                <a:cs typeface="+mn-cs"/>
+              </a:rPr>
+              <a:t>Product)</a:t>
+            </a:r>
+            <a:r>
+              <a:rPr lang="zh-CN" altLang="en-US" sz="1200" b="0" i="0" u="none" strike="noStrike" kern="1200" dirty="0">
+                <a:solidFill>
+                  <a:schemeClr val="tx1"/>
+                </a:solidFill>
+                <a:effectLst/>
+                <a:latin typeface="+mn-lt"/>
+                <a:ea typeface="+mn-ea"/>
+                <a:cs typeface="+mn-cs"/>
+              </a:rPr>
+              <a:t>并拥有商品，反之，卖出的商品总有某个顾客与之相关联。因此，</a:t>
+            </a:r>
+            <a:r>
+              <a:rPr lang="en" altLang="zh-CN" sz="1200" b="0" i="0" u="none" strike="noStrike" kern="1200" dirty="0">
+                <a:solidFill>
+                  <a:schemeClr val="tx1"/>
+                </a:solidFill>
+                <a:effectLst/>
+                <a:latin typeface="+mn-lt"/>
+                <a:ea typeface="+mn-ea"/>
+                <a:cs typeface="+mn-cs"/>
+              </a:rPr>
+              <a:t>Customer</a:t>
+            </a:r>
+            <a:r>
+              <a:rPr lang="zh-CN" altLang="en-US" sz="1200" b="0" i="0" u="none" strike="noStrike" kern="1200" dirty="0">
+                <a:solidFill>
+                  <a:schemeClr val="tx1"/>
+                </a:solidFill>
+                <a:effectLst/>
+                <a:latin typeface="+mn-lt"/>
+                <a:ea typeface="+mn-ea"/>
+                <a:cs typeface="+mn-cs"/>
+              </a:rPr>
               <a:t>类和</a:t>
             </a:r>
             <a:r>
-              <a:rPr kumimoji="1" lang="en" altLang="zh-CN" dirty="0"/>
-              <a:t>Teacher</a:t>
-            </a:r>
-            <a:r>
-              <a:rPr kumimoji="1" lang="zh-CN" altLang="en-US" dirty="0"/>
-              <a:t>类都是</a:t>
-            </a:r>
-            <a:r>
-              <a:rPr kumimoji="1" lang="en" altLang="zh-CN" dirty="0"/>
-              <a:t>Person</a:t>
-            </a:r>
-            <a:r>
-              <a:rPr kumimoji="1" lang="zh-CN" altLang="en-US" dirty="0"/>
-              <a:t>类的子类，</a:t>
-            </a:r>
-            <a:endParaRPr kumimoji="1" lang="en-US" altLang="zh-CN" dirty="0"/>
-          </a:p>
-          <a:p>
-            <a:r>
-              <a:rPr kumimoji="1" lang="en" altLang="zh-CN" dirty="0"/>
-              <a:t>Student</a:t>
-            </a:r>
-            <a:r>
-              <a:rPr kumimoji="1" lang="zh-CN" altLang="en-US" dirty="0"/>
-              <a:t>类和</a:t>
-            </a:r>
-            <a:r>
-              <a:rPr kumimoji="1" lang="en" altLang="zh-CN" dirty="0"/>
-              <a:t>Teacher</a:t>
-            </a:r>
-            <a:r>
-              <a:rPr kumimoji="1" lang="zh-CN" altLang="en-US" dirty="0"/>
-              <a:t>类继承了</a:t>
-            </a:r>
-            <a:r>
-              <a:rPr kumimoji="1" lang="en" altLang="zh-CN" dirty="0"/>
-              <a:t>Person</a:t>
-            </a:r>
-            <a:r>
-              <a:rPr kumimoji="1" lang="zh-CN" altLang="en-US" dirty="0"/>
-              <a:t>类的属性和方法，</a:t>
-            </a:r>
-            <a:r>
-              <a:rPr kumimoji="1" lang="en" altLang="zh-CN" dirty="0"/>
-              <a:t>Person</a:t>
-            </a:r>
-            <a:r>
-              <a:rPr kumimoji="1" lang="zh-CN" altLang="en-US" dirty="0"/>
-              <a:t>类的属性包含姓名</a:t>
-            </a:r>
-            <a:r>
-              <a:rPr kumimoji="1" lang="en-US" altLang="zh-CN" dirty="0"/>
+              <a:rPr lang="en" altLang="zh-CN" sz="1200" b="0" i="0" u="none" strike="noStrike" kern="1200" dirty="0">
+                <a:solidFill>
+                  <a:schemeClr val="tx1"/>
+                </a:solidFill>
+                <a:effectLst/>
+                <a:latin typeface="+mn-lt"/>
+                <a:ea typeface="+mn-ea"/>
+                <a:cs typeface="+mn-cs"/>
+              </a:rPr>
+              <a:t>Product</a:t>
+            </a:r>
+            <a:r>
+              <a:rPr lang="zh-CN" altLang="en-US" sz="1200" b="0" i="0" u="none" strike="noStrike" kern="1200" dirty="0">
+                <a:solidFill>
+                  <a:schemeClr val="tx1"/>
+                </a:solidFill>
+                <a:effectLst/>
+                <a:latin typeface="+mn-lt"/>
+                <a:ea typeface="+mn-ea"/>
+                <a:cs typeface="+mn-cs"/>
+              </a:rPr>
+              <a:t>类之间具有双向关联关系，如图所示：</a:t>
+            </a:r>
+          </a:p>
+          <a:p>
+            <a:r>
+              <a:rPr lang="en-US" altLang="zh-CN" sz="1200" b="1" i="0" u="none" strike="noStrike" kern="1200" dirty="0">
+                <a:solidFill>
+                  <a:schemeClr val="tx1"/>
+                </a:solidFill>
+                <a:effectLst/>
+                <a:latin typeface="+mn-lt"/>
+                <a:ea typeface="+mn-ea"/>
+                <a:cs typeface="+mn-cs"/>
+              </a:rPr>
+              <a:t>(2) </a:t>
+            </a:r>
+            <a:r>
+              <a:rPr lang="zh-CN" altLang="en-US" sz="1200" b="1" i="0" u="none" strike="noStrike" kern="1200" dirty="0">
+                <a:solidFill>
+                  <a:schemeClr val="tx1"/>
+                </a:solidFill>
+                <a:effectLst/>
+                <a:latin typeface="+mn-lt"/>
+                <a:ea typeface="+mn-ea"/>
+                <a:cs typeface="+mn-cs"/>
+              </a:rPr>
+              <a:t>单向关联</a:t>
+            </a:r>
+            <a:endParaRPr lang="zh-CN" altLang="en-US" sz="1200" b="0" i="0" u="none" strike="noStrike" kern="1200" dirty="0">
+              <a:solidFill>
+                <a:schemeClr val="tx1"/>
+              </a:solidFill>
+              <a:effectLst/>
+              <a:latin typeface="+mn-lt"/>
+              <a:ea typeface="+mn-ea"/>
+              <a:cs typeface="+mn-cs"/>
+            </a:endParaRPr>
+          </a:p>
+          <a:p>
+            <a:r>
+              <a:rPr lang="zh-CN" altLang="en-US" sz="1200" b="0" i="0" u="none" strike="noStrike" kern="1200" dirty="0">
+                <a:solidFill>
+                  <a:schemeClr val="tx1"/>
+                </a:solidFill>
+                <a:effectLst/>
+                <a:latin typeface="+mn-lt"/>
+                <a:ea typeface="+mn-ea"/>
+                <a:cs typeface="+mn-cs"/>
+              </a:rPr>
+              <a:t>类的关联关系也可以是单向的，单向关联用带箭头的实线表示。例如：顾客</a:t>
+            </a:r>
+            <a:r>
+              <a:rPr lang="en-US" altLang="zh-CN" sz="1200" b="0" i="0" u="none" strike="noStrike" kern="1200" dirty="0">
+                <a:solidFill>
+                  <a:schemeClr val="tx1"/>
+                </a:solidFill>
+                <a:effectLst/>
+                <a:latin typeface="+mn-lt"/>
+                <a:ea typeface="+mn-ea"/>
+                <a:cs typeface="+mn-cs"/>
+              </a:rPr>
               <a:t>(</a:t>
             </a:r>
             <a:r>
-              <a:rPr kumimoji="1" lang="en" altLang="zh-CN" dirty="0"/>
-              <a:t>name)</a:t>
-            </a:r>
-            <a:r>
-              <a:rPr kumimoji="1" lang="zh-CN" altLang="en-US" dirty="0"/>
-              <a:t>和年龄</a:t>
-            </a:r>
-            <a:r>
-              <a:rPr kumimoji="1" lang="en-US" altLang="zh-CN" dirty="0"/>
+              <a:rPr lang="en" altLang="zh-CN" sz="1200" b="0" i="0" u="none" strike="noStrike" kern="1200" dirty="0">
+                <a:solidFill>
+                  <a:schemeClr val="tx1"/>
+                </a:solidFill>
+                <a:effectLst/>
+                <a:latin typeface="+mn-lt"/>
+                <a:ea typeface="+mn-ea"/>
+                <a:cs typeface="+mn-cs"/>
+              </a:rPr>
+              <a:t>Customer)</a:t>
+            </a:r>
+            <a:r>
+              <a:rPr lang="zh-CN" altLang="en-US" sz="1200" b="0" i="0" u="none" strike="noStrike" kern="1200" dirty="0">
+                <a:solidFill>
+                  <a:schemeClr val="tx1"/>
+                </a:solidFill>
+                <a:effectLst/>
+                <a:latin typeface="+mn-lt"/>
+                <a:ea typeface="+mn-ea"/>
+                <a:cs typeface="+mn-cs"/>
+              </a:rPr>
+              <a:t>拥有地址</a:t>
+            </a:r>
+            <a:r>
+              <a:rPr lang="en-US" altLang="zh-CN" sz="1200" b="0" i="0" u="none" strike="noStrike" kern="1200" dirty="0">
+                <a:solidFill>
+                  <a:schemeClr val="tx1"/>
+                </a:solidFill>
+                <a:effectLst/>
+                <a:latin typeface="+mn-lt"/>
+                <a:ea typeface="+mn-ea"/>
+                <a:cs typeface="+mn-cs"/>
+              </a:rPr>
               <a:t>(</a:t>
             </a:r>
             <a:r>
-              <a:rPr kumimoji="1" lang="en" altLang="zh-CN" dirty="0"/>
-              <a:t>age)</a:t>
-            </a:r>
-            <a:r>
-              <a:rPr kumimoji="1" lang="zh-CN" altLang="en" dirty="0"/>
+              <a:rPr lang="en" altLang="zh-CN" sz="1200" b="0" i="0" u="none" strike="noStrike" kern="1200" dirty="0">
+                <a:solidFill>
+                  <a:schemeClr val="tx1"/>
+                </a:solidFill>
+                <a:effectLst/>
+                <a:latin typeface="+mn-lt"/>
+                <a:ea typeface="+mn-ea"/>
+                <a:cs typeface="+mn-cs"/>
+              </a:rPr>
+              <a:t>Address)</a:t>
+            </a:r>
+            <a:r>
+              <a:rPr lang="zh-CN" altLang="en" sz="1200" b="0" i="0" u="none" strike="noStrike" kern="1200" dirty="0">
+                <a:solidFill>
+                  <a:schemeClr val="tx1"/>
+                </a:solidFill>
+                <a:effectLst/>
+                <a:latin typeface="+mn-lt"/>
+                <a:ea typeface="+mn-ea"/>
+                <a:cs typeface="+mn-cs"/>
+              </a:rPr>
               <a:t>，</a:t>
             </a:r>
             <a:r>
-              <a:rPr kumimoji="1" lang="zh-CN" altLang="en-US" dirty="0"/>
-              <a:t>每一个</a:t>
-            </a:r>
-            <a:r>
-              <a:rPr kumimoji="1" lang="en" altLang="zh-CN" dirty="0"/>
-              <a:t>Student</a:t>
-            </a:r>
-            <a:r>
-              <a:rPr kumimoji="1" lang="zh-CN" altLang="en-US" dirty="0"/>
-              <a:t>和</a:t>
-            </a:r>
-            <a:r>
-              <a:rPr kumimoji="1" lang="en" altLang="zh-CN" dirty="0"/>
-              <a:t>Teacher</a:t>
-            </a:r>
-            <a:r>
-              <a:rPr kumimoji="1" lang="zh-CN" altLang="en-US" dirty="0"/>
-              <a:t>也都具有这两个属性，</a:t>
-            </a:r>
-            <a:endParaRPr kumimoji="1" lang="en-US" altLang="zh-CN" dirty="0"/>
-          </a:p>
-          <a:p>
-            <a:r>
-              <a:rPr kumimoji="1" lang="zh-CN" altLang="en-US" dirty="0"/>
-              <a:t>另外</a:t>
-            </a:r>
-            <a:r>
-              <a:rPr kumimoji="1" lang="en" altLang="zh-CN" dirty="0"/>
-              <a:t>Student</a:t>
-            </a:r>
-            <a:r>
-              <a:rPr kumimoji="1" lang="zh-CN" altLang="en-US" dirty="0"/>
-              <a:t>类增加了属性学号</a:t>
-            </a:r>
-            <a:r>
-              <a:rPr kumimoji="1" lang="en-US" altLang="zh-CN" dirty="0"/>
-              <a:t>(</a:t>
-            </a:r>
-            <a:r>
-              <a:rPr kumimoji="1" lang="en" altLang="zh-CN" dirty="0" err="1"/>
-              <a:t>studentNo</a:t>
-            </a:r>
-            <a:r>
-              <a:rPr kumimoji="1" lang="en" altLang="zh-CN" dirty="0"/>
-              <a:t>)</a:t>
-            </a:r>
-            <a:r>
-              <a:rPr kumimoji="1" lang="zh-CN" altLang="en" dirty="0"/>
-              <a:t>，</a:t>
-            </a:r>
-            <a:r>
-              <a:rPr kumimoji="1" lang="en" altLang="zh-CN" dirty="0"/>
-              <a:t>Teacher</a:t>
-            </a:r>
-            <a:r>
-              <a:rPr kumimoji="1" lang="zh-CN" altLang="en-US" dirty="0"/>
-              <a:t>类增加了属性教师编号</a:t>
-            </a:r>
-            <a:r>
-              <a:rPr kumimoji="1" lang="en-US" altLang="zh-CN" dirty="0"/>
-              <a:t>(</a:t>
-            </a:r>
-            <a:r>
-              <a:rPr kumimoji="1" lang="en" altLang="zh-CN" dirty="0" err="1"/>
-              <a:t>teacherNo</a:t>
-            </a:r>
-            <a:r>
-              <a:rPr kumimoji="1" lang="en" altLang="zh-CN" dirty="0"/>
-              <a:t>)</a:t>
-            </a:r>
-            <a:r>
-              <a:rPr kumimoji="1" lang="zh-CN" altLang="en" dirty="0"/>
-              <a:t>，</a:t>
-            </a:r>
-            <a:r>
-              <a:rPr kumimoji="1" lang="en" altLang="zh-CN" dirty="0"/>
-              <a:t>Person</a:t>
-            </a:r>
-            <a:r>
-              <a:rPr kumimoji="1" lang="zh-CN" altLang="en-US" dirty="0"/>
-              <a:t>类的方法包括行走</a:t>
-            </a:r>
-            <a:r>
-              <a:rPr kumimoji="1" lang="en" altLang="zh-CN" dirty="0"/>
-              <a:t>move()</a:t>
-            </a:r>
-            <a:r>
-              <a:rPr kumimoji="1" lang="zh-CN" altLang="en-US" dirty="0"/>
-              <a:t>和说话</a:t>
-            </a:r>
-            <a:r>
-              <a:rPr kumimoji="1" lang="en" altLang="zh-CN" dirty="0"/>
-              <a:t>say()</a:t>
-            </a:r>
-            <a:r>
-              <a:rPr kumimoji="1" lang="zh-CN" altLang="en" dirty="0"/>
-              <a:t>，</a:t>
-            </a:r>
-            <a:endParaRPr kumimoji="1" lang="en-US" altLang="zh-CN" dirty="0"/>
-          </a:p>
-          <a:p>
-            <a:r>
-              <a:rPr kumimoji="1" lang="en" altLang="zh-CN" dirty="0"/>
-              <a:t>Student</a:t>
-            </a:r>
-            <a:r>
-              <a:rPr kumimoji="1" lang="zh-CN" altLang="en-US" dirty="0"/>
-              <a:t>类和</a:t>
-            </a:r>
-            <a:r>
-              <a:rPr kumimoji="1" lang="en" altLang="zh-CN" dirty="0"/>
-              <a:t>Teacher</a:t>
-            </a:r>
-            <a:r>
-              <a:rPr kumimoji="1" lang="zh-CN" altLang="en-US" dirty="0"/>
-              <a:t>类继承了这两个方法，而且</a:t>
-            </a:r>
-            <a:r>
-              <a:rPr kumimoji="1" lang="en" altLang="zh-CN" dirty="0"/>
-              <a:t>Student</a:t>
-            </a:r>
-            <a:r>
-              <a:rPr kumimoji="1" lang="zh-CN" altLang="en-US" dirty="0"/>
-              <a:t>类还新增方法</a:t>
-            </a:r>
-            <a:r>
-              <a:rPr kumimoji="1" lang="en" altLang="zh-CN" dirty="0"/>
-              <a:t>study()</a:t>
-            </a:r>
-            <a:r>
-              <a:rPr kumimoji="1" lang="zh-CN" altLang="en" dirty="0"/>
-              <a:t>，</a:t>
-            </a:r>
-            <a:r>
-              <a:rPr kumimoji="1" lang="en" altLang="zh-CN" dirty="0"/>
-              <a:t>Teacher</a:t>
-            </a:r>
-            <a:r>
-              <a:rPr kumimoji="1" lang="zh-CN" altLang="en-US" dirty="0"/>
-              <a:t>类还新增方法</a:t>
-            </a:r>
-            <a:r>
-              <a:rPr kumimoji="1" lang="en" altLang="zh-CN" dirty="0"/>
-              <a:t>teach()</a:t>
-            </a:r>
-            <a:r>
-              <a:rPr kumimoji="1" lang="zh-CN" altLang="en" dirty="0"/>
-              <a:t>。</a:t>
-            </a:r>
-          </a:p>
-          <a:p>
-            <a:endParaRPr kumimoji="1" lang="zh-CN" altLang="en" dirty="0"/>
+              <a:rPr lang="zh-CN" altLang="en-US" sz="1200" b="0" i="0" u="none" strike="noStrike" kern="1200" dirty="0">
+                <a:solidFill>
+                  <a:schemeClr val="tx1"/>
+                </a:solidFill>
+                <a:effectLst/>
+                <a:latin typeface="+mn-lt"/>
+                <a:ea typeface="+mn-ea"/>
+                <a:cs typeface="+mn-cs"/>
+              </a:rPr>
+              <a:t>则</a:t>
+            </a:r>
+            <a:r>
+              <a:rPr lang="en" altLang="zh-CN" sz="1200" b="0" i="0" u="none" strike="noStrike" kern="1200" dirty="0">
+                <a:solidFill>
+                  <a:schemeClr val="tx1"/>
+                </a:solidFill>
+                <a:effectLst/>
+                <a:latin typeface="+mn-lt"/>
+                <a:ea typeface="+mn-ea"/>
+                <a:cs typeface="+mn-cs"/>
+              </a:rPr>
+              <a:t>Customer</a:t>
+            </a:r>
+            <a:r>
+              <a:rPr lang="zh-CN" altLang="en-US" sz="1200" b="0" i="0" u="none" strike="noStrike" kern="1200" dirty="0">
+                <a:solidFill>
+                  <a:schemeClr val="tx1"/>
+                </a:solidFill>
+                <a:effectLst/>
+                <a:latin typeface="+mn-lt"/>
+                <a:ea typeface="+mn-ea"/>
+                <a:cs typeface="+mn-cs"/>
+              </a:rPr>
+              <a:t>类与</a:t>
+            </a:r>
+            <a:r>
+              <a:rPr lang="en" altLang="zh-CN" sz="1200" b="0" i="0" u="none" strike="noStrike" kern="1200" dirty="0">
+                <a:solidFill>
+                  <a:schemeClr val="tx1"/>
+                </a:solidFill>
+                <a:effectLst/>
+                <a:latin typeface="+mn-lt"/>
+                <a:ea typeface="+mn-ea"/>
+                <a:cs typeface="+mn-cs"/>
+              </a:rPr>
+              <a:t>Address</a:t>
+            </a:r>
+            <a:r>
+              <a:rPr lang="zh-CN" altLang="en-US" sz="1200" b="0" i="0" u="none" strike="noStrike" kern="1200" dirty="0">
+                <a:solidFill>
+                  <a:schemeClr val="tx1"/>
+                </a:solidFill>
+                <a:effectLst/>
+                <a:latin typeface="+mn-lt"/>
+                <a:ea typeface="+mn-ea"/>
+                <a:cs typeface="+mn-cs"/>
+              </a:rPr>
+              <a:t>类具有单向关联关系，如图所示：</a:t>
+            </a:r>
+          </a:p>
+          <a:p>
+            <a:endParaRPr kumimoji="1" lang="zh-CN" altLang="en-US" dirty="0"/>
           </a:p>
         </p:txBody>
       </p:sp>
@@ -4760,7 +4710,7 @@
           <a:p>
             <a:fld id="{74B31000-9408-426B-B873-D4C066E48AF8}" type="slidenum">
               <a:rPr lang="zh-CN" altLang="en-US" smtClean="0"/>
-              <a:t>33</a:t>
+              <a:t>30</a:t>
             </a:fld>
             <a:endParaRPr lang="zh-CN" altLang="en-US"/>
           </a:p>
@@ -4769,7 +4719,7 @@
     </p:spTree>
     <p:extLst>
       <p:ext uri="{BB962C8B-B14F-4D97-AF65-F5344CB8AC3E}">
-        <p14:creationId xmlns:p14="http://schemas.microsoft.com/office/powerpoint/2010/main" val="1928677957"/>
+        <p14:creationId xmlns:p14="http://schemas.microsoft.com/office/powerpoint/2010/main" val="2176516787"/>
       </p:ext>
     </p:extLst>
   </p:cSld>
@@ -5672,7 +5622,7 @@
           <p:cNvPr id="2" name="椭圆 1">
             <a:extLst>
               <a:ext uri="{FF2B5EF4-FFF2-40B4-BE49-F238E27FC236}">
-                <a16:creationId xmlns="" xmlns:a16="http://schemas.microsoft.com/office/drawing/2014/main" id="{0474B58B-633C-43A3-BE4E-B0B168F40743}"/>
+                <a16:creationId xmlns:a16="http://schemas.microsoft.com/office/drawing/2014/main" id="{0474B58B-633C-43A3-BE4E-B0B168F40743}"/>
               </a:ext>
             </a:extLst>
           </p:cNvPr>
@@ -5726,7 +5676,7 @@
           <p:cNvPr id="3" name="椭圆 2">
             <a:extLst>
               <a:ext uri="{FF2B5EF4-FFF2-40B4-BE49-F238E27FC236}">
-                <a16:creationId xmlns="" xmlns:a16="http://schemas.microsoft.com/office/drawing/2014/main" id="{C5881B51-1E8A-4DAB-B8AB-94C03378AA49}"/>
+                <a16:creationId xmlns:a16="http://schemas.microsoft.com/office/drawing/2014/main" id="{C5881B51-1E8A-4DAB-B8AB-94C03378AA49}"/>
               </a:ext>
             </a:extLst>
           </p:cNvPr>
@@ -5780,7 +5730,7 @@
           <p:cNvPr id="4" name="矩形 3">
             <a:extLst>
               <a:ext uri="{FF2B5EF4-FFF2-40B4-BE49-F238E27FC236}">
-                <a16:creationId xmlns="" xmlns:a16="http://schemas.microsoft.com/office/drawing/2014/main" id="{5844F04D-8071-45B4-A2AE-55BF30256FE0}"/>
+                <a16:creationId xmlns:a16="http://schemas.microsoft.com/office/drawing/2014/main" id="{5844F04D-8071-45B4-A2AE-55BF30256FE0}"/>
               </a:ext>
             </a:extLst>
           </p:cNvPr>
@@ -5833,7 +5783,7 @@
           <p:cNvPr id="6" name="图片 5">
             <a:extLst>
               <a:ext uri="{FF2B5EF4-FFF2-40B4-BE49-F238E27FC236}">
-                <a16:creationId xmlns="" xmlns:a16="http://schemas.microsoft.com/office/drawing/2014/main" id="{393AB9B1-F4F6-4BE7-94A6-8278E4E4627F}"/>
+                <a16:creationId xmlns:a16="http://schemas.microsoft.com/office/drawing/2014/main" id="{393AB9B1-F4F6-4BE7-94A6-8278E4E4627F}"/>
               </a:ext>
             </a:extLst>
           </p:cNvPr>
@@ -5869,7 +5819,7 @@
           <p:cNvPr id="7" name="文本框 6">
             <a:extLst>
               <a:ext uri="{FF2B5EF4-FFF2-40B4-BE49-F238E27FC236}">
-                <a16:creationId xmlns="" xmlns:a16="http://schemas.microsoft.com/office/drawing/2014/main" id="{9453C4A4-558F-4047-80DD-EA4B6DA7A294}"/>
+                <a16:creationId xmlns:a16="http://schemas.microsoft.com/office/drawing/2014/main" id="{9453C4A4-558F-4047-80DD-EA4B6DA7A294}"/>
               </a:ext>
             </a:extLst>
           </p:cNvPr>
@@ -5920,8 +5870,13 @@
           <a:p>
             <a:r>
               <a:rPr lang="zh-CN" altLang="en-US" dirty="0"/>
-              <a:t>软件应用的组件构造。它具有如下特点</a:t>
-            </a:r>
+              <a:t>软件应用的组件构造。它</a:t>
+            </a:r>
+            <a:r>
+              <a:rPr lang="zh-CN" altLang="en-US" dirty="0" smtClean="0"/>
+              <a:t>具有如下特点</a:t>
+            </a:r>
+            <a:endParaRPr lang="zh-CN" altLang="en-US" dirty="0"/>
           </a:p>
         </p:txBody>
       </p:sp>
@@ -5930,7 +5885,7 @@
           <p:cNvPr id="8" name="文本框 7">
             <a:extLst>
               <a:ext uri="{FF2B5EF4-FFF2-40B4-BE49-F238E27FC236}">
-                <a16:creationId xmlns="" xmlns:a16="http://schemas.microsoft.com/office/drawing/2014/main" id="{B3DC564F-B071-4C75-BE6D-56275806600C}"/>
+                <a16:creationId xmlns:a16="http://schemas.microsoft.com/office/drawing/2014/main" id="{B3DC564F-B071-4C75-BE6D-56275806600C}"/>
               </a:ext>
             </a:extLst>
           </p:cNvPr>
@@ -5959,7 +5914,19 @@
             </a:r>
             <a:r>
               <a:rPr lang="zh-CN" altLang="en-US" dirty="0"/>
-              <a:t>、允许设计师利用反复进化式发展</a:t>
+              <a:t>、允许设计师利用</a:t>
+            </a:r>
+            <a:r>
+              <a:rPr lang="zh-CN" altLang="en-US" dirty="0">
+                <a:solidFill>
+                  <a:srgbClr val="FF0000"/>
+                </a:solidFill>
+              </a:rPr>
+              <a:t>反复</a:t>
+            </a:r>
+            <a:r>
+              <a:rPr lang="zh-CN" altLang="en-US" dirty="0"/>
+              <a:t>进化式发展</a:t>
             </a:r>
           </a:p>
         </p:txBody>
@@ -5969,7 +5936,7 @@
           <p:cNvPr id="9" name="文本框 8">
             <a:extLst>
               <a:ext uri="{FF2B5EF4-FFF2-40B4-BE49-F238E27FC236}">
-                <a16:creationId xmlns="" xmlns:a16="http://schemas.microsoft.com/office/drawing/2014/main" id="{C094C5FA-94D3-4406-A6D0-52AF2B6A49CC}"/>
+                <a16:creationId xmlns:a16="http://schemas.microsoft.com/office/drawing/2014/main" id="{C094C5FA-94D3-4406-A6D0-52AF2B6A49CC}"/>
               </a:ext>
             </a:extLst>
           </p:cNvPr>
@@ -6035,7 +6002,7 @@
           <p:cNvPr id="10" name="文本框 9">
             <a:extLst>
               <a:ext uri="{FF2B5EF4-FFF2-40B4-BE49-F238E27FC236}">
-                <a16:creationId xmlns="" xmlns:a16="http://schemas.microsoft.com/office/drawing/2014/main" id="{2BB16BE7-9B3F-403E-8435-0B32F15FE118}"/>
+                <a16:creationId xmlns:a16="http://schemas.microsoft.com/office/drawing/2014/main" id="{2BB16BE7-9B3F-403E-8435-0B32F15FE118}"/>
               </a:ext>
             </a:extLst>
           </p:cNvPr>
@@ -6088,7 +6055,7 @@
           <p:cNvPr id="11" name="文本框 10">
             <a:extLst>
               <a:ext uri="{FF2B5EF4-FFF2-40B4-BE49-F238E27FC236}">
-                <a16:creationId xmlns="" xmlns:a16="http://schemas.microsoft.com/office/drawing/2014/main" id="{DA99A844-59EB-4B2A-A6E6-95F78D83D537}"/>
+                <a16:creationId xmlns:a16="http://schemas.microsoft.com/office/drawing/2014/main" id="{DA99A844-59EB-4B2A-A6E6-95F78D83D537}"/>
               </a:ext>
             </a:extLst>
           </p:cNvPr>
@@ -6139,7 +6106,7 @@
           <p:cNvPr id="12" name="文本框 11">
             <a:extLst>
               <a:ext uri="{FF2B5EF4-FFF2-40B4-BE49-F238E27FC236}">
-                <a16:creationId xmlns="" xmlns:a16="http://schemas.microsoft.com/office/drawing/2014/main" id="{C18020D5-BFFA-4B19-8BB2-4BC2B8D09AB2}"/>
+                <a16:creationId xmlns:a16="http://schemas.microsoft.com/office/drawing/2014/main" id="{C18020D5-BFFA-4B19-8BB2-4BC2B8D09AB2}"/>
               </a:ext>
             </a:extLst>
           </p:cNvPr>
@@ -6182,7 +6149,7 @@
           <p:cNvPr id="13" name="文本框 12">
             <a:extLst>
               <a:ext uri="{FF2B5EF4-FFF2-40B4-BE49-F238E27FC236}">
-                <a16:creationId xmlns="" xmlns:a16="http://schemas.microsoft.com/office/drawing/2014/main" id="{3A0028BB-555A-4699-ADEE-177201C481AF}"/>
+                <a16:creationId xmlns:a16="http://schemas.microsoft.com/office/drawing/2014/main" id="{3A0028BB-555A-4699-ADEE-177201C481AF}"/>
               </a:ext>
             </a:extLst>
           </p:cNvPr>
@@ -6233,7 +6200,7 @@
           <p:cNvPr id="14" name="文本框 13">
             <a:extLst>
               <a:ext uri="{FF2B5EF4-FFF2-40B4-BE49-F238E27FC236}">
-                <a16:creationId xmlns="" xmlns:a16="http://schemas.microsoft.com/office/drawing/2014/main" id="{9C150C99-AA8A-4533-B757-E422B5499886}"/>
+                <a16:creationId xmlns:a16="http://schemas.microsoft.com/office/drawing/2014/main" id="{9C150C99-AA8A-4533-B757-E422B5499886}"/>
               </a:ext>
             </a:extLst>
           </p:cNvPr>
@@ -6284,7 +6251,7 @@
           <p:cNvPr id="15" name="文本框 14">
             <a:extLst>
               <a:ext uri="{FF2B5EF4-FFF2-40B4-BE49-F238E27FC236}">
-                <a16:creationId xmlns="" xmlns:a16="http://schemas.microsoft.com/office/drawing/2014/main" id="{F20E6A8A-D465-42AA-982D-FF458907A331}"/>
+                <a16:creationId xmlns:a16="http://schemas.microsoft.com/office/drawing/2014/main" id="{F20E6A8A-D465-42AA-982D-FF458907A331}"/>
               </a:ext>
             </a:extLst>
           </p:cNvPr>
@@ -6340,6 +6307,13 @@
   <p:clrMapOvr>
     <a:masterClrMapping/>
   </p:clrMapOvr>
+  <p:timing>
+    <p:tnLst>
+      <p:par>
+        <p:cTn id="1" dur="indefinite" restart="never" nodeType="tmRoot"/>
+      </p:par>
+    </p:tnLst>
+  </p:timing>
 </p:sld>
 </file>
 
@@ -6365,7 +6339,7 @@
           <p:cNvPr id="2" name="椭圆 1">
             <a:extLst>
               <a:ext uri="{FF2B5EF4-FFF2-40B4-BE49-F238E27FC236}">
-                <a16:creationId xmlns="" xmlns:a16="http://schemas.microsoft.com/office/drawing/2014/main" id="{0474B58B-633C-43A3-BE4E-B0B168F40743}"/>
+                <a16:creationId xmlns:a16="http://schemas.microsoft.com/office/drawing/2014/main" id="{0474B58B-633C-43A3-BE4E-B0B168F40743}"/>
               </a:ext>
             </a:extLst>
           </p:cNvPr>
@@ -6419,7 +6393,7 @@
           <p:cNvPr id="3" name="椭圆 2">
             <a:extLst>
               <a:ext uri="{FF2B5EF4-FFF2-40B4-BE49-F238E27FC236}">
-                <a16:creationId xmlns="" xmlns:a16="http://schemas.microsoft.com/office/drawing/2014/main" id="{C5881B51-1E8A-4DAB-B8AB-94C03378AA49}"/>
+                <a16:creationId xmlns:a16="http://schemas.microsoft.com/office/drawing/2014/main" id="{C5881B51-1E8A-4DAB-B8AB-94C03378AA49}"/>
               </a:ext>
             </a:extLst>
           </p:cNvPr>
@@ -6473,7 +6447,7 @@
           <p:cNvPr id="4" name="矩形 3">
             <a:extLst>
               <a:ext uri="{FF2B5EF4-FFF2-40B4-BE49-F238E27FC236}">
-                <a16:creationId xmlns="" xmlns:a16="http://schemas.microsoft.com/office/drawing/2014/main" id="{5844F04D-8071-45B4-A2AE-55BF30256FE0}"/>
+                <a16:creationId xmlns:a16="http://schemas.microsoft.com/office/drawing/2014/main" id="{5844F04D-8071-45B4-A2AE-55BF30256FE0}"/>
               </a:ext>
             </a:extLst>
           </p:cNvPr>
@@ -6483,7 +6457,7 @@
         <p:spPr>
           <a:xfrm>
             <a:off x="1385455" y="314138"/>
-            <a:ext cx="806631" cy="461665"/>
+            <a:ext cx="962123" cy="461665"/>
           </a:xfrm>
           <a:prstGeom prst="rect">
             <a:avLst/>
@@ -6496,7 +6470,7 @@
           <a:lstStyle/>
           <a:p>
             <a:r>
-              <a:rPr lang="en-US" altLang="zh-CN" sz="2400" b="1" dirty="0" err="1">
+              <a:rPr lang="en-US" altLang="zh-CN" sz="2400" b="1" dirty="0" smtClean="0">
                 <a:solidFill>
                   <a:schemeClr val="tx1">
                     <a:lumMod val="75000"/>
@@ -6506,7 +6480,7 @@
                 <a:latin typeface="黑体" panose="02010609060101010101" pitchFamily="49" charset="-122"/>
                 <a:ea typeface="黑体" panose="02010609060101010101" pitchFamily="49" charset="-122"/>
               </a:rPr>
-              <a:t>Viso</a:t>
+              <a:t>Visio</a:t>
             </a:r>
             <a:endParaRPr lang="zh-CN" altLang="en-US" sz="2400" b="1" dirty="0">
               <a:solidFill>
@@ -6526,7 +6500,7 @@
           <p:cNvPr id="7" name="文本框 6">
             <a:extLst>
               <a:ext uri="{FF2B5EF4-FFF2-40B4-BE49-F238E27FC236}">
-                <a16:creationId xmlns="" xmlns:a16="http://schemas.microsoft.com/office/drawing/2014/main" id="{9453C4A4-558F-4047-80DD-EA4B6DA7A294}"/>
+                <a16:creationId xmlns:a16="http://schemas.microsoft.com/office/drawing/2014/main" id="{9453C4A4-558F-4047-80DD-EA4B6DA7A294}"/>
               </a:ext>
             </a:extLst>
           </p:cNvPr>
@@ -6554,12 +6528,8 @@
               <a:t>Microsoft Office </a:t>
             </a:r>
             <a:r>
-              <a:rPr lang="en-US" altLang="zh-CN" dirty="0" err="1"/>
-              <a:t>Viso</a:t>
-            </a:r>
-            <a:r>
-              <a:rPr lang="en-US" altLang="zh-CN" dirty="0"/>
-              <a:t> </a:t>
+              <a:rPr lang="en-US" altLang="zh-CN" dirty="0" smtClean="0"/>
+              <a:t>Visio </a:t>
             </a:r>
             <a:r>
               <a:rPr lang="zh-CN" altLang="en-US" dirty="0"/>
@@ -6570,8 +6540,8 @@
               <a:t>Office </a:t>
             </a:r>
             <a:r>
-              <a:rPr lang="en-US" altLang="zh-CN" dirty="0" err="1"/>
-              <a:t>Viso</a:t>
+              <a:rPr lang="en-US" altLang="zh-CN" dirty="0" smtClean="0"/>
+              <a:t>Visio</a:t>
             </a:r>
             <a:r>
               <a:rPr lang="zh-CN" altLang="en-US" dirty="0"/>
@@ -6597,7 +6567,7 @@
           <p:cNvPr id="16" name="图片 15">
             <a:extLst>
               <a:ext uri="{FF2B5EF4-FFF2-40B4-BE49-F238E27FC236}">
-                <a16:creationId xmlns="" xmlns:a16="http://schemas.microsoft.com/office/drawing/2014/main" id="{FE7B6FCE-98F5-4173-A26F-9E74FC9C2CFB}"/>
+                <a16:creationId xmlns:a16="http://schemas.microsoft.com/office/drawing/2014/main" id="{FE7B6FCE-98F5-4173-A26F-9E74FC9C2CFB}"/>
               </a:ext>
             </a:extLst>
           </p:cNvPr>
@@ -6633,7 +6603,7 @@
           <p:cNvPr id="17" name="文本框 16">
             <a:extLst>
               <a:ext uri="{FF2B5EF4-FFF2-40B4-BE49-F238E27FC236}">
-                <a16:creationId xmlns="" xmlns:a16="http://schemas.microsoft.com/office/drawing/2014/main" id="{D4CC3A1A-DAE5-428B-972E-4976ABE1582C}"/>
+                <a16:creationId xmlns:a16="http://schemas.microsoft.com/office/drawing/2014/main" id="{D4CC3A1A-DAE5-428B-972E-4976ABE1582C}"/>
               </a:ext>
             </a:extLst>
           </p:cNvPr>
@@ -6657,8 +6627,8 @@
           <a:lstStyle/>
           <a:p>
             <a:r>
-              <a:rPr lang="en-US" altLang="zh-CN" dirty="0" err="1"/>
-              <a:t>Viso</a:t>
+              <a:rPr lang="en-US" altLang="zh-CN" dirty="0" smtClean="0"/>
+              <a:t>Visio</a:t>
             </a:r>
             <a:r>
               <a:rPr lang="zh-CN" altLang="en-US" dirty="0"/>
@@ -6743,6 +6713,13 @@
   <p:clrMapOvr>
     <a:masterClrMapping/>
   </p:clrMapOvr>
+  <p:timing>
+    <p:tnLst>
+      <p:par>
+        <p:cTn id="1" dur="indefinite" restart="never" nodeType="tmRoot"/>
+      </p:par>
+    </p:tnLst>
+  </p:timing>
 </p:sld>
 </file>
 
@@ -6768,7 +6745,7 @@
           <p:cNvPr id="2" name="椭圆 1">
             <a:extLst>
               <a:ext uri="{FF2B5EF4-FFF2-40B4-BE49-F238E27FC236}">
-                <a16:creationId xmlns="" xmlns:a16="http://schemas.microsoft.com/office/drawing/2014/main" id="{0474B58B-633C-43A3-BE4E-B0B168F40743}"/>
+                <a16:creationId xmlns:a16="http://schemas.microsoft.com/office/drawing/2014/main" id="{0474B58B-633C-43A3-BE4E-B0B168F40743}"/>
               </a:ext>
             </a:extLst>
           </p:cNvPr>
@@ -6822,7 +6799,7 @@
           <p:cNvPr id="3" name="椭圆 2">
             <a:extLst>
               <a:ext uri="{FF2B5EF4-FFF2-40B4-BE49-F238E27FC236}">
-                <a16:creationId xmlns="" xmlns:a16="http://schemas.microsoft.com/office/drawing/2014/main" id="{C5881B51-1E8A-4DAB-B8AB-94C03378AA49}"/>
+                <a16:creationId xmlns:a16="http://schemas.microsoft.com/office/drawing/2014/main" id="{C5881B51-1E8A-4DAB-B8AB-94C03378AA49}"/>
               </a:ext>
             </a:extLst>
           </p:cNvPr>
@@ -6876,7 +6853,7 @@
           <p:cNvPr id="4" name="矩形 3">
             <a:extLst>
               <a:ext uri="{FF2B5EF4-FFF2-40B4-BE49-F238E27FC236}">
-                <a16:creationId xmlns="" xmlns:a16="http://schemas.microsoft.com/office/drawing/2014/main" id="{5844F04D-8071-45B4-A2AE-55BF30256FE0}"/>
+                <a16:creationId xmlns:a16="http://schemas.microsoft.com/office/drawing/2014/main" id="{5844F04D-8071-45B4-A2AE-55BF30256FE0}"/>
               </a:ext>
             </a:extLst>
           </p:cNvPr>
@@ -6929,7 +6906,7 @@
           <p:cNvPr id="7" name="文本框 6">
             <a:extLst>
               <a:ext uri="{FF2B5EF4-FFF2-40B4-BE49-F238E27FC236}">
-                <a16:creationId xmlns="" xmlns:a16="http://schemas.microsoft.com/office/drawing/2014/main" id="{9453C4A4-558F-4047-80DD-EA4B6DA7A294}"/>
+                <a16:creationId xmlns:a16="http://schemas.microsoft.com/office/drawing/2014/main" id="{9453C4A4-558F-4047-80DD-EA4B6DA7A294}"/>
               </a:ext>
             </a:extLst>
           </p:cNvPr>
@@ -6984,7 +6961,7 @@
           <p:cNvPr id="1028" name="Picture 4" descr="https://timgsa.baidu.com/timg?image&amp;quality=80&amp;size=b9999_10000&amp;sec=1539424701852&amp;di=07aec5b8c2b9b1618ab2b6a0dacbaed7&amp;imgtype=jpg&amp;src=http%3A%2F%2Fimg0.imgtn.bdimg.com%2Fit%2Fu%3D178487645%2C1193665802%26fm%3D214%26gp%3D0.jpg">
             <a:extLst>
               <a:ext uri="{FF2B5EF4-FFF2-40B4-BE49-F238E27FC236}">
-                <a16:creationId xmlns="" xmlns:a16="http://schemas.microsoft.com/office/drawing/2014/main" id="{5B1EA2B0-B0A9-4B7A-9D1C-1D1030AC47DF}"/>
+                <a16:creationId xmlns:a16="http://schemas.microsoft.com/office/drawing/2014/main" id="{5B1EA2B0-B0A9-4B7A-9D1C-1D1030AC47DF}"/>
               </a:ext>
             </a:extLst>
           </p:cNvPr>
@@ -7031,7 +7008,7 @@
           <p:cNvPr id="5" name="文本框 4">
             <a:extLst>
               <a:ext uri="{FF2B5EF4-FFF2-40B4-BE49-F238E27FC236}">
-                <a16:creationId xmlns="" xmlns:a16="http://schemas.microsoft.com/office/drawing/2014/main" id="{757A9829-5673-4A95-A4D2-4EB33B026635}"/>
+                <a16:creationId xmlns:a16="http://schemas.microsoft.com/office/drawing/2014/main" id="{757A9829-5673-4A95-A4D2-4EB33B026635}"/>
               </a:ext>
             </a:extLst>
           </p:cNvPr>
@@ -7086,6 +7063,13 @@
   <p:clrMapOvr>
     <a:masterClrMapping/>
   </p:clrMapOvr>
+  <p:timing>
+    <p:tnLst>
+      <p:par>
+        <p:cTn id="1" dur="indefinite" restart="never" nodeType="tmRoot"/>
+      </p:par>
+    </p:tnLst>
+  </p:timing>
 </p:sld>
 </file>
 
@@ -7111,7 +7095,7 @@
           <p:cNvPr id="2" name="椭圆 1">
             <a:extLst>
               <a:ext uri="{FF2B5EF4-FFF2-40B4-BE49-F238E27FC236}">
-                <a16:creationId xmlns="" xmlns:a16="http://schemas.microsoft.com/office/drawing/2014/main" id="{0474B58B-633C-43A3-BE4E-B0B168F40743}"/>
+                <a16:creationId xmlns:a16="http://schemas.microsoft.com/office/drawing/2014/main" id="{0474B58B-633C-43A3-BE4E-B0B168F40743}"/>
               </a:ext>
             </a:extLst>
           </p:cNvPr>
@@ -7165,7 +7149,7 @@
           <p:cNvPr id="3" name="椭圆 2">
             <a:extLst>
               <a:ext uri="{FF2B5EF4-FFF2-40B4-BE49-F238E27FC236}">
-                <a16:creationId xmlns="" xmlns:a16="http://schemas.microsoft.com/office/drawing/2014/main" id="{C5881B51-1E8A-4DAB-B8AB-94C03378AA49}"/>
+                <a16:creationId xmlns:a16="http://schemas.microsoft.com/office/drawing/2014/main" id="{C5881B51-1E8A-4DAB-B8AB-94C03378AA49}"/>
               </a:ext>
             </a:extLst>
           </p:cNvPr>
@@ -7219,7 +7203,7 @@
           <p:cNvPr id="4" name="矩形 3">
             <a:extLst>
               <a:ext uri="{FF2B5EF4-FFF2-40B4-BE49-F238E27FC236}">
-                <a16:creationId xmlns="" xmlns:a16="http://schemas.microsoft.com/office/drawing/2014/main" id="{5844F04D-8071-45B4-A2AE-55BF30256FE0}"/>
+                <a16:creationId xmlns:a16="http://schemas.microsoft.com/office/drawing/2014/main" id="{5844F04D-8071-45B4-A2AE-55BF30256FE0}"/>
               </a:ext>
             </a:extLst>
           </p:cNvPr>
@@ -7228,8 +7212,8 @@
         </p:nvSpPr>
         <p:spPr>
           <a:xfrm>
-            <a:off x="1385455" y="314138"/>
-            <a:ext cx="1273105" cy="461665"/>
+            <a:off x="1083384" y="398634"/>
+            <a:ext cx="1569660" cy="461665"/>
           </a:xfrm>
           <a:prstGeom prst="rect">
             <a:avLst/>
@@ -7242,17 +7226,11 @@
           <a:lstStyle/>
           <a:p>
             <a:r>
-              <a:rPr lang="en-US" altLang="zh-CN" sz="2400" b="1" dirty="0" err="1">
-                <a:solidFill>
-                  <a:schemeClr val="tx1">
-                    <a:lumMod val="75000"/>
-                    <a:lumOff val="25000"/>
-                  </a:schemeClr>
-                </a:solidFill>
+              <a:rPr lang="en-US" altLang="zh-CN" sz="2400" dirty="0" err="1">
                 <a:latin typeface="黑体" panose="02010609060101010101" pitchFamily="49" charset="-122"/>
                 <a:ea typeface="黑体" panose="02010609060101010101" pitchFamily="49" charset="-122"/>
               </a:rPr>
-              <a:t>StarUML</a:t>
+              <a:t>ProcessOn</a:t>
             </a:r>
             <a:endParaRPr lang="zh-CN" altLang="en-US" sz="2400" b="1" dirty="0">
               <a:solidFill>
@@ -7272,7 +7250,7 @@
           <p:cNvPr id="7" name="文本框 6">
             <a:extLst>
               <a:ext uri="{FF2B5EF4-FFF2-40B4-BE49-F238E27FC236}">
-                <a16:creationId xmlns="" xmlns:a16="http://schemas.microsoft.com/office/drawing/2014/main" id="{9453C4A4-558F-4047-80DD-EA4B6DA7A294}"/>
+                <a16:creationId xmlns:a16="http://schemas.microsoft.com/office/drawing/2014/main" id="{9453C4A4-558F-4047-80DD-EA4B6DA7A294}"/>
               </a:ext>
             </a:extLst>
           </p:cNvPr>
@@ -7281,8 +7259,8 @@
         </p:nvSpPr>
         <p:spPr>
           <a:xfrm>
-            <a:off x="636884" y="1333961"/>
-            <a:ext cx="4987167" cy="646331"/>
+            <a:off x="496492" y="1332664"/>
+            <a:ext cx="4987167" cy="369332"/>
           </a:xfrm>
           <a:prstGeom prst="rect">
             <a:avLst/>
@@ -7297,20 +7275,13 @@
           <a:p>
             <a:r>
               <a:rPr lang="en-US" altLang="zh-CN" dirty="0" err="1"/>
-              <a:t>StarUML</a:t>
+              <a:t>ProcessOn</a:t>
             </a:r>
             <a:r>
               <a:rPr lang="zh-CN" altLang="en-US" dirty="0"/>
-              <a:t>是一款开放源代码的</a:t>
-            </a:r>
-            <a:r>
-              <a:rPr lang="en-US" altLang="zh-CN" dirty="0"/>
-              <a:t>UML</a:t>
-            </a:r>
-            <a:r>
-              <a:rPr lang="zh-CN" altLang="en-US" dirty="0"/>
-              <a:t>开发工具，它发展快，灵活、可扩展性强。具有一下特点</a:t>
-            </a:r>
+              <a:t>是一个在线协作绘图平台</a:t>
+            </a:r>
+            <a:endParaRPr lang="zh-CN" altLang="en-US" dirty="0"/>
           </a:p>
         </p:txBody>
       </p:sp>
@@ -7319,7 +7290,7 @@
           <p:cNvPr id="5" name="文本框 4">
             <a:extLst>
               <a:ext uri="{FF2B5EF4-FFF2-40B4-BE49-F238E27FC236}">
-                <a16:creationId xmlns="" xmlns:a16="http://schemas.microsoft.com/office/drawing/2014/main" id="{757A9829-5673-4A95-A4D2-4EB33B026635}"/>
+                <a16:creationId xmlns:a16="http://schemas.microsoft.com/office/drawing/2014/main" id="{757A9829-5673-4A95-A4D2-4EB33B026635}"/>
               </a:ext>
             </a:extLst>
           </p:cNvPr>
@@ -7328,8 +7299,8 @@
         </p:nvSpPr>
         <p:spPr>
           <a:xfrm>
-            <a:off x="478090" y="2311281"/>
-            <a:ext cx="5615640" cy="646331"/>
+            <a:off x="654420" y="2087730"/>
+            <a:ext cx="4147289" cy="646331"/>
           </a:xfrm>
           <a:prstGeom prst="rect">
             <a:avLst/>
@@ -7343,375 +7314,285 @@
           <a:lstStyle/>
           <a:p>
             <a:r>
-              <a:rPr lang="en-US" altLang="zh-CN" dirty="0"/>
-              <a:t>1</a:t>
-            </a:r>
-            <a:r>
               <a:rPr lang="zh-CN" altLang="en-US" dirty="0"/>
-              <a:t>、可绘制</a:t>
-            </a:r>
-            <a:r>
-              <a:rPr lang="en-US" altLang="zh-CN" dirty="0"/>
-              <a:t>UML</a:t>
+              <a:t>高效易</a:t>
+            </a:r>
+            <a:r>
+              <a:rPr lang="zh-CN" altLang="en-US" dirty="0" smtClean="0"/>
+              <a:t>用：</a:t>
+            </a:r>
+            <a:endParaRPr lang="en-US" altLang="zh-CN" dirty="0" smtClean="0"/>
+          </a:p>
+          <a:p>
+            <a:r>
+              <a:rPr lang="en-US" altLang="zh-CN" dirty="0" smtClean="0"/>
+              <a:t>        </a:t>
+            </a:r>
+            <a:r>
+              <a:rPr lang="zh-CN" altLang="en-US" dirty="0" smtClean="0"/>
+              <a:t>它是</a:t>
             </a:r>
             <a:r>
               <a:rPr lang="zh-CN" altLang="en-US" dirty="0"/>
-              <a:t>中的常用图：</a:t>
-            </a:r>
-            <a:r>
-              <a:rPr lang="en-US" altLang="zh-CN" dirty="0"/>
-              <a:t>UML</a:t>
-            </a:r>
-            <a:r>
-              <a:rPr lang="zh-CN" altLang="en-US" dirty="0"/>
-              <a:t>分为两类图：结构图</a:t>
-            </a:r>
-            <a:endParaRPr lang="en-US" altLang="zh-CN" dirty="0"/>
-          </a:p>
-          <a:p>
-            <a:r>
-              <a:rPr lang="zh-CN" altLang="en-US" dirty="0"/>
-              <a:t>和行为图共</a:t>
-            </a:r>
-            <a:r>
-              <a:rPr lang="en-US" altLang="zh-CN" dirty="0"/>
-              <a:t>13</a:t>
-            </a:r>
-            <a:r>
-              <a:rPr lang="zh-CN" altLang="en-US" dirty="0"/>
-              <a:t>种图，它都可以支持这些图的绘制。</a:t>
-            </a:r>
-          </a:p>
-        </p:txBody>
-      </p:sp>
-      <p:pic>
-        <p:nvPicPr>
-          <p:cNvPr id="2050" name="Picture 2" descr="https://timgsa.baidu.com/timg?image&amp;quality=80&amp;size=b9999_10000&amp;sec=1539425063454&amp;di=646c55f48159b1e5c8915a3f09302922&amp;imgtype=jpg&amp;src=http%3A%2F%2Fimg0.imgtn.bdimg.com%2Fit%2Fu%3D2184306255%2C2220323873%26fm%3D214%26gp%3D0.jpg">
+              <a:t>一个</a:t>
+            </a:r>
+            <a:r>
+              <a:rPr lang="zh-CN" altLang="en-US" dirty="0" smtClean="0"/>
+              <a:t>网站，操作方便上手简单</a:t>
+            </a:r>
+            <a:endParaRPr lang="zh-CN" altLang="en-US" dirty="0"/>
+          </a:p>
+        </p:txBody>
+      </p:sp>
+      <p:sp>
+        <p:nvSpPr>
+          <p:cNvPr id="9" name="文本框 8">
             <a:extLst>
               <a:ext uri="{FF2B5EF4-FFF2-40B4-BE49-F238E27FC236}">
-                <a16:creationId xmlns="" xmlns:a16="http://schemas.microsoft.com/office/drawing/2014/main" id="{251D8381-35C7-4173-8B86-509933736621}"/>
+                <a16:creationId xmlns:a16="http://schemas.microsoft.com/office/drawing/2014/main" id="{AA2D3DFA-B67D-4594-B781-87F29C62FEE5}"/>
               </a:ext>
             </a:extLst>
           </p:cNvPr>
+          <p:cNvSpPr txBox="1"/>
+          <p:nvPr/>
+        </p:nvSpPr>
+        <p:spPr>
+          <a:xfrm>
+            <a:off x="8550984" y="5744131"/>
+            <a:ext cx="877163" cy="369332"/>
+          </a:xfrm>
+          <a:prstGeom prst="rect">
+            <a:avLst/>
+          </a:prstGeom>
+          <a:noFill/>
+        </p:spPr>
+        <p:txBody>
+          <a:bodyPr wrap="none" rtlCol="0">
+            <a:spAutoFit/>
+          </a:bodyPr>
+          <a:lstStyle/>
+          <a:p>
+            <a:r>
+              <a:rPr lang="zh-CN" altLang="en-US" dirty="0"/>
+              <a:t>时序图</a:t>
+            </a:r>
+            <a:endParaRPr lang="zh-CN" altLang="en-US" dirty="0"/>
+          </a:p>
+        </p:txBody>
+      </p:sp>
+      <p:sp>
+        <p:nvSpPr>
+          <p:cNvPr id="6" name="矩形 5"/>
+          <p:cNvSpPr/>
+          <p:nvPr/>
+        </p:nvSpPr>
+        <p:spPr>
+          <a:xfrm>
+            <a:off x="654420" y="3232156"/>
+            <a:ext cx="4378122" cy="1200329"/>
+          </a:xfrm>
+          <a:prstGeom prst="rect">
+            <a:avLst/>
+          </a:prstGeom>
+        </p:spPr>
+        <p:txBody>
+          <a:bodyPr wrap="none">
+            <a:spAutoFit/>
+          </a:bodyPr>
+          <a:lstStyle/>
+          <a:p>
+            <a:r>
+              <a:rPr lang="zh-CN" altLang="en-US" dirty="0">
+                <a:solidFill>
+                  <a:srgbClr val="000000"/>
+                </a:solidFill>
+                <a:latin typeface="arial" panose="020B0604020202020204" pitchFamily="34" charset="0"/>
+              </a:rPr>
+              <a:t>团队</a:t>
+            </a:r>
+            <a:r>
+              <a:rPr lang="zh-CN" altLang="en-US" dirty="0" smtClean="0">
+                <a:solidFill>
+                  <a:srgbClr val="000000"/>
+                </a:solidFill>
+                <a:latin typeface="arial" panose="020B0604020202020204" pitchFamily="34" charset="0"/>
+              </a:rPr>
+              <a:t>协作：</a:t>
+            </a:r>
+            <a:endParaRPr lang="en-US" altLang="zh-CN" dirty="0" smtClean="0">
+              <a:solidFill>
+                <a:srgbClr val="000000"/>
+              </a:solidFill>
+              <a:latin typeface="arial" panose="020B0604020202020204" pitchFamily="34" charset="0"/>
+            </a:endParaRPr>
+          </a:p>
+          <a:p>
+            <a:r>
+              <a:rPr lang="zh-CN" altLang="en-US" dirty="0" smtClean="0"/>
+              <a:t>        可以</a:t>
+            </a:r>
+            <a:r>
+              <a:rPr lang="zh-CN" altLang="en-US" dirty="0"/>
+              <a:t>在网站里组建一个小组，做好</a:t>
+            </a:r>
+            <a:r>
+              <a:rPr lang="zh-CN" altLang="en-US" dirty="0" smtClean="0"/>
+              <a:t>的</a:t>
+            </a:r>
+            <a:endParaRPr lang="en-US" altLang="zh-CN" dirty="0" smtClean="0"/>
+          </a:p>
+          <a:p>
+            <a:r>
+              <a:rPr lang="zh-CN" altLang="en-US" dirty="0" smtClean="0"/>
+              <a:t>一些</a:t>
+            </a:r>
+            <a:r>
+              <a:rPr lang="zh-CN" altLang="en-US" dirty="0"/>
+              <a:t>图可以进行共享修改等</a:t>
+            </a:r>
+            <a:endParaRPr lang="en-US" altLang="zh-CN" dirty="0"/>
+          </a:p>
+          <a:p>
+            <a:endParaRPr lang="en-US" altLang="zh-CN" dirty="0" smtClean="0">
+              <a:solidFill>
+                <a:srgbClr val="000000"/>
+              </a:solidFill>
+              <a:latin typeface="arial" panose="020B0604020202020204" pitchFamily="34" charset="0"/>
+            </a:endParaRPr>
+          </a:p>
+        </p:txBody>
+      </p:sp>
+      <p:sp>
+        <p:nvSpPr>
+          <p:cNvPr id="8" name="矩形 7"/>
+          <p:cNvSpPr/>
+          <p:nvPr/>
+        </p:nvSpPr>
+        <p:spPr>
+          <a:xfrm>
+            <a:off x="654420" y="4432485"/>
+            <a:ext cx="4685898" cy="646331"/>
+          </a:xfrm>
+          <a:prstGeom prst="rect">
+            <a:avLst/>
+          </a:prstGeom>
+        </p:spPr>
+        <p:txBody>
+          <a:bodyPr wrap="none">
+            <a:spAutoFit/>
+          </a:bodyPr>
+          <a:lstStyle/>
+          <a:p>
+            <a:r>
+              <a:rPr lang="zh-CN" altLang="en-US" dirty="0">
+                <a:solidFill>
+                  <a:srgbClr val="000000"/>
+                </a:solidFill>
+                <a:latin typeface="arial" panose="020B0604020202020204" pitchFamily="34" charset="0"/>
+              </a:rPr>
+              <a:t>海量图</a:t>
+            </a:r>
+            <a:r>
+              <a:rPr lang="zh-CN" altLang="en-US" dirty="0" smtClean="0">
+                <a:solidFill>
+                  <a:srgbClr val="000000"/>
+                </a:solidFill>
+                <a:latin typeface="arial" panose="020B0604020202020204" pitchFamily="34" charset="0"/>
+              </a:rPr>
+              <a:t>库：</a:t>
+            </a:r>
+            <a:endParaRPr lang="en-US" altLang="zh-CN" dirty="0" smtClean="0">
+              <a:solidFill>
+                <a:srgbClr val="000000"/>
+              </a:solidFill>
+              <a:latin typeface="arial" panose="020B0604020202020204" pitchFamily="34" charset="0"/>
+            </a:endParaRPr>
+          </a:p>
+          <a:p>
+            <a:r>
+              <a:rPr lang="zh-CN" altLang="en-US" dirty="0" smtClean="0">
+                <a:solidFill>
+                  <a:srgbClr val="000000"/>
+                </a:solidFill>
+                <a:latin typeface="arial" panose="020B0604020202020204" pitchFamily="34" charset="0"/>
+              </a:rPr>
+              <a:t>        会</a:t>
+            </a:r>
+            <a:r>
+              <a:rPr lang="zh-CN" altLang="en-US" dirty="0">
+                <a:solidFill>
+                  <a:srgbClr val="000000"/>
+                </a:solidFill>
+                <a:latin typeface="arial" panose="020B0604020202020204" pitchFamily="34" charset="0"/>
+              </a:rPr>
+              <a:t>有很多</a:t>
+            </a:r>
+            <a:r>
+              <a:rPr lang="zh-CN" altLang="en-US" dirty="0" smtClean="0">
+                <a:solidFill>
+                  <a:srgbClr val="000000"/>
+                </a:solidFill>
+                <a:latin typeface="arial" panose="020B0604020202020204" pitchFamily="34" charset="0"/>
+              </a:rPr>
+              <a:t>的模板，别人做好的共享出来</a:t>
+            </a:r>
+            <a:endParaRPr lang="zh-CN" altLang="en-US" b="0" i="0" dirty="0">
+              <a:solidFill>
+                <a:srgbClr val="000000"/>
+              </a:solidFill>
+              <a:effectLst/>
+              <a:latin typeface="arial" panose="020B0604020202020204" pitchFamily="34" charset="0"/>
+            </a:endParaRPr>
+          </a:p>
+        </p:txBody>
+      </p:sp>
+      <p:pic>
+        <p:nvPicPr>
+          <p:cNvPr id="15" name="图片 14"/>
           <p:cNvPicPr>
-            <a:picLocks noChangeAspect="1" noChangeArrowheads="1"/>
+            <a:picLocks noChangeAspect="1"/>
           </p:cNvPicPr>
           <p:nvPr/>
         </p:nvPicPr>
         <p:blipFill>
-          <a:blip r:embed="rId2">
+          <a:blip r:embed="rId3">
             <a:extLst>
               <a:ext uri="{28A0092B-C50C-407E-A947-70E740481C1C}">
                 <a14:useLocalDpi xmlns:a14="http://schemas.microsoft.com/office/drawing/2010/main" val="0"/>
               </a:ext>
             </a:extLst>
           </a:blip>
-          <a:srcRect/>
           <a:stretch>
             <a:fillRect/>
           </a:stretch>
         </p:blipFill>
-        <p:spPr bwMode="auto">
-          <a:xfrm>
-            <a:off x="5941480" y="501831"/>
-            <a:ext cx="6164826" cy="4737370"/>
+        <p:spPr>
+          <a:xfrm>
+            <a:off x="5276850" y="48011"/>
+            <a:ext cx="6915150" cy="5372100"/>
           </a:xfrm>
           <a:prstGeom prst="rect">
             <a:avLst/>
           </a:prstGeom>
-          <a:noFill/>
-          <a:extLst>
-            <a:ext uri="{909E8E84-426E-40DD-AFC4-6F175D3DCCD1}">
-              <a14:hiddenFill xmlns:a14="http://schemas.microsoft.com/office/drawing/2010/main">
-                <a:solidFill>
-                  <a:srgbClr val="FFFFFF"/>
-                </a:solidFill>
-              </a14:hiddenFill>
-            </a:ext>
-          </a:extLst>
         </p:spPr>
       </p:pic>
-      <p:sp>
-        <p:nvSpPr>
-          <p:cNvPr id="9" name="文本框 8">
-            <a:extLst>
-              <a:ext uri="{FF2B5EF4-FFF2-40B4-BE49-F238E27FC236}">
-                <a16:creationId xmlns="" xmlns:a16="http://schemas.microsoft.com/office/drawing/2014/main" id="{AA2D3DFA-B67D-4594-B781-87F29C62FEE5}"/>
-              </a:ext>
-            </a:extLst>
-          </p:cNvPr>
-          <p:cNvSpPr txBox="1"/>
-          <p:nvPr/>
-        </p:nvSpPr>
-        <p:spPr>
-          <a:xfrm>
-            <a:off x="478090" y="3143411"/>
-            <a:ext cx="1460656" cy="369332"/>
-          </a:xfrm>
-          <a:prstGeom prst="rect">
-            <a:avLst/>
-          </a:prstGeom>
-          <a:noFill/>
-        </p:spPr>
-        <p:txBody>
-          <a:bodyPr wrap="none" rtlCol="0">
-            <a:spAutoFit/>
-          </a:bodyPr>
-          <a:lstStyle/>
-          <a:p>
-            <a:r>
-              <a:rPr lang="en-US" altLang="zh-CN" dirty="0"/>
-              <a:t>2</a:t>
-            </a:r>
-            <a:r>
-              <a:rPr lang="zh-CN" altLang="en-US" dirty="0"/>
-              <a:t>、完全免费</a:t>
-            </a:r>
-          </a:p>
-        </p:txBody>
-      </p:sp>
-      <p:sp>
-        <p:nvSpPr>
-          <p:cNvPr id="10" name="文本框 9">
-            <a:extLst>
-              <a:ext uri="{FF2B5EF4-FFF2-40B4-BE49-F238E27FC236}">
-                <a16:creationId xmlns="" xmlns:a16="http://schemas.microsoft.com/office/drawing/2014/main" id="{F0D21347-67CB-49CB-A348-9F6D1F15937A}"/>
-              </a:ext>
-            </a:extLst>
-          </p:cNvPr>
-          <p:cNvSpPr txBox="1"/>
-          <p:nvPr/>
-        </p:nvSpPr>
-        <p:spPr>
-          <a:xfrm>
-            <a:off x="496492" y="3698542"/>
-            <a:ext cx="1460656" cy="369332"/>
-          </a:xfrm>
-          <a:prstGeom prst="rect">
-            <a:avLst/>
-          </a:prstGeom>
-          <a:noFill/>
-        </p:spPr>
-        <p:txBody>
-          <a:bodyPr wrap="none" rtlCol="0">
-            <a:spAutoFit/>
-          </a:bodyPr>
-          <a:lstStyle/>
-          <a:p>
-            <a:r>
-              <a:rPr lang="en-US" altLang="zh-CN" dirty="0"/>
-              <a:t>3</a:t>
-            </a:r>
-            <a:r>
-              <a:rPr lang="zh-CN" altLang="en-US" dirty="0"/>
-              <a:t>、多种格式</a:t>
-            </a:r>
-          </a:p>
-        </p:txBody>
-      </p:sp>
-      <p:sp>
-        <p:nvSpPr>
-          <p:cNvPr id="11" name="文本框 10">
-            <a:extLst>
-              <a:ext uri="{FF2B5EF4-FFF2-40B4-BE49-F238E27FC236}">
-                <a16:creationId xmlns="" xmlns:a16="http://schemas.microsoft.com/office/drawing/2014/main" id="{6352D6EC-0848-40FA-96AC-8CE03B9995E9}"/>
-              </a:ext>
-            </a:extLst>
-          </p:cNvPr>
-          <p:cNvSpPr txBox="1"/>
-          <p:nvPr/>
-        </p:nvSpPr>
-        <p:spPr>
-          <a:xfrm>
-            <a:off x="496492" y="4197804"/>
-            <a:ext cx="5153975" cy="369332"/>
-          </a:xfrm>
-          <a:prstGeom prst="rect">
-            <a:avLst/>
-          </a:prstGeom>
-          <a:noFill/>
-        </p:spPr>
-        <p:txBody>
-          <a:bodyPr wrap="none" rtlCol="0">
-            <a:spAutoFit/>
-          </a:bodyPr>
-          <a:lstStyle/>
-          <a:p>
-            <a:r>
-              <a:rPr lang="en-US" altLang="zh-CN" dirty="0"/>
-              <a:t>4</a:t>
-            </a:r>
-            <a:r>
-              <a:rPr lang="zh-CN" altLang="en-US" dirty="0"/>
-              <a:t>、双向工程：能够在设计模型与代码见相互交换</a:t>
-            </a:r>
-          </a:p>
-        </p:txBody>
-      </p:sp>
-      <p:sp>
-        <p:nvSpPr>
-          <p:cNvPr id="12" name="文本框 11">
-            <a:extLst>
-              <a:ext uri="{FF2B5EF4-FFF2-40B4-BE49-F238E27FC236}">
-                <a16:creationId xmlns="" xmlns:a16="http://schemas.microsoft.com/office/drawing/2014/main" id="{C19E28D4-513D-4EBF-8EE9-4E65AD4D8A62}"/>
-              </a:ext>
-            </a:extLst>
-          </p:cNvPr>
-          <p:cNvSpPr txBox="1"/>
-          <p:nvPr/>
-        </p:nvSpPr>
-        <p:spPr>
-          <a:xfrm>
-            <a:off x="478090" y="4808804"/>
-            <a:ext cx="1390124" cy="369332"/>
-          </a:xfrm>
-          <a:prstGeom prst="rect">
-            <a:avLst/>
-          </a:prstGeom>
-          <a:noFill/>
-        </p:spPr>
-        <p:txBody>
-          <a:bodyPr wrap="none" rtlCol="0">
-            <a:spAutoFit/>
-          </a:bodyPr>
-          <a:lstStyle/>
-          <a:p>
-            <a:r>
-              <a:rPr lang="en-US" altLang="zh-CN" dirty="0"/>
-              <a:t>5</a:t>
-            </a:r>
-            <a:r>
-              <a:rPr lang="zh-CN" altLang="en-US" dirty="0"/>
-              <a:t>、支持</a:t>
-            </a:r>
-            <a:r>
-              <a:rPr lang="en-US" altLang="zh-CN" dirty="0"/>
-              <a:t>XMI</a:t>
-            </a:r>
-            <a:endParaRPr lang="zh-CN" altLang="en-US" dirty="0"/>
-          </a:p>
-        </p:txBody>
-      </p:sp>
-      <p:sp>
-        <p:nvSpPr>
-          <p:cNvPr id="13" name="文本框 12">
-            <a:extLst>
-              <a:ext uri="{FF2B5EF4-FFF2-40B4-BE49-F238E27FC236}">
-                <a16:creationId xmlns="" xmlns:a16="http://schemas.microsoft.com/office/drawing/2014/main" id="{E8579A86-73F0-4804-B1D1-2137C3D1D32E}"/>
-              </a:ext>
-            </a:extLst>
-          </p:cNvPr>
-          <p:cNvSpPr txBox="1"/>
-          <p:nvPr/>
-        </p:nvSpPr>
-        <p:spPr>
-          <a:xfrm>
-            <a:off x="496577" y="5438151"/>
-            <a:ext cx="1939955" cy="369332"/>
-          </a:xfrm>
-          <a:prstGeom prst="rect">
-            <a:avLst/>
-          </a:prstGeom>
-          <a:noFill/>
-        </p:spPr>
-        <p:txBody>
-          <a:bodyPr wrap="none" rtlCol="0">
-            <a:spAutoFit/>
-          </a:bodyPr>
-          <a:lstStyle/>
-          <a:p>
-            <a:r>
-              <a:rPr lang="en-US" altLang="zh-CN" dirty="0"/>
-              <a:t>6</a:t>
-            </a:r>
-            <a:r>
-              <a:rPr lang="zh-CN" altLang="en-US" dirty="0"/>
-              <a:t>、导入</a:t>
-            </a:r>
-            <a:r>
-              <a:rPr lang="en-US" altLang="zh-CN" dirty="0"/>
-              <a:t>Rose</a:t>
-            </a:r>
-            <a:r>
-              <a:rPr lang="zh-CN" altLang="en-US" dirty="0"/>
-              <a:t>文件</a:t>
-            </a:r>
-          </a:p>
-        </p:txBody>
-      </p:sp>
-      <p:sp>
-        <p:nvSpPr>
-          <p:cNvPr id="14" name="文本框 13">
-            <a:extLst>
-              <a:ext uri="{FF2B5EF4-FFF2-40B4-BE49-F238E27FC236}">
-                <a16:creationId xmlns="" xmlns:a16="http://schemas.microsoft.com/office/drawing/2014/main" id="{1EEDA4F9-E4FD-443D-B54F-68915852EE53}"/>
-              </a:ext>
-            </a:extLst>
-          </p:cNvPr>
-          <p:cNvSpPr txBox="1"/>
-          <p:nvPr/>
-        </p:nvSpPr>
-        <p:spPr>
-          <a:xfrm>
-            <a:off x="496577" y="6113463"/>
-            <a:ext cx="5564344" cy="369332"/>
-          </a:xfrm>
-          <a:prstGeom prst="rect">
-            <a:avLst/>
-          </a:prstGeom>
-          <a:noFill/>
-        </p:spPr>
-        <p:txBody>
-          <a:bodyPr wrap="none" rtlCol="0">
-            <a:spAutoFit/>
-          </a:bodyPr>
-          <a:lstStyle/>
-          <a:p>
-            <a:r>
-              <a:rPr lang="en-US" altLang="zh-CN" dirty="0"/>
-              <a:t>7</a:t>
-            </a:r>
-            <a:r>
-              <a:rPr lang="zh-CN" altLang="en-US" dirty="0"/>
-              <a:t>、支持模式：支持</a:t>
-            </a:r>
-            <a:r>
-              <a:rPr lang="en-US" altLang="zh-CN" dirty="0"/>
-              <a:t>23</a:t>
-            </a:r>
-            <a:r>
-              <a:rPr lang="zh-CN" altLang="en-US" dirty="0"/>
-              <a:t>种</a:t>
-            </a:r>
-            <a:r>
-              <a:rPr lang="en-US" altLang="zh-CN" dirty="0" err="1"/>
-              <a:t>GoF</a:t>
-            </a:r>
-            <a:r>
-              <a:rPr lang="zh-CN" altLang="en-US" dirty="0"/>
-              <a:t>模式，以及三种</a:t>
-            </a:r>
-            <a:r>
-              <a:rPr lang="en-US" altLang="zh-CN" dirty="0"/>
-              <a:t>EJB</a:t>
-            </a:r>
-            <a:r>
-              <a:rPr lang="zh-CN" altLang="en-US" dirty="0"/>
-              <a:t>模式</a:t>
-            </a:r>
-          </a:p>
-        </p:txBody>
-      </p:sp>
     </p:spTree>
     <p:extLst>
       <p:ext uri="{BB962C8B-B14F-4D97-AF65-F5344CB8AC3E}">
-        <p14:creationId xmlns:p14="http://schemas.microsoft.com/office/powerpoint/2010/main" val="2197247681"/>
+        <p14:creationId xmlns:p14="http://schemas.microsoft.com/office/powerpoint/2010/main" val="2126491374"/>
       </p:ext>
     </p:extLst>
   </p:cSld>
   <p:clrMapOvr>
     <a:masterClrMapping/>
   </p:clrMapOvr>
+  <p:timing>
+    <p:tnLst>
+      <p:par>
+        <p:cTn id="1" dur="indefinite" restart="never" nodeType="tmRoot"/>
+      </p:par>
+    </p:tnLst>
+  </p:timing>
 </p:sld>
 </file>
 
@@ -7972,7 +7853,7 @@
           <p:cNvPr id="2" name="椭圆 1">
             <a:extLst>
               <a:ext uri="{FF2B5EF4-FFF2-40B4-BE49-F238E27FC236}">
-                <a16:creationId xmlns="" xmlns:a16="http://schemas.microsoft.com/office/drawing/2014/main" id="{49C04998-73A9-4DCD-A55C-1AC753A93E26}"/>
+                <a16:creationId xmlns:a16="http://schemas.microsoft.com/office/drawing/2014/main" id="{49C04998-73A9-4DCD-A55C-1AC753A93E26}"/>
               </a:ext>
             </a:extLst>
           </p:cNvPr>
@@ -8026,7 +7907,7 @@
           <p:cNvPr id="3" name="椭圆 2">
             <a:extLst>
               <a:ext uri="{FF2B5EF4-FFF2-40B4-BE49-F238E27FC236}">
-                <a16:creationId xmlns="" xmlns:a16="http://schemas.microsoft.com/office/drawing/2014/main" id="{D085DAE1-D33C-463C-B6CB-5B1A0A7B3640}"/>
+                <a16:creationId xmlns:a16="http://schemas.microsoft.com/office/drawing/2014/main" id="{D085DAE1-D33C-463C-B6CB-5B1A0A7B3640}"/>
               </a:ext>
             </a:extLst>
           </p:cNvPr>
@@ -8080,7 +7961,7 @@
           <p:cNvPr id="4" name="矩形 3">
             <a:extLst>
               <a:ext uri="{FF2B5EF4-FFF2-40B4-BE49-F238E27FC236}">
-                <a16:creationId xmlns="" xmlns:a16="http://schemas.microsoft.com/office/drawing/2014/main" id="{25C55224-7EAA-4C06-9CE8-B4F62DF8E6F1}"/>
+                <a16:creationId xmlns:a16="http://schemas.microsoft.com/office/drawing/2014/main" id="{25C55224-7EAA-4C06-9CE8-B4F62DF8E6F1}"/>
               </a:ext>
             </a:extLst>
           </p:cNvPr>
@@ -8123,7 +8004,7 @@
           <p:cNvPr id="4098" name="Picture 2" descr="http://hi.csdn.net/attachment/201112/24/0_1324712578RPlV.gif">
             <a:extLst>
               <a:ext uri="{FF2B5EF4-FFF2-40B4-BE49-F238E27FC236}">
-                <a16:creationId xmlns="" xmlns:a16="http://schemas.microsoft.com/office/drawing/2014/main" id="{9C58AAB6-4B0B-4842-BCCD-B7BF82AB5339}"/>
+                <a16:creationId xmlns:a16="http://schemas.microsoft.com/office/drawing/2014/main" id="{9C58AAB6-4B0B-4842-BCCD-B7BF82AB5339}"/>
               </a:ext>
             </a:extLst>
           </p:cNvPr>
@@ -8170,7 +8051,7 @@
           <p:cNvPr id="20" name="矩形 19">
             <a:extLst>
               <a:ext uri="{FF2B5EF4-FFF2-40B4-BE49-F238E27FC236}">
-                <a16:creationId xmlns="" xmlns:a16="http://schemas.microsoft.com/office/drawing/2014/main" id="{6B67099F-6F03-42D8-AD12-77850289E3A0}"/>
+                <a16:creationId xmlns:a16="http://schemas.microsoft.com/office/drawing/2014/main" id="{6B67099F-6F03-42D8-AD12-77850289E3A0}"/>
               </a:ext>
             </a:extLst>
           </p:cNvPr>
@@ -8179,8 +8060,8 @@
         </p:nvSpPr>
         <p:spPr>
           <a:xfrm>
-            <a:off x="614216" y="1188202"/>
-            <a:ext cx="6389423" cy="2031325"/>
+            <a:off x="614216" y="1257597"/>
+            <a:ext cx="6389423" cy="923330"/>
           </a:xfrm>
           <a:prstGeom prst="rect">
             <a:avLst/>
@@ -8193,9 +8074,30 @@
           <a:lstStyle/>
           <a:p>
             <a:r>
+              <a:rPr lang="zh-CN" altLang="en-US" dirty="0">
+                <a:solidFill>
+                  <a:srgbClr val="FF0000"/>
+                </a:solidFill>
+              </a:rPr>
+              <a:t>业务需求 </a:t>
+            </a:r>
+            <a:r>
               <a:rPr lang="zh-CN" altLang="en-US" dirty="0"/>
-              <a:t>业务需求 （Business requirement）表示组织或客户高层次的目标。业务需求通常来自项目投资人、购买产品的客户、实际用户的管理者、市场营销部门或产品策划部门。业务需求描述了组织为什么要开发一个系统，即组织希望达到的目标。使用前景和范围（vision and scope）文档来记录业务需求，这份文档有时也被称作项目轮廓图或市场需求（project charter 或 market requirement）文档。</a:t>
-            </a:r>
+              <a:t>（Business requirement）表示组织或客户高层次的目标</a:t>
+            </a:r>
+            <a:r>
+              <a:rPr lang="zh-CN" altLang="en-US" dirty="0" smtClean="0"/>
+              <a:t>。业务</a:t>
+            </a:r>
+            <a:r>
+              <a:rPr lang="zh-CN" altLang="en-US" dirty="0"/>
+              <a:t>需求描述了组织为什么要开发一个系统，即组织希望达到的目标</a:t>
+            </a:r>
+            <a:r>
+              <a:rPr lang="zh-CN" altLang="en-US" dirty="0" smtClean="0"/>
+              <a:t>。</a:t>
+            </a:r>
+            <a:endParaRPr lang="zh-CN" altLang="en-US" dirty="0"/>
           </a:p>
         </p:txBody>
       </p:sp>
@@ -8204,7 +8106,7 @@
           <p:cNvPr id="21" name="矩形 20">
             <a:extLst>
               <a:ext uri="{FF2B5EF4-FFF2-40B4-BE49-F238E27FC236}">
-                <a16:creationId xmlns="" xmlns:a16="http://schemas.microsoft.com/office/drawing/2014/main" id="{45CDF952-7DFD-4D28-9FCB-8FFEF67F57BB}"/>
+                <a16:creationId xmlns:a16="http://schemas.microsoft.com/office/drawing/2014/main" id="{45CDF952-7DFD-4D28-9FCB-8FFEF67F57BB}"/>
               </a:ext>
             </a:extLst>
           </p:cNvPr>
@@ -8213,8 +8115,8 @@
         </p:nvSpPr>
         <p:spPr>
           <a:xfrm>
-            <a:off x="614216" y="3487540"/>
-            <a:ext cx="6096000" cy="1200329"/>
+            <a:off x="614216" y="2855808"/>
+            <a:ext cx="6096000" cy="923330"/>
           </a:xfrm>
           <a:prstGeom prst="rect">
             <a:avLst/>
@@ -8229,74 +8131,50 @@
             <a:r>
               <a:rPr lang="zh-CN" altLang="en-US" b="1" dirty="0">
                 <a:solidFill>
+                  <a:srgbClr val="FF0000"/>
+                </a:solidFill>
+                <a:latin typeface="-apple-system"/>
+              </a:rPr>
+              <a:t>用户需求</a:t>
+            </a:r>
+            <a:r>
+              <a:rPr lang="zh-CN" altLang="en-US" dirty="0">
+                <a:solidFill>
                   <a:srgbClr val="4F4F4F"/>
                 </a:solidFill>
                 <a:latin typeface="-apple-system"/>
               </a:rPr>
-              <a:t>用户需求</a:t>
+              <a:t> （</a:t>
+            </a:r>
+            <a:r>
+              <a:rPr lang="en-US" altLang="zh-CN" dirty="0">
+                <a:latin typeface="-apple-system"/>
+              </a:rPr>
+              <a:t>user requirement</a:t>
             </a:r>
             <a:r>
               <a:rPr lang="zh-CN" altLang="en-US" dirty="0">
-                <a:solidFill>
-                  <a:srgbClr val="4F4F4F"/>
-                </a:solidFill>
                 <a:latin typeface="-apple-system"/>
               </a:rPr>
-              <a:t> （</a:t>
-            </a:r>
-            <a:r>
-              <a:rPr lang="en-US" altLang="zh-CN" dirty="0">
-                <a:solidFill>
-                  <a:srgbClr val="4F4F4F"/>
-                </a:solidFill>
+              <a:t>）描述的是用户的目标，或</a:t>
+            </a:r>
+            <a:r>
+              <a:rPr lang="zh-CN" altLang="en-US" b="1" dirty="0">
                 <a:latin typeface="-apple-system"/>
               </a:rPr>
-              <a:t>user requirement</a:t>
+              <a:t>用户要求系统必须能完成的任务</a:t>
+            </a:r>
+            <a:r>
+              <a:rPr lang="zh-CN" altLang="en-US" dirty="0" smtClean="0">
+                <a:latin typeface="-apple-system"/>
+              </a:rPr>
+              <a:t>。也就是说</a:t>
             </a:r>
             <a:r>
               <a:rPr lang="zh-CN" altLang="en-US" dirty="0">
-                <a:solidFill>
-                  <a:srgbClr val="4F4F4F"/>
-                </a:solidFill>
                 <a:latin typeface="-apple-system"/>
               </a:rPr>
-              <a:t>）描述的是用户的目标，或</a:t>
-            </a:r>
-            <a:r>
-              <a:rPr lang="zh-CN" altLang="en-US" b="1" dirty="0">
-                <a:solidFill>
-                  <a:srgbClr val="4F4F4F"/>
-                </a:solidFill>
-                <a:latin typeface="-apple-system"/>
-              </a:rPr>
-              <a:t>用户要求系统必须能完成的任务</a:t>
-            </a:r>
-            <a:r>
-              <a:rPr lang="zh-CN" altLang="en-US" dirty="0">
-                <a:solidFill>
-                  <a:srgbClr val="4F4F4F"/>
-                </a:solidFill>
-                <a:latin typeface="-apple-system"/>
-              </a:rPr>
-              <a:t>。用例、场景描述和事件</a:t>
-            </a:r>
-            <a:r>
-              <a:rPr lang="en-US" altLang="zh-CN" dirty="0">
-                <a:solidFill>
-                  <a:srgbClr val="4F4F4F"/>
-                </a:solidFill>
-                <a:latin typeface="-apple-system"/>
-              </a:rPr>
-              <a:t>――</a:t>
-            </a:r>
-            <a:r>
-              <a:rPr lang="zh-CN" altLang="en-US" dirty="0">
-                <a:solidFill>
-                  <a:srgbClr val="4F4F4F"/>
-                </a:solidFill>
-                <a:latin typeface="-apple-system"/>
-              </a:rPr>
-              <a:t>响应表都是表达用户需求的有效途径。也就是说用户需求描述了用户能使用系统来做些什么。</a:t>
+              <a:t>用户需求描述了用户能使用系统来做些什么。</a:t>
             </a:r>
             <a:endParaRPr lang="zh-CN" altLang="en-US" dirty="0"/>
           </a:p>
@@ -8307,7 +8185,7 @@
           <p:cNvPr id="22" name="矩形 21">
             <a:extLst>
               <a:ext uri="{FF2B5EF4-FFF2-40B4-BE49-F238E27FC236}">
-                <a16:creationId xmlns="" xmlns:a16="http://schemas.microsoft.com/office/drawing/2014/main" id="{0BC38286-3BB5-40BE-B5FB-2CD7C55E8E3F}"/>
+                <a16:creationId xmlns:a16="http://schemas.microsoft.com/office/drawing/2014/main" id="{0BC38286-3BB5-40BE-B5FB-2CD7C55E8E3F}"/>
               </a:ext>
             </a:extLst>
           </p:cNvPr>
@@ -8316,7 +8194,7 @@
         </p:nvSpPr>
         <p:spPr>
           <a:xfrm>
-            <a:off x="614216" y="4974470"/>
+            <a:off x="614216" y="4454019"/>
             <a:ext cx="6096000" cy="923330"/>
           </a:xfrm>
           <a:prstGeom prst="rect">
@@ -8330,8 +8208,16 @@
           <a:lstStyle/>
           <a:p>
             <a:r>
+              <a:rPr lang="zh-CN" altLang="en-US" dirty="0">
+                <a:solidFill>
+                  <a:srgbClr val="FF0000"/>
+                </a:solidFill>
+              </a:rPr>
+              <a:t>功能需求</a:t>
+            </a:r>
+            <a:r>
               <a:rPr lang="zh-CN" altLang="en-US" dirty="0"/>
-              <a:t>功能需求 （functional requirement）规定开发人员必须在产品中实现的软件功能，用户利用这些功能来完成任务，满足业务需求。</a:t>
+              <a:t> （functional requirement）规定开发人员必须在产品中实现的软件功能，用户利用这些功能来完成任务，满足业务需求。</a:t>
             </a:r>
           </a:p>
         </p:txBody>
@@ -8346,6 +8232,13 @@
   <p:clrMapOvr>
     <a:masterClrMapping/>
   </p:clrMapOvr>
+  <p:timing>
+    <p:tnLst>
+      <p:par>
+        <p:cTn id="1" dur="indefinite" restart="never" nodeType="tmRoot"/>
+      </p:par>
+    </p:tnLst>
+  </p:timing>
 </p:sld>
 </file>
 
@@ -8371,7 +8264,7 @@
           <p:cNvPr id="2" name="椭圆 1">
             <a:extLst>
               <a:ext uri="{FF2B5EF4-FFF2-40B4-BE49-F238E27FC236}">
-                <a16:creationId xmlns="" xmlns:a16="http://schemas.microsoft.com/office/drawing/2014/main" id="{49C04998-73A9-4DCD-A55C-1AC753A93E26}"/>
+                <a16:creationId xmlns:a16="http://schemas.microsoft.com/office/drawing/2014/main" id="{49C04998-73A9-4DCD-A55C-1AC753A93E26}"/>
               </a:ext>
             </a:extLst>
           </p:cNvPr>
@@ -8425,7 +8318,7 @@
           <p:cNvPr id="3" name="椭圆 2">
             <a:extLst>
               <a:ext uri="{FF2B5EF4-FFF2-40B4-BE49-F238E27FC236}">
-                <a16:creationId xmlns="" xmlns:a16="http://schemas.microsoft.com/office/drawing/2014/main" id="{D085DAE1-D33C-463C-B6CB-5B1A0A7B3640}"/>
+                <a16:creationId xmlns:a16="http://schemas.microsoft.com/office/drawing/2014/main" id="{D085DAE1-D33C-463C-B6CB-5B1A0A7B3640}"/>
               </a:ext>
             </a:extLst>
           </p:cNvPr>
@@ -8479,7 +8372,7 @@
           <p:cNvPr id="4" name="矩形 3">
             <a:extLst>
               <a:ext uri="{FF2B5EF4-FFF2-40B4-BE49-F238E27FC236}">
-                <a16:creationId xmlns="" xmlns:a16="http://schemas.microsoft.com/office/drawing/2014/main" id="{25C55224-7EAA-4C06-9CE8-B4F62DF8E6F1}"/>
+                <a16:creationId xmlns:a16="http://schemas.microsoft.com/office/drawing/2014/main" id="{25C55224-7EAA-4C06-9CE8-B4F62DF8E6F1}"/>
               </a:ext>
             </a:extLst>
           </p:cNvPr>
@@ -8522,7 +8415,7 @@
           <p:cNvPr id="4098" name="Picture 2" descr="http://hi.csdn.net/attachment/201112/24/0_1324712578RPlV.gif">
             <a:extLst>
               <a:ext uri="{FF2B5EF4-FFF2-40B4-BE49-F238E27FC236}">
-                <a16:creationId xmlns="" xmlns:a16="http://schemas.microsoft.com/office/drawing/2014/main" id="{9C58AAB6-4B0B-4842-BCCD-B7BF82AB5339}"/>
+                <a16:creationId xmlns:a16="http://schemas.microsoft.com/office/drawing/2014/main" id="{9C58AAB6-4B0B-4842-BCCD-B7BF82AB5339}"/>
               </a:ext>
             </a:extLst>
           </p:cNvPr>
@@ -8569,7 +8462,7 @@
           <p:cNvPr id="20" name="矩形 19">
             <a:extLst>
               <a:ext uri="{FF2B5EF4-FFF2-40B4-BE49-F238E27FC236}">
-                <a16:creationId xmlns="" xmlns:a16="http://schemas.microsoft.com/office/drawing/2014/main" id="{6B67099F-6F03-42D8-AD12-77850289E3A0}"/>
+                <a16:creationId xmlns:a16="http://schemas.microsoft.com/office/drawing/2014/main" id="{6B67099F-6F03-42D8-AD12-77850289E3A0}"/>
               </a:ext>
             </a:extLst>
           </p:cNvPr>
@@ -8592,7 +8485,11 @@
           <a:lstStyle/>
           <a:p>
             <a:r>
-              <a:rPr lang="zh-CN" altLang="en-US" b="1" dirty="0"/>
+              <a:rPr lang="zh-CN" altLang="en-US" b="1" dirty="0">
+                <a:solidFill>
+                  <a:srgbClr val="FF0000"/>
+                </a:solidFill>
+              </a:rPr>
               <a:t>系统需求 </a:t>
             </a:r>
             <a:r>
@@ -8623,7 +8520,7 @@
           <p:cNvPr id="21" name="矩形 20">
             <a:extLst>
               <a:ext uri="{FF2B5EF4-FFF2-40B4-BE49-F238E27FC236}">
-                <a16:creationId xmlns="" xmlns:a16="http://schemas.microsoft.com/office/drawing/2014/main" id="{45CDF952-7DFD-4D28-9FCB-8FFEF67F57BB}"/>
+                <a16:creationId xmlns:a16="http://schemas.microsoft.com/office/drawing/2014/main" id="{45CDF952-7DFD-4D28-9FCB-8FFEF67F57BB}"/>
               </a:ext>
             </a:extLst>
           </p:cNvPr>
@@ -8646,12 +8543,24 @@
           <a:lstStyle/>
           <a:p>
             <a:r>
-              <a:rPr lang="zh-CN" altLang="en-US" b="1" dirty="0"/>
+              <a:rPr lang="zh-CN" altLang="en-US" b="1" dirty="0">
+                <a:solidFill>
+                  <a:srgbClr val="FF0000"/>
+                </a:solidFill>
+              </a:rPr>
               <a:t>业务规则</a:t>
             </a:r>
             <a:r>
+              <a:rPr lang="zh-CN" altLang="en-US" dirty="0">
+                <a:solidFill>
+                  <a:srgbClr val="FF0000"/>
+                </a:solidFill>
+              </a:rPr>
+              <a:t> </a:t>
+            </a:r>
+            <a:r>
               <a:rPr lang="zh-CN" altLang="en-US" dirty="0"/>
-              <a:t> 包括企业方针、政府条例、工业标准、会计准则和计算方法等。</a:t>
+              <a:t>包括企业方针、政府条例、工业标准、会计准则和计算方法等。</a:t>
             </a:r>
             <a:r>
               <a:rPr lang="zh-CN" altLang="en-US" b="1" dirty="0"/>
@@ -8669,7 +8578,7 @@
           <p:cNvPr id="22" name="矩形 21">
             <a:extLst>
               <a:ext uri="{FF2B5EF4-FFF2-40B4-BE49-F238E27FC236}">
-                <a16:creationId xmlns="" xmlns:a16="http://schemas.microsoft.com/office/drawing/2014/main" id="{0BC38286-3BB5-40BE-B5FB-2CD7C55E8E3F}"/>
+                <a16:creationId xmlns:a16="http://schemas.microsoft.com/office/drawing/2014/main" id="{0BC38286-3BB5-40BE-B5FB-2CD7C55E8E3F}"/>
               </a:ext>
             </a:extLst>
           </p:cNvPr>
@@ -8692,15 +8601,27 @@
           <a:lstStyle/>
           <a:p>
             <a:r>
-              <a:rPr lang="zh-CN" altLang="en-US" b="1" dirty="0"/>
+              <a:rPr lang="zh-CN" altLang="en-US" b="1" dirty="0">
+                <a:solidFill>
+                  <a:srgbClr val="FF0000"/>
+                </a:solidFill>
+              </a:rPr>
               <a:t>功能需求记录在软件需求规格说明（</a:t>
             </a:r>
             <a:r>
-              <a:rPr lang="en-US" altLang="zh-CN" b="1" dirty="0"/>
+              <a:rPr lang="en-US" altLang="zh-CN" b="1" dirty="0">
+                <a:solidFill>
+                  <a:srgbClr val="FF0000"/>
+                </a:solidFill>
+              </a:rPr>
               <a:t>SRS</a:t>
             </a:r>
             <a:r>
-              <a:rPr lang="zh-CN" altLang="en-US" b="1" dirty="0"/>
+              <a:rPr lang="zh-CN" altLang="en-US" b="1" dirty="0">
+                <a:solidFill>
+                  <a:srgbClr val="FF0000"/>
+                </a:solidFill>
+              </a:rPr>
               <a:t>）中</a:t>
             </a:r>
             <a:r>
@@ -8739,7 +8660,7 @@
           <p:cNvPr id="5" name="文本框 4">
             <a:extLst>
               <a:ext uri="{FF2B5EF4-FFF2-40B4-BE49-F238E27FC236}">
-                <a16:creationId xmlns="" xmlns:a16="http://schemas.microsoft.com/office/drawing/2014/main" id="{E1E38E4C-6CD5-4B17-A939-3A84592DE4B4}"/>
+                <a16:creationId xmlns:a16="http://schemas.microsoft.com/office/drawing/2014/main" id="{E1E38E4C-6CD5-4B17-A939-3A84592DE4B4}"/>
               </a:ext>
             </a:extLst>
           </p:cNvPr>
@@ -8763,15 +8684,27 @@
           <a:lstStyle/>
           <a:p>
             <a:r>
-              <a:rPr lang="zh-CN" altLang="en-US" dirty="0"/>
+              <a:rPr lang="zh-CN" altLang="en-US" dirty="0">
+                <a:solidFill>
+                  <a:srgbClr val="FF0000"/>
+                </a:solidFill>
+              </a:rPr>
               <a:t>为了简化上述复杂的系统描述，就有了</a:t>
             </a:r>
             <a:r>
-              <a:rPr lang="en-US" altLang="zh-CN" dirty="0"/>
+              <a:rPr lang="en-US" altLang="zh-CN" dirty="0">
+                <a:solidFill>
+                  <a:srgbClr val="FF0000"/>
+                </a:solidFill>
+              </a:rPr>
               <a:t>4+1</a:t>
             </a:r>
             <a:r>
-              <a:rPr lang="zh-CN" altLang="en-US" dirty="0"/>
+              <a:rPr lang="zh-CN" altLang="en-US" dirty="0">
+                <a:solidFill>
+                  <a:srgbClr val="FF0000"/>
+                </a:solidFill>
+              </a:rPr>
               <a:t>架构试图</a:t>
             </a:r>
           </a:p>
@@ -8787,6 +8720,13 @@
   <p:clrMapOvr>
     <a:masterClrMapping/>
   </p:clrMapOvr>
+  <p:timing>
+    <p:tnLst>
+      <p:par>
+        <p:cTn id="1" dur="indefinite" restart="never" nodeType="tmRoot"/>
+      </p:par>
+    </p:tnLst>
+  </p:timing>
 </p:sld>
 </file>
 
@@ -8812,7 +8752,7 @@
           <p:cNvPr id="2" name="椭圆 1">
             <a:extLst>
               <a:ext uri="{FF2B5EF4-FFF2-40B4-BE49-F238E27FC236}">
-                <a16:creationId xmlns="" xmlns:a16="http://schemas.microsoft.com/office/drawing/2014/main" id="{49C04998-73A9-4DCD-A55C-1AC753A93E26}"/>
+                <a16:creationId xmlns:a16="http://schemas.microsoft.com/office/drawing/2014/main" id="{49C04998-73A9-4DCD-A55C-1AC753A93E26}"/>
               </a:ext>
             </a:extLst>
           </p:cNvPr>
@@ -8866,7 +8806,7 @@
           <p:cNvPr id="3" name="椭圆 2">
             <a:extLst>
               <a:ext uri="{FF2B5EF4-FFF2-40B4-BE49-F238E27FC236}">
-                <a16:creationId xmlns="" xmlns:a16="http://schemas.microsoft.com/office/drawing/2014/main" id="{D085DAE1-D33C-463C-B6CB-5B1A0A7B3640}"/>
+                <a16:creationId xmlns:a16="http://schemas.microsoft.com/office/drawing/2014/main" id="{D085DAE1-D33C-463C-B6CB-5B1A0A7B3640}"/>
               </a:ext>
             </a:extLst>
           </p:cNvPr>
@@ -8920,7 +8860,7 @@
           <p:cNvPr id="4" name="矩形 3">
             <a:extLst>
               <a:ext uri="{FF2B5EF4-FFF2-40B4-BE49-F238E27FC236}">
-                <a16:creationId xmlns="" xmlns:a16="http://schemas.microsoft.com/office/drawing/2014/main" id="{25C55224-7EAA-4C06-9CE8-B4F62DF8E6F1}"/>
+                <a16:creationId xmlns:a16="http://schemas.microsoft.com/office/drawing/2014/main" id="{25C55224-7EAA-4C06-9CE8-B4F62DF8E6F1}"/>
               </a:ext>
             </a:extLst>
           </p:cNvPr>
@@ -8976,7 +8916,7 @@
           <p:cNvPr id="18" name="矩形 17">
             <a:extLst>
               <a:ext uri="{FF2B5EF4-FFF2-40B4-BE49-F238E27FC236}">
-                <a16:creationId xmlns="" xmlns:a16="http://schemas.microsoft.com/office/drawing/2014/main" id="{DFF748F2-3B0C-41FC-A35C-6BDEF9A9A32C}"/>
+                <a16:creationId xmlns:a16="http://schemas.microsoft.com/office/drawing/2014/main" id="{DFF748F2-3B0C-41FC-A35C-6BDEF9A9A32C}"/>
               </a:ext>
             </a:extLst>
           </p:cNvPr>
@@ -9119,7 +9059,7 @@
           <p:cNvPr id="19" name="文本框 18">
             <a:extLst>
               <a:ext uri="{FF2B5EF4-FFF2-40B4-BE49-F238E27FC236}">
-                <a16:creationId xmlns="" xmlns:a16="http://schemas.microsoft.com/office/drawing/2014/main" id="{B13F2623-B35D-482D-B8E6-0EC1DA445C42}"/>
+                <a16:creationId xmlns:a16="http://schemas.microsoft.com/office/drawing/2014/main" id="{B13F2623-B35D-482D-B8E6-0EC1DA445C42}"/>
               </a:ext>
             </a:extLst>
           </p:cNvPr>
@@ -9159,6 +9099,13 @@
   <p:clrMapOvr>
     <a:masterClrMapping/>
   </p:clrMapOvr>
+  <p:timing>
+    <p:tnLst>
+      <p:par>
+        <p:cTn id="1" dur="indefinite" restart="never" nodeType="tmRoot"/>
+      </p:par>
+    </p:tnLst>
+  </p:timing>
 </p:sld>
 </file>
 
@@ -9184,7 +9131,7 @@
           <p:cNvPr id="2" name="椭圆 1">
             <a:extLst>
               <a:ext uri="{FF2B5EF4-FFF2-40B4-BE49-F238E27FC236}">
-                <a16:creationId xmlns="" xmlns:a16="http://schemas.microsoft.com/office/drawing/2014/main" id="{49C04998-73A9-4DCD-A55C-1AC753A93E26}"/>
+                <a16:creationId xmlns:a16="http://schemas.microsoft.com/office/drawing/2014/main" id="{49C04998-73A9-4DCD-A55C-1AC753A93E26}"/>
               </a:ext>
             </a:extLst>
           </p:cNvPr>
@@ -9238,7 +9185,7 @@
           <p:cNvPr id="3" name="椭圆 2">
             <a:extLst>
               <a:ext uri="{FF2B5EF4-FFF2-40B4-BE49-F238E27FC236}">
-                <a16:creationId xmlns="" xmlns:a16="http://schemas.microsoft.com/office/drawing/2014/main" id="{D085DAE1-D33C-463C-B6CB-5B1A0A7B3640}"/>
+                <a16:creationId xmlns:a16="http://schemas.microsoft.com/office/drawing/2014/main" id="{D085DAE1-D33C-463C-B6CB-5B1A0A7B3640}"/>
               </a:ext>
             </a:extLst>
           </p:cNvPr>
@@ -9292,7 +9239,7 @@
           <p:cNvPr id="4" name="矩形 3">
             <a:extLst>
               <a:ext uri="{FF2B5EF4-FFF2-40B4-BE49-F238E27FC236}">
-                <a16:creationId xmlns="" xmlns:a16="http://schemas.microsoft.com/office/drawing/2014/main" id="{25C55224-7EAA-4C06-9CE8-B4F62DF8E6F1}"/>
+                <a16:creationId xmlns:a16="http://schemas.microsoft.com/office/drawing/2014/main" id="{25C55224-7EAA-4C06-9CE8-B4F62DF8E6F1}"/>
               </a:ext>
             </a:extLst>
           </p:cNvPr>
@@ -9374,7 +9321,7 @@
           <p:cNvPr id="6" name="文本框 5">
             <a:extLst>
               <a:ext uri="{FF2B5EF4-FFF2-40B4-BE49-F238E27FC236}">
-                <a16:creationId xmlns="" xmlns:a16="http://schemas.microsoft.com/office/drawing/2014/main" id="{F991B38C-F770-4223-B4BF-075CC6624F20}"/>
+                <a16:creationId xmlns:a16="http://schemas.microsoft.com/office/drawing/2014/main" id="{F991B38C-F770-4223-B4BF-075CC6624F20}"/>
               </a:ext>
             </a:extLst>
           </p:cNvPr>
@@ -9383,7 +9330,7 @@
         </p:nvSpPr>
         <p:spPr>
           <a:xfrm>
-            <a:off x="830527" y="2782669"/>
+            <a:off x="1616911" y="2800957"/>
             <a:ext cx="1430200" cy="646331"/>
           </a:xfrm>
           <a:prstGeom prst="rect">
@@ -9424,7 +9371,7 @@
           <p:cNvPr id="5" name="矩形 4">
             <a:extLst>
               <a:ext uri="{FF2B5EF4-FFF2-40B4-BE49-F238E27FC236}">
-                <a16:creationId xmlns="" xmlns:a16="http://schemas.microsoft.com/office/drawing/2014/main" id="{B7C5EFE8-2437-4C91-8431-0DABC51868D0}"/>
+                <a16:creationId xmlns:a16="http://schemas.microsoft.com/office/drawing/2014/main" id="{B7C5EFE8-2437-4C91-8431-0DABC51868D0}"/>
               </a:ext>
             </a:extLst>
           </p:cNvPr>
@@ -9433,8 +9380,8 @@
         </p:nvSpPr>
         <p:spPr>
           <a:xfrm>
-            <a:off x="4750965" y="1596380"/>
-            <a:ext cx="6096000" cy="3416320"/>
+            <a:off x="4641237" y="1969960"/>
+            <a:ext cx="6096000" cy="2308324"/>
           </a:xfrm>
           <a:prstGeom prst="rect">
             <a:avLst/>
@@ -9448,8 +9395,93 @@
           <a:p>
             <a:r>
               <a:rPr lang="zh-CN" altLang="en-US" dirty="0"/>
-              <a:t>主要描述系统的功能需求，及系统应该为用户服务提供的功能。逻辑试图用来描述系统的功能需求，即在为用户提供服务方面系统所应该提供的功能。在逻辑视图中，系统分解成一系列的功能抽象、功能分解与功能分析，这些主要来自问题领域（ProblemDefinition)。在面向对象技术中，表现为对象或对象类的形式，采用抽象、封装和继承的原理。用对象模型来代表逻辑视图，可以用类图（Class Diagram）来描述逻辑视图。借助于类图和类模板的手段 ，类图用来显示一个类的集合和它们的逻辑关系：关联、使用、组合、继承等。相似的类可以划分成类集合。类模板关注于单个类，它们强调主要的类操作，并且识别关键的对象特征。</a:t>
-            </a:r>
+              <a:t>主要描述系统的</a:t>
+            </a:r>
+            <a:r>
+              <a:rPr lang="zh-CN" altLang="en-US" dirty="0">
+                <a:solidFill>
+                  <a:srgbClr val="FF0000"/>
+                </a:solidFill>
+              </a:rPr>
+              <a:t>功能需求</a:t>
+            </a:r>
+            <a:r>
+              <a:rPr lang="zh-CN" altLang="en-US" dirty="0"/>
+              <a:t>，及系统应该为用户服务提供的功能</a:t>
+            </a:r>
+            <a:r>
+              <a:rPr lang="zh-CN" altLang="en-US" dirty="0" smtClean="0"/>
+              <a:t>。</a:t>
+            </a:r>
+            <a:endParaRPr lang="en-US" altLang="zh-CN" dirty="0" smtClean="0"/>
+          </a:p>
+          <a:p>
+            <a:endParaRPr lang="en-US" altLang="zh-CN" dirty="0" smtClean="0"/>
+          </a:p>
+          <a:p>
+            <a:r>
+              <a:rPr lang="zh-CN" altLang="en-US" dirty="0" smtClean="0"/>
+              <a:t>在</a:t>
+            </a:r>
+            <a:r>
+              <a:rPr lang="zh-CN" altLang="en-US" dirty="0"/>
+              <a:t>逻辑视图中，</a:t>
+            </a:r>
+            <a:r>
+              <a:rPr lang="zh-CN" altLang="en-US" dirty="0" smtClean="0"/>
+              <a:t>系统将分解</a:t>
+            </a:r>
+            <a:r>
+              <a:rPr lang="zh-CN" altLang="en-US" dirty="0"/>
+              <a:t>成一系列的功能抽象、功能分解与</a:t>
+            </a:r>
+            <a:r>
+              <a:rPr lang="zh-CN" altLang="en-US" dirty="0" smtClean="0"/>
+              <a:t>功能分析。</a:t>
+            </a:r>
+            <a:endParaRPr lang="en-US" altLang="zh-CN" dirty="0" smtClean="0"/>
+          </a:p>
+          <a:p>
+            <a:endParaRPr lang="en-US" altLang="zh-CN" dirty="0"/>
+          </a:p>
+          <a:p>
+            <a:r>
+              <a:rPr lang="zh-CN" altLang="en-US" dirty="0" smtClean="0"/>
+              <a:t>可以</a:t>
+            </a:r>
+            <a:r>
+              <a:rPr lang="zh-CN" altLang="en-US" dirty="0"/>
+              <a:t>用类</a:t>
+            </a:r>
+            <a:r>
+              <a:rPr lang="zh-CN" altLang="en-US" dirty="0" smtClean="0"/>
+              <a:t>图来</a:t>
+            </a:r>
+            <a:r>
+              <a:rPr lang="zh-CN" altLang="en-US" dirty="0"/>
+              <a:t>描述逻辑视图</a:t>
+            </a:r>
+            <a:r>
+              <a:rPr lang="zh-CN" altLang="en-US" dirty="0" smtClean="0"/>
+              <a:t>。</a:t>
+            </a:r>
+            <a:r>
+              <a:rPr lang="zh-CN" altLang="en-US" dirty="0" smtClean="0"/>
+              <a:t>用</a:t>
+            </a:r>
+            <a:r>
+              <a:rPr lang="zh-CN" altLang="en-US" dirty="0"/>
+              <a:t> 类图来</a:t>
+            </a:r>
+            <a:r>
+              <a:rPr lang="zh-CN" altLang="en-US" dirty="0"/>
+              <a:t>显示一个类的集合和它们的逻辑关系：关联、使用、组合、继承等</a:t>
+            </a:r>
+            <a:r>
+              <a:rPr lang="zh-CN" altLang="en-US" dirty="0" smtClean="0"/>
+              <a:t>。</a:t>
+            </a:r>
+            <a:endParaRPr lang="zh-CN" altLang="en-US" dirty="0"/>
           </a:p>
         </p:txBody>
       </p:sp>
@@ -9463,6 +9495,13 @@
   <p:clrMapOvr>
     <a:masterClrMapping/>
   </p:clrMapOvr>
+  <p:timing>
+    <p:tnLst>
+      <p:par>
+        <p:cTn id="1" dur="indefinite" restart="never" nodeType="tmRoot"/>
+      </p:par>
+    </p:tnLst>
+  </p:timing>
 </p:sld>
 </file>
 
@@ -9488,7 +9527,7 @@
           <p:cNvPr id="2" name="椭圆 1">
             <a:extLst>
               <a:ext uri="{FF2B5EF4-FFF2-40B4-BE49-F238E27FC236}">
-                <a16:creationId xmlns="" xmlns:a16="http://schemas.microsoft.com/office/drawing/2014/main" id="{49C04998-73A9-4DCD-A55C-1AC753A93E26}"/>
+                <a16:creationId xmlns:a16="http://schemas.microsoft.com/office/drawing/2014/main" id="{49C04998-73A9-4DCD-A55C-1AC753A93E26}"/>
               </a:ext>
             </a:extLst>
           </p:cNvPr>
@@ -9542,7 +9581,7 @@
           <p:cNvPr id="3" name="椭圆 2">
             <a:extLst>
               <a:ext uri="{FF2B5EF4-FFF2-40B4-BE49-F238E27FC236}">
-                <a16:creationId xmlns="" xmlns:a16="http://schemas.microsoft.com/office/drawing/2014/main" id="{D085DAE1-D33C-463C-B6CB-5B1A0A7B3640}"/>
+                <a16:creationId xmlns:a16="http://schemas.microsoft.com/office/drawing/2014/main" id="{D085DAE1-D33C-463C-B6CB-5B1A0A7B3640}"/>
               </a:ext>
             </a:extLst>
           </p:cNvPr>
@@ -9596,7 +9635,7 @@
           <p:cNvPr id="4" name="矩形 3">
             <a:extLst>
               <a:ext uri="{FF2B5EF4-FFF2-40B4-BE49-F238E27FC236}">
-                <a16:creationId xmlns="" xmlns:a16="http://schemas.microsoft.com/office/drawing/2014/main" id="{25C55224-7EAA-4C06-9CE8-B4F62DF8E6F1}"/>
+                <a16:creationId xmlns:a16="http://schemas.microsoft.com/office/drawing/2014/main" id="{25C55224-7EAA-4C06-9CE8-B4F62DF8E6F1}"/>
               </a:ext>
             </a:extLst>
           </p:cNvPr>
@@ -9678,7 +9717,7 @@
           <p:cNvPr id="7" name="文本框 6">
             <a:extLst>
               <a:ext uri="{FF2B5EF4-FFF2-40B4-BE49-F238E27FC236}">
-                <a16:creationId xmlns="" xmlns:a16="http://schemas.microsoft.com/office/drawing/2014/main" id="{41D343B1-B223-40B7-B537-29E598420193}"/>
+                <a16:creationId xmlns:a16="http://schemas.microsoft.com/office/drawing/2014/main" id="{41D343B1-B223-40B7-B537-29E598420193}"/>
               </a:ext>
             </a:extLst>
           </p:cNvPr>
@@ -9728,7 +9767,7 @@
           <p:cNvPr id="5" name="矩形 4">
             <a:extLst>
               <a:ext uri="{FF2B5EF4-FFF2-40B4-BE49-F238E27FC236}">
-                <a16:creationId xmlns="" xmlns:a16="http://schemas.microsoft.com/office/drawing/2014/main" id="{A59B7DCA-3673-4DFF-9025-36139F82C3DC}"/>
+                <a16:creationId xmlns:a16="http://schemas.microsoft.com/office/drawing/2014/main" id="{A59B7DCA-3673-4DFF-9025-36139F82C3DC}"/>
               </a:ext>
             </a:extLst>
           </p:cNvPr>
@@ -9737,22 +9776,85 @@
         </p:nvSpPr>
         <p:spPr>
           <a:xfrm>
-            <a:off x="3727508" y="2427465"/>
-            <a:ext cx="6096000" cy="1754326"/>
+            <a:off x="3928676" y="2036377"/>
+            <a:ext cx="7629340" cy="2308324"/>
           </a:xfrm>
           <a:prstGeom prst="rect">
             <a:avLst/>
           </a:prstGeom>
         </p:spPr>
         <p:txBody>
-          <a:bodyPr>
+          <a:bodyPr wrap="square">
             <a:spAutoFit/>
           </a:bodyPr>
           <a:lstStyle/>
           <a:p>
             <a:r>
               <a:rPr lang="zh-CN" altLang="en-US" dirty="0"/>
-              <a:t>过程架构考虑一些非功能性的需求，如性能和可用性。它解决并发性、分布性、系统完整性、容错性的问题，以及逻辑视图的主要抽象如何与进程结构相配合在一起，即定义逻辑视图中的各个类的具体操作是在哪一个线程（Thread）中被执行。过程视图侧重系统的运行特性。服务于系统集成人员，方便后续性能测试</a:t>
+              <a:t>过程架构考虑一些</a:t>
+            </a:r>
+            <a:r>
+              <a:rPr lang="zh-CN" altLang="en-US" dirty="0">
+                <a:solidFill>
+                  <a:srgbClr val="FF0000"/>
+                </a:solidFill>
+              </a:rPr>
+              <a:t>非功能性的需求</a:t>
+            </a:r>
+            <a:r>
+              <a:rPr lang="zh-CN" altLang="en-US" dirty="0"/>
+              <a:t>，如性能和可用性</a:t>
+            </a:r>
+            <a:r>
+              <a:rPr lang="zh-CN" altLang="en-US" dirty="0" smtClean="0"/>
+              <a:t>。</a:t>
+            </a:r>
+            <a:endParaRPr lang="en-US" altLang="zh-CN" dirty="0" smtClean="0"/>
+          </a:p>
+          <a:p>
+            <a:endParaRPr lang="en-US" altLang="zh-CN" dirty="0"/>
+          </a:p>
+          <a:p>
+            <a:r>
+              <a:rPr lang="zh-CN" altLang="en-US" dirty="0" smtClean="0"/>
+              <a:t>它解决并发性、分布性、系统完整性、容错性的问题，以及</a:t>
+            </a:r>
+            <a:r>
+              <a:rPr lang="zh-CN" altLang="en-US" dirty="0"/>
+              <a:t>逻辑视图的主要抽象如何与进程结构相配合在一起</a:t>
+            </a:r>
+            <a:r>
+              <a:rPr lang="zh-CN" altLang="en-US" dirty="0" smtClean="0"/>
+              <a:t>，</a:t>
+            </a:r>
+            <a:endParaRPr lang="en-US" altLang="zh-CN" dirty="0" smtClean="0"/>
+          </a:p>
+          <a:p>
+            <a:r>
+              <a:rPr lang="zh-CN" altLang="en-US" dirty="0" smtClean="0"/>
+              <a:t>（</a:t>
+            </a:r>
+            <a:r>
+              <a:rPr lang="zh-CN" altLang="en-US" dirty="0"/>
+              <a:t>比如定义逻辑视图中的各个类的具体操作是在哪一个线程（Thread）中被</a:t>
+            </a:r>
+            <a:r>
+              <a:rPr lang="zh-CN" altLang="en-US" dirty="0" smtClean="0"/>
+              <a:t>执行）</a:t>
+            </a:r>
+            <a:endParaRPr lang="en-US" altLang="zh-CN" dirty="0" smtClean="0"/>
+          </a:p>
+          <a:p>
+            <a:endParaRPr lang="en-US" altLang="zh-CN" dirty="0"/>
+          </a:p>
+          <a:p>
+            <a:r>
+              <a:rPr lang="zh-CN" altLang="en-US" dirty="0" smtClean="0"/>
+              <a:t>过程</a:t>
+            </a:r>
+            <a:r>
+              <a:rPr lang="zh-CN" altLang="en-US" dirty="0"/>
+              <a:t>视图侧重系统的运行特性。服务于系统集成人员，方便后续性能测试</a:t>
             </a:r>
           </a:p>
         </p:txBody>
@@ -9767,6 +9869,13 @@
   <p:clrMapOvr>
     <a:masterClrMapping/>
   </p:clrMapOvr>
+  <p:timing>
+    <p:tnLst>
+      <p:par>
+        <p:cTn id="1" dur="indefinite" restart="never" nodeType="tmRoot"/>
+      </p:par>
+    </p:tnLst>
+  </p:timing>
 </p:sld>
 </file>
 
@@ -10695,7 +10804,7 @@
           <p:cNvPr id="2" name="椭圆 1">
             <a:extLst>
               <a:ext uri="{FF2B5EF4-FFF2-40B4-BE49-F238E27FC236}">
-                <a16:creationId xmlns="" xmlns:a16="http://schemas.microsoft.com/office/drawing/2014/main" id="{49C04998-73A9-4DCD-A55C-1AC753A93E26}"/>
+                <a16:creationId xmlns:a16="http://schemas.microsoft.com/office/drawing/2014/main" id="{49C04998-73A9-4DCD-A55C-1AC753A93E26}"/>
               </a:ext>
             </a:extLst>
           </p:cNvPr>
@@ -10749,7 +10858,7 @@
           <p:cNvPr id="3" name="椭圆 2">
             <a:extLst>
               <a:ext uri="{FF2B5EF4-FFF2-40B4-BE49-F238E27FC236}">
-                <a16:creationId xmlns="" xmlns:a16="http://schemas.microsoft.com/office/drawing/2014/main" id="{D085DAE1-D33C-463C-B6CB-5B1A0A7B3640}"/>
+                <a16:creationId xmlns:a16="http://schemas.microsoft.com/office/drawing/2014/main" id="{D085DAE1-D33C-463C-B6CB-5B1A0A7B3640}"/>
               </a:ext>
             </a:extLst>
           </p:cNvPr>
@@ -10803,7 +10912,7 @@
           <p:cNvPr id="4" name="矩形 3">
             <a:extLst>
               <a:ext uri="{FF2B5EF4-FFF2-40B4-BE49-F238E27FC236}">
-                <a16:creationId xmlns="" xmlns:a16="http://schemas.microsoft.com/office/drawing/2014/main" id="{25C55224-7EAA-4C06-9CE8-B4F62DF8E6F1}"/>
+                <a16:creationId xmlns:a16="http://schemas.microsoft.com/office/drawing/2014/main" id="{25C55224-7EAA-4C06-9CE8-B4F62DF8E6F1}"/>
               </a:ext>
             </a:extLst>
           </p:cNvPr>
@@ -10885,7 +10994,7 @@
           <p:cNvPr id="8" name="文本框 7">
             <a:extLst>
               <a:ext uri="{FF2B5EF4-FFF2-40B4-BE49-F238E27FC236}">
-                <a16:creationId xmlns="" xmlns:a16="http://schemas.microsoft.com/office/drawing/2014/main" id="{0DB291D7-1E3B-4E62-A2F0-0DD89A6BFD92}"/>
+                <a16:creationId xmlns:a16="http://schemas.microsoft.com/office/drawing/2014/main" id="{0DB291D7-1E3B-4E62-A2F0-0DD89A6BFD92}"/>
               </a:ext>
             </a:extLst>
           </p:cNvPr>
@@ -10939,7 +11048,7 @@
           <p:cNvPr id="5" name="矩形 4">
             <a:extLst>
               <a:ext uri="{FF2B5EF4-FFF2-40B4-BE49-F238E27FC236}">
-                <a16:creationId xmlns="" xmlns:a16="http://schemas.microsoft.com/office/drawing/2014/main" id="{C0AB83A7-5800-4C78-9591-527D2D77F668}"/>
+                <a16:creationId xmlns:a16="http://schemas.microsoft.com/office/drawing/2014/main" id="{C0AB83A7-5800-4C78-9591-527D2D77F668}"/>
               </a:ext>
             </a:extLst>
           </p:cNvPr>
@@ -10949,7 +11058,7 @@
         <p:spPr>
           <a:xfrm>
             <a:off x="4077746" y="2085356"/>
-            <a:ext cx="7046055" cy="2585323"/>
+            <a:ext cx="7046055" cy="2308324"/>
           </a:xfrm>
           <a:prstGeom prst="rect">
             <a:avLst/>
@@ -10963,7 +11072,55 @@
           <a:p>
             <a:r>
               <a:rPr lang="zh-CN" altLang="en-US" dirty="0"/>
-              <a:t>描述了在开发环境中软件的静态组织结构，即关注软件开发环境下实际模块的组织，服务于软件编程人员。将软件打包成小的程序块（程序库或子系统），它们可以由一位或几位开发人员来开发。子系统可以组织成分层结构，每个层为上一层提供良好定义的接口。系统的开发架构用模块和子系统图来表达，显示了"输出"和"输入"关系。完整的开发架构只有当所有软件元素被识别后才能加以描述。但是，可以列出控制开发架构的规则：分块、分组和可见性。开发视图的风格通常是层次结构，每个层为上一层提供良好定义的接口，层次越低，通用性越好。</a:t>
+              <a:t>描述了在开发环境中软件的</a:t>
+            </a:r>
+            <a:r>
+              <a:rPr lang="zh-CN" altLang="en-US" dirty="0">
+                <a:solidFill>
+                  <a:srgbClr val="FF0000"/>
+                </a:solidFill>
+              </a:rPr>
+              <a:t>静态组织结构</a:t>
+            </a:r>
+            <a:r>
+              <a:rPr lang="zh-CN" altLang="en-US" dirty="0"/>
+              <a:t>，即关注软件开发环境下实际模块的组织，服务于软件编程人员</a:t>
+            </a:r>
+            <a:r>
+              <a:rPr lang="zh-CN" altLang="en-US" dirty="0" smtClean="0"/>
+              <a:t>。</a:t>
+            </a:r>
+            <a:endParaRPr lang="en-US" altLang="zh-CN" dirty="0" smtClean="0"/>
+          </a:p>
+          <a:p>
+            <a:endParaRPr lang="en-US" altLang="zh-CN" dirty="0"/>
+          </a:p>
+          <a:p>
+            <a:r>
+              <a:rPr lang="zh-CN" altLang="en-US" dirty="0" smtClean="0"/>
+              <a:t>将</a:t>
+            </a:r>
+            <a:r>
+              <a:rPr lang="zh-CN" altLang="en-US" dirty="0"/>
+              <a:t>软件打包成小的程序块（程序库或子系统），它们可以由一位或几位开发人员来开发</a:t>
+            </a:r>
+            <a:r>
+              <a:rPr lang="zh-CN" altLang="en-US" dirty="0" smtClean="0"/>
+              <a:t>。</a:t>
+            </a:r>
+            <a:endParaRPr lang="en-US" altLang="zh-CN" dirty="0" smtClean="0"/>
+          </a:p>
+          <a:p>
+            <a:endParaRPr lang="en-US" altLang="zh-CN" dirty="0"/>
+          </a:p>
+          <a:p>
+            <a:r>
+              <a:rPr lang="zh-CN" altLang="en-US" dirty="0" smtClean="0"/>
+              <a:t>通常</a:t>
+            </a:r>
+            <a:r>
+              <a:rPr lang="zh-CN" altLang="en-US" dirty="0"/>
+              <a:t>是层次结构，每个层为上一层提供良好定义的接口，层次越低，通用性越好。</a:t>
             </a:r>
           </a:p>
         </p:txBody>
@@ -10978,6 +11135,13 @@
   <p:clrMapOvr>
     <a:masterClrMapping/>
   </p:clrMapOvr>
+  <p:timing>
+    <p:tnLst>
+      <p:par>
+        <p:cTn id="1" dur="indefinite" restart="never" nodeType="tmRoot"/>
+      </p:par>
+    </p:tnLst>
+  </p:timing>
 </p:sld>
 </file>
 
@@ -11003,7 +11167,7 @@
           <p:cNvPr id="2" name="椭圆 1">
             <a:extLst>
               <a:ext uri="{FF2B5EF4-FFF2-40B4-BE49-F238E27FC236}">
-                <a16:creationId xmlns="" xmlns:a16="http://schemas.microsoft.com/office/drawing/2014/main" id="{49C04998-73A9-4DCD-A55C-1AC753A93E26}"/>
+                <a16:creationId xmlns:a16="http://schemas.microsoft.com/office/drawing/2014/main" id="{49C04998-73A9-4DCD-A55C-1AC753A93E26}"/>
               </a:ext>
             </a:extLst>
           </p:cNvPr>
@@ -11057,7 +11221,7 @@
           <p:cNvPr id="3" name="椭圆 2">
             <a:extLst>
               <a:ext uri="{FF2B5EF4-FFF2-40B4-BE49-F238E27FC236}">
-                <a16:creationId xmlns="" xmlns:a16="http://schemas.microsoft.com/office/drawing/2014/main" id="{D085DAE1-D33C-463C-B6CB-5B1A0A7B3640}"/>
+                <a16:creationId xmlns:a16="http://schemas.microsoft.com/office/drawing/2014/main" id="{D085DAE1-D33C-463C-B6CB-5B1A0A7B3640}"/>
               </a:ext>
             </a:extLst>
           </p:cNvPr>
@@ -11111,7 +11275,7 @@
           <p:cNvPr id="4" name="矩形 3">
             <a:extLst>
               <a:ext uri="{FF2B5EF4-FFF2-40B4-BE49-F238E27FC236}">
-                <a16:creationId xmlns="" xmlns:a16="http://schemas.microsoft.com/office/drawing/2014/main" id="{25C55224-7EAA-4C06-9CE8-B4F62DF8E6F1}"/>
+                <a16:creationId xmlns:a16="http://schemas.microsoft.com/office/drawing/2014/main" id="{25C55224-7EAA-4C06-9CE8-B4F62DF8E6F1}"/>
               </a:ext>
             </a:extLst>
           </p:cNvPr>
@@ -11193,7 +11357,7 @@
           <p:cNvPr id="9" name="文本框 8">
             <a:extLst>
               <a:ext uri="{FF2B5EF4-FFF2-40B4-BE49-F238E27FC236}">
-                <a16:creationId xmlns="" xmlns:a16="http://schemas.microsoft.com/office/drawing/2014/main" id="{1A093CB2-5BDC-4024-B7BB-1EC51A7E5AF8}"/>
+                <a16:creationId xmlns:a16="http://schemas.microsoft.com/office/drawing/2014/main" id="{1A093CB2-5BDC-4024-B7BB-1EC51A7E5AF8}"/>
               </a:ext>
             </a:extLst>
           </p:cNvPr>
@@ -11243,7 +11407,7 @@
           <p:cNvPr id="5" name="矩形 4">
             <a:extLst>
               <a:ext uri="{FF2B5EF4-FFF2-40B4-BE49-F238E27FC236}">
-                <a16:creationId xmlns="" xmlns:a16="http://schemas.microsoft.com/office/drawing/2014/main" id="{46E18AE4-523B-4684-9527-5DC0436EEC2B}"/>
+                <a16:creationId xmlns:a16="http://schemas.microsoft.com/office/drawing/2014/main" id="{46E18AE4-523B-4684-9527-5DC0436EEC2B}"/>
               </a:ext>
             </a:extLst>
           </p:cNvPr>
@@ -11253,7 +11417,7 @@
         <p:spPr>
           <a:xfrm>
             <a:off x="4465738" y="2466196"/>
-            <a:ext cx="5986945" cy="1754326"/>
+            <a:ext cx="5986945" cy="2308324"/>
           </a:xfrm>
           <a:prstGeom prst="rect">
             <a:avLst/>
@@ -11277,11 +11441,29 @@
             <a:r>
               <a:rPr lang="zh-CN" altLang="en-US" b="1" dirty="0">
                 <a:solidFill>
+                  <a:srgbClr val="FF0000"/>
+                </a:solidFill>
+                <a:latin typeface="-apple-system"/>
+              </a:rPr>
+              <a:t>描述硬件配置</a:t>
+            </a:r>
+            <a:r>
+              <a:rPr lang="zh-CN" altLang="en-US" dirty="0">
+                <a:solidFill>
                   <a:srgbClr val="4F4F4F"/>
                 </a:solidFill>
                 <a:latin typeface="-apple-system"/>
               </a:rPr>
-              <a:t>描述硬件配置</a:t>
+              <a:t>。服务于</a:t>
+            </a:r>
+            <a:r>
+              <a:rPr lang="zh-CN" altLang="en-US" b="1" dirty="0">
+                <a:solidFill>
+                  <a:srgbClr val="4F4F4F"/>
+                </a:solidFill>
+                <a:latin typeface="-apple-system"/>
+              </a:rPr>
+              <a:t>系统工程人员</a:t>
             </a:r>
             <a:r>
               <a:rPr lang="zh-CN" altLang="en-US" dirty="0">
@@ -11290,7 +11472,41 @@
                 </a:solidFill>
                 <a:latin typeface="-apple-system"/>
               </a:rPr>
-              <a:t>。服务于</a:t>
+              <a:t>，解决系统的拓扑结构、系统安装、通信等问题</a:t>
+            </a:r>
+            <a:r>
+              <a:rPr lang="zh-CN" altLang="en-US" dirty="0" smtClean="0">
+                <a:solidFill>
+                  <a:srgbClr val="4F4F4F"/>
+                </a:solidFill>
+                <a:latin typeface="-apple-system"/>
+              </a:rPr>
+              <a:t>。</a:t>
+            </a:r>
+            <a:endParaRPr lang="en-US" altLang="zh-CN" dirty="0" smtClean="0">
+              <a:solidFill>
+                <a:srgbClr val="4F4F4F"/>
+              </a:solidFill>
+              <a:latin typeface="-apple-system"/>
+            </a:endParaRPr>
+          </a:p>
+          <a:p>
+            <a:endParaRPr lang="en-US" altLang="zh-CN" b="1" dirty="0">
+              <a:solidFill>
+                <a:srgbClr val="4F4F4F"/>
+              </a:solidFill>
+              <a:latin typeface="-apple-system"/>
+            </a:endParaRPr>
+          </a:p>
+          <a:p>
+            <a:r>
+              <a:rPr lang="zh-CN" altLang="en-US" b="1" dirty="0" smtClean="0">
+                <a:solidFill>
+                  <a:srgbClr val="4F4F4F"/>
+                </a:solidFill>
+                <a:latin typeface="-apple-system"/>
+              </a:rPr>
+              <a:t>主要</a:t>
             </a:r>
             <a:r>
               <a:rPr lang="zh-CN" altLang="en-US" b="1" dirty="0">
@@ -11299,7 +11515,7 @@
                 </a:solidFill>
                 <a:latin typeface="-apple-system"/>
               </a:rPr>
-              <a:t>系统工程人员</a:t>
+              <a:t>考虑如何把软件映射到硬件上</a:t>
             </a:r>
             <a:r>
               <a:rPr lang="zh-CN" altLang="en-US" dirty="0">
@@ -11308,16 +11524,41 @@
                 </a:solidFill>
                 <a:latin typeface="-apple-system"/>
               </a:rPr>
-              <a:t>，解决系统的拓扑结构、系统安装、通信等问题。</a:t>
-            </a:r>
-            <a:r>
-              <a:rPr lang="zh-CN" altLang="en-US" b="1" dirty="0">
+              <a:t>，也要考虑系统性能、规模、可靠性等。可以与进程视图一起映射</a:t>
+            </a:r>
+            <a:r>
+              <a:rPr lang="zh-CN" altLang="en-US" dirty="0" smtClean="0">
                 <a:solidFill>
                   <a:srgbClr val="4F4F4F"/>
                 </a:solidFill>
                 <a:latin typeface="-apple-system"/>
               </a:rPr>
-              <a:t>主要考虑如何把软件映射到硬件上</a:t>
+              <a:t>。</a:t>
+            </a:r>
+            <a:endParaRPr lang="en-US" altLang="zh-CN" dirty="0" smtClean="0">
+              <a:solidFill>
+                <a:srgbClr val="4F4F4F"/>
+              </a:solidFill>
+              <a:latin typeface="-apple-system"/>
+            </a:endParaRPr>
+          </a:p>
+          <a:p>
+            <a:endParaRPr lang="en-US" altLang="zh-CN" dirty="0">
+              <a:solidFill>
+                <a:srgbClr val="4F4F4F"/>
+              </a:solidFill>
+              <a:latin typeface="-apple-system"/>
+            </a:endParaRPr>
+          </a:p>
+          <a:p>
+            <a:r>
+              <a:rPr lang="zh-CN" altLang="en-US" dirty="0" smtClean="0">
+                <a:solidFill>
+                  <a:srgbClr val="4F4F4F"/>
+                </a:solidFill>
+                <a:latin typeface="-apple-system"/>
+              </a:rPr>
+              <a:t>物理</a:t>
             </a:r>
             <a:r>
               <a:rPr lang="zh-CN" altLang="en-US" dirty="0">
@@ -11326,7 +11567,7 @@
                 </a:solidFill>
                 <a:latin typeface="-apple-system"/>
               </a:rPr>
-              <a:t>，也要考虑系统性能、规模、可靠性等。可以与进程视图一起映射。物理架构主要关注</a:t>
+              <a:t>架构主要关注</a:t>
             </a:r>
             <a:r>
               <a:rPr lang="zh-CN" altLang="en-US" b="1" dirty="0">
@@ -11360,6 +11601,13 @@
   <p:clrMapOvr>
     <a:masterClrMapping/>
   </p:clrMapOvr>
+  <p:timing>
+    <p:tnLst>
+      <p:par>
+        <p:cTn id="1" dur="indefinite" restart="never" nodeType="tmRoot"/>
+      </p:par>
+    </p:tnLst>
+  </p:timing>
 </p:sld>
 </file>
 
@@ -11385,7 +11633,7 @@
           <p:cNvPr id="2" name="椭圆 1">
             <a:extLst>
               <a:ext uri="{FF2B5EF4-FFF2-40B4-BE49-F238E27FC236}">
-                <a16:creationId xmlns="" xmlns:a16="http://schemas.microsoft.com/office/drawing/2014/main" id="{49C04998-73A9-4DCD-A55C-1AC753A93E26}"/>
+                <a16:creationId xmlns:a16="http://schemas.microsoft.com/office/drawing/2014/main" id="{49C04998-73A9-4DCD-A55C-1AC753A93E26}"/>
               </a:ext>
             </a:extLst>
           </p:cNvPr>
@@ -11439,7 +11687,7 @@
           <p:cNvPr id="3" name="椭圆 2">
             <a:extLst>
               <a:ext uri="{FF2B5EF4-FFF2-40B4-BE49-F238E27FC236}">
-                <a16:creationId xmlns="" xmlns:a16="http://schemas.microsoft.com/office/drawing/2014/main" id="{D085DAE1-D33C-463C-B6CB-5B1A0A7B3640}"/>
+                <a16:creationId xmlns:a16="http://schemas.microsoft.com/office/drawing/2014/main" id="{D085DAE1-D33C-463C-B6CB-5B1A0A7B3640}"/>
               </a:ext>
             </a:extLst>
           </p:cNvPr>
@@ -11493,7 +11741,7 @@
           <p:cNvPr id="4" name="矩形 3">
             <a:extLst>
               <a:ext uri="{FF2B5EF4-FFF2-40B4-BE49-F238E27FC236}">
-                <a16:creationId xmlns="" xmlns:a16="http://schemas.microsoft.com/office/drawing/2014/main" id="{25C55224-7EAA-4C06-9CE8-B4F62DF8E6F1}"/>
+                <a16:creationId xmlns:a16="http://schemas.microsoft.com/office/drawing/2014/main" id="{25C55224-7EAA-4C06-9CE8-B4F62DF8E6F1}"/>
               </a:ext>
             </a:extLst>
           </p:cNvPr>
@@ -11575,7 +11823,7 @@
           <p:cNvPr id="15" name="文本框 14">
             <a:extLst>
               <a:ext uri="{FF2B5EF4-FFF2-40B4-BE49-F238E27FC236}">
-                <a16:creationId xmlns="" xmlns:a16="http://schemas.microsoft.com/office/drawing/2014/main" id="{DFB59293-9E51-4722-AC34-F7521B637C6D}"/>
+                <a16:creationId xmlns:a16="http://schemas.microsoft.com/office/drawing/2014/main" id="{DFB59293-9E51-4722-AC34-F7521B637C6D}"/>
               </a:ext>
             </a:extLst>
           </p:cNvPr>
@@ -11625,7 +11873,7 @@
           <p:cNvPr id="5" name="矩形 4">
             <a:extLst>
               <a:ext uri="{FF2B5EF4-FFF2-40B4-BE49-F238E27FC236}">
-                <a16:creationId xmlns="" xmlns:a16="http://schemas.microsoft.com/office/drawing/2014/main" id="{D00C52BA-F68C-4E04-BC0D-642FA42E2E9D}"/>
+                <a16:creationId xmlns:a16="http://schemas.microsoft.com/office/drawing/2014/main" id="{D00C52BA-F68C-4E04-BC0D-642FA42E2E9D}"/>
               </a:ext>
             </a:extLst>
           </p:cNvPr>
@@ -11634,8 +11882,8 @@
         </p:nvSpPr>
         <p:spPr>
           <a:xfrm>
-            <a:off x="3710729" y="2020423"/>
-            <a:ext cx="8168081" cy="3416320"/>
+            <a:off x="3415017" y="2668123"/>
+            <a:ext cx="8168081" cy="2585323"/>
           </a:xfrm>
           <a:prstGeom prst="rect">
             <a:avLst/>
@@ -11648,36 +11896,88 @@
           <a:lstStyle/>
           <a:p>
             <a:r>
+              <a:rPr lang="zh-CN" altLang="en-US" dirty="0" smtClean="0">
+                <a:solidFill>
+                  <a:srgbClr val="FF0000"/>
+                </a:solidFill>
+              </a:rPr>
+              <a:t>它</a:t>
+            </a:r>
+            <a:r>
+              <a:rPr lang="zh-CN" altLang="en-US" dirty="0">
+                <a:solidFill>
+                  <a:srgbClr val="FF0000"/>
+                </a:solidFill>
+              </a:rPr>
+              <a:t>综合所有的视图</a:t>
+            </a:r>
+            <a:r>
               <a:rPr lang="zh-CN" altLang="en-US" dirty="0"/>
-              <a:t>     它综合所有的视图。用于刻画构件之间的相互关系，将四个视图有机地联系起来。可以描述一个特定的视图内的构件关系，也可以描述不同视图间的构件关系。四种视图的元素通过一组重要场景（更常见的是用例）进行无缝协同工作，我们为场景描述相应的脚本（对象之间和过程之间的交互序列）。在某种意义上场景是最重要的需求抽象，它们的设计使用对象场景图和对象交互图来表示。场景视图是其他视图的冗余（因此“＋1”），但它起到了两个作用：</a:t>
-            </a:r>
-            <a:r>
-              <a:rPr lang="en-US" altLang="zh-CN" dirty="0"/>
-              <a:t>1</a:t>
+              <a:t>。用于</a:t>
+            </a:r>
+            <a:r>
+              <a:rPr lang="zh-CN" altLang="en-US" dirty="0">
+                <a:solidFill>
+                  <a:srgbClr val="FF0000"/>
+                </a:solidFill>
+              </a:rPr>
+              <a:t>刻画构件之间的相互关系</a:t>
             </a:r>
             <a:r>
               <a:rPr lang="zh-CN" altLang="en-US" dirty="0"/>
-              <a:t>、作为一项驱动因素来发现架构设计过程中的架构元素。</a:t>
-            </a:r>
-            <a:r>
-              <a:rPr lang="en-US" altLang="zh-CN" dirty="0"/>
-              <a:t>2</a:t>
+              <a:t>，将四个视图有机地联系起来</a:t>
+            </a:r>
+            <a:r>
+              <a:rPr lang="zh-CN" altLang="en-US" dirty="0" smtClean="0"/>
+              <a:t>。</a:t>
+            </a:r>
+            <a:endParaRPr lang="en-US" altLang="zh-CN" dirty="0" smtClean="0"/>
+          </a:p>
+          <a:p>
+            <a:endParaRPr lang="en-US" altLang="zh-CN" dirty="0"/>
+          </a:p>
+          <a:p>
+            <a:r>
+              <a:rPr lang="zh-CN" altLang="en-US" dirty="0" smtClean="0"/>
+              <a:t>可以</a:t>
             </a:r>
             <a:r>
               <a:rPr lang="zh-CN" altLang="en-US" dirty="0"/>
-              <a:t>、作为架构设计结束后的一项验证和说明功能，既以视图的角度来说明，又作为架构原型测试的出发点。</a:t>
-            </a:r>
+              <a:t>描述一个特定的视图内的构件关系，也可以描述不同视图间的构件关系</a:t>
+            </a:r>
+            <a:r>
+              <a:rPr lang="zh-CN" altLang="en-US" dirty="0" smtClean="0"/>
+              <a:t>。</a:t>
+            </a:r>
+            <a:endParaRPr lang="en-US" altLang="zh-CN" dirty="0" smtClean="0"/>
+          </a:p>
+          <a:p>
             <a:endParaRPr lang="en-US" altLang="zh-CN" dirty="0"/>
           </a:p>
           <a:p>
             <a:r>
-              <a:rPr lang="en-US" altLang="zh-CN" dirty="0"/>
-              <a:t>      </a:t>
+              <a:rPr lang="zh-CN" altLang="en-US" dirty="0" smtClean="0"/>
+              <a:t>四</a:t>
             </a:r>
             <a:r>
               <a:rPr lang="zh-CN" altLang="en-US" dirty="0"/>
-              <a:t>作为一项驱动因素，源于迭代开发中有场景驱动（scenario-driven）方法。场景驱动方法认为系统大多数关键的功能以场景（或 use cases）的形式被捕获。关键意味着：最重要的功能，系统存在的理由，或使用频率最高的功能，或体现了必须减轻的一些重要的技术风险。</a:t>
-            </a:r>
+              <a:t>种视图的元素通过一组重要场景（更常见的是用例）进行无缝协同工作，我们为场景描述相应的脚本（对象之间和过程之间的交互序列）</a:t>
+            </a:r>
+            <a:r>
+              <a:rPr lang="zh-CN" altLang="en-US" dirty="0" smtClean="0"/>
+              <a:t>。</a:t>
+            </a:r>
+            <a:endParaRPr lang="en-US" altLang="zh-CN" dirty="0" smtClean="0"/>
+          </a:p>
+          <a:p>
+            <a:endParaRPr lang="en-US" altLang="zh-CN" dirty="0"/>
+          </a:p>
+          <a:p>
+            <a:r>
+              <a:rPr lang="en-US" altLang="zh-CN" dirty="0" smtClean="0"/>
+              <a:t>  </a:t>
+            </a:r>
+            <a:endParaRPr lang="zh-CN" altLang="en-US" dirty="0"/>
           </a:p>
         </p:txBody>
       </p:sp>
@@ -11691,6 +11991,13 @@
   <p:clrMapOvr>
     <a:masterClrMapping/>
   </p:clrMapOvr>
+  <p:timing>
+    <p:tnLst>
+      <p:par>
+        <p:cTn id="1" dur="indefinite" restart="never" nodeType="tmRoot"/>
+      </p:par>
+    </p:tnLst>
+  </p:timing>
 </p:sld>
 </file>
 
@@ -11716,7 +12023,7 @@
           <p:cNvPr id="2" name="椭圆 1">
             <a:extLst>
               <a:ext uri="{FF2B5EF4-FFF2-40B4-BE49-F238E27FC236}">
-                <a16:creationId xmlns="" xmlns:a16="http://schemas.microsoft.com/office/drawing/2014/main" id="{49C04998-73A9-4DCD-A55C-1AC753A93E26}"/>
+                <a16:creationId xmlns:a16="http://schemas.microsoft.com/office/drawing/2014/main" id="{49C04998-73A9-4DCD-A55C-1AC753A93E26}"/>
               </a:ext>
             </a:extLst>
           </p:cNvPr>
@@ -11770,7 +12077,7 @@
           <p:cNvPr id="3" name="椭圆 2">
             <a:extLst>
               <a:ext uri="{FF2B5EF4-FFF2-40B4-BE49-F238E27FC236}">
-                <a16:creationId xmlns="" xmlns:a16="http://schemas.microsoft.com/office/drawing/2014/main" id="{D085DAE1-D33C-463C-B6CB-5B1A0A7B3640}"/>
+                <a16:creationId xmlns:a16="http://schemas.microsoft.com/office/drawing/2014/main" id="{D085DAE1-D33C-463C-B6CB-5B1A0A7B3640}"/>
               </a:ext>
             </a:extLst>
           </p:cNvPr>
@@ -11824,7 +12131,7 @@
           <p:cNvPr id="4" name="矩形 3">
             <a:extLst>
               <a:ext uri="{FF2B5EF4-FFF2-40B4-BE49-F238E27FC236}">
-                <a16:creationId xmlns="" xmlns:a16="http://schemas.microsoft.com/office/drawing/2014/main" id="{25C55224-7EAA-4C06-9CE8-B4F62DF8E6F1}"/>
+                <a16:creationId xmlns:a16="http://schemas.microsoft.com/office/drawing/2014/main" id="{25C55224-7EAA-4C06-9CE8-B4F62DF8E6F1}"/>
               </a:ext>
             </a:extLst>
           </p:cNvPr>
@@ -11906,7 +12213,7 @@
           <p:cNvPr id="15" name="文本框 14">
             <a:extLst>
               <a:ext uri="{FF2B5EF4-FFF2-40B4-BE49-F238E27FC236}">
-                <a16:creationId xmlns="" xmlns:a16="http://schemas.microsoft.com/office/drawing/2014/main" id="{DFB59293-9E51-4722-AC34-F7521B637C6D}"/>
+                <a16:creationId xmlns:a16="http://schemas.microsoft.com/office/drawing/2014/main" id="{DFB59293-9E51-4722-AC34-F7521B637C6D}"/>
               </a:ext>
             </a:extLst>
           </p:cNvPr>
@@ -11945,7 +12252,7 @@
           <p:cNvPr id="2050" name="Picture 2" descr="http://hi.csdn.net/attachment/201112/24/0_13247130158rrZ.gif">
             <a:extLst>
               <a:ext uri="{FF2B5EF4-FFF2-40B4-BE49-F238E27FC236}">
-                <a16:creationId xmlns="" xmlns:a16="http://schemas.microsoft.com/office/drawing/2014/main" id="{7405A043-4D0B-45DD-B51D-8F4C5DA59E01}"/>
+                <a16:creationId xmlns:a16="http://schemas.microsoft.com/office/drawing/2014/main" id="{7405A043-4D0B-45DD-B51D-8F4C5DA59E01}"/>
               </a:ext>
             </a:extLst>
           </p:cNvPr>
@@ -11955,7 +12262,7 @@
           <p:nvPr/>
         </p:nvPicPr>
         <p:blipFill>
-          <a:blip r:embed="rId2">
+          <a:blip r:embed="rId3">
             <a:extLst>
               <a:ext uri="{28A0092B-C50C-407E-A947-70E740481C1C}">
                 <a14:useLocalDpi xmlns:a14="http://schemas.microsoft.com/office/drawing/2010/main" val="0"/>
@@ -12022,7 +12329,7 @@
           <p:cNvPr id="2" name="椭圆 1">
             <a:extLst>
               <a:ext uri="{FF2B5EF4-FFF2-40B4-BE49-F238E27FC236}">
-                <a16:creationId xmlns="" xmlns:a16="http://schemas.microsoft.com/office/drawing/2014/main" id="{49C04998-73A9-4DCD-A55C-1AC753A93E26}"/>
+                <a16:creationId xmlns:a16="http://schemas.microsoft.com/office/drawing/2014/main" id="{49C04998-73A9-4DCD-A55C-1AC753A93E26}"/>
               </a:ext>
             </a:extLst>
           </p:cNvPr>
@@ -12076,7 +12383,7 @@
           <p:cNvPr id="3" name="椭圆 2">
             <a:extLst>
               <a:ext uri="{FF2B5EF4-FFF2-40B4-BE49-F238E27FC236}">
-                <a16:creationId xmlns="" xmlns:a16="http://schemas.microsoft.com/office/drawing/2014/main" id="{D085DAE1-D33C-463C-B6CB-5B1A0A7B3640}"/>
+                <a16:creationId xmlns:a16="http://schemas.microsoft.com/office/drawing/2014/main" id="{D085DAE1-D33C-463C-B6CB-5B1A0A7B3640}"/>
               </a:ext>
             </a:extLst>
           </p:cNvPr>
@@ -12130,7 +12437,7 @@
           <p:cNvPr id="4" name="矩形 3">
             <a:extLst>
               <a:ext uri="{FF2B5EF4-FFF2-40B4-BE49-F238E27FC236}">
-                <a16:creationId xmlns="" xmlns:a16="http://schemas.microsoft.com/office/drawing/2014/main" id="{25C55224-7EAA-4C06-9CE8-B4F62DF8E6F1}"/>
+                <a16:creationId xmlns:a16="http://schemas.microsoft.com/office/drawing/2014/main" id="{25C55224-7EAA-4C06-9CE8-B4F62DF8E6F1}"/>
               </a:ext>
             </a:extLst>
           </p:cNvPr>
@@ -12212,7 +12519,7 @@
           <p:cNvPr id="6" name="图片 5">
             <a:extLst>
               <a:ext uri="{FF2B5EF4-FFF2-40B4-BE49-F238E27FC236}">
-                <a16:creationId xmlns="" xmlns:a16="http://schemas.microsoft.com/office/drawing/2014/main" id="{7966530A-6642-422D-8DA3-C5703B0F531E}"/>
+                <a16:creationId xmlns:a16="http://schemas.microsoft.com/office/drawing/2014/main" id="{7966530A-6642-422D-8DA3-C5703B0F531E}"/>
               </a:ext>
             </a:extLst>
           </p:cNvPr>
@@ -12222,7 +12529,7 @@
           <p:nvPr/>
         </p:nvPicPr>
         <p:blipFill>
-          <a:blip r:embed="rId2">
+          <a:blip r:embed="rId3">
             <a:extLst>
               <a:ext uri="{28A0092B-C50C-407E-A947-70E740481C1C}">
                 <a14:useLocalDpi xmlns:a14="http://schemas.microsoft.com/office/drawing/2010/main" val="0"/>
@@ -12278,7 +12585,7 @@
           <p:cNvPr id="2" name="椭圆 1">
             <a:extLst>
               <a:ext uri="{FF2B5EF4-FFF2-40B4-BE49-F238E27FC236}">
-                <a16:creationId xmlns="" xmlns:a16="http://schemas.microsoft.com/office/drawing/2014/main" id="{49C04998-73A9-4DCD-A55C-1AC753A93E26}"/>
+                <a16:creationId xmlns:a16="http://schemas.microsoft.com/office/drawing/2014/main" id="{49C04998-73A9-4DCD-A55C-1AC753A93E26}"/>
               </a:ext>
             </a:extLst>
           </p:cNvPr>
@@ -12332,7 +12639,7 @@
           <p:cNvPr id="3" name="椭圆 2">
             <a:extLst>
               <a:ext uri="{FF2B5EF4-FFF2-40B4-BE49-F238E27FC236}">
-                <a16:creationId xmlns="" xmlns:a16="http://schemas.microsoft.com/office/drawing/2014/main" id="{D085DAE1-D33C-463C-B6CB-5B1A0A7B3640}"/>
+                <a16:creationId xmlns:a16="http://schemas.microsoft.com/office/drawing/2014/main" id="{D085DAE1-D33C-463C-B6CB-5B1A0A7B3640}"/>
               </a:ext>
             </a:extLst>
           </p:cNvPr>
@@ -12386,7 +12693,7 @@
           <p:cNvPr id="4" name="矩形 3">
             <a:extLst>
               <a:ext uri="{FF2B5EF4-FFF2-40B4-BE49-F238E27FC236}">
-                <a16:creationId xmlns="" xmlns:a16="http://schemas.microsoft.com/office/drawing/2014/main" id="{25C55224-7EAA-4C06-9CE8-B4F62DF8E6F1}"/>
+                <a16:creationId xmlns:a16="http://schemas.microsoft.com/office/drawing/2014/main" id="{25C55224-7EAA-4C06-9CE8-B4F62DF8E6F1}"/>
               </a:ext>
             </a:extLst>
           </p:cNvPr>
@@ -12396,7 +12703,7 @@
         <p:spPr>
           <a:xfrm>
             <a:off x="1385455" y="314138"/>
-            <a:ext cx="8084264" cy="461665"/>
+            <a:ext cx="2044149" cy="461665"/>
           </a:xfrm>
           <a:prstGeom prst="rect">
             <a:avLst/>
@@ -12458,8 +12765,31 @@
                 <a:latin typeface="黑体" panose="02010609060101010101" pitchFamily="49" charset="-122"/>
                 <a:ea typeface="黑体" panose="02010609060101010101" pitchFamily="49" charset="-122"/>
               </a:rPr>
-              <a:t>的含义以及是如何帮助软件工程构建软件系统体系</a:t>
-            </a:r>
+              <a:t>的</a:t>
+            </a:r>
+            <a:r>
+              <a:rPr lang="zh-CN" altLang="en-US" sz="2400" b="1" dirty="0" smtClean="0">
+                <a:solidFill>
+                  <a:schemeClr val="tx1">
+                    <a:lumMod val="75000"/>
+                    <a:lumOff val="25000"/>
+                  </a:schemeClr>
+                </a:solidFill>
+                <a:latin typeface="黑体" panose="02010609060101010101" pitchFamily="49" charset="-122"/>
+                <a:ea typeface="黑体" panose="02010609060101010101" pitchFamily="49" charset="-122"/>
+              </a:rPr>
+              <a:t>含义</a:t>
+            </a:r>
+            <a:endParaRPr lang="zh-CN" altLang="en-US" sz="2400" b="1" dirty="0">
+              <a:solidFill>
+                <a:schemeClr val="tx1">
+                  <a:lumMod val="75000"/>
+                  <a:lumOff val="25000"/>
+                </a:schemeClr>
+              </a:solidFill>
+              <a:latin typeface="黑体" panose="02010609060101010101" pitchFamily="49" charset="-122"/>
+              <a:ea typeface="黑体" panose="02010609060101010101" pitchFamily="49" charset="-122"/>
+            </a:endParaRPr>
           </a:p>
         </p:txBody>
       </p:sp>
@@ -12468,7 +12798,7 @@
           <p:cNvPr id="5" name="文本框 4">
             <a:extLst>
               <a:ext uri="{FF2B5EF4-FFF2-40B4-BE49-F238E27FC236}">
-                <a16:creationId xmlns="" xmlns:a16="http://schemas.microsoft.com/office/drawing/2014/main" id="{5C9A8890-20F0-4ABE-B731-68D7098BDBC1}"/>
+                <a16:creationId xmlns:a16="http://schemas.microsoft.com/office/drawing/2014/main" id="{5C9A8890-20F0-4ABE-B731-68D7098BDBC1}"/>
               </a:ext>
             </a:extLst>
           </p:cNvPr>
@@ -12493,11 +12823,35 @@
           <a:p>
             <a:r>
               <a:rPr lang="en-US" altLang="zh-CN" b="1" dirty="0"/>
-              <a:t>Unified Modeling Language (UML)</a:t>
+              <a:t>Unified </a:t>
+            </a:r>
+            <a:r>
+              <a:rPr lang="en-US" altLang="zh-CN" b="1" dirty="0">
+                <a:solidFill>
+                  <a:srgbClr val="FF0000"/>
+                </a:solidFill>
+              </a:rPr>
+              <a:t>Modeling </a:t>
+            </a:r>
+            <a:r>
+              <a:rPr lang="en-US" altLang="zh-CN" b="1" dirty="0"/>
+              <a:t>Language (UML)</a:t>
             </a:r>
             <a:r>
               <a:rPr lang="zh-CN" altLang="en-US" dirty="0"/>
-              <a:t>又称统一建模语言或标准建模语言</a:t>
+              <a:t>又称统一建模语言或标准</a:t>
+            </a:r>
+            <a:r>
+              <a:rPr lang="zh-CN" altLang="en-US" dirty="0">
+                <a:solidFill>
+                  <a:srgbClr val="FF0000"/>
+                </a:solidFill>
+              </a:rPr>
+              <a:t>建模</a:t>
+            </a:r>
+            <a:r>
+              <a:rPr lang="zh-CN" altLang="en-US" dirty="0"/>
+              <a:t>语言</a:t>
             </a:r>
           </a:p>
         </p:txBody>
@@ -12507,7 +12861,7 @@
           <p:cNvPr id="7" name="文本框 6">
             <a:extLst>
               <a:ext uri="{FF2B5EF4-FFF2-40B4-BE49-F238E27FC236}">
-                <a16:creationId xmlns="" xmlns:a16="http://schemas.microsoft.com/office/drawing/2014/main" id="{FEC7510D-9772-495E-8368-261D9807728E}"/>
+                <a16:creationId xmlns:a16="http://schemas.microsoft.com/office/drawing/2014/main" id="{FEC7510D-9772-495E-8368-261D9807728E}"/>
               </a:ext>
             </a:extLst>
           </p:cNvPr>
@@ -12517,7 +12871,7 @@
         <p:spPr>
           <a:xfrm>
             <a:off x="1226820" y="1995975"/>
-            <a:ext cx="9658413" cy="369332"/>
+            <a:ext cx="8582799" cy="369332"/>
           </a:xfrm>
           <a:prstGeom prst="rect">
             <a:avLst/>
@@ -12556,15 +12910,23 @@
             </a:r>
             <a:r>
               <a:rPr lang="zh-CN" altLang="en-US" dirty="0"/>
-              <a:t>方法中的基本概念，通过建立五类图（共</a:t>
-            </a:r>
-            <a:r>
-              <a:rPr lang="en-US" altLang="zh-CN" dirty="0"/>
-              <a:t>9</a:t>
+              <a:t>方法中的基本概念</a:t>
+            </a:r>
+            <a:r>
+              <a:rPr lang="zh-CN" altLang="en-US" dirty="0" smtClean="0"/>
+              <a:t>，主要通过</a:t>
             </a:r>
             <a:r>
               <a:rPr lang="zh-CN" altLang="en-US" dirty="0"/>
-              <a:t>种图）来实现建模</a:t>
+              <a:t>建立五类</a:t>
+            </a:r>
+            <a:r>
+              <a:rPr lang="zh-CN" altLang="en-US" dirty="0" smtClean="0"/>
+              <a:t>图来</a:t>
+            </a:r>
+            <a:r>
+              <a:rPr lang="zh-CN" altLang="en-US" dirty="0"/>
+              <a:t>实现建模</a:t>
             </a:r>
           </a:p>
         </p:txBody>
@@ -12574,7 +12936,7 @@
           <p:cNvPr id="8" name="文本框 7">
             <a:extLst>
               <a:ext uri="{FF2B5EF4-FFF2-40B4-BE49-F238E27FC236}">
-                <a16:creationId xmlns="" xmlns:a16="http://schemas.microsoft.com/office/drawing/2014/main" id="{B26FC7B6-65EF-4DF6-BA35-F4981B07D8BB}"/>
+                <a16:creationId xmlns:a16="http://schemas.microsoft.com/office/drawing/2014/main" id="{B26FC7B6-65EF-4DF6-BA35-F4981B07D8BB}"/>
               </a:ext>
             </a:extLst>
           </p:cNvPr>
@@ -12609,7 +12971,7 @@
           <p:cNvPr id="10" name="文本框 9">
             <a:extLst>
               <a:ext uri="{FF2B5EF4-FFF2-40B4-BE49-F238E27FC236}">
-                <a16:creationId xmlns="" xmlns:a16="http://schemas.microsoft.com/office/drawing/2014/main" id="{DBF858FA-7FA6-4900-A3ED-0620D2BFB5C4}"/>
+                <a16:creationId xmlns:a16="http://schemas.microsoft.com/office/drawing/2014/main" id="{DBF858FA-7FA6-4900-A3ED-0620D2BFB5C4}"/>
               </a:ext>
             </a:extLst>
           </p:cNvPr>
@@ -12644,7 +13006,7 @@
           <p:cNvPr id="11" name="文本框 10">
             <a:extLst>
               <a:ext uri="{FF2B5EF4-FFF2-40B4-BE49-F238E27FC236}">
-                <a16:creationId xmlns="" xmlns:a16="http://schemas.microsoft.com/office/drawing/2014/main" id="{E98290BA-42C7-4CDD-A441-03C7CBCA3775}"/>
+                <a16:creationId xmlns:a16="http://schemas.microsoft.com/office/drawing/2014/main" id="{E98290BA-42C7-4CDD-A441-03C7CBCA3775}"/>
               </a:ext>
             </a:extLst>
           </p:cNvPr>
@@ -12679,7 +13041,7 @@
           <p:cNvPr id="12" name="文本框 11">
             <a:extLst>
               <a:ext uri="{FF2B5EF4-FFF2-40B4-BE49-F238E27FC236}">
-                <a16:creationId xmlns="" xmlns:a16="http://schemas.microsoft.com/office/drawing/2014/main" id="{4A5B7276-415D-4158-BFD9-F7F0D14A2FEE}"/>
+                <a16:creationId xmlns:a16="http://schemas.microsoft.com/office/drawing/2014/main" id="{4A5B7276-415D-4158-BFD9-F7F0D14A2FEE}"/>
               </a:ext>
             </a:extLst>
           </p:cNvPr>
@@ -12714,7 +13076,7 @@
           <p:cNvPr id="13" name="文本框 12">
             <a:extLst>
               <a:ext uri="{FF2B5EF4-FFF2-40B4-BE49-F238E27FC236}">
-                <a16:creationId xmlns="" xmlns:a16="http://schemas.microsoft.com/office/drawing/2014/main" id="{DF8E8E99-3D20-498C-A14F-A9FDEEB96C69}"/>
+                <a16:creationId xmlns:a16="http://schemas.microsoft.com/office/drawing/2014/main" id="{DF8E8E99-3D20-498C-A14F-A9FDEEB96C69}"/>
               </a:ext>
             </a:extLst>
           </p:cNvPr>
@@ -12749,7 +13111,7 @@
           <p:cNvPr id="9" name="矩形 8">
             <a:extLst>
               <a:ext uri="{FF2B5EF4-FFF2-40B4-BE49-F238E27FC236}">
-                <a16:creationId xmlns="" xmlns:a16="http://schemas.microsoft.com/office/drawing/2014/main" id="{E8B81F5D-91E0-450D-8939-A2AADF320B5C}"/>
+                <a16:creationId xmlns:a16="http://schemas.microsoft.com/office/drawing/2014/main" id="{E8B81F5D-91E0-450D-8939-A2AADF320B5C}"/>
               </a:ext>
             </a:extLst>
           </p:cNvPr>
@@ -12758,7 +13120,7 @@
         </p:nvSpPr>
         <p:spPr>
           <a:xfrm>
-            <a:off x="1226820" y="3170249"/>
+            <a:off x="1226820" y="3640149"/>
             <a:ext cx="6096000" cy="1754326"/>
           </a:xfrm>
           <a:prstGeom prst="rect">
@@ -12863,62 +13225,22 @@
           </a:p>
           <a:p>
             <a:r>
+              <a:rPr lang="zh-CN" altLang="en-US" dirty="0" smtClean="0">
+                <a:solidFill>
+                  <a:srgbClr val="333333"/>
+                </a:solidFill>
+                <a:latin typeface="PingFang SC"/>
+              </a:rPr>
+              <a:t>然后是</a:t>
+            </a:r>
+            <a:r>
               <a:rPr lang="zh-CN" altLang="en-US" dirty="0">
                 <a:solidFill>
                   <a:srgbClr val="333333"/>
                 </a:solidFill>
                 <a:latin typeface="PingFang SC"/>
               </a:rPr>
-              <a:t>第三步是描述系统的行为。</a:t>
-            </a:r>
-            <a:endParaRPr lang="zh-CN" altLang="en-US" dirty="0"/>
-          </a:p>
-        </p:txBody>
-      </p:sp>
-      <p:sp>
-        <p:nvSpPr>
-          <p:cNvPr id="14" name="矩形 13">
-            <a:extLst>
-              <a:ext uri="{FF2B5EF4-FFF2-40B4-BE49-F238E27FC236}">
-                <a16:creationId xmlns="" xmlns:a16="http://schemas.microsoft.com/office/drawing/2014/main" id="{F0C8FB5D-179F-431A-B8DC-85466540A020}"/>
-              </a:ext>
-            </a:extLst>
-          </p:cNvPr>
-          <p:cNvSpPr/>
-          <p:nvPr/>
-        </p:nvSpPr>
-        <p:spPr>
-          <a:xfrm>
-            <a:off x="1226820" y="5267852"/>
-            <a:ext cx="6096000" cy="1200329"/>
-          </a:xfrm>
-          <a:prstGeom prst="rect">
-            <a:avLst/>
-          </a:prstGeom>
-        </p:spPr>
-        <p:txBody>
-          <a:bodyPr>
-            <a:spAutoFit/>
-          </a:bodyPr>
-          <a:lstStyle/>
-          <a:p>
-            <a:r>
-              <a:rPr lang="en-US" altLang="zh-CN" dirty="0">
-                <a:solidFill>
-                  <a:srgbClr val="333333"/>
-                </a:solidFill>
-                <a:latin typeface="PingFang SC"/>
-              </a:rPr>
-              <a:t>UML</a:t>
-            </a:r>
-            <a:r>
-              <a:rPr lang="zh-CN" altLang="en-US" dirty="0">
-                <a:solidFill>
-                  <a:srgbClr val="333333"/>
-                </a:solidFill>
-                <a:latin typeface="PingFang SC"/>
-              </a:rPr>
-              <a:t>能够将精力集中在设计通用的元模型上（统一不同方法的语义），然后是建立通用的表示法（提供对这些语义的形象化的表达）。这非常有利于一个大型复杂的软件系统体系</a:t>
+              <a:t>描述系统的行为。</a:t>
             </a:r>
             <a:endParaRPr lang="zh-CN" altLang="en-US" dirty="0"/>
           </a:p>
@@ -13242,7 +13564,7 @@
         </p:nvSpPr>
         <p:spPr>
           <a:xfrm>
-            <a:off x="6304280" y="1924685"/>
+            <a:off x="6303938" y="1924685"/>
             <a:ext cx="5067935" cy="4301490"/>
           </a:xfrm>
           <a:prstGeom prst="rect">
@@ -13305,16 +13627,24 @@
           <a:lstStyle/>
           <a:p>
             <a:r>
-              <a:rPr lang="en-US" altLang="zh-CN">
+              <a:rPr lang="en-US" altLang="zh-CN" dirty="0" err="1">
                 <a:solidFill>
                   <a:schemeClr val="bg1"/>
                 </a:solidFill>
               </a:rPr>
-              <a:t>指系统与系统之间的界限。把系统边界以外的同系统相关联的其他部分称为系统环境。</a:t>
-            </a:r>
-          </a:p>
-          <a:p>
-            <a:endParaRPr lang="en-US" altLang="zh-CN">
+              <a:t>指系统与系统之间的界限。把系统边界以外的同系统相关联的其他部分称为系统环境</a:t>
+            </a:r>
+            <a:r>
+              <a:rPr lang="en-US" altLang="zh-CN" dirty="0">
+                <a:solidFill>
+                  <a:schemeClr val="bg1"/>
+                </a:solidFill>
+              </a:rPr>
+              <a:t>。</a:t>
+            </a:r>
+          </a:p>
+          <a:p>
+            <a:endParaRPr lang="en-US" altLang="zh-CN" dirty="0">
               <a:solidFill>
                 <a:schemeClr val="bg1"/>
               </a:solidFill>
@@ -13322,12 +13652,20 @@
           </a:p>
           <a:p>
             <a:r>
-              <a:rPr lang="en-US" altLang="zh-CN">
+              <a:rPr lang="en-US" altLang="zh-CN" dirty="0" err="1">
                 <a:solidFill>
                   <a:schemeClr val="bg1"/>
                 </a:solidFill>
               </a:rPr>
-              <a:t>在UML图中我们用一个矩形表示。</a:t>
+              <a:t>在UML图中我们用一个矩形表示</a:t>
+            </a:r>
+            <a:r>
+              <a:rPr lang="en-US" altLang="zh-CN" dirty="0">
+                <a:solidFill>
+                  <a:schemeClr val="bg1"/>
+                </a:solidFill>
+              </a:rPr>
+              <a:t>。</a:t>
             </a:r>
           </a:p>
         </p:txBody>
@@ -13341,7 +13679,7 @@
         <p:spPr>
           <a:xfrm>
             <a:off x="1018796" y="2132975"/>
-            <a:ext cx="1593850" cy="398780"/>
+            <a:ext cx="1609736" cy="400110"/>
           </a:xfrm>
           <a:prstGeom prst="rect">
             <a:avLst/>
@@ -13360,7 +13698,23 @@
                   <a:schemeClr val="bg1"/>
                 </a:solidFill>
               </a:rPr>
-              <a:t>3）系统边界</a:t>
+              <a:t>1</a:t>
+            </a:r>
+            <a:r>
+              <a:rPr lang="en-US" altLang="zh-CN" sz="2000" b="1" dirty="0" smtClean="0">
+                <a:solidFill>
+                  <a:schemeClr val="bg1"/>
+                </a:solidFill>
+              </a:rPr>
+              <a:t>）</a:t>
+            </a:r>
+            <a:r>
+              <a:rPr lang="en-US" altLang="zh-CN" sz="2000" b="1" dirty="0">
+                <a:solidFill>
+                  <a:schemeClr val="bg1"/>
+                </a:solidFill>
+              </a:rPr>
+              <a:t>系统边界</a:t>
             </a:r>
           </a:p>
         </p:txBody>
@@ -13373,8 +13727,8 @@
         </p:nvSpPr>
         <p:spPr>
           <a:xfrm>
-            <a:off x="6602512" y="2690248"/>
-            <a:ext cx="4470788" cy="3046095"/>
+            <a:off x="6602512" y="2486804"/>
+            <a:ext cx="4470788" cy="3785652"/>
           </a:xfrm>
           <a:prstGeom prst="rect">
             <a:avLst/>
@@ -13388,7 +13742,7 @@
           <a:lstStyle/>
           <a:p>
             <a:r>
-              <a:rPr lang="en-US" altLang="zh-CN" sz="1600">
+              <a:rPr lang="en-US" altLang="zh-CN" sz="1600" dirty="0">
                 <a:solidFill>
                   <a:schemeClr val="bg1"/>
                 </a:solidFill>
@@ -13398,42 +13752,108 @@
           </a:p>
           <a:p>
             <a:r>
-              <a:rPr lang="en-US" altLang="zh-CN" sz="1600">
+              <a:rPr lang="en-US" altLang="zh-CN" sz="1600" dirty="0" err="1">
                 <a:solidFill>
                   <a:schemeClr val="bg1"/>
                 </a:solidFill>
               </a:rPr>
-              <a:t>关联：表示参与者和用例之间的交互。为通信途径，任何一方都可发送或可接收消息。</a:t>
-            </a:r>
-          </a:p>
-          <a:p>
-            <a:r>
-              <a:rPr lang="en-US" altLang="zh-CN" sz="1600">
+              <a:t>关联：表示参与者和用例之间的交互。为通信途径，任何一方都可发送或可接收消息</a:t>
+            </a:r>
+            <a:r>
+              <a:rPr lang="en-US" altLang="zh-CN" sz="1600" dirty="0" smtClean="0">
                 <a:solidFill>
                   <a:schemeClr val="bg1"/>
                 </a:solidFill>
               </a:rPr>
-              <a:t>包含：包含关系用来把一个较复杂的用例所表示的功能分解成较小的步骤。</a:t>
-            </a:r>
-          </a:p>
-          <a:p>
-            <a:r>
-              <a:rPr lang="en-US" altLang="zh-CN" sz="1600">
+              <a:t>。</a:t>
+            </a:r>
+          </a:p>
+          <a:p>
+            <a:endParaRPr lang="en-US" altLang="zh-CN" sz="1600" dirty="0">
+              <a:solidFill>
+                <a:schemeClr val="bg1"/>
+              </a:solidFill>
+            </a:endParaRPr>
+          </a:p>
+          <a:p>
+            <a:r>
+              <a:rPr lang="en-US" altLang="zh-CN" sz="1600" dirty="0" err="1">
                 <a:solidFill>
                   <a:schemeClr val="bg1"/>
                 </a:solidFill>
               </a:rPr>
-              <a:t>扩展：扩展关系是指用例功能的延伸。与包含关系不同的是，扩展用例是可选的，如果缺少扩展用例。不会影响到基用例的完整性。</a:t>
-            </a:r>
-          </a:p>
-          <a:p>
-            <a:r>
-              <a:rPr lang="en-US" altLang="zh-CN" sz="1600">
+              <a:t>包含：包含关系用来把一个较复杂的用例所表示的功能分解成较小的步骤</a:t>
+            </a:r>
+            <a:r>
+              <a:rPr lang="en-US" altLang="zh-CN" sz="1600" dirty="0" smtClean="0">
                 <a:solidFill>
                   <a:schemeClr val="bg1"/>
                 </a:solidFill>
               </a:rPr>
-              <a:t>泛化：用例的泛化指的是一个父用例可以被特化形成多个子用例，用我们熟悉的语言来说就是继承关系。</a:t>
+              <a:t>。</a:t>
+            </a:r>
+          </a:p>
+          <a:p>
+            <a:endParaRPr lang="en-US" altLang="zh-CN" sz="1600" dirty="0">
+              <a:solidFill>
+                <a:schemeClr val="bg1"/>
+              </a:solidFill>
+            </a:endParaRPr>
+          </a:p>
+          <a:p>
+            <a:r>
+              <a:rPr lang="en-US" altLang="zh-CN" sz="1600" dirty="0" err="1">
+                <a:solidFill>
+                  <a:schemeClr val="bg1"/>
+                </a:solidFill>
+              </a:rPr>
+              <a:t>扩展：扩展关系是指用例功能的延伸。与包含关系不同的是，扩展用例是可选的，如果缺少扩展用例。</a:t>
+            </a:r>
+            <a:r>
+              <a:rPr lang="en-US" altLang="zh-CN" sz="1600" dirty="0" err="1" smtClean="0">
+                <a:solidFill>
+                  <a:schemeClr val="bg1"/>
+                </a:solidFill>
+              </a:rPr>
+              <a:t>不会影响到基用例的完整性</a:t>
+            </a:r>
+            <a:endParaRPr lang="en-US" altLang="zh-CN" sz="1600" dirty="0" smtClean="0">
+              <a:solidFill>
+                <a:schemeClr val="bg1"/>
+              </a:solidFill>
+            </a:endParaRPr>
+          </a:p>
+          <a:p>
+            <a:r>
+              <a:rPr lang="en-US" altLang="zh-CN" sz="1600" dirty="0" smtClean="0">
+                <a:solidFill>
+                  <a:schemeClr val="bg1"/>
+                </a:solidFill>
+              </a:rPr>
+              <a:t>。</a:t>
+            </a:r>
+            <a:endParaRPr lang="en-US" altLang="zh-CN" sz="1600" dirty="0">
+              <a:solidFill>
+                <a:schemeClr val="bg1"/>
+              </a:solidFill>
+            </a:endParaRPr>
+          </a:p>
+          <a:p>
+            <a:r>
+              <a:rPr lang="en-US" altLang="zh-CN" sz="1600" dirty="0" err="1">
+                <a:solidFill>
+                  <a:schemeClr val="bg1"/>
+                </a:solidFill>
+              </a:rPr>
+              <a:t>泛化：用例的泛化指的是一个父用例可以被特化形成多个子用例，用我们熟悉的语言来说就是继承关系</a:t>
+            </a:r>
+            <a:r>
+              <a:rPr lang="en-US" altLang="zh-CN" sz="1600" dirty="0">
+                <a:solidFill>
+                  <a:schemeClr val="bg1"/>
+                </a:solidFill>
+              </a:rPr>
+              <a:t>。</a:t>
             </a:r>
           </a:p>
         </p:txBody>
@@ -13447,7 +13867,7 @@
         <p:spPr>
           <a:xfrm>
             <a:off x="6602512" y="2132975"/>
-            <a:ext cx="1085850" cy="398780"/>
+            <a:ext cx="1096775" cy="400110"/>
           </a:xfrm>
           <a:prstGeom prst="rect">
             <a:avLst/>
@@ -13461,12 +13881,20 @@
           <a:p>
             <a:pPr algn="l"/>
             <a:r>
+              <a:rPr lang="en-US" altLang="zh-CN" sz="2000" b="1" dirty="0" smtClean="0">
+                <a:solidFill>
+                  <a:schemeClr val="bg1"/>
+                </a:solidFill>
+              </a:rPr>
+              <a:t>2）</a:t>
+            </a:r>
+            <a:r>
               <a:rPr lang="en-US" altLang="zh-CN" sz="2000" b="1" dirty="0">
                 <a:solidFill>
                   <a:schemeClr val="bg1"/>
                 </a:solidFill>
               </a:rPr>
-              <a:t>4）关系</a:t>
+              <a:t>关系</a:t>
             </a:r>
           </a:p>
         </p:txBody>
@@ -13657,7 +14085,7 @@
         </p:blipFill>
         <p:spPr>
           <a:xfrm>
-            <a:off x="2032635" y="4366895"/>
+            <a:off x="2081345" y="4370581"/>
             <a:ext cx="2345690" cy="1651635"/>
           </a:xfrm>
           <a:prstGeom prst="rect">
@@ -13835,9 +14263,170 @@
           </a:p>
         </p:txBody>
       </p:sp>
+      <p:sp>
+        <p:nvSpPr>
+          <p:cNvPr id="39" name="矩形 38"/>
+          <p:cNvSpPr/>
+          <p:nvPr/>
+        </p:nvSpPr>
+        <p:spPr>
+          <a:xfrm>
+            <a:off x="1049180" y="1361017"/>
+            <a:ext cx="4005419" cy="1476375"/>
+          </a:xfrm>
+          <a:prstGeom prst="rect">
+            <a:avLst/>
+          </a:prstGeom>
+        </p:spPr>
+        <p:txBody>
+          <a:bodyPr wrap="square">
+            <a:spAutoFit/>
+          </a:bodyPr>
+          <a:lstStyle/>
+          <a:p>
+            <a:r>
+              <a:rPr lang="zh-CN" altLang="en-US" dirty="0">
+                <a:solidFill>
+                  <a:schemeClr val="tx1">
+                    <a:lumMod val="75000"/>
+                    <a:lumOff val="25000"/>
+                  </a:schemeClr>
+                </a:solidFill>
+                <a:latin typeface="黑体" panose="02010609060101010101" pitchFamily="49" charset="-122"/>
+                <a:ea typeface="黑体" panose="02010609060101010101" pitchFamily="49" charset="-122"/>
+              </a:rPr>
+              <a:t>功能：</a:t>
+            </a:r>
+          </a:p>
+          <a:p>
+            <a:r>
+              <a:rPr lang="zh-CN" altLang="en-US" dirty="0">
+                <a:solidFill>
+                  <a:schemeClr val="tx1">
+                    <a:lumMod val="75000"/>
+                    <a:lumOff val="25000"/>
+                  </a:schemeClr>
+                </a:solidFill>
+                <a:latin typeface="黑体" panose="02010609060101010101" pitchFamily="49" charset="-122"/>
+                <a:ea typeface="黑体" panose="02010609060101010101" pitchFamily="49" charset="-122"/>
+              </a:rPr>
+              <a:t>用例图描述的是参与者所理解的系统功能，主要元素是用例和参与者，是帮助开发团队以一种可视化的方式理解系统的功能需求。</a:t>
+            </a:r>
+          </a:p>
+        </p:txBody>
+      </p:sp>
+      <p:sp>
+        <p:nvSpPr>
+          <p:cNvPr id="40" name="矩形 39"/>
+          <p:cNvSpPr/>
+          <p:nvPr/>
+        </p:nvSpPr>
+        <p:spPr>
+          <a:xfrm>
+            <a:off x="1049180" y="3368887"/>
+            <a:ext cx="4005419" cy="1753235"/>
+          </a:xfrm>
+          <a:prstGeom prst="rect">
+            <a:avLst/>
+          </a:prstGeom>
+        </p:spPr>
+        <p:txBody>
+          <a:bodyPr wrap="square">
+            <a:spAutoFit/>
+          </a:bodyPr>
+          <a:lstStyle/>
+          <a:p>
+            <a:r>
+              <a:rPr lang="zh-CN" altLang="en-US" dirty="0">
+                <a:solidFill>
+                  <a:schemeClr val="tx1">
+                    <a:lumMod val="75000"/>
+                    <a:lumOff val="25000"/>
+                  </a:schemeClr>
+                </a:solidFill>
+                <a:latin typeface="黑体" panose="02010609060101010101" pitchFamily="49" charset="-122"/>
+                <a:ea typeface="黑体" panose="02010609060101010101" pitchFamily="49" charset="-122"/>
+              </a:rPr>
+              <a:t>注意点：</a:t>
+            </a:r>
+          </a:p>
+          <a:p>
+            <a:r>
+              <a:rPr lang="en-US" altLang="zh-CN" dirty="0">
+                <a:solidFill>
+                  <a:schemeClr val="tx1">
+                    <a:lumMod val="75000"/>
+                    <a:lumOff val="25000"/>
+                  </a:schemeClr>
+                </a:solidFill>
+                <a:latin typeface="黑体" panose="02010609060101010101" pitchFamily="49" charset="-122"/>
+                <a:ea typeface="黑体" panose="02010609060101010101" pitchFamily="49" charset="-122"/>
+              </a:rPr>
+              <a:t>1.</a:t>
+            </a:r>
+            <a:r>
+              <a:rPr lang="zh-CN" altLang="en-US" dirty="0">
+                <a:solidFill>
+                  <a:schemeClr val="tx1">
+                    <a:lumMod val="75000"/>
+                    <a:lumOff val="25000"/>
+                  </a:schemeClr>
+                </a:solidFill>
+                <a:latin typeface="黑体" panose="02010609060101010101" pitchFamily="49" charset="-122"/>
+                <a:ea typeface="黑体" panose="02010609060101010101" pitchFamily="49" charset="-122"/>
+              </a:rPr>
+              <a:t>任何用例都不能在缺少参与者的情况下独立存在，同样，任何参与者也必须要有与之关联的用例。</a:t>
+            </a:r>
+          </a:p>
+          <a:p>
+            <a:r>
+              <a:rPr lang="en-US" altLang="zh-CN" dirty="0">
+                <a:solidFill>
+                  <a:schemeClr val="tx1">
+                    <a:lumMod val="75000"/>
+                    <a:lumOff val="25000"/>
+                  </a:schemeClr>
+                </a:solidFill>
+                <a:latin typeface="黑体" panose="02010609060101010101" pitchFamily="49" charset="-122"/>
+                <a:ea typeface="黑体" panose="02010609060101010101" pitchFamily="49" charset="-122"/>
+              </a:rPr>
+              <a:t>2.包含用例是必须的，如果缺少包含用例，基用例就是不完整的。</a:t>
+            </a:r>
+          </a:p>
+        </p:txBody>
+      </p:sp>
+      <p:sp>
+        <p:nvSpPr>
+          <p:cNvPr id="41" name="文本框 40"/>
+          <p:cNvSpPr txBox="1"/>
+          <p:nvPr/>
+        </p:nvSpPr>
+        <p:spPr>
+          <a:xfrm>
+            <a:off x="7666990" y="5588952"/>
+            <a:ext cx="2489835" cy="337185"/>
+          </a:xfrm>
+          <a:prstGeom prst="rect">
+            <a:avLst/>
+          </a:prstGeom>
+          <a:noFill/>
+        </p:spPr>
+        <p:txBody>
+          <a:bodyPr wrap="square" rtlCol="0">
+            <a:spAutoFit/>
+          </a:bodyPr>
+          <a:lstStyle/>
+          <a:p>
+            <a:r>
+              <a:rPr lang="zh-CN" altLang="en-US" sz="1600" b="1"/>
+              <a:t>一张完整的用例图</a:t>
+            </a:r>
+          </a:p>
+        </p:txBody>
+      </p:sp>
       <p:pic>
         <p:nvPicPr>
-          <p:cNvPr id="38" name="图片 37"/>
+          <p:cNvPr id="9" name="图片 8"/>
           <p:cNvPicPr>
             <a:picLocks noChangeAspect="1"/>
           </p:cNvPicPr>
@@ -13851,175 +14440,14 @@
         </p:blipFill>
         <p:spPr>
           <a:xfrm>
-            <a:off x="5902325" y="898525"/>
-            <a:ext cx="5248910" cy="4354830"/>
+            <a:off x="5334000" y="996315"/>
+            <a:ext cx="6057265" cy="4114165"/>
           </a:xfrm>
           <a:prstGeom prst="rect">
             <a:avLst/>
           </a:prstGeom>
         </p:spPr>
       </p:pic>
-      <p:sp>
-        <p:nvSpPr>
-          <p:cNvPr id="39" name="矩形 38"/>
-          <p:cNvSpPr/>
-          <p:nvPr/>
-        </p:nvSpPr>
-        <p:spPr>
-          <a:xfrm>
-            <a:off x="1049180" y="1361017"/>
-            <a:ext cx="4005419" cy="1476375"/>
-          </a:xfrm>
-          <a:prstGeom prst="rect">
-            <a:avLst/>
-          </a:prstGeom>
-        </p:spPr>
-        <p:txBody>
-          <a:bodyPr wrap="square">
-            <a:spAutoFit/>
-          </a:bodyPr>
-          <a:lstStyle/>
-          <a:p>
-            <a:r>
-              <a:rPr lang="zh-CN" altLang="en-US" dirty="0">
-                <a:solidFill>
-                  <a:schemeClr val="tx1">
-                    <a:lumMod val="75000"/>
-                    <a:lumOff val="25000"/>
-                  </a:schemeClr>
-                </a:solidFill>
-                <a:latin typeface="黑体" panose="02010609060101010101" pitchFamily="49" charset="-122"/>
-                <a:ea typeface="黑体" panose="02010609060101010101" pitchFamily="49" charset="-122"/>
-              </a:rPr>
-              <a:t>功能：</a:t>
-            </a:r>
-          </a:p>
-          <a:p>
-            <a:r>
-              <a:rPr lang="zh-CN" altLang="en-US" dirty="0">
-                <a:solidFill>
-                  <a:schemeClr val="tx1">
-                    <a:lumMod val="75000"/>
-                    <a:lumOff val="25000"/>
-                  </a:schemeClr>
-                </a:solidFill>
-                <a:latin typeface="黑体" panose="02010609060101010101" pitchFamily="49" charset="-122"/>
-                <a:ea typeface="黑体" panose="02010609060101010101" pitchFamily="49" charset="-122"/>
-              </a:rPr>
-              <a:t>用例图描述的是参与者所理解的系统功能，主要元素是用例和参与者，是帮助开发团队以一种可视化的方式理解系统的功能需求。</a:t>
-            </a:r>
-          </a:p>
-        </p:txBody>
-      </p:sp>
-      <p:sp>
-        <p:nvSpPr>
-          <p:cNvPr id="40" name="矩形 39"/>
-          <p:cNvSpPr/>
-          <p:nvPr/>
-        </p:nvSpPr>
-        <p:spPr>
-          <a:xfrm>
-            <a:off x="1049180" y="3368887"/>
-            <a:ext cx="4005419" cy="1753235"/>
-          </a:xfrm>
-          <a:prstGeom prst="rect">
-            <a:avLst/>
-          </a:prstGeom>
-        </p:spPr>
-        <p:txBody>
-          <a:bodyPr wrap="square">
-            <a:spAutoFit/>
-          </a:bodyPr>
-          <a:lstStyle/>
-          <a:p>
-            <a:r>
-              <a:rPr lang="zh-CN" altLang="en-US" dirty="0">
-                <a:solidFill>
-                  <a:schemeClr val="tx1">
-                    <a:lumMod val="75000"/>
-                    <a:lumOff val="25000"/>
-                  </a:schemeClr>
-                </a:solidFill>
-                <a:latin typeface="黑体" panose="02010609060101010101" pitchFamily="49" charset="-122"/>
-                <a:ea typeface="黑体" panose="02010609060101010101" pitchFamily="49" charset="-122"/>
-              </a:rPr>
-              <a:t>注意点：</a:t>
-            </a:r>
-          </a:p>
-          <a:p>
-            <a:r>
-              <a:rPr lang="en-US" altLang="zh-CN" dirty="0">
-                <a:solidFill>
-                  <a:schemeClr val="tx1">
-                    <a:lumMod val="75000"/>
-                    <a:lumOff val="25000"/>
-                  </a:schemeClr>
-                </a:solidFill>
-                <a:latin typeface="黑体" panose="02010609060101010101" pitchFamily="49" charset="-122"/>
-                <a:ea typeface="黑体" panose="02010609060101010101" pitchFamily="49" charset="-122"/>
-              </a:rPr>
-              <a:t>1.</a:t>
-            </a:r>
-            <a:r>
-              <a:rPr lang="zh-CN" altLang="en-US" dirty="0">
-                <a:solidFill>
-                  <a:schemeClr val="tx1">
-                    <a:lumMod val="75000"/>
-                    <a:lumOff val="25000"/>
-                  </a:schemeClr>
-                </a:solidFill>
-                <a:latin typeface="黑体" panose="02010609060101010101" pitchFamily="49" charset="-122"/>
-                <a:ea typeface="黑体" panose="02010609060101010101" pitchFamily="49" charset="-122"/>
-              </a:rPr>
-              <a:t>任何用例都不能在缺少参与者的情况下独立存在，同样，任何参与者也必须要有与之关联的用例。</a:t>
-            </a:r>
-          </a:p>
-          <a:p>
-            <a:r>
-              <a:rPr lang="en-US" altLang="zh-CN" dirty="0">
-                <a:solidFill>
-                  <a:schemeClr val="tx1">
-                    <a:lumMod val="75000"/>
-                    <a:lumOff val="25000"/>
-                  </a:schemeClr>
-                </a:solidFill>
-                <a:latin typeface="黑体" panose="02010609060101010101" pitchFamily="49" charset="-122"/>
-                <a:ea typeface="黑体" panose="02010609060101010101" pitchFamily="49" charset="-122"/>
-              </a:rPr>
-              <a:t>2.包含用例是必须的，如果缺少包含用例，基用例就是不完整的。</a:t>
-            </a:r>
-          </a:p>
-        </p:txBody>
-      </p:sp>
-      <p:sp>
-        <p:nvSpPr>
-          <p:cNvPr id="41" name="文本框 40"/>
-          <p:cNvSpPr txBox="1"/>
-          <p:nvPr/>
-        </p:nvSpPr>
-        <p:spPr>
-          <a:xfrm>
-            <a:off x="7518400" y="5420360"/>
-            <a:ext cx="2489835" cy="337185"/>
-          </a:xfrm>
-          <a:prstGeom prst="rect">
-            <a:avLst/>
-          </a:prstGeom>
-          <a:noFill/>
-        </p:spPr>
-        <p:txBody>
-          <a:bodyPr wrap="square" rtlCol="0">
-            <a:spAutoFit/>
-          </a:bodyPr>
-          <a:lstStyle/>
-          <a:p>
-            <a:r>
-              <a:rPr lang="zh-CN" altLang="en-US" sz="1600" b="1"/>
-              <a:t>一张完整的用例图</a:t>
-            </a:r>
-          </a:p>
-        </p:txBody>
-      </p:sp>
     </p:spTree>
     <p:extLst>
       <p:ext uri="{BB962C8B-B14F-4D97-AF65-F5344CB8AC3E}">
@@ -14204,7 +14632,7 @@
           <p:cNvPr id="2" name="文本框 1">
             <a:extLst>
               <a:ext uri="{FF2B5EF4-FFF2-40B4-BE49-F238E27FC236}">
-                <a16:creationId xmlns="" xmlns:a16="http://schemas.microsoft.com/office/drawing/2014/main" id="{D01BB699-39D6-E14D-B576-6C82C2A92C3F}"/>
+                <a16:creationId xmlns:a16="http://schemas.microsoft.com/office/drawing/2014/main" id="{D01BB699-39D6-E14D-B576-6C82C2A92C3F}"/>
               </a:ext>
             </a:extLst>
           </p:cNvPr>
@@ -14278,7 +14706,7 @@
           <p:cNvPr id="5" name="文本框 4">
             <a:extLst>
               <a:ext uri="{FF2B5EF4-FFF2-40B4-BE49-F238E27FC236}">
-                <a16:creationId xmlns="" xmlns:a16="http://schemas.microsoft.com/office/drawing/2014/main" id="{E08E8B0B-8656-8A4B-B782-9E29D601A854}"/>
+                <a16:creationId xmlns:a16="http://schemas.microsoft.com/office/drawing/2014/main" id="{E08E8B0B-8656-8A4B-B782-9E29D601A854}"/>
               </a:ext>
             </a:extLst>
           </p:cNvPr>
@@ -14313,7 +14741,7 @@
           <p:cNvPr id="25" name="矩形 24">
             <a:extLst>
               <a:ext uri="{FF2B5EF4-FFF2-40B4-BE49-F238E27FC236}">
-                <a16:creationId xmlns="" xmlns:a16="http://schemas.microsoft.com/office/drawing/2014/main" id="{D5699794-BC6B-374B-8973-B2803B9FFE8E}"/>
+                <a16:creationId xmlns:a16="http://schemas.microsoft.com/office/drawing/2014/main" id="{D5699794-BC6B-374B-8973-B2803B9FFE8E}"/>
               </a:ext>
             </a:extLst>
           </p:cNvPr>
@@ -14368,7 +14796,7 @@
           <p:cNvPr id="26" name="矩形 25">
             <a:extLst>
               <a:ext uri="{FF2B5EF4-FFF2-40B4-BE49-F238E27FC236}">
-                <a16:creationId xmlns="" xmlns:a16="http://schemas.microsoft.com/office/drawing/2014/main" id="{28DC7173-C354-4149-9140-5BEECEC5D8E2}"/>
+                <a16:creationId xmlns:a16="http://schemas.microsoft.com/office/drawing/2014/main" id="{28DC7173-C354-4149-9140-5BEECEC5D8E2}"/>
               </a:ext>
             </a:extLst>
           </p:cNvPr>
@@ -14423,7 +14851,7 @@
           <p:cNvPr id="27" name="矩形 26">
             <a:extLst>
               <a:ext uri="{FF2B5EF4-FFF2-40B4-BE49-F238E27FC236}">
-                <a16:creationId xmlns="" xmlns:a16="http://schemas.microsoft.com/office/drawing/2014/main" id="{3DFF18DD-0972-8D41-B09B-F6E482FE3325}"/>
+                <a16:creationId xmlns:a16="http://schemas.microsoft.com/office/drawing/2014/main" id="{3DFF18DD-0972-8D41-B09B-F6E482FE3325}"/>
               </a:ext>
             </a:extLst>
           </p:cNvPr>
@@ -14478,7 +14906,7 @@
           <p:cNvPr id="29" name="图片 28">
             <a:extLst>
               <a:ext uri="{FF2B5EF4-FFF2-40B4-BE49-F238E27FC236}">
-                <a16:creationId xmlns="" xmlns:a16="http://schemas.microsoft.com/office/drawing/2014/main" id="{51D3A2D8-2234-4E40-ADE0-764E5C8931CA}"/>
+                <a16:creationId xmlns:a16="http://schemas.microsoft.com/office/drawing/2014/main" id="{51D3A2D8-2234-4E40-ADE0-764E5C8931CA}"/>
               </a:ext>
             </a:extLst>
           </p:cNvPr>
@@ -14513,7 +14941,7 @@
           <p:cNvPr id="3" name="矩形 2">
             <a:extLst>
               <a:ext uri="{FF2B5EF4-FFF2-40B4-BE49-F238E27FC236}">
-                <a16:creationId xmlns="" xmlns:a16="http://schemas.microsoft.com/office/drawing/2014/main" id="{5340959C-2574-0146-BC46-B37418A38247}"/>
+                <a16:creationId xmlns:a16="http://schemas.microsoft.com/office/drawing/2014/main" id="{5340959C-2574-0146-BC46-B37418A38247}"/>
               </a:ext>
             </a:extLst>
           </p:cNvPr>
@@ -14559,7 +14987,7 @@
           <p:cNvPr id="13" name="矩形 12">
             <a:extLst>
               <a:ext uri="{FF2B5EF4-FFF2-40B4-BE49-F238E27FC236}">
-                <a16:creationId xmlns="" xmlns:a16="http://schemas.microsoft.com/office/drawing/2014/main" id="{BF4D0194-678D-B64E-A7DA-1E4C83C1AE11}"/>
+                <a16:creationId xmlns:a16="http://schemas.microsoft.com/office/drawing/2014/main" id="{BF4D0194-678D-B64E-A7DA-1E4C83C1AE11}"/>
               </a:ext>
             </a:extLst>
           </p:cNvPr>
@@ -14614,7 +15042,7 @@
           <p:cNvPr id="14" name="矩形 13">
             <a:extLst>
               <a:ext uri="{FF2B5EF4-FFF2-40B4-BE49-F238E27FC236}">
-                <a16:creationId xmlns="" xmlns:a16="http://schemas.microsoft.com/office/drawing/2014/main" id="{4DDE1A6E-DA6A-D146-8561-4AEC01C655A8}"/>
+                <a16:creationId xmlns:a16="http://schemas.microsoft.com/office/drawing/2014/main" id="{4DDE1A6E-DA6A-D146-8561-4AEC01C655A8}"/>
               </a:ext>
             </a:extLst>
           </p:cNvPr>
@@ -14669,7 +15097,7 @@
           <p:cNvPr id="15" name="文本框 14">
             <a:extLst>
               <a:ext uri="{FF2B5EF4-FFF2-40B4-BE49-F238E27FC236}">
-                <a16:creationId xmlns="" xmlns:a16="http://schemas.microsoft.com/office/drawing/2014/main" id="{6B11C545-A170-1D4E-95B2-112D3EA36274}"/>
+                <a16:creationId xmlns:a16="http://schemas.microsoft.com/office/drawing/2014/main" id="{6B11C545-A170-1D4E-95B2-112D3EA36274}"/>
               </a:ext>
             </a:extLst>
           </p:cNvPr>
@@ -14745,7 +15173,7 @@
           <p:cNvPr id="4" name="矩形 3">
             <a:extLst>
               <a:ext uri="{FF2B5EF4-FFF2-40B4-BE49-F238E27FC236}">
-                <a16:creationId xmlns="" xmlns:a16="http://schemas.microsoft.com/office/drawing/2014/main" id="{157DFDDA-B043-7140-BBF9-F85656C4DF77}"/>
+                <a16:creationId xmlns:a16="http://schemas.microsoft.com/office/drawing/2014/main" id="{157DFDDA-B043-7140-BBF9-F85656C4DF77}"/>
               </a:ext>
             </a:extLst>
           </p:cNvPr>
@@ -14791,7 +15219,7 @@
           <p:cNvPr id="7" name="直线连接符 6">
             <a:extLst>
               <a:ext uri="{FF2B5EF4-FFF2-40B4-BE49-F238E27FC236}">
-                <a16:creationId xmlns="" xmlns:a16="http://schemas.microsoft.com/office/drawing/2014/main" id="{21D582D3-528E-B54C-A12F-6DC758AE739A}"/>
+                <a16:creationId xmlns:a16="http://schemas.microsoft.com/office/drawing/2014/main" id="{21D582D3-528E-B54C-A12F-6DC758AE739A}"/>
               </a:ext>
             </a:extLst>
           </p:cNvPr>
@@ -14836,7 +15264,7 @@
           <p:cNvPr id="9" name="直线连接符 8">
             <a:extLst>
               <a:ext uri="{FF2B5EF4-FFF2-40B4-BE49-F238E27FC236}">
-                <a16:creationId xmlns="" xmlns:a16="http://schemas.microsoft.com/office/drawing/2014/main" id="{0573300E-36E3-1240-8F5F-F96423967575}"/>
+                <a16:creationId xmlns:a16="http://schemas.microsoft.com/office/drawing/2014/main" id="{0573300E-36E3-1240-8F5F-F96423967575}"/>
               </a:ext>
             </a:extLst>
           </p:cNvPr>
@@ -14881,7 +15309,7 @@
           <p:cNvPr id="22" name="矩形 21">
             <a:extLst>
               <a:ext uri="{FF2B5EF4-FFF2-40B4-BE49-F238E27FC236}">
-                <a16:creationId xmlns="" xmlns:a16="http://schemas.microsoft.com/office/drawing/2014/main" id="{7D5B5EBE-3AB3-0042-9B42-D0CB5BF28457}"/>
+                <a16:creationId xmlns:a16="http://schemas.microsoft.com/office/drawing/2014/main" id="{7D5B5EBE-3AB3-0042-9B42-D0CB5BF28457}"/>
               </a:ext>
             </a:extLst>
           </p:cNvPr>
@@ -14936,7 +15364,7 @@
           <p:cNvPr id="23" name="矩形 22">
             <a:extLst>
               <a:ext uri="{FF2B5EF4-FFF2-40B4-BE49-F238E27FC236}">
-                <a16:creationId xmlns="" xmlns:a16="http://schemas.microsoft.com/office/drawing/2014/main" id="{7C8AAC65-ECBE-8A4C-8910-016F3A073807}"/>
+                <a16:creationId xmlns:a16="http://schemas.microsoft.com/office/drawing/2014/main" id="{7C8AAC65-ECBE-8A4C-8910-016F3A073807}"/>
               </a:ext>
             </a:extLst>
           </p:cNvPr>
@@ -14993,7 +15421,7 @@
           <p:cNvPr id="24" name="文本框 23">
             <a:extLst>
               <a:ext uri="{FF2B5EF4-FFF2-40B4-BE49-F238E27FC236}">
-                <a16:creationId xmlns="" xmlns:a16="http://schemas.microsoft.com/office/drawing/2014/main" id="{9E3A97D1-4CA0-944D-8173-1119CDB6ED88}"/>
+                <a16:creationId xmlns:a16="http://schemas.microsoft.com/office/drawing/2014/main" id="{9E3A97D1-4CA0-944D-8173-1119CDB6ED88}"/>
               </a:ext>
             </a:extLst>
           </p:cNvPr>
@@ -15069,7 +15497,7 @@
           <p:cNvPr id="28" name="文本框 27">
             <a:extLst>
               <a:ext uri="{FF2B5EF4-FFF2-40B4-BE49-F238E27FC236}">
-                <a16:creationId xmlns="" xmlns:a16="http://schemas.microsoft.com/office/drawing/2014/main" id="{02DA1DF5-90C9-6842-B111-0B7737CBF38D}"/>
+                <a16:creationId xmlns:a16="http://schemas.microsoft.com/office/drawing/2014/main" id="{02DA1DF5-90C9-6842-B111-0B7737CBF38D}"/>
               </a:ext>
             </a:extLst>
           </p:cNvPr>
@@ -15104,7 +15532,7 @@
           <p:cNvPr id="30" name="矩形 29">
             <a:extLst>
               <a:ext uri="{FF2B5EF4-FFF2-40B4-BE49-F238E27FC236}">
-                <a16:creationId xmlns="" xmlns:a16="http://schemas.microsoft.com/office/drawing/2014/main" id="{4CD7A78B-4F77-FE46-BD6B-01F5799A0292}"/>
+                <a16:creationId xmlns:a16="http://schemas.microsoft.com/office/drawing/2014/main" id="{4CD7A78B-4F77-FE46-BD6B-01F5799A0292}"/>
               </a:ext>
             </a:extLst>
           </p:cNvPr>
@@ -15307,7 +15735,7 @@
           <p:cNvPr id="31" name="直线连接符 30">
             <a:extLst>
               <a:ext uri="{FF2B5EF4-FFF2-40B4-BE49-F238E27FC236}">
-                <a16:creationId xmlns="" xmlns:a16="http://schemas.microsoft.com/office/drawing/2014/main" id="{FA870E71-A7E0-544E-A47B-9252E20D6293}"/>
+                <a16:creationId xmlns:a16="http://schemas.microsoft.com/office/drawing/2014/main" id="{FA870E71-A7E0-544E-A47B-9252E20D6293}"/>
               </a:ext>
             </a:extLst>
           </p:cNvPr>
@@ -15764,7 +16192,7 @@
           <p:cNvPr id="2" name="文本框 1">
             <a:extLst>
               <a:ext uri="{FF2B5EF4-FFF2-40B4-BE49-F238E27FC236}">
-                <a16:creationId xmlns="" xmlns:a16="http://schemas.microsoft.com/office/drawing/2014/main" id="{D01BB699-39D6-E14D-B576-6C82C2A92C3F}"/>
+                <a16:creationId xmlns:a16="http://schemas.microsoft.com/office/drawing/2014/main" id="{D01BB699-39D6-E14D-B576-6C82C2A92C3F}"/>
               </a:ext>
             </a:extLst>
           </p:cNvPr>
@@ -15808,7 +16236,7 @@
           <p:cNvPr id="5" name="文本框 4">
             <a:extLst>
               <a:ext uri="{FF2B5EF4-FFF2-40B4-BE49-F238E27FC236}">
-                <a16:creationId xmlns="" xmlns:a16="http://schemas.microsoft.com/office/drawing/2014/main" id="{E08E8B0B-8656-8A4B-B782-9E29D601A854}"/>
+                <a16:creationId xmlns:a16="http://schemas.microsoft.com/office/drawing/2014/main" id="{E08E8B0B-8656-8A4B-B782-9E29D601A854}"/>
               </a:ext>
             </a:extLst>
           </p:cNvPr>
@@ -15843,7 +16271,7 @@
           <p:cNvPr id="25" name="矩形 24">
             <a:extLst>
               <a:ext uri="{FF2B5EF4-FFF2-40B4-BE49-F238E27FC236}">
-                <a16:creationId xmlns="" xmlns:a16="http://schemas.microsoft.com/office/drawing/2014/main" id="{D5699794-BC6B-374B-8973-B2803B9FFE8E}"/>
+                <a16:creationId xmlns:a16="http://schemas.microsoft.com/office/drawing/2014/main" id="{D5699794-BC6B-374B-8973-B2803B9FFE8E}"/>
               </a:ext>
             </a:extLst>
           </p:cNvPr>
@@ -15898,7 +16326,7 @@
           <p:cNvPr id="26" name="矩形 25">
             <a:extLst>
               <a:ext uri="{FF2B5EF4-FFF2-40B4-BE49-F238E27FC236}">
-                <a16:creationId xmlns="" xmlns:a16="http://schemas.microsoft.com/office/drawing/2014/main" id="{28DC7173-C354-4149-9140-5BEECEC5D8E2}"/>
+                <a16:creationId xmlns:a16="http://schemas.microsoft.com/office/drawing/2014/main" id="{28DC7173-C354-4149-9140-5BEECEC5D8E2}"/>
               </a:ext>
             </a:extLst>
           </p:cNvPr>
@@ -15953,7 +16381,7 @@
           <p:cNvPr id="4" name="文本框 3">
             <a:extLst>
               <a:ext uri="{FF2B5EF4-FFF2-40B4-BE49-F238E27FC236}">
-                <a16:creationId xmlns="" xmlns:a16="http://schemas.microsoft.com/office/drawing/2014/main" id="{E1887F0A-E0EF-0B41-A67D-509B1E54B6EF}"/>
+                <a16:creationId xmlns:a16="http://schemas.microsoft.com/office/drawing/2014/main" id="{E1887F0A-E0EF-0B41-A67D-509B1E54B6EF}"/>
               </a:ext>
             </a:extLst>
           </p:cNvPr>
@@ -15989,7 +16417,7 @@
           <p:cNvPr id="22" name="矩形 21">
             <a:extLst>
               <a:ext uri="{FF2B5EF4-FFF2-40B4-BE49-F238E27FC236}">
-                <a16:creationId xmlns="" xmlns:a16="http://schemas.microsoft.com/office/drawing/2014/main" id="{3C3C0D0E-D72B-2E4B-9509-4AF636CAEA63}"/>
+                <a16:creationId xmlns:a16="http://schemas.microsoft.com/office/drawing/2014/main" id="{3C3C0D0E-D72B-2E4B-9509-4AF636CAEA63}"/>
               </a:ext>
             </a:extLst>
           </p:cNvPr>
@@ -16044,7 +16472,7 @@
           <p:cNvPr id="11" name="图片 10">
             <a:extLst>
               <a:ext uri="{FF2B5EF4-FFF2-40B4-BE49-F238E27FC236}">
-                <a16:creationId xmlns="" xmlns:a16="http://schemas.microsoft.com/office/drawing/2014/main" id="{72F00EE2-41D0-4449-9D07-5DD9A0B38598}"/>
+                <a16:creationId xmlns:a16="http://schemas.microsoft.com/office/drawing/2014/main" id="{72F00EE2-41D0-4449-9D07-5DD9A0B38598}"/>
               </a:ext>
             </a:extLst>
           </p:cNvPr>
@@ -16074,7 +16502,7 @@
           <p:cNvPr id="12" name="矩形 11">
             <a:extLst>
               <a:ext uri="{FF2B5EF4-FFF2-40B4-BE49-F238E27FC236}">
-                <a16:creationId xmlns="" xmlns:a16="http://schemas.microsoft.com/office/drawing/2014/main" id="{B26E2A80-EDC5-EF4C-A260-28E474F5DB8E}"/>
+                <a16:creationId xmlns:a16="http://schemas.microsoft.com/office/drawing/2014/main" id="{B26E2A80-EDC5-EF4C-A260-28E474F5DB8E}"/>
               </a:ext>
             </a:extLst>
           </p:cNvPr>
@@ -16228,7 +16656,7 @@
           <p:cNvPr id="15" name="图片 14">
             <a:extLst>
               <a:ext uri="{FF2B5EF4-FFF2-40B4-BE49-F238E27FC236}">
-                <a16:creationId xmlns="" xmlns:a16="http://schemas.microsoft.com/office/drawing/2014/main" id="{39364209-5033-2A42-AE24-BEA8A0223F58}"/>
+                <a16:creationId xmlns:a16="http://schemas.microsoft.com/office/drawing/2014/main" id="{39364209-5033-2A42-AE24-BEA8A0223F58}"/>
               </a:ext>
             </a:extLst>
           </p:cNvPr>
@@ -16258,7 +16686,7 @@
           <p:cNvPr id="16" name="矩形 15">
             <a:extLst>
               <a:ext uri="{FF2B5EF4-FFF2-40B4-BE49-F238E27FC236}">
-                <a16:creationId xmlns="" xmlns:a16="http://schemas.microsoft.com/office/drawing/2014/main" id="{7FEDC27A-DDC1-9A42-839C-DE65DEF00B74}"/>
+                <a16:creationId xmlns:a16="http://schemas.microsoft.com/office/drawing/2014/main" id="{7FEDC27A-DDC1-9A42-839C-DE65DEF00B74}"/>
               </a:ext>
             </a:extLst>
           </p:cNvPr>
@@ -16541,7 +16969,7 @@
           <p:cNvPr id="2" name="文本框 1">
             <a:extLst>
               <a:ext uri="{FF2B5EF4-FFF2-40B4-BE49-F238E27FC236}">
-                <a16:creationId xmlns="" xmlns:a16="http://schemas.microsoft.com/office/drawing/2014/main" id="{D01BB699-39D6-E14D-B576-6C82C2A92C3F}"/>
+                <a16:creationId xmlns:a16="http://schemas.microsoft.com/office/drawing/2014/main" id="{D01BB699-39D6-E14D-B576-6C82C2A92C3F}"/>
               </a:ext>
             </a:extLst>
           </p:cNvPr>
@@ -16585,7 +17013,7 @@
           <p:cNvPr id="25" name="矩形 24">
             <a:extLst>
               <a:ext uri="{FF2B5EF4-FFF2-40B4-BE49-F238E27FC236}">
-                <a16:creationId xmlns="" xmlns:a16="http://schemas.microsoft.com/office/drawing/2014/main" id="{D5699794-BC6B-374B-8973-B2803B9FFE8E}"/>
+                <a16:creationId xmlns:a16="http://schemas.microsoft.com/office/drawing/2014/main" id="{D5699794-BC6B-374B-8973-B2803B9FFE8E}"/>
               </a:ext>
             </a:extLst>
           </p:cNvPr>
@@ -16640,7 +17068,7 @@
           <p:cNvPr id="26" name="矩形 25">
             <a:extLst>
               <a:ext uri="{FF2B5EF4-FFF2-40B4-BE49-F238E27FC236}">
-                <a16:creationId xmlns="" xmlns:a16="http://schemas.microsoft.com/office/drawing/2014/main" id="{28DC7173-C354-4149-9140-5BEECEC5D8E2}"/>
+                <a16:creationId xmlns:a16="http://schemas.microsoft.com/office/drawing/2014/main" id="{28DC7173-C354-4149-9140-5BEECEC5D8E2}"/>
               </a:ext>
             </a:extLst>
           </p:cNvPr>
@@ -16695,7 +17123,7 @@
           <p:cNvPr id="4" name="文本框 3">
             <a:extLst>
               <a:ext uri="{FF2B5EF4-FFF2-40B4-BE49-F238E27FC236}">
-                <a16:creationId xmlns="" xmlns:a16="http://schemas.microsoft.com/office/drawing/2014/main" id="{E1887F0A-E0EF-0B41-A67D-509B1E54B6EF}"/>
+                <a16:creationId xmlns:a16="http://schemas.microsoft.com/office/drawing/2014/main" id="{E1887F0A-E0EF-0B41-A67D-509B1E54B6EF}"/>
               </a:ext>
             </a:extLst>
           </p:cNvPr>
@@ -16731,7 +17159,7 @@
           <p:cNvPr id="16" name="矩形 15">
             <a:extLst>
               <a:ext uri="{FF2B5EF4-FFF2-40B4-BE49-F238E27FC236}">
-                <a16:creationId xmlns="" xmlns:a16="http://schemas.microsoft.com/office/drawing/2014/main" id="{7FEDC27A-DDC1-9A42-839C-DE65DEF00B74}"/>
+                <a16:creationId xmlns:a16="http://schemas.microsoft.com/office/drawing/2014/main" id="{7FEDC27A-DDC1-9A42-839C-DE65DEF00B74}"/>
               </a:ext>
             </a:extLst>
           </p:cNvPr>
@@ -16829,7 +17257,7 @@
           <p:cNvPr id="3" name="图片 2">
             <a:extLst>
               <a:ext uri="{FF2B5EF4-FFF2-40B4-BE49-F238E27FC236}">
-                <a16:creationId xmlns="" xmlns:a16="http://schemas.microsoft.com/office/drawing/2014/main" id="{FF33B9F6-AB4B-DE40-B7C2-0848F0A7CABD}"/>
+                <a16:creationId xmlns:a16="http://schemas.microsoft.com/office/drawing/2014/main" id="{FF33B9F6-AB4B-DE40-B7C2-0848F0A7CABD}"/>
               </a:ext>
             </a:extLst>
           </p:cNvPr>
@@ -17038,7 +17466,7 @@
           <p:cNvPr id="2" name="文本框 1">
             <a:extLst>
               <a:ext uri="{FF2B5EF4-FFF2-40B4-BE49-F238E27FC236}">
-                <a16:creationId xmlns="" xmlns:a16="http://schemas.microsoft.com/office/drawing/2014/main" id="{D01BB699-39D6-E14D-B576-6C82C2A92C3F}"/>
+                <a16:creationId xmlns:a16="http://schemas.microsoft.com/office/drawing/2014/main" id="{D01BB699-39D6-E14D-B576-6C82C2A92C3F}"/>
               </a:ext>
             </a:extLst>
           </p:cNvPr>
@@ -17082,7 +17510,7 @@
           <p:cNvPr id="25" name="矩形 24">
             <a:extLst>
               <a:ext uri="{FF2B5EF4-FFF2-40B4-BE49-F238E27FC236}">
-                <a16:creationId xmlns="" xmlns:a16="http://schemas.microsoft.com/office/drawing/2014/main" id="{D5699794-BC6B-374B-8973-B2803B9FFE8E}"/>
+                <a16:creationId xmlns:a16="http://schemas.microsoft.com/office/drawing/2014/main" id="{D5699794-BC6B-374B-8973-B2803B9FFE8E}"/>
               </a:ext>
             </a:extLst>
           </p:cNvPr>
@@ -17137,7 +17565,7 @@
           <p:cNvPr id="4" name="文本框 3">
             <a:extLst>
               <a:ext uri="{FF2B5EF4-FFF2-40B4-BE49-F238E27FC236}">
-                <a16:creationId xmlns="" xmlns:a16="http://schemas.microsoft.com/office/drawing/2014/main" id="{E1887F0A-E0EF-0B41-A67D-509B1E54B6EF}"/>
+                <a16:creationId xmlns:a16="http://schemas.microsoft.com/office/drawing/2014/main" id="{E1887F0A-E0EF-0B41-A67D-509B1E54B6EF}"/>
               </a:ext>
             </a:extLst>
           </p:cNvPr>
@@ -17176,7 +17604,7 @@
           <p:cNvPr id="6" name="图片 5">
             <a:extLst>
               <a:ext uri="{FF2B5EF4-FFF2-40B4-BE49-F238E27FC236}">
-                <a16:creationId xmlns="" xmlns:a16="http://schemas.microsoft.com/office/drawing/2014/main" id="{B292A090-4BA6-2240-9995-7D158B111A1A}"/>
+                <a16:creationId xmlns:a16="http://schemas.microsoft.com/office/drawing/2014/main" id="{B292A090-4BA6-2240-9995-7D158B111A1A}"/>
               </a:ext>
             </a:extLst>
           </p:cNvPr>
@@ -17206,7 +17634,7 @@
           <p:cNvPr id="7" name="矩形 6">
             <a:extLst>
               <a:ext uri="{FF2B5EF4-FFF2-40B4-BE49-F238E27FC236}">
-                <a16:creationId xmlns="" xmlns:a16="http://schemas.microsoft.com/office/drawing/2014/main" id="{A766C746-F509-184C-92A3-38FEE0895157}"/>
+                <a16:creationId xmlns:a16="http://schemas.microsoft.com/office/drawing/2014/main" id="{A766C746-F509-184C-92A3-38FEE0895157}"/>
               </a:ext>
             </a:extLst>
           </p:cNvPr>
@@ -17639,7 +18067,7 @@
           <p:cNvPr id="2" name="文本框 1">
             <a:extLst>
               <a:ext uri="{FF2B5EF4-FFF2-40B4-BE49-F238E27FC236}">
-                <a16:creationId xmlns="" xmlns:a16="http://schemas.microsoft.com/office/drawing/2014/main" id="{D01BB699-39D6-E14D-B576-6C82C2A92C3F}"/>
+                <a16:creationId xmlns:a16="http://schemas.microsoft.com/office/drawing/2014/main" id="{D01BB699-39D6-E14D-B576-6C82C2A92C3F}"/>
               </a:ext>
             </a:extLst>
           </p:cNvPr>
@@ -17683,7 +18111,7 @@
           <p:cNvPr id="25" name="矩形 24">
             <a:extLst>
               <a:ext uri="{FF2B5EF4-FFF2-40B4-BE49-F238E27FC236}">
-                <a16:creationId xmlns="" xmlns:a16="http://schemas.microsoft.com/office/drawing/2014/main" id="{D5699794-BC6B-374B-8973-B2803B9FFE8E}"/>
+                <a16:creationId xmlns:a16="http://schemas.microsoft.com/office/drawing/2014/main" id="{D5699794-BC6B-374B-8973-B2803B9FFE8E}"/>
               </a:ext>
             </a:extLst>
           </p:cNvPr>
@@ -17738,7 +18166,7 @@
           <p:cNvPr id="4" name="文本框 3">
             <a:extLst>
               <a:ext uri="{FF2B5EF4-FFF2-40B4-BE49-F238E27FC236}">
-                <a16:creationId xmlns="" xmlns:a16="http://schemas.microsoft.com/office/drawing/2014/main" id="{E1887F0A-E0EF-0B41-A67D-509B1E54B6EF}"/>
+                <a16:creationId xmlns:a16="http://schemas.microsoft.com/office/drawing/2014/main" id="{E1887F0A-E0EF-0B41-A67D-509B1E54B6EF}"/>
               </a:ext>
             </a:extLst>
           </p:cNvPr>
@@ -17793,7 +18221,7 @@
           <p:cNvPr id="3" name="图片 2">
             <a:extLst>
               <a:ext uri="{FF2B5EF4-FFF2-40B4-BE49-F238E27FC236}">
-                <a16:creationId xmlns="" xmlns:a16="http://schemas.microsoft.com/office/drawing/2014/main" id="{9DE570D6-8448-0949-8B7A-E8B38C49D7FE}"/>
+                <a16:creationId xmlns:a16="http://schemas.microsoft.com/office/drawing/2014/main" id="{9DE570D6-8448-0949-8B7A-E8B38C49D7FE}"/>
               </a:ext>
             </a:extLst>
           </p:cNvPr>
@@ -18073,7 +18501,7 @@
           <p:cNvPr id="2" name="文本框 1">
             <a:extLst>
               <a:ext uri="{FF2B5EF4-FFF2-40B4-BE49-F238E27FC236}">
-                <a16:creationId xmlns="" xmlns:a16="http://schemas.microsoft.com/office/drawing/2014/main" id="{D01BB699-39D6-E14D-B576-6C82C2A92C3F}"/>
+                <a16:creationId xmlns:a16="http://schemas.microsoft.com/office/drawing/2014/main" id="{D01BB699-39D6-E14D-B576-6C82C2A92C3F}"/>
               </a:ext>
             </a:extLst>
           </p:cNvPr>
@@ -18117,7 +18545,7 @@
           <p:cNvPr id="25" name="矩形 24">
             <a:extLst>
               <a:ext uri="{FF2B5EF4-FFF2-40B4-BE49-F238E27FC236}">
-                <a16:creationId xmlns="" xmlns:a16="http://schemas.microsoft.com/office/drawing/2014/main" id="{D5699794-BC6B-374B-8973-B2803B9FFE8E}"/>
+                <a16:creationId xmlns:a16="http://schemas.microsoft.com/office/drawing/2014/main" id="{D5699794-BC6B-374B-8973-B2803B9FFE8E}"/>
               </a:ext>
             </a:extLst>
           </p:cNvPr>
@@ -18173,7 +18601,7 @@
           <p:cNvPr id="4" name="文本框 3">
             <a:extLst>
               <a:ext uri="{FF2B5EF4-FFF2-40B4-BE49-F238E27FC236}">
-                <a16:creationId xmlns="" xmlns:a16="http://schemas.microsoft.com/office/drawing/2014/main" id="{E1887F0A-E0EF-0B41-A67D-509B1E54B6EF}"/>
+                <a16:creationId xmlns:a16="http://schemas.microsoft.com/office/drawing/2014/main" id="{E1887F0A-E0EF-0B41-A67D-509B1E54B6EF}"/>
               </a:ext>
             </a:extLst>
           </p:cNvPr>
@@ -18205,7 +18633,19 @@
           <a:p>
             <a:r>
               <a:rPr lang="zh-CN" altLang="en-US" dirty="0"/>
-              <a:t>其中接口只是行为的说明而不是结构或者实现。</a:t>
+              <a:t>其中接口只是</a:t>
+            </a:r>
+            <a:r>
+              <a:rPr lang="zh-CN" altLang="en-US" dirty="0">
+                <a:solidFill>
+                  <a:srgbClr val="FF0000"/>
+                </a:solidFill>
+              </a:rPr>
+              <a:t>行为的说明</a:t>
+            </a:r>
+            <a:r>
+              <a:rPr lang="zh-CN" altLang="en-US" dirty="0"/>
+              <a:t>而不是结构或者实现。</a:t>
             </a:r>
             <a:endParaRPr kumimoji="1" lang="zh-CN" altLang="en-US" dirty="0"/>
           </a:p>
@@ -18216,7 +18656,7 @@
           <p:cNvPr id="3" name="图片 2">
             <a:extLst>
               <a:ext uri="{FF2B5EF4-FFF2-40B4-BE49-F238E27FC236}">
-                <a16:creationId xmlns="" xmlns:a16="http://schemas.microsoft.com/office/drawing/2014/main" id="{DD8B29D1-2602-AC4C-A365-A46C45CEE645}"/>
+                <a16:creationId xmlns:a16="http://schemas.microsoft.com/office/drawing/2014/main" id="{DD8B29D1-2602-AC4C-A365-A46C45CEE645}"/>
               </a:ext>
             </a:extLst>
           </p:cNvPr>
@@ -18400,7 +18840,24 @@
                 <a:latin typeface="黑体" pitchFamily="49" charset="-122"/>
                 <a:ea typeface="黑体" pitchFamily="49" charset="-122"/>
               </a:rPr>
-              <a:t>对象图是类图的实例，几乎使用和类图完全相同的标识，它们的不同点在于对象图显示类的多个对象实例，而不是实例的类。一个对象图是类图的一个实例。由于对象存在生命周期，因此对象图只能在系统某一时间段存在。</a:t>
+              <a:t>对象图是类图的</a:t>
+            </a:r>
+            <a:r>
+              <a:rPr lang="zh-CN" altLang="en-US" dirty="0" smtClean="0">
+                <a:solidFill>
+                  <a:srgbClr val="FF0000"/>
+                </a:solidFill>
+                <a:latin typeface="黑体" pitchFamily="49" charset="-122"/>
+                <a:ea typeface="黑体" pitchFamily="49" charset="-122"/>
+              </a:rPr>
+              <a:t>实例</a:t>
+            </a:r>
+            <a:r>
+              <a:rPr lang="zh-CN" altLang="en-US" dirty="0" smtClean="0">
+                <a:latin typeface="黑体" pitchFamily="49" charset="-122"/>
+                <a:ea typeface="黑体" pitchFamily="49" charset="-122"/>
+              </a:rPr>
+              <a:t>，几乎使用和类图完全相同的标识，它们的不同点在于对象图显示类的多个对象实例，而不是实例的类。一个对象图是类图的一个实例。由于对象存在生命周期，因此对象图只能在系统某一时间段存在。</a:t>
             </a:r>
             <a:endParaRPr lang="zh-CN" altLang="en-US" dirty="0">
               <a:latin typeface="黑体" pitchFamily="49" charset="-122"/>
@@ -18409,70 +18866,6 @@
           </a:p>
         </p:txBody>
       </p:sp>
-      <p:pic>
-        <p:nvPicPr>
-          <p:cNvPr id="1026" name="Picture 2"/>
-          <p:cNvPicPr>
-            <a:picLocks noChangeAspect="1" noChangeArrowheads="1"/>
-          </p:cNvPicPr>
-          <p:nvPr/>
-        </p:nvPicPr>
-        <p:blipFill>
-          <a:blip r:embed="rId2">
-            <a:extLst>
-              <a:ext uri="{28A0092B-C50C-407E-A947-70E740481C1C}">
-                <a14:useLocalDpi xmlns:a14="http://schemas.microsoft.com/office/drawing/2010/main" val="0"/>
-              </a:ext>
-            </a:extLst>
-          </a:blip>
-          <a:srcRect/>
-          <a:stretch>
-            <a:fillRect/>
-          </a:stretch>
-        </p:blipFill>
-        <p:spPr bwMode="auto">
-          <a:xfrm>
-            <a:off x="4652231" y="3718454"/>
-            <a:ext cx="3487722" cy="2625601"/>
-          </a:xfrm>
-          <a:prstGeom prst="rect">
-            <a:avLst/>
-          </a:prstGeom>
-          <a:noFill/>
-          <a:ln>
-            <a:noFill/>
-          </a:ln>
-          <a:effectLst/>
-          <a:extLst>
-            <a:ext uri="{909E8E84-426E-40DD-AFC4-6F175D3DCCD1}">
-              <a14:hiddenFill xmlns:a14="http://schemas.microsoft.com/office/drawing/2010/main">
-                <a:solidFill>
-                  <a:schemeClr val="accent1"/>
-                </a:solidFill>
-              </a14:hiddenFill>
-            </a:ext>
-            <a:ext uri="{91240B29-F687-4F45-9708-019B960494DF}">
-              <a14:hiddenLine xmlns:a14="http://schemas.microsoft.com/office/drawing/2010/main" w="9525">
-                <a:solidFill>
-                  <a:schemeClr val="tx1"/>
-                </a:solidFill>
-                <a:miter lim="800000"/>
-                <a:headEnd/>
-                <a:tailEnd/>
-              </a14:hiddenLine>
-            </a:ext>
-            <a:ext uri="{AF507438-7753-43E0-B8FC-AC1667EBCBE1}">
-              <a14:hiddenEffects xmlns:a14="http://schemas.microsoft.com/office/drawing/2010/main">
-                <a:effectLst>
-                  <a:outerShdw dist="35921" dir="2700000" algn="ctr" rotWithShape="0">
-                    <a:schemeClr val="bg2"/>
-                  </a:outerShdw>
-                </a:effectLst>
-              </a14:hiddenEffects>
-            </a:ext>
-          </a:extLst>
-        </p:spPr>
-      </p:pic>
       <p:sp>
         <p:nvSpPr>
           <p:cNvPr id="3" name="矩形 2"/>
@@ -18631,6 +19024,227 @@
           <a:p>
             <a:pPr algn="ctr"/>
             <a:endParaRPr lang="zh-CN" altLang="en-US"/>
+          </a:p>
+        </p:txBody>
+      </p:sp>
+      <p:pic>
+        <p:nvPicPr>
+          <p:cNvPr id="6" name="Picture 2"/>
+          <p:cNvPicPr>
+            <a:picLocks noChangeAspect="1" noChangeArrowheads="1"/>
+          </p:cNvPicPr>
+          <p:nvPr/>
+        </p:nvPicPr>
+        <p:blipFill>
+          <a:blip r:embed="rId2">
+            <a:extLst>
+              <a:ext uri="{28A0092B-C50C-407E-A947-70E740481C1C}">
+                <a14:useLocalDpi xmlns:a14="http://schemas.microsoft.com/office/drawing/2010/main" val="0"/>
+              </a:ext>
+            </a:extLst>
+          </a:blip>
+          <a:srcRect/>
+          <a:stretch>
+            <a:fillRect/>
+          </a:stretch>
+        </p:blipFill>
+        <p:spPr bwMode="auto">
+          <a:xfrm>
+            <a:off x="378100" y="2013439"/>
+            <a:ext cx="2752725" cy="2647950"/>
+          </a:xfrm>
+          <a:prstGeom prst="rect">
+            <a:avLst/>
+          </a:prstGeom>
+          <a:noFill/>
+          <a:ln>
+            <a:noFill/>
+          </a:ln>
+          <a:effectLst/>
+          <a:extLst>
+            <a:ext uri="{909E8E84-426E-40DD-AFC4-6F175D3DCCD1}">
+              <a14:hiddenFill xmlns:a14="http://schemas.microsoft.com/office/drawing/2010/main">
+                <a:solidFill>
+                  <a:schemeClr val="accent1"/>
+                </a:solidFill>
+              </a14:hiddenFill>
+            </a:ext>
+            <a:ext uri="{91240B29-F687-4F45-9708-019B960494DF}">
+              <a14:hiddenLine xmlns:a14="http://schemas.microsoft.com/office/drawing/2010/main" w="9525">
+                <a:solidFill>
+                  <a:schemeClr val="tx1"/>
+                </a:solidFill>
+                <a:miter lim="800000"/>
+                <a:headEnd/>
+                <a:tailEnd/>
+              </a14:hiddenLine>
+            </a:ext>
+            <a:ext uri="{AF507438-7753-43E0-B8FC-AC1667EBCBE1}">
+              <a14:hiddenEffects xmlns:a14="http://schemas.microsoft.com/office/drawing/2010/main">
+                <a:effectLst>
+                  <a:outerShdw dist="35921" dir="2700000" algn="ctr" rotWithShape="0">
+                    <a:schemeClr val="bg2"/>
+                  </a:outerShdw>
+                </a:effectLst>
+              </a14:hiddenEffects>
+            </a:ext>
+          </a:extLst>
+        </p:spPr>
+      </p:pic>
+      <p:sp>
+        <p:nvSpPr>
+          <p:cNvPr id="10" name="矩形 9"/>
+          <p:cNvSpPr/>
+          <p:nvPr/>
+        </p:nvSpPr>
+        <p:spPr>
+          <a:xfrm>
+            <a:off x="4450714" y="3747452"/>
+            <a:ext cx="7174783" cy="2308324"/>
+          </a:xfrm>
+          <a:prstGeom prst="rect">
+            <a:avLst/>
+          </a:prstGeom>
+        </p:spPr>
+        <p:txBody>
+          <a:bodyPr wrap="square">
+            <a:spAutoFit/>
+          </a:bodyPr>
+          <a:lstStyle/>
+          <a:p>
+            <a:r>
+              <a:rPr lang="en-US" altLang="zh-CN" b="1" dirty="0"/>
+              <a:t>class teacher{</a:t>
+            </a:r>
+          </a:p>
+          <a:p>
+            <a:r>
+              <a:rPr lang="en-US" altLang="zh-CN" b="1" dirty="0" smtClean="0"/>
+              <a:t>	</a:t>
+            </a:r>
+            <a:r>
+              <a:rPr lang="en-US" altLang="zh-CN" b="1" dirty="0" err="1" smtClean="0"/>
+              <a:t>int</a:t>
+            </a:r>
+            <a:r>
+              <a:rPr lang="en-US" altLang="zh-CN" b="1" dirty="0" smtClean="0"/>
+              <a:t> </a:t>
+            </a:r>
+            <a:r>
+              <a:rPr lang="en-US" altLang="zh-CN" b="1" dirty="0"/>
+              <a:t>id</a:t>
+            </a:r>
+            <a:r>
+              <a:rPr lang="en-US" altLang="zh-CN" b="1" dirty="0" smtClean="0"/>
+              <a:t>;</a:t>
+            </a:r>
+            <a:endParaRPr lang="en-US" altLang="zh-CN" b="1" dirty="0"/>
+          </a:p>
+          <a:p>
+            <a:r>
+              <a:rPr lang="en-US" altLang="zh-CN" dirty="0" smtClean="0"/>
+              <a:t>}</a:t>
+            </a:r>
+          </a:p>
+          <a:p>
+            <a:endParaRPr lang="en-US" altLang="zh-CN" dirty="0" smtClean="0"/>
+          </a:p>
+          <a:p>
+            <a:r>
+              <a:rPr lang="en-US" altLang="zh-CN" dirty="0"/>
+              <a:t>teacher </a:t>
+            </a:r>
+            <a:r>
+              <a:rPr lang="en-US" altLang="zh-CN" u="sng" dirty="0"/>
+              <a:t>t=</a:t>
+            </a:r>
+            <a:r>
+              <a:rPr lang="en-US" altLang="zh-CN" b="1" u="sng" dirty="0"/>
+              <a:t>new teacher();</a:t>
+            </a:r>
+            <a:endParaRPr lang="en-US" altLang="zh-CN" dirty="0">
+              <a:latin typeface="黑体" pitchFamily="49" charset="-122"/>
+              <a:ea typeface="黑体" pitchFamily="49" charset="-122"/>
+            </a:endParaRPr>
+          </a:p>
+          <a:p>
+            <a:r>
+              <a:rPr lang="en-US" altLang="zh-CN" dirty="0" smtClean="0"/>
+              <a:t>t.id=10086</a:t>
+            </a:r>
+            <a:r>
+              <a:rPr lang="zh-CN" altLang="en-US" dirty="0" smtClean="0"/>
+              <a:t>；</a:t>
+            </a:r>
+            <a:endParaRPr lang="en-US" altLang="zh-CN" dirty="0" smtClean="0"/>
+          </a:p>
+          <a:p>
+            <a:endParaRPr lang="en-US" altLang="zh-CN" dirty="0">
+              <a:latin typeface="黑体" pitchFamily="49" charset="-122"/>
+              <a:ea typeface="黑体" pitchFamily="49" charset="-122"/>
+            </a:endParaRPr>
+          </a:p>
+          <a:p>
+            <a:r>
+              <a:rPr lang="zh-CN" altLang="en-US" dirty="0" smtClean="0">
+                <a:latin typeface="黑体" pitchFamily="49" charset="-122"/>
+                <a:ea typeface="黑体" pitchFamily="49" charset="-122"/>
+              </a:rPr>
+              <a:t>用</a:t>
+            </a:r>
+            <a:r>
+              <a:rPr lang="en-US" altLang="zh-CN" dirty="0" smtClean="0">
+                <a:latin typeface="黑体" pitchFamily="49" charset="-122"/>
+                <a:ea typeface="黑体" pitchFamily="49" charset="-122"/>
+              </a:rPr>
+              <a:t>java</a:t>
+            </a:r>
+            <a:r>
+              <a:rPr lang="zh-CN" altLang="en-US" dirty="0" smtClean="0">
+                <a:latin typeface="黑体" pitchFamily="49" charset="-122"/>
+                <a:ea typeface="黑体" pitchFamily="49" charset="-122"/>
+              </a:rPr>
+              <a:t>代码来类比的话，</a:t>
+            </a:r>
+            <a:r>
+              <a:rPr lang="en-US" altLang="zh-CN" dirty="0" smtClean="0">
+                <a:latin typeface="黑体" pitchFamily="49" charset="-122"/>
+                <a:ea typeface="黑体" pitchFamily="49" charset="-122"/>
+              </a:rPr>
+              <a:t>class teacher</a:t>
+            </a:r>
+            <a:r>
+              <a:rPr lang="zh-CN" altLang="en-US" dirty="0" smtClean="0">
+                <a:latin typeface="黑体" pitchFamily="49" charset="-122"/>
+                <a:ea typeface="黑体" pitchFamily="49" charset="-122"/>
+              </a:rPr>
+              <a:t>就是类图</a:t>
+            </a:r>
+            <a:r>
+              <a:rPr lang="zh-CN" altLang="en-US" dirty="0">
+                <a:latin typeface="黑体" pitchFamily="49" charset="-122"/>
+                <a:ea typeface="黑体" pitchFamily="49" charset="-122"/>
+              </a:rPr>
+              <a:t>，</a:t>
+            </a:r>
+            <a:r>
+              <a:rPr lang="en-US" altLang="zh-CN" dirty="0" smtClean="0">
+                <a:latin typeface="黑体" pitchFamily="49" charset="-122"/>
+                <a:ea typeface="黑体" pitchFamily="49" charset="-122"/>
+              </a:rPr>
+              <a:t>t</a:t>
+            </a:r>
+            <a:r>
+              <a:rPr lang="zh-CN" altLang="en-US" dirty="0" smtClean="0">
+                <a:latin typeface="黑体" pitchFamily="49" charset="-122"/>
+                <a:ea typeface="黑体" pitchFamily="49" charset="-122"/>
+              </a:rPr>
+              <a:t>则是对象图。</a:t>
+            </a:r>
+            <a:endParaRPr lang="zh-CN" altLang="en-US" dirty="0">
+              <a:latin typeface="黑体" pitchFamily="49" charset="-122"/>
+              <a:ea typeface="黑体" pitchFamily="49" charset="-122"/>
+            </a:endParaRPr>
           </a:p>
         </p:txBody>
       </p:sp>
@@ -18744,8 +19358,20 @@
                 <a:tableStyleId>{5C22544A-7EE6-4342-B048-85BDC9FD1C3A}</a:tableStyleId>
               </a:tblPr>
               <a:tblGrid>
-                <a:gridCol w="4193442"/>
-                <a:gridCol w="4193442"/>
+                <a:gridCol w="4193442">
+                  <a:extLst>
+                    <a:ext uri="{9D8B030D-6E8A-4147-A177-3AD203B41FA5}">
+                      <a16:colId xmlns:a16="http://schemas.microsoft.com/office/drawing/2014/main" val="20000"/>
+                    </a:ext>
+                  </a:extLst>
+                </a:gridCol>
+                <a:gridCol w="4193442">
+                  <a:extLst>
+                    <a:ext uri="{9D8B030D-6E8A-4147-A177-3AD203B41FA5}">
+                      <a16:colId xmlns:a16="http://schemas.microsoft.com/office/drawing/2014/main" val="20001"/>
+                    </a:ext>
+                  </a:extLst>
+                </a:gridCol>
               </a:tblGrid>
               <a:tr h="868440">
                 <a:tc>
@@ -18790,6 +19416,11 @@
                   </a:txBody>
                   <a:tcPr/>
                 </a:tc>
+                <a:extLst>
+                  <a:ext uri="{0D108BD9-81ED-4DB2-BD59-A6C34878D82A}">
+                    <a16:rowId xmlns:a16="http://schemas.microsoft.com/office/drawing/2014/main" val="10000"/>
+                  </a:ext>
+                </a:extLst>
               </a:tr>
               <a:tr h="684441">
                 <a:tc>
@@ -18832,6 +19463,11 @@
                   </a:txBody>
                   <a:tcPr/>
                 </a:tc>
+                <a:extLst>
+                  <a:ext uri="{0D108BD9-81ED-4DB2-BD59-A6C34878D82A}">
+                    <a16:rowId xmlns:a16="http://schemas.microsoft.com/office/drawing/2014/main" val="10001"/>
+                  </a:ext>
+                </a:extLst>
               </a:tr>
               <a:tr h="684441">
                 <a:tc>
@@ -18874,6 +19510,11 @@
                   </a:txBody>
                   <a:tcPr/>
                 </a:tc>
+                <a:extLst>
+                  <a:ext uri="{0D108BD9-81ED-4DB2-BD59-A6C34878D82A}">
+                    <a16:rowId xmlns:a16="http://schemas.microsoft.com/office/drawing/2014/main" val="10002"/>
+                  </a:ext>
+                </a:extLst>
               </a:tr>
               <a:tr h="684441">
                 <a:tc>
@@ -18916,6 +19557,11 @@
                   </a:txBody>
                   <a:tcPr/>
                 </a:tc>
+                <a:extLst>
+                  <a:ext uri="{0D108BD9-81ED-4DB2-BD59-A6C34878D82A}">
+                    <a16:rowId xmlns:a16="http://schemas.microsoft.com/office/drawing/2014/main" val="10003"/>
+                  </a:ext>
+                </a:extLst>
               </a:tr>
               <a:tr h="684441">
                 <a:tc>
@@ -18958,6 +19604,11 @@
                   </a:txBody>
                   <a:tcPr/>
                 </a:tc>
+                <a:extLst>
+                  <a:ext uri="{0D108BD9-81ED-4DB2-BD59-A6C34878D82A}">
+                    <a16:rowId xmlns:a16="http://schemas.microsoft.com/office/drawing/2014/main" val="10004"/>
+                  </a:ext>
+                </a:extLst>
               </a:tr>
               <a:tr h="684441">
                 <a:tc>
@@ -19000,6 +19651,11 @@
                   </a:txBody>
                   <a:tcPr/>
                 </a:tc>
+                <a:extLst>
+                  <a:ext uri="{0D108BD9-81ED-4DB2-BD59-A6C34878D82A}">
+                    <a16:rowId xmlns:a16="http://schemas.microsoft.com/office/drawing/2014/main" val="10005"/>
+                  </a:ext>
+                </a:extLst>
               </a:tr>
             </a:tbl>
           </a:graphicData>
@@ -19485,7 +20141,7 @@
           <a:lstStyle/>
           <a:p>
             <a:r>
-              <a:rPr lang="zh-CN" altLang="en-US">
+              <a:rPr lang="zh-CN" altLang="en-US" dirty="0">
                 <a:sym typeface="+mn-ea"/>
               </a:rPr>
               <a:t>通常我们创建一个UML状态图是为了以下的研究目的：研究类、角色、子系统、或组件的复杂行为。</a:t>
@@ -19676,7 +20332,26 @@
                   </a:schemeClr>
                 </a:solidFill>
               </a:rPr>
-              <a:t>对象的状态之间的转移叫转换，它包括时间和动作</a:t>
+              <a:t>对象的</a:t>
+            </a:r>
+            <a:r>
+              <a:rPr lang="zh-CN" altLang="en-US" dirty="0" smtClean="0">
+                <a:solidFill>
+                  <a:srgbClr val="FF0000"/>
+                </a:solidFill>
+              </a:rPr>
+              <a:t>状态之间的转移</a:t>
+            </a:r>
+            <a:r>
+              <a:rPr lang="zh-CN" altLang="en-US" dirty="0" smtClean="0">
+                <a:solidFill>
+                  <a:schemeClr val="tx1">
+                    <a:lumMod val="75000"/>
+                    <a:lumOff val="25000"/>
+                  </a:schemeClr>
+                </a:solidFill>
+              </a:rPr>
+              <a:t>叫转换，它包括时间和动作</a:t>
             </a:r>
           </a:p>
         </p:txBody>
@@ -19861,12 +20536,12 @@
           <a:lstStyle/>
           <a:p>
             <a:r>
-              <a:rPr lang="zh-CN" altLang="en-US">
+              <a:rPr lang="zh-CN" altLang="en-US" dirty="0">
                 <a:sym typeface="+mn-ea"/>
               </a:rPr>
               <a:t>状态机图是描述一个实体基于事件反应的动态行为，显示了该实体如何根据当前所处的状态对不同的事件做出反应</a:t>
             </a:r>
-            <a:endParaRPr lang="zh-CN" altLang="en-US"/>
+            <a:endParaRPr lang="zh-CN" altLang="en-US" dirty="0"/>
           </a:p>
         </p:txBody>
       </p:sp>
@@ -20146,8 +20821,20 @@
           <a:lstStyle/>
           <a:p>
             <a:r>
-              <a:rPr lang="zh-CN" altLang="en-US"/>
-              <a:t>用来描述满足用例要求所要进行的活动以及活动间的约束关系，使用活动图有利于识别系统的并行活动。</a:t>
+              <a:rPr lang="zh-CN" altLang="en-US" dirty="0"/>
+              <a:t>用来描述满足用例要求所要进行的活动以及活动间的</a:t>
+            </a:r>
+            <a:r>
+              <a:rPr lang="zh-CN" altLang="en-US" dirty="0">
+                <a:solidFill>
+                  <a:srgbClr val="FF0000"/>
+                </a:solidFill>
+              </a:rPr>
+              <a:t>约束关系</a:t>
+            </a:r>
+            <a:r>
+              <a:rPr lang="zh-CN" altLang="en-US" dirty="0"/>
+              <a:t>，使用活动图有利于识别系统的并行活动。</a:t>
             </a:r>
           </a:p>
         </p:txBody>
@@ -20673,25 +21360,37 @@
           <a:lstStyle/>
           <a:p>
             <a:r>
-              <a:rPr lang="en-US" altLang="zh-CN"/>
+              <a:rPr lang="en-US" altLang="zh-CN" dirty="0"/>
               <a:t>     </a:t>
             </a:r>
             <a:r>
-              <a:rPr lang="zh-CN" altLang="en-US"/>
-              <a:t>顺序图是一种强调对象间消息传递次序的交互图，又称为时序图或序列图。     </a:t>
-            </a:r>
-            <a:r>
-              <a:rPr lang="en-US" altLang="zh-CN"/>
+              <a:rPr lang="zh-CN" altLang="en-US" dirty="0"/>
+              <a:t>顺序图是一种强调</a:t>
+            </a:r>
+            <a:r>
+              <a:rPr lang="zh-CN" altLang="en-US" dirty="0">
+                <a:solidFill>
+                  <a:srgbClr val="FF0000"/>
+                </a:solidFill>
+              </a:rPr>
+              <a:t>对象间消息传递次序</a:t>
+            </a:r>
+            <a:r>
+              <a:rPr lang="zh-CN" altLang="en-US" dirty="0"/>
+              <a:t>的交互图，又称为时序图或序列图。     </a:t>
+            </a:r>
+            <a:r>
+              <a:rPr lang="en-US" altLang="zh-CN" dirty="0"/>
               <a:t>	</a:t>
             </a:r>
           </a:p>
           <a:p>
             <a:r>
-              <a:rPr lang="en-US" altLang="zh-CN"/>
+              <a:rPr lang="en-US" altLang="zh-CN" dirty="0"/>
               <a:t>    </a:t>
             </a:r>
             <a:r>
-              <a:rPr lang="zh-CN" altLang="en-US"/>
+              <a:rPr lang="zh-CN" altLang="en-US" dirty="0"/>
               <a:t>描述了在一个用例或操作的执行过程中对象如何通过消息相互交互，说明了消息如何在对象之间被发送和接收以及发送的时间顺序。</a:t>
             </a:r>
           </a:p>
@@ -21485,7 +22184,7 @@
           <p:cNvPr id="6" name="图片 5">
             <a:extLst>
               <a:ext uri="{FF2B5EF4-FFF2-40B4-BE49-F238E27FC236}">
-                <a16:creationId xmlns="" xmlns:a16="http://schemas.microsoft.com/office/drawing/2014/main" id="{E27B404A-3C45-B045-937C-1AD95A95D654}"/>
+                <a16:creationId xmlns:a16="http://schemas.microsoft.com/office/drawing/2014/main" id="{E27B404A-3C45-B045-937C-1AD95A95D654}"/>
               </a:ext>
             </a:extLst>
           </p:cNvPr>
@@ -21521,7 +22220,7 @@
           <p:cNvPr id="8" name="直线连接符 7">
             <a:extLst>
               <a:ext uri="{FF2B5EF4-FFF2-40B4-BE49-F238E27FC236}">
-                <a16:creationId xmlns="" xmlns:a16="http://schemas.microsoft.com/office/drawing/2014/main" id="{64A34834-8FC8-ED4D-968B-7AEACEBB8D0A}"/>
+                <a16:creationId xmlns:a16="http://schemas.microsoft.com/office/drawing/2014/main" id="{64A34834-8FC8-ED4D-968B-7AEACEBB8D0A}"/>
               </a:ext>
             </a:extLst>
           </p:cNvPr>
@@ -21566,7 +22265,7 @@
           <p:cNvPr id="30" name="文本框 29">
             <a:extLst>
               <a:ext uri="{FF2B5EF4-FFF2-40B4-BE49-F238E27FC236}">
-                <a16:creationId xmlns="" xmlns:a16="http://schemas.microsoft.com/office/drawing/2014/main" id="{5CC7FDAE-FD9B-4545-8366-1D11EAFECD28}"/>
+                <a16:creationId xmlns:a16="http://schemas.microsoft.com/office/drawing/2014/main" id="{5CC7FDAE-FD9B-4545-8366-1D11EAFECD28}"/>
               </a:ext>
             </a:extLst>
           </p:cNvPr>
@@ -21576,7 +22275,7 @@
         <p:spPr>
           <a:xfrm>
             <a:off x="4865037" y="2374437"/>
-            <a:ext cx="7109639" cy="3351367"/>
+            <a:ext cx="7109639" cy="3416320"/>
           </a:xfrm>
           <a:prstGeom prst="rect">
             <a:avLst/>
@@ -21660,7 +22359,24 @@
                 <a:latin typeface="SimHei" panose="02010609060101010101" pitchFamily="49" charset="-122"/>
                 <a:ea typeface="SimHei" panose="02010609060101010101" pitchFamily="49" charset="-122"/>
               </a:rPr>
-              <a:t>一种开放的方法，用于说明、可视化、构建和编写一个正在开发的</a:t>
+              <a:t>一种开放的方法，用于说明、可视化、构建和编写一个</a:t>
+            </a:r>
+            <a:r>
+              <a:rPr kumimoji="1" lang="zh-CN" altLang="en-US" dirty="0">
+                <a:solidFill>
+                  <a:srgbClr val="FF0000"/>
+                </a:solidFill>
+                <a:latin typeface="SimHei" panose="02010609060101010101" pitchFamily="49" charset="-122"/>
+                <a:ea typeface="SimHei" panose="02010609060101010101" pitchFamily="49" charset="-122"/>
+              </a:rPr>
+              <a:t>正在开发</a:t>
+            </a:r>
+            <a:r>
+              <a:rPr kumimoji="1" lang="zh-CN" altLang="en-US" dirty="0">
+                <a:latin typeface="SimHei" panose="02010609060101010101" pitchFamily="49" charset="-122"/>
+                <a:ea typeface="SimHei" panose="02010609060101010101" pitchFamily="49" charset="-122"/>
+              </a:rPr>
+              <a:t>的</a:t>
             </a:r>
             <a:endParaRPr kumimoji="1" lang="en-US" altLang="zh-CN" dirty="0">
               <a:latin typeface="SimHei" panose="02010609060101010101" pitchFamily="49" charset="-122"/>
@@ -22286,8 +23002,20 @@
           <a:lstStyle/>
           <a:p>
             <a:r>
-              <a:rPr lang="zh-CN" altLang="en-US"/>
-              <a:t>通信图的消息必须有编号。</a:t>
+              <a:rPr lang="zh-CN" altLang="en-US" dirty="0"/>
+              <a:t>通信图的消息必须</a:t>
+            </a:r>
+            <a:r>
+              <a:rPr lang="zh-CN" altLang="en-US" dirty="0">
+                <a:solidFill>
+                  <a:srgbClr val="FF0000"/>
+                </a:solidFill>
+              </a:rPr>
+              <a:t>有编号</a:t>
+            </a:r>
+            <a:r>
+              <a:rPr lang="zh-CN" altLang="en-US" dirty="0"/>
+              <a:t>。</a:t>
             </a:r>
           </a:p>
         </p:txBody>
@@ -22315,8 +23043,20 @@
           <a:lstStyle/>
           <a:p>
             <a:r>
-              <a:rPr lang="zh-CN" altLang="en-US"/>
-              <a:t>通信图连接的线条是关联关系。</a:t>
+              <a:rPr lang="zh-CN" altLang="en-US" dirty="0"/>
+              <a:t>通信图连接的线条</a:t>
+            </a:r>
+            <a:r>
+              <a:rPr lang="zh-CN" altLang="en-US" dirty="0">
+                <a:solidFill>
+                  <a:srgbClr val="FF0000"/>
+                </a:solidFill>
+              </a:rPr>
+              <a:t>是关联关系</a:t>
+            </a:r>
+            <a:r>
+              <a:rPr lang="zh-CN" altLang="en-US" dirty="0"/>
+              <a:t>。</a:t>
             </a:r>
           </a:p>
         </p:txBody>
@@ -22344,7 +23084,7 @@
           <a:lstStyle/>
           <a:p>
             <a:r>
-              <a:rPr lang="zh-CN" altLang="en-US"/>
+              <a:rPr lang="zh-CN" altLang="en-US" dirty="0"/>
               <a:t>通信图消息流程不是至上而下的。</a:t>
             </a:r>
           </a:p>
@@ -22990,11 +23730,29 @@
           <a:p>
             <a:r>
               <a:rPr lang="zh-CN" altLang="en-US" sz="2000" b="1" dirty="0" smtClean="0"/>
-              <a:t>构件图，也称为组件图</a:t>
-            </a:r>
+              <a:t>构件图，也称为组件图。</a:t>
+            </a:r>
+            <a:endParaRPr lang="en-US" altLang="zh-CN" sz="2000" b="1" dirty="0" smtClean="0"/>
+          </a:p>
+          <a:p>
+            <a:endParaRPr lang="en-US" altLang="zh-CN" sz="2000" b="1" dirty="0" smtClean="0"/>
+          </a:p>
+          <a:p>
             <a:r>
               <a:rPr lang="zh-CN" altLang="en-US" sz="2000" b="1" dirty="0" smtClean="0"/>
-              <a:t>。</a:t>
+              <a:t>构件图描述代码部件的</a:t>
+            </a:r>
+            <a:r>
+              <a:rPr lang="zh-CN" altLang="en-US" sz="2000" b="1" dirty="0" smtClean="0">
+                <a:solidFill>
+                  <a:srgbClr val="FF0000"/>
+                </a:solidFill>
+              </a:rPr>
+              <a:t>物理结构及各部件之间的依赖关系</a:t>
+            </a:r>
+            <a:r>
+              <a:rPr lang="zh-CN" altLang="en-US" sz="2000" b="1" dirty="0" smtClean="0"/>
+              <a:t>、</a:t>
             </a:r>
             <a:endParaRPr lang="en-US" altLang="zh-CN" sz="2000" b="1" dirty="0" smtClean="0"/>
           </a:p>
@@ -23004,29 +23762,7 @@
           <a:p>
             <a:r>
               <a:rPr lang="zh-CN" altLang="en-US" sz="2000" b="1" dirty="0" smtClean="0"/>
-              <a:t>构件</a:t>
-            </a:r>
-            <a:r>
-              <a:rPr lang="zh-CN" altLang="en-US" sz="2000" b="1" dirty="0" smtClean="0"/>
-              <a:t>图描述代码部件的物理结构及各部件之间的依赖</a:t>
-            </a:r>
-            <a:r>
-              <a:rPr lang="zh-CN" altLang="en-US" sz="2000" b="1" dirty="0" smtClean="0"/>
-              <a:t>关系、</a:t>
-            </a:r>
-            <a:endParaRPr lang="en-US" altLang="zh-CN" sz="2000" b="1" dirty="0" smtClean="0"/>
-          </a:p>
-          <a:p>
-            <a:endParaRPr lang="en-US" altLang="zh-CN" sz="2000" b="1" dirty="0" smtClean="0"/>
-          </a:p>
-          <a:p>
-            <a:r>
-              <a:rPr lang="zh-CN" altLang="en-US" sz="2000" b="1" dirty="0" smtClean="0"/>
-              <a:t>有助于</a:t>
-            </a:r>
-            <a:r>
-              <a:rPr lang="zh-CN" altLang="en-US" sz="2000" b="1" dirty="0" smtClean="0"/>
-              <a:t>分析和理解部件之间的相互影响程度。</a:t>
+              <a:t>有助于分析和理解部件之间的相互影响程度。</a:t>
             </a:r>
             <a:endParaRPr lang="en-US" altLang="zh-CN" sz="2000" b="1" dirty="0" smtClean="0"/>
           </a:p>
@@ -25235,6 +25971,49 @@
           </a:fontRef>
         </p:style>
       </p:cxnSp>
+      <p:sp>
+        <p:nvSpPr>
+          <p:cNvPr id="11" name="矩形 10"/>
+          <p:cNvSpPr/>
+          <p:nvPr/>
+        </p:nvSpPr>
+        <p:spPr>
+          <a:xfrm>
+            <a:off x="204369" y="5059809"/>
+            <a:ext cx="7174783" cy="1015663"/>
+          </a:xfrm>
+          <a:prstGeom prst="rect">
+            <a:avLst/>
+          </a:prstGeom>
+        </p:spPr>
+        <p:txBody>
+          <a:bodyPr wrap="square">
+            <a:spAutoFit/>
+          </a:bodyPr>
+          <a:lstStyle/>
+          <a:p>
+            <a:r>
+              <a:rPr lang="zh-CN" altLang="en-US" sz="2000" dirty="0" smtClean="0"/>
+              <a:t>图中部件有发动机，传动装置，车轮</a:t>
+            </a:r>
+            <a:endParaRPr lang="en-US" altLang="zh-CN" sz="2000" dirty="0" smtClean="0"/>
+          </a:p>
+          <a:p>
+            <a:r>
+              <a:rPr lang="zh-CN" altLang="en-US" sz="2000" dirty="0" smtClean="0"/>
+              <a:t>连接件是人开车这个关系</a:t>
+            </a:r>
+            <a:endParaRPr lang="en-US" altLang="zh-CN" sz="2000" dirty="0" smtClean="0"/>
+          </a:p>
+          <a:p>
+            <a:r>
+              <a:rPr lang="zh-CN" altLang="en-US" sz="2000" dirty="0" smtClean="0"/>
+              <a:t>端口则是油门</a:t>
+            </a:r>
+            <a:endParaRPr lang="en-US" altLang="zh-CN" sz="2000" dirty="0" smtClean="0"/>
+          </a:p>
+        </p:txBody>
+      </p:sp>
     </p:spTree>
     <p:extLst>
       <p:ext uri="{BB962C8B-B14F-4D97-AF65-F5344CB8AC3E}">
@@ -32744,7 +33523,7 @@
           <p:cNvPr id="42" name="图片 41">
             <a:extLst>
               <a:ext uri="{FF2B5EF4-FFF2-40B4-BE49-F238E27FC236}">
-                <a16:creationId xmlns="" xmlns:a16="http://schemas.microsoft.com/office/drawing/2014/main" id="{BA3ADBCD-CB53-F442-978F-FD6288E335B9}"/>
+                <a16:creationId xmlns:a16="http://schemas.microsoft.com/office/drawing/2014/main" id="{BA3ADBCD-CB53-F442-978F-FD6288E335B9}"/>
               </a:ext>
             </a:extLst>
           </p:cNvPr>
@@ -32780,7 +33559,7 @@
           <p:cNvPr id="44" name="文本框 43">
             <a:extLst>
               <a:ext uri="{FF2B5EF4-FFF2-40B4-BE49-F238E27FC236}">
-                <a16:creationId xmlns="" xmlns:a16="http://schemas.microsoft.com/office/drawing/2014/main" id="{8F791799-2CBE-3D43-9B71-E618AE9315E5}"/>
+                <a16:creationId xmlns:a16="http://schemas.microsoft.com/office/drawing/2014/main" id="{8F791799-2CBE-3D43-9B71-E618AE9315E5}"/>
               </a:ext>
             </a:extLst>
           </p:cNvPr>
@@ -32848,7 +33627,7 @@
           <p:cNvPr id="45" name="文本框 44">
             <a:extLst>
               <a:ext uri="{FF2B5EF4-FFF2-40B4-BE49-F238E27FC236}">
-                <a16:creationId xmlns="" xmlns:a16="http://schemas.microsoft.com/office/drawing/2014/main" id="{F7DE7E5A-DECC-6A4D-A938-EA141C243805}"/>
+                <a16:creationId xmlns:a16="http://schemas.microsoft.com/office/drawing/2014/main" id="{F7DE7E5A-DECC-6A4D-A938-EA141C243805}"/>
               </a:ext>
             </a:extLst>
           </p:cNvPr>
@@ -32951,7 +33730,7 @@
           <p:cNvPr id="46" name="矩形 45">
             <a:extLst>
               <a:ext uri="{FF2B5EF4-FFF2-40B4-BE49-F238E27FC236}">
-                <a16:creationId xmlns="" xmlns:a16="http://schemas.microsoft.com/office/drawing/2014/main" id="{61C45F79-C58E-8C47-A206-530A8AA19D73}"/>
+                <a16:creationId xmlns:a16="http://schemas.microsoft.com/office/drawing/2014/main" id="{61C45F79-C58E-8C47-A206-530A8AA19D73}"/>
               </a:ext>
             </a:extLst>
           </p:cNvPr>
@@ -33007,7 +33786,7 @@
           <p:cNvPr id="47" name="矩形 46">
             <a:extLst>
               <a:ext uri="{FF2B5EF4-FFF2-40B4-BE49-F238E27FC236}">
-                <a16:creationId xmlns="" xmlns:a16="http://schemas.microsoft.com/office/drawing/2014/main" id="{9D0BAA37-A86E-2446-BC63-4E5CA1B80A7E}"/>
+                <a16:creationId xmlns:a16="http://schemas.microsoft.com/office/drawing/2014/main" id="{9D0BAA37-A86E-2446-BC63-4E5CA1B80A7E}"/>
               </a:ext>
             </a:extLst>
           </p:cNvPr>
@@ -33063,7 +33842,7 @@
           <p:cNvPr id="48" name="矩形 47">
             <a:extLst>
               <a:ext uri="{FF2B5EF4-FFF2-40B4-BE49-F238E27FC236}">
-                <a16:creationId xmlns="" xmlns:a16="http://schemas.microsoft.com/office/drawing/2014/main" id="{06F90677-BCAC-E642-B8FA-C84325C0F7C7}"/>
+                <a16:creationId xmlns:a16="http://schemas.microsoft.com/office/drawing/2014/main" id="{06F90677-BCAC-E642-B8FA-C84325C0F7C7}"/>
               </a:ext>
             </a:extLst>
           </p:cNvPr>
@@ -33119,7 +33898,7 @@
           <p:cNvPr id="51" name="直线箭头连接符 50">
             <a:extLst>
               <a:ext uri="{FF2B5EF4-FFF2-40B4-BE49-F238E27FC236}">
-                <a16:creationId xmlns="" xmlns:a16="http://schemas.microsoft.com/office/drawing/2014/main" id="{2F0515F0-DEC7-D74C-B787-EF75540719D7}"/>
+                <a16:creationId xmlns:a16="http://schemas.microsoft.com/office/drawing/2014/main" id="{2F0515F0-DEC7-D74C-B787-EF75540719D7}"/>
               </a:ext>
             </a:extLst>
           </p:cNvPr>
@@ -33162,7 +33941,7 @@
           <p:cNvPr id="55" name="直线箭头连接符 54">
             <a:extLst>
               <a:ext uri="{FF2B5EF4-FFF2-40B4-BE49-F238E27FC236}">
-                <a16:creationId xmlns="" xmlns:a16="http://schemas.microsoft.com/office/drawing/2014/main" id="{4D6EEEDB-52BC-6F40-AEA4-0E29686C72E7}"/>
+                <a16:creationId xmlns:a16="http://schemas.microsoft.com/office/drawing/2014/main" id="{4D6EEEDB-52BC-6F40-AEA4-0E29686C72E7}"/>
               </a:ext>
             </a:extLst>
           </p:cNvPr>
@@ -33204,7 +33983,7 @@
           <p:cNvPr id="57" name="直线箭头连接符 56">
             <a:extLst>
               <a:ext uri="{FF2B5EF4-FFF2-40B4-BE49-F238E27FC236}">
-                <a16:creationId xmlns="" xmlns:a16="http://schemas.microsoft.com/office/drawing/2014/main" id="{E2E5E522-74D0-4A43-9154-6DAA5C355186}"/>
+                <a16:creationId xmlns:a16="http://schemas.microsoft.com/office/drawing/2014/main" id="{E2E5E522-74D0-4A43-9154-6DAA5C355186}"/>
               </a:ext>
             </a:extLst>
           </p:cNvPr>
@@ -33251,6 +34030,13 @@
   <p:clrMapOvr>
     <a:masterClrMapping/>
   </p:clrMapOvr>
+  <p:timing>
+    <p:tnLst>
+      <p:par>
+        <p:cTn id="1" dur="indefinite" restart="never" nodeType="tmRoot"/>
+      </p:par>
+    </p:tnLst>
+  </p:timing>
 </p:sld>
 </file>
 
@@ -34198,18 +34984,7 @@
                   </a:schemeClr>
                 </a:solidFill>
               </a:rPr>
-              <a:t>1</a:t>
-            </a:r>
-            <a:r>
-              <a:rPr lang="en-US" altLang="zh-CN" sz="2400" b="1" dirty="0" smtClean="0">
-                <a:solidFill>
-                  <a:schemeClr val="tx1">
-                    <a:lumMod val="75000"/>
-                    <a:lumOff val="25000"/>
-                  </a:schemeClr>
-                </a:solidFill>
-              </a:rPr>
-              <a:t>.《</a:t>
+              <a:t>1.《</a:t>
             </a:r>
             <a:r>
               <a:rPr lang="en-US" altLang="zh-CN" sz="2400" b="1" dirty="0">
@@ -35286,9 +36061,27 @@
                 <a:tableStyleId>{5C22544A-7EE6-4342-B048-85BDC9FD1C3A}</a:tableStyleId>
               </a:tblPr>
               <a:tblGrid>
-                <a:gridCol w="3216987"/>
-                <a:gridCol w="3216987"/>
-                <a:gridCol w="3216987"/>
+                <a:gridCol w="3216987">
+                  <a:extLst>
+                    <a:ext uri="{9D8B030D-6E8A-4147-A177-3AD203B41FA5}">
+                      <a16:colId xmlns:a16="http://schemas.microsoft.com/office/drawing/2014/main" val="20000"/>
+                    </a:ext>
+                  </a:extLst>
+                </a:gridCol>
+                <a:gridCol w="3216987">
+                  <a:extLst>
+                    <a:ext uri="{9D8B030D-6E8A-4147-A177-3AD203B41FA5}">
+                      <a16:colId xmlns:a16="http://schemas.microsoft.com/office/drawing/2014/main" val="20001"/>
+                    </a:ext>
+                  </a:extLst>
+                </a:gridCol>
+                <a:gridCol w="3216987">
+                  <a:extLst>
+                    <a:ext uri="{9D8B030D-6E8A-4147-A177-3AD203B41FA5}">
+                      <a16:colId xmlns:a16="http://schemas.microsoft.com/office/drawing/2014/main" val="20002"/>
+                    </a:ext>
+                  </a:extLst>
+                </a:gridCol>
               </a:tblGrid>
               <a:tr h="622223">
                 <a:tc>
@@ -35333,6 +36126,11 @@
                   </a:txBody>
                   <a:tcPr/>
                 </a:tc>
+                <a:extLst>
+                  <a:ext uri="{0D108BD9-81ED-4DB2-BD59-A6C34878D82A}">
+                    <a16:rowId xmlns:a16="http://schemas.microsoft.com/office/drawing/2014/main" val="10000"/>
+                  </a:ext>
+                </a:extLst>
               </a:tr>
               <a:tr h="1037610">
                 <a:tc>
@@ -35404,6 +36202,11 @@
                   </a:txBody>
                   <a:tcPr/>
                 </a:tc>
+                <a:extLst>
+                  <a:ext uri="{0D108BD9-81ED-4DB2-BD59-A6C34878D82A}">
+                    <a16:rowId xmlns:a16="http://schemas.microsoft.com/office/drawing/2014/main" val="10001"/>
+                  </a:ext>
+                </a:extLst>
               </a:tr>
               <a:tr h="622223">
                 <a:tc>
@@ -35483,6 +36286,11 @@
                   </a:txBody>
                   <a:tcPr/>
                 </a:tc>
+                <a:extLst>
+                  <a:ext uri="{0D108BD9-81ED-4DB2-BD59-A6C34878D82A}">
+                    <a16:rowId xmlns:a16="http://schemas.microsoft.com/office/drawing/2014/main" val="10002"/>
+                  </a:ext>
+                </a:extLst>
               </a:tr>
               <a:tr h="622223">
                 <a:tc>
@@ -35546,6 +36354,11 @@
                   </a:txBody>
                   <a:tcPr/>
                 </a:tc>
+                <a:extLst>
+                  <a:ext uri="{0D108BD9-81ED-4DB2-BD59-A6C34878D82A}">
+                    <a16:rowId xmlns:a16="http://schemas.microsoft.com/office/drawing/2014/main" val="10003"/>
+                  </a:ext>
+                </a:extLst>
               </a:tr>
               <a:tr h="622223">
                 <a:tc>
@@ -35617,6 +36430,11 @@
                   </a:txBody>
                   <a:tcPr/>
                 </a:tc>
+                <a:extLst>
+                  <a:ext uri="{0D108BD9-81ED-4DB2-BD59-A6C34878D82A}">
+                    <a16:rowId xmlns:a16="http://schemas.microsoft.com/office/drawing/2014/main" val="10004"/>
+                  </a:ext>
+                </a:extLst>
               </a:tr>
               <a:tr h="622223">
                 <a:tc>
@@ -35688,6 +36506,11 @@
                   </a:txBody>
                   <a:tcPr/>
                 </a:tc>
+                <a:extLst>
+                  <a:ext uri="{0D108BD9-81ED-4DB2-BD59-A6C34878D82A}">
+                    <a16:rowId xmlns:a16="http://schemas.microsoft.com/office/drawing/2014/main" val="10005"/>
+                  </a:ext>
+                </a:extLst>
               </a:tr>
             </a:tbl>
           </a:graphicData>
@@ -37471,7 +38294,7 @@
           <p:cNvPr id="38" name="椭圆 37">
             <a:extLst>
               <a:ext uri="{FF2B5EF4-FFF2-40B4-BE49-F238E27FC236}">
-                <a16:creationId xmlns="" xmlns:a16="http://schemas.microsoft.com/office/drawing/2014/main" id="{5E753CFF-08E0-734D-A590-E7333EA98D72}"/>
+                <a16:creationId xmlns:a16="http://schemas.microsoft.com/office/drawing/2014/main" id="{5E753CFF-08E0-734D-A590-E7333EA98D72}"/>
               </a:ext>
             </a:extLst>
           </p:cNvPr>
@@ -37542,7 +38365,7 @@
           <p:cNvPr id="41" name="文本框 40">
             <a:extLst>
               <a:ext uri="{FF2B5EF4-FFF2-40B4-BE49-F238E27FC236}">
-                <a16:creationId xmlns="" xmlns:a16="http://schemas.microsoft.com/office/drawing/2014/main" id="{F039F396-5D25-8242-B224-CF45F1B3CE99}"/>
+                <a16:creationId xmlns:a16="http://schemas.microsoft.com/office/drawing/2014/main" id="{F039F396-5D25-8242-B224-CF45F1B3CE99}"/>
               </a:ext>
             </a:extLst>
           </p:cNvPr>
@@ -37593,6 +38416,13 @@
   <p:clrMapOvr>
     <a:masterClrMapping/>
   </p:clrMapOvr>
+  <p:timing>
+    <p:tnLst>
+      <p:par>
+        <p:cTn id="1" dur="indefinite" restart="never" nodeType="tmRoot"/>
+      </p:par>
+    </p:tnLst>
+  </p:timing>
 </p:sld>
 </file>
 
@@ -39846,7 +40676,7 @@
           <p:cNvPr id="37" name="组合 36">
             <a:extLst>
               <a:ext uri="{FF2B5EF4-FFF2-40B4-BE49-F238E27FC236}">
-                <a16:creationId xmlns="" xmlns:a16="http://schemas.microsoft.com/office/drawing/2014/main" id="{E3FF51E2-CDF6-0B42-B383-CD5B94C8EF70}"/>
+                <a16:creationId xmlns:a16="http://schemas.microsoft.com/office/drawing/2014/main" id="{E3FF51E2-CDF6-0B42-B383-CD5B94C8EF70}"/>
               </a:ext>
             </a:extLst>
           </p:cNvPr>
@@ -39869,7 +40699,7 @@
             <p:cNvPr id="38" name="Freeform 345">
               <a:extLst>
                 <a:ext uri="{FF2B5EF4-FFF2-40B4-BE49-F238E27FC236}">
-                  <a16:creationId xmlns="" xmlns:a16="http://schemas.microsoft.com/office/drawing/2014/main" id="{86BCF635-F7EA-D540-A4CD-6A53AC7084D2}"/>
+                  <a16:creationId xmlns:a16="http://schemas.microsoft.com/office/drawing/2014/main" id="{86BCF635-F7EA-D540-A4CD-6A53AC7084D2}"/>
                 </a:ext>
               </a:extLst>
             </p:cNvPr>
@@ -40098,7 +40928,7 @@
             <p:cNvPr id="39" name="Freeform 346">
               <a:extLst>
                 <a:ext uri="{FF2B5EF4-FFF2-40B4-BE49-F238E27FC236}">
-                  <a16:creationId xmlns="" xmlns:a16="http://schemas.microsoft.com/office/drawing/2014/main" id="{79DB172C-4BDA-0A4F-B984-35880135DE6E}"/>
+                  <a16:creationId xmlns:a16="http://schemas.microsoft.com/office/drawing/2014/main" id="{79DB172C-4BDA-0A4F-B984-35880135DE6E}"/>
                 </a:ext>
               </a:extLst>
             </p:cNvPr>
@@ -40308,7 +41138,7 @@
             <p:cNvPr id="40" name="Freeform 347">
               <a:extLst>
                 <a:ext uri="{FF2B5EF4-FFF2-40B4-BE49-F238E27FC236}">
-                  <a16:creationId xmlns="" xmlns:a16="http://schemas.microsoft.com/office/drawing/2014/main" id="{0F4FCE83-0239-274A-BE11-708FE7DC3209}"/>
+                  <a16:creationId xmlns:a16="http://schemas.microsoft.com/office/drawing/2014/main" id="{0F4FCE83-0239-274A-BE11-708FE7DC3209}"/>
                 </a:ext>
               </a:extLst>
             </p:cNvPr>
@@ -40537,7 +41367,7 @@
             <p:cNvPr id="41" name="Freeform 348">
               <a:extLst>
                 <a:ext uri="{FF2B5EF4-FFF2-40B4-BE49-F238E27FC236}">
-                  <a16:creationId xmlns="" xmlns:a16="http://schemas.microsoft.com/office/drawing/2014/main" id="{86C1B032-46A4-9F4C-8262-A0C314CD6B0A}"/>
+                  <a16:creationId xmlns:a16="http://schemas.microsoft.com/office/drawing/2014/main" id="{86C1B032-46A4-9F4C-8262-A0C314CD6B0A}"/>
                 </a:ext>
               </a:extLst>
             </p:cNvPr>
@@ -40766,7 +41596,7 @@
             <p:cNvPr id="42" name="Freeform 349">
               <a:extLst>
                 <a:ext uri="{FF2B5EF4-FFF2-40B4-BE49-F238E27FC236}">
-                  <a16:creationId xmlns="" xmlns:a16="http://schemas.microsoft.com/office/drawing/2014/main" id="{39923ED7-7E4B-8E4E-B3CB-E476749BCCF4}"/>
+                  <a16:creationId xmlns:a16="http://schemas.microsoft.com/office/drawing/2014/main" id="{39923ED7-7E4B-8E4E-B3CB-E476749BCCF4}"/>
                 </a:ext>
               </a:extLst>
             </p:cNvPr>
@@ -40936,7 +41766,7 @@
             <p:cNvPr id="43" name="Freeform 350">
               <a:extLst>
                 <a:ext uri="{FF2B5EF4-FFF2-40B4-BE49-F238E27FC236}">
-                  <a16:creationId xmlns="" xmlns:a16="http://schemas.microsoft.com/office/drawing/2014/main" id="{38617E65-A442-F242-967E-83FF8628BC0A}"/>
+                  <a16:creationId xmlns:a16="http://schemas.microsoft.com/office/drawing/2014/main" id="{38617E65-A442-F242-967E-83FF8628BC0A}"/>
                 </a:ext>
               </a:extLst>
             </p:cNvPr>
@@ -41171,6 +42001,13 @@
   <p:clrMapOvr>
     <a:masterClrMapping/>
   </p:clrMapOvr>
+  <p:timing>
+    <p:tnLst>
+      <p:par>
+        <p:cTn id="1" dur="indefinite" restart="never" nodeType="tmRoot"/>
+      </p:par>
+    </p:tnLst>
+  </p:timing>
 </p:sld>
 </file>
 
@@ -41429,7 +42266,7 @@
           <p:cNvPr id="2" name="椭圆 1">
             <a:extLst>
               <a:ext uri="{FF2B5EF4-FFF2-40B4-BE49-F238E27FC236}">
-                <a16:creationId xmlns="" xmlns:a16="http://schemas.microsoft.com/office/drawing/2014/main" id="{54ED688D-699E-4A5E-B933-5CF67A93B60E}"/>
+                <a16:creationId xmlns:a16="http://schemas.microsoft.com/office/drawing/2014/main" id="{54ED688D-699E-4A5E-B933-5CF67A93B60E}"/>
               </a:ext>
             </a:extLst>
           </p:cNvPr>
@@ -41483,7 +42320,7 @@
           <p:cNvPr id="3" name="椭圆 2">
             <a:extLst>
               <a:ext uri="{FF2B5EF4-FFF2-40B4-BE49-F238E27FC236}">
-                <a16:creationId xmlns="" xmlns:a16="http://schemas.microsoft.com/office/drawing/2014/main" id="{F2A8193D-751C-4536-8EEA-961EB56916C2}"/>
+                <a16:creationId xmlns:a16="http://schemas.microsoft.com/office/drawing/2014/main" id="{F2A8193D-751C-4536-8EEA-961EB56916C2}"/>
               </a:ext>
             </a:extLst>
           </p:cNvPr>
@@ -41537,7 +42374,7 @@
           <p:cNvPr id="4" name="矩形 3">
             <a:extLst>
               <a:ext uri="{FF2B5EF4-FFF2-40B4-BE49-F238E27FC236}">
-                <a16:creationId xmlns="" xmlns:a16="http://schemas.microsoft.com/office/drawing/2014/main" id="{17990B4A-4EBB-4032-97B2-481B44FB5113}"/>
+                <a16:creationId xmlns:a16="http://schemas.microsoft.com/office/drawing/2014/main" id="{17990B4A-4EBB-4032-97B2-481B44FB5113}"/>
               </a:ext>
             </a:extLst>
           </p:cNvPr>
@@ -41593,7 +42430,7 @@
           <p:cNvPr id="5" name="文本框 4">
             <a:extLst>
               <a:ext uri="{FF2B5EF4-FFF2-40B4-BE49-F238E27FC236}">
-                <a16:creationId xmlns="" xmlns:a16="http://schemas.microsoft.com/office/drawing/2014/main" id="{12FF30AA-4638-4461-BBFE-DC0B25E3A2B7}"/>
+                <a16:creationId xmlns:a16="http://schemas.microsoft.com/office/drawing/2014/main" id="{12FF30AA-4638-4461-BBFE-DC0B25E3A2B7}"/>
               </a:ext>
             </a:extLst>
           </p:cNvPr>
@@ -41628,7 +42465,7 @@
           <p:cNvPr id="6" name="文本框 5">
             <a:extLst>
               <a:ext uri="{FF2B5EF4-FFF2-40B4-BE49-F238E27FC236}">
-                <a16:creationId xmlns="" xmlns:a16="http://schemas.microsoft.com/office/drawing/2014/main" id="{1367F423-6D2B-445C-8841-921615E13B22}"/>
+                <a16:creationId xmlns:a16="http://schemas.microsoft.com/office/drawing/2014/main" id="{1367F423-6D2B-445C-8841-921615E13B22}"/>
               </a:ext>
             </a:extLst>
           </p:cNvPr>
@@ -41671,7 +42508,7 @@
           <p:cNvPr id="7" name="文本框 6">
             <a:extLst>
               <a:ext uri="{FF2B5EF4-FFF2-40B4-BE49-F238E27FC236}">
-                <a16:creationId xmlns="" xmlns:a16="http://schemas.microsoft.com/office/drawing/2014/main" id="{19FAB1EB-79EB-4109-A8EA-1E1F06FA6695}"/>
+                <a16:creationId xmlns:a16="http://schemas.microsoft.com/office/drawing/2014/main" id="{19FAB1EB-79EB-4109-A8EA-1E1F06FA6695}"/>
               </a:ext>
             </a:extLst>
           </p:cNvPr>
@@ -41714,7 +42551,7 @@
           <p:cNvPr id="8" name="文本框 7">
             <a:extLst>
               <a:ext uri="{FF2B5EF4-FFF2-40B4-BE49-F238E27FC236}">
-                <a16:creationId xmlns="" xmlns:a16="http://schemas.microsoft.com/office/drawing/2014/main" id="{42AB80C4-4CBF-4B28-830B-7AF3FE4C026E}"/>
+                <a16:creationId xmlns:a16="http://schemas.microsoft.com/office/drawing/2014/main" id="{42AB80C4-4CBF-4B28-830B-7AF3FE4C026E}"/>
               </a:ext>
             </a:extLst>
           </p:cNvPr>
@@ -41757,7 +42594,7 @@
           <p:cNvPr id="9" name="文本框 8">
             <a:extLst>
               <a:ext uri="{FF2B5EF4-FFF2-40B4-BE49-F238E27FC236}">
-                <a16:creationId xmlns="" xmlns:a16="http://schemas.microsoft.com/office/drawing/2014/main" id="{20FC334A-7EF4-4424-A4F5-11E8CD97C4FD}"/>
+                <a16:creationId xmlns:a16="http://schemas.microsoft.com/office/drawing/2014/main" id="{20FC334A-7EF4-4424-A4F5-11E8CD97C4FD}"/>
               </a:ext>
             </a:extLst>
           </p:cNvPr>
@@ -41800,7 +42637,7 @@
           <p:cNvPr id="10" name="文本框 9">
             <a:extLst>
               <a:ext uri="{FF2B5EF4-FFF2-40B4-BE49-F238E27FC236}">
-                <a16:creationId xmlns="" xmlns:a16="http://schemas.microsoft.com/office/drawing/2014/main" id="{C8772DB2-0CD7-4A9A-8C18-10ADED5873CA}"/>
+                <a16:creationId xmlns:a16="http://schemas.microsoft.com/office/drawing/2014/main" id="{C8772DB2-0CD7-4A9A-8C18-10ADED5873CA}"/>
               </a:ext>
             </a:extLst>
           </p:cNvPr>
@@ -41843,7 +42680,7 @@
           <p:cNvPr id="11" name="文本框 10">
             <a:extLst>
               <a:ext uri="{FF2B5EF4-FFF2-40B4-BE49-F238E27FC236}">
-                <a16:creationId xmlns="" xmlns:a16="http://schemas.microsoft.com/office/drawing/2014/main" id="{0F62FA8D-0B6B-4D4B-87DE-B7311167F49E}"/>
+                <a16:creationId xmlns:a16="http://schemas.microsoft.com/office/drawing/2014/main" id="{0F62FA8D-0B6B-4D4B-87DE-B7311167F49E}"/>
               </a:ext>
             </a:extLst>
           </p:cNvPr>
@@ -41886,7 +42723,7 @@
           <p:cNvPr id="12" name="文本框 11">
             <a:extLst>
               <a:ext uri="{FF2B5EF4-FFF2-40B4-BE49-F238E27FC236}">
-                <a16:creationId xmlns="" xmlns:a16="http://schemas.microsoft.com/office/drawing/2014/main" id="{0F1DA3E5-BE4D-4B37-A728-2986AB00A043}"/>
+                <a16:creationId xmlns:a16="http://schemas.microsoft.com/office/drawing/2014/main" id="{0F1DA3E5-BE4D-4B37-A728-2986AB00A043}"/>
               </a:ext>
             </a:extLst>
           </p:cNvPr>
@@ -41929,7 +42766,7 @@
           <p:cNvPr id="13" name="文本框 12">
             <a:extLst>
               <a:ext uri="{FF2B5EF4-FFF2-40B4-BE49-F238E27FC236}">
-                <a16:creationId xmlns="" xmlns:a16="http://schemas.microsoft.com/office/drawing/2014/main" id="{435F96C1-E615-442B-B5CF-B2B6ABD56B57}"/>
+                <a16:creationId xmlns:a16="http://schemas.microsoft.com/office/drawing/2014/main" id="{435F96C1-E615-442B-B5CF-B2B6ABD56B57}"/>
               </a:ext>
             </a:extLst>
           </p:cNvPr>
@@ -41972,7 +42809,7 @@
           <p:cNvPr id="14" name="文本框 13">
             <a:extLst>
               <a:ext uri="{FF2B5EF4-FFF2-40B4-BE49-F238E27FC236}">
-                <a16:creationId xmlns="" xmlns:a16="http://schemas.microsoft.com/office/drawing/2014/main" id="{22D19A81-1B6B-47E1-9F60-9413038B76C2}"/>
+                <a16:creationId xmlns:a16="http://schemas.microsoft.com/office/drawing/2014/main" id="{22D19A81-1B6B-47E1-9F60-9413038B76C2}"/>
               </a:ext>
             </a:extLst>
           </p:cNvPr>
@@ -42015,7 +42852,7 @@
           <p:cNvPr id="15" name="文本框 14">
             <a:extLst>
               <a:ext uri="{FF2B5EF4-FFF2-40B4-BE49-F238E27FC236}">
-                <a16:creationId xmlns="" xmlns:a16="http://schemas.microsoft.com/office/drawing/2014/main" id="{4898143E-DFC8-4C7B-BCC7-A972E730C25F}"/>
+                <a16:creationId xmlns:a16="http://schemas.microsoft.com/office/drawing/2014/main" id="{4898143E-DFC8-4C7B-BCC7-A972E730C25F}"/>
               </a:ext>
             </a:extLst>
           </p:cNvPr>
@@ -42058,7 +42895,7 @@
           <p:cNvPr id="16" name="文本框 15">
             <a:extLst>
               <a:ext uri="{FF2B5EF4-FFF2-40B4-BE49-F238E27FC236}">
-                <a16:creationId xmlns="" xmlns:a16="http://schemas.microsoft.com/office/drawing/2014/main" id="{4E2C9ACD-5D90-449C-B374-90C2FDE9018F}"/>
+                <a16:creationId xmlns:a16="http://schemas.microsoft.com/office/drawing/2014/main" id="{4E2C9ACD-5D90-449C-B374-90C2FDE9018F}"/>
               </a:ext>
             </a:extLst>
           </p:cNvPr>
@@ -42101,7 +42938,7 @@
           <p:cNvPr id="17" name="文本框 16">
             <a:extLst>
               <a:ext uri="{FF2B5EF4-FFF2-40B4-BE49-F238E27FC236}">
-                <a16:creationId xmlns="" xmlns:a16="http://schemas.microsoft.com/office/drawing/2014/main" id="{86EE007B-B9BF-46FF-880E-A1487667A294}"/>
+                <a16:creationId xmlns:a16="http://schemas.microsoft.com/office/drawing/2014/main" id="{86EE007B-B9BF-46FF-880E-A1487667A294}"/>
               </a:ext>
             </a:extLst>
           </p:cNvPr>
@@ -42149,6 +42986,13 @@
   <p:clrMapOvr>
     <a:masterClrMapping/>
   </p:clrMapOvr>
+  <p:timing>
+    <p:tnLst>
+      <p:par>
+        <p:cTn id="1" dur="indefinite" restart="never" nodeType="tmRoot"/>
+      </p:par>
+    </p:tnLst>
+  </p:timing>
 </p:sld>
 </file>
 
@@ -42452,7 +43296,7 @@
   <a:extraClrSchemeLst/>
   <a:extLst>
     <a:ext uri="{05A4C25C-085E-4340-85A3-A5531E510DB2}">
-      <thm15:themeFamily xmlns:thm15="http://schemas.microsoft.com/office/thememl/2012/main" xmlns="" name="Office Theme" id="{62F939B6-93AF-4DB8-9C6B-D6C7DFDC589F}" vid="{4A3C46E8-61CC-4603-A589-7422A47A8E4A}"/>
+      <thm15:themeFamily xmlns:thm15="http://schemas.microsoft.com/office/thememl/2012/main" name="Office Theme" id="{62F939B6-93AF-4DB8-9C6B-D6C7DFDC589F}" vid="{4A3C46E8-61CC-4603-A589-7422A47A8E4A}"/>
     </a:ext>
   </a:extLst>
 </a:theme>
@@ -42713,7 +43557,7 @@
   <a:extraClrSchemeLst/>
   <a:extLst>
     <a:ext uri="{05A4C25C-085E-4340-85A3-A5531E510DB2}">
-      <thm15:themeFamily xmlns:thm15="http://schemas.microsoft.com/office/thememl/2012/main" xmlns="" name="Office Theme" id="{62F939B6-93AF-4DB8-9C6B-D6C7DFDC589F}" vid="{4A3C46E8-61CC-4603-A589-7422A47A8E4A}"/>
+      <thm15:themeFamily xmlns:thm15="http://schemas.microsoft.com/office/thememl/2012/main" name="Office Theme" id="{62F939B6-93AF-4DB8-9C6B-D6C7DFDC589F}" vid="{4A3C46E8-61CC-4603-A589-7422A47A8E4A}"/>
     </a:ext>
   </a:extLst>
 </a:theme>
